--- a/presentación lunes 24 octubre 2016.pptx
+++ b/presentación lunes 24 octubre 2016.pptx
@@ -5100,8 +5100,8 @@
         </p:blipFill>
         <p:spPr>
           <a:xfrm>
-            <a:off x="3654406" y="1149999"/>
-            <a:ext cx="7216793" cy="5451143"/>
+            <a:off x="4277810" y="1173848"/>
+            <a:ext cx="6341598" cy="4790072"/>
           </a:xfrm>
         </p:spPr>
       </p:pic>
@@ -5165,6 +5165,59 @@
               <a:t> CMH</a:t>
             </a:r>
             <a:endParaRPr lang="en-US" sz="2800" dirty="0"/>
+          </a:p>
+        </p:txBody>
+      </p:sp>
+      <p:sp>
+        <p:nvSpPr>
+          <p:cNvPr id="7" name="TextBox 6"/>
+          <p:cNvSpPr txBox="1"/>
+          <p:nvPr/>
+        </p:nvSpPr>
+        <p:spPr>
+          <a:xfrm>
+            <a:off x="4277810" y="6172200"/>
+            <a:ext cx="5274201" cy="369332"/>
+          </a:xfrm>
+          <a:prstGeom prst="rect">
+            <a:avLst/>
+          </a:prstGeom>
+          <a:noFill/>
+        </p:spPr>
+        <p:txBody>
+          <a:bodyPr wrap="none" rtlCol="0">
+            <a:spAutoFit/>
+          </a:bodyPr>
+          <a:lstStyle/>
+          <a:p>
+            <a:r>
+              <a:rPr lang="en-US" dirty="0" smtClean="0"/>
+              <a:t>Fig 4: </a:t>
+            </a:r>
+            <a:r>
+              <a:rPr lang="en-US" dirty="0" err="1" smtClean="0"/>
+              <a:t>modelo</a:t>
+            </a:r>
+            <a:r>
+              <a:rPr lang="en-US" dirty="0" smtClean="0"/>
+              <a:t> de </a:t>
+            </a:r>
+            <a:r>
+              <a:rPr lang="en-US" dirty="0" err="1" smtClean="0"/>
+              <a:t>datos</a:t>
+            </a:r>
+            <a:r>
+              <a:rPr lang="en-US" dirty="0" smtClean="0"/>
+              <a:t> de la base de </a:t>
+            </a:r>
+            <a:r>
+              <a:rPr lang="en-US" dirty="0" err="1" smtClean="0"/>
+              <a:t>datos</a:t>
+            </a:r>
+            <a:r>
+              <a:rPr lang="en-US" dirty="0" smtClean="0"/>
+              <a:t> CMH</a:t>
+            </a:r>
           </a:p>
         </p:txBody>
       </p:sp>
@@ -5276,7 +5329,7 @@
         </p:blipFill>
         <p:spPr>
           <a:xfrm>
-            <a:off x="3880612" y="2462476"/>
+            <a:off x="3880612" y="1903676"/>
             <a:ext cx="7073900" cy="4019604"/>
           </a:xfrm>
           <a:prstGeom prst="rect">
@@ -5327,6 +5380,60 @@
               <a:t>Seguros</a:t>
             </a:r>
             <a:endParaRPr lang="en-US" sz="2800" dirty="0"/>
+          </a:p>
+        </p:txBody>
+      </p:sp>
+      <p:sp>
+        <p:nvSpPr>
+          <p:cNvPr id="2" name="TextBox 1"/>
+          <p:cNvSpPr txBox="1"/>
+          <p:nvPr/>
+        </p:nvSpPr>
+        <p:spPr>
+          <a:xfrm>
+            <a:off x="3952240" y="6146800"/>
+            <a:ext cx="5703806" cy="369332"/>
+          </a:xfrm>
+          <a:prstGeom prst="rect">
+            <a:avLst/>
+          </a:prstGeom>
+          <a:noFill/>
+        </p:spPr>
+        <p:txBody>
+          <a:bodyPr wrap="none" rtlCol="0">
+            <a:spAutoFit/>
+          </a:bodyPr>
+          <a:lstStyle/>
+          <a:p>
+            <a:r>
+              <a:rPr lang="en-US" dirty="0" smtClean="0"/>
+              <a:t>Fig 5: </a:t>
+            </a:r>
+            <a:r>
+              <a:rPr lang="en-US" dirty="0" err="1" smtClean="0"/>
+              <a:t>Modelo</a:t>
+            </a:r>
+            <a:r>
+              <a:rPr lang="en-US" dirty="0" smtClean="0"/>
+              <a:t> de </a:t>
+            </a:r>
+            <a:r>
+              <a:rPr lang="en-US" dirty="0" err="1" smtClean="0"/>
+              <a:t>datos</a:t>
+            </a:r>
+            <a:r>
+              <a:rPr lang="en-US" dirty="0" smtClean="0"/>
+              <a:t> del web service </a:t>
+            </a:r>
+            <a:r>
+              <a:rPr lang="en-US" dirty="0" err="1" smtClean="0"/>
+              <a:t>aseguradora</a:t>
+            </a:r>
+            <a:r>
+              <a:rPr lang="en-US" dirty="0" smtClean="0"/>
+              <a:t>.</a:t>
+            </a:r>
+            <a:endParaRPr lang="en-US" dirty="0"/>
           </a:p>
         </p:txBody>
       </p:sp>
@@ -6028,6 +6135,64 @@
           </a:p>
         </p:txBody>
       </p:sp>
+      <p:sp>
+        <p:nvSpPr>
+          <p:cNvPr id="3" name="TextBox 2"/>
+          <p:cNvSpPr txBox="1"/>
+          <p:nvPr/>
+        </p:nvSpPr>
+        <p:spPr>
+          <a:xfrm>
+            <a:off x="2631440" y="6156960"/>
+            <a:ext cx="5000087" cy="369332"/>
+          </a:xfrm>
+          <a:prstGeom prst="rect">
+            <a:avLst/>
+          </a:prstGeom>
+          <a:noFill/>
+        </p:spPr>
+        <p:txBody>
+          <a:bodyPr wrap="none" rtlCol="0">
+            <a:spAutoFit/>
+          </a:bodyPr>
+          <a:lstStyle/>
+          <a:p>
+            <a:r>
+              <a:rPr lang="en-US" dirty="0" smtClean="0"/>
+              <a:t>Fig 1: </a:t>
+            </a:r>
+            <a:r>
+              <a:rPr lang="en-US" dirty="0" err="1" smtClean="0"/>
+              <a:t>Diagrama</a:t>
+            </a:r>
+            <a:r>
+              <a:rPr lang="en-US" dirty="0" smtClean="0"/>
+              <a:t> de </a:t>
+            </a:r>
+            <a:r>
+              <a:rPr lang="en-US" dirty="0" err="1" smtClean="0"/>
+              <a:t>despliegue</a:t>
+            </a:r>
+            <a:r>
+              <a:rPr lang="en-US" dirty="0"/>
+              <a:t> </a:t>
+            </a:r>
+            <a:r>
+              <a:rPr lang="en-US" dirty="0" smtClean="0"/>
+              <a:t>de la </a:t>
+            </a:r>
+            <a:r>
+              <a:rPr lang="en-US" dirty="0" err="1" smtClean="0"/>
+              <a:t>solución</a:t>
+            </a:r>
+            <a:r>
+              <a:rPr lang="en-US" dirty="0" smtClean="0"/>
+              <a:t>.</a:t>
+            </a:r>
+            <a:endParaRPr lang="en-US" dirty="0"/>
+          </a:p>
+        </p:txBody>
+      </p:sp>
     </p:spTree>
     <p:extLst>
       <p:ext uri="{BB962C8B-B14F-4D97-AF65-F5344CB8AC3E}">
@@ -6170,6 +6335,7 @@
               <a:rPr lang="en-US" sz="3200" dirty="0" smtClean="0"/>
               <a:t>.</a:t>
             </a:r>
+            <a:endParaRPr lang="en-US" sz="3200" dirty="0" smtClean="0"/>
           </a:p>
           <a:p>
             <a:pPr lvl="1"/>
@@ -6981,6 +7147,64 @@
           </a:p>
         </p:txBody>
       </p:sp>
+      <p:sp>
+        <p:nvSpPr>
+          <p:cNvPr id="3" name="TextBox 2"/>
+          <p:cNvSpPr txBox="1"/>
+          <p:nvPr/>
+        </p:nvSpPr>
+        <p:spPr>
+          <a:xfrm>
+            <a:off x="1261872" y="6284396"/>
+            <a:ext cx="5237331" cy="369332"/>
+          </a:xfrm>
+          <a:prstGeom prst="rect">
+            <a:avLst/>
+          </a:prstGeom>
+          <a:noFill/>
+        </p:spPr>
+        <p:txBody>
+          <a:bodyPr wrap="none" rtlCol="0">
+            <a:spAutoFit/>
+          </a:bodyPr>
+          <a:lstStyle/>
+          <a:p>
+            <a:r>
+              <a:rPr lang="en-US" dirty="0" smtClean="0"/>
+              <a:t>Fig 2: </a:t>
+            </a:r>
+            <a:r>
+              <a:rPr lang="en-US" dirty="0" err="1" smtClean="0"/>
+              <a:t>Matriz</a:t>
+            </a:r>
+            <a:r>
+              <a:rPr lang="en-US" dirty="0" smtClean="0"/>
+              <a:t> de </a:t>
+            </a:r>
+            <a:r>
+              <a:rPr lang="en-US" dirty="0" err="1" smtClean="0"/>
+              <a:t>requerimientos</a:t>
+            </a:r>
+            <a:r>
+              <a:rPr lang="en-US" dirty="0" smtClean="0"/>
+              <a:t> vs </a:t>
+            </a:r>
+            <a:r>
+              <a:rPr lang="en-US" dirty="0" err="1" smtClean="0"/>
+              <a:t>casos</a:t>
+            </a:r>
+            <a:r>
+              <a:rPr lang="en-US" dirty="0" smtClean="0"/>
+              <a:t> de </a:t>
+            </a:r>
+            <a:r>
+              <a:rPr lang="en-US" dirty="0" err="1" smtClean="0"/>
+              <a:t>uso</a:t>
+            </a:r>
+            <a:endParaRPr lang="en-US" dirty="0"/>
+          </a:p>
+        </p:txBody>
+      </p:sp>
     </p:spTree>
     <p:extLst>
       <p:ext uri="{BB962C8B-B14F-4D97-AF65-F5344CB8AC3E}">
@@ -7075,21 +7299,223 @@
           </a:p>
         </p:txBody>
       </p:sp>
-      <p:sp>
-        <p:nvSpPr>
-          <p:cNvPr id="3" name="Content Placeholder 2"/>
-          <p:cNvSpPr>
-            <a:spLocks noGrp="1"/>
-          </p:cNvSpPr>
+      <p:pic>
+        <p:nvPicPr>
+          <p:cNvPr id="5" name="Content Placeholder 4"/>
+          <p:cNvPicPr>
+            <a:picLocks noGrp="1" noChangeAspect="1"/>
+          </p:cNvPicPr>
           <p:nvPr>
             <p:ph idx="1"/>
           </p:nvPr>
-        </p:nvSpPr>
-        <p:spPr/>
-        <p:txBody>
-          <a:bodyPr/>
-          <a:lstStyle/>
-          <a:p>
+        </p:nvPicPr>
+        <p:blipFill>
+          <a:blip r:embed="rId2">
+            <a:extLst>
+              <a:ext uri="{28A0092B-C50C-407E-A947-70E740481C1C}">
+                <a14:useLocalDpi xmlns:a14="http://schemas.microsoft.com/office/drawing/2010/main" val="0"/>
+              </a:ext>
+            </a:extLst>
+          </a:blip>
+          <a:stretch>
+            <a:fillRect/>
+          </a:stretch>
+        </p:blipFill>
+        <p:spPr>
+          <a:xfrm>
+            <a:off x="1261872" y="1882732"/>
+            <a:ext cx="6294150" cy="3660378"/>
+          </a:xfrm>
+        </p:spPr>
+      </p:pic>
+      <p:sp>
+        <p:nvSpPr>
+          <p:cNvPr id="7" name="TextBox 6"/>
+          <p:cNvSpPr txBox="1"/>
+          <p:nvPr/>
+        </p:nvSpPr>
+        <p:spPr>
+          <a:xfrm>
+            <a:off x="7765774" y="2279374"/>
+            <a:ext cx="3188738" cy="1477328"/>
+          </a:xfrm>
+          <a:prstGeom prst="rect">
+            <a:avLst/>
+          </a:prstGeom>
+          <a:noFill/>
+        </p:spPr>
+        <p:txBody>
+          <a:bodyPr wrap="square" rtlCol="0">
+            <a:spAutoFit/>
+          </a:bodyPr>
+          <a:lstStyle/>
+          <a:p>
+            <a:r>
+              <a:rPr lang="en-US" dirty="0" smtClean="0"/>
+              <a:t>100% de </a:t>
+            </a:r>
+            <a:r>
+              <a:rPr lang="en-US" dirty="0" err="1" smtClean="0"/>
+              <a:t>los</a:t>
+            </a:r>
+            <a:r>
+              <a:rPr lang="en-US" dirty="0" smtClean="0"/>
+              <a:t> </a:t>
+            </a:r>
+            <a:r>
+              <a:rPr lang="en-US" dirty="0" err="1" smtClean="0"/>
+              <a:t>requerimientos</a:t>
+            </a:r>
+            <a:r>
+              <a:rPr lang="en-US" dirty="0" smtClean="0"/>
+              <a:t> </a:t>
+            </a:r>
+            <a:r>
+              <a:rPr lang="en-US" dirty="0" err="1" smtClean="0"/>
+              <a:t>funcionales</a:t>
+            </a:r>
+            <a:r>
+              <a:rPr lang="en-US" dirty="0" smtClean="0"/>
+              <a:t> </a:t>
+            </a:r>
+            <a:r>
+              <a:rPr lang="en-US" dirty="0" err="1" smtClean="0"/>
+              <a:t>tienen</a:t>
+            </a:r>
+            <a:r>
+              <a:rPr lang="en-US" dirty="0" smtClean="0"/>
+              <a:t> al </a:t>
+            </a:r>
+            <a:r>
+              <a:rPr lang="en-US" dirty="0" err="1" smtClean="0"/>
+              <a:t>menos</a:t>
+            </a:r>
+            <a:r>
+              <a:rPr lang="en-US" dirty="0" smtClean="0"/>
+              <a:t> </a:t>
+            </a:r>
+            <a:r>
+              <a:rPr lang="en-US" dirty="0" err="1" smtClean="0"/>
+              <a:t>una</a:t>
+            </a:r>
+            <a:r>
+              <a:rPr lang="en-US" dirty="0" smtClean="0"/>
+              <a:t> </a:t>
+            </a:r>
+            <a:r>
+              <a:rPr lang="en-US" dirty="0" err="1" smtClean="0"/>
+              <a:t>clase</a:t>
+            </a:r>
+            <a:r>
+              <a:rPr lang="en-US" dirty="0" smtClean="0"/>
+              <a:t> </a:t>
+            </a:r>
+            <a:r>
+              <a:rPr lang="en-US" dirty="0" err="1" smtClean="0"/>
+              <a:t>asociada</a:t>
+            </a:r>
+            <a:r>
+              <a:rPr lang="en-US" dirty="0" smtClean="0"/>
+              <a:t>, </a:t>
+            </a:r>
+            <a:r>
+              <a:rPr lang="en-US" dirty="0" err="1" smtClean="0"/>
+              <a:t>responsable</a:t>
+            </a:r>
+            <a:r>
+              <a:rPr lang="en-US" dirty="0" smtClean="0"/>
+              <a:t> </a:t>
+            </a:r>
+            <a:r>
+              <a:rPr lang="en-US" dirty="0" err="1" smtClean="0"/>
+              <a:t>satisfacer</a:t>
+            </a:r>
+            <a:r>
+              <a:rPr lang="en-US" dirty="0" smtClean="0"/>
+              <a:t> </a:t>
+            </a:r>
+            <a:r>
+              <a:rPr lang="en-US" dirty="0" err="1" smtClean="0"/>
+              <a:t>sus</a:t>
+            </a:r>
+            <a:r>
+              <a:rPr lang="en-US" dirty="0" smtClean="0"/>
+              <a:t> </a:t>
+            </a:r>
+            <a:r>
+              <a:rPr lang="en-US" dirty="0" err="1" smtClean="0"/>
+              <a:t>necesidades</a:t>
+            </a:r>
+            <a:r>
+              <a:rPr lang="en-US" dirty="0" smtClean="0"/>
+              <a:t> </a:t>
+            </a:r>
+            <a:r>
+              <a:rPr lang="en-US" dirty="0" err="1" smtClean="0"/>
+              <a:t>lógicas</a:t>
+            </a:r>
+            <a:endParaRPr lang="en-US" dirty="0" smtClean="0"/>
+          </a:p>
+        </p:txBody>
+      </p:sp>
+      <p:sp>
+        <p:nvSpPr>
+          <p:cNvPr id="9" name="TextBox 8"/>
+          <p:cNvSpPr txBox="1"/>
+          <p:nvPr/>
+        </p:nvSpPr>
+        <p:spPr>
+          <a:xfrm>
+            <a:off x="1259840" y="5770880"/>
+            <a:ext cx="5513048" cy="369332"/>
+          </a:xfrm>
+          <a:prstGeom prst="rect">
+            <a:avLst/>
+          </a:prstGeom>
+          <a:noFill/>
+        </p:spPr>
+        <p:txBody>
+          <a:bodyPr wrap="none" rtlCol="0">
+            <a:spAutoFit/>
+          </a:bodyPr>
+          <a:lstStyle/>
+          <a:p>
+            <a:r>
+              <a:rPr lang="en-US" dirty="0" smtClean="0"/>
+              <a:t>Fig 3: </a:t>
+            </a:r>
+            <a:r>
+              <a:rPr lang="en-US" dirty="0" err="1" smtClean="0"/>
+              <a:t>matriz</a:t>
+            </a:r>
+            <a:r>
+              <a:rPr lang="en-US" dirty="0" smtClean="0"/>
+              <a:t> de </a:t>
+            </a:r>
+            <a:r>
+              <a:rPr lang="en-US" dirty="0" err="1" smtClean="0"/>
+              <a:t>requerimientos</a:t>
+            </a:r>
+            <a:r>
+              <a:rPr lang="en-US" dirty="0" smtClean="0"/>
+              <a:t> vs </a:t>
+            </a:r>
+            <a:r>
+              <a:rPr lang="en-US" dirty="0" err="1" smtClean="0"/>
+              <a:t>clases</a:t>
+            </a:r>
+            <a:r>
+              <a:rPr lang="en-US" dirty="0" smtClean="0"/>
+              <a:t> (</a:t>
+            </a:r>
+            <a:r>
+              <a:rPr lang="en-US" dirty="0" err="1" smtClean="0"/>
+              <a:t>parcial</a:t>
+            </a:r>
+            <a:r>
+              <a:rPr lang="en-US" dirty="0" smtClean="0"/>
+              <a:t>)</a:t>
+            </a:r>
             <a:endParaRPr lang="en-US" dirty="0"/>
           </a:p>
         </p:txBody>

--- a/presentación lunes 24 octubre 2016.pptx
+++ b/presentación lunes 24 octubre 2016.pptx
@@ -3228,10 +3228,10 @@
           </a:lstStyle>
           <a:p>
             <a:r>
-              <a:rPr lang="es-ES" smtClean="0"/>
+              <a:rPr lang="es-ES" dirty="0" smtClean="0"/>
               <a:t>Haga clic en el icono para agregar una imagen</a:t>
             </a:r>
-            <a:endParaRPr lang="en-US"/>
+            <a:endParaRPr lang="en-US" dirty="0"/>
           </a:p>
         </p:txBody>
       </p:sp>
@@ -4099,10 +4099,10 @@
           <a:lstStyle/>
           <a:p>
             <a:r>
-              <a:rPr lang="es-CL" smtClean="0"/>
+              <a:rPr lang="es-CL" dirty="0" smtClean="0"/>
               <a:t>Proyecto “Centro médico Hipócrates”: Iteración 2</a:t>
             </a:r>
-            <a:endParaRPr lang="es-CL"/>
+            <a:endParaRPr lang="es-CL" dirty="0"/>
           </a:p>
         </p:txBody>
       </p:sp>
@@ -4262,18 +4262,10 @@
           <a:lstStyle/>
           <a:p>
             <a:r>
-              <a:rPr lang="en-US" err="1" smtClean="0"/>
-              <a:t>Modelo</a:t>
-            </a:r>
-            <a:r>
-              <a:rPr lang="en-US" smtClean="0"/>
-              <a:t> de </a:t>
-            </a:r>
-            <a:r>
-              <a:rPr lang="en-US" err="1" smtClean="0"/>
-              <a:t>clases</a:t>
-            </a:r>
-            <a:endParaRPr lang="en-US"/>
+              <a:rPr lang="es-ES_tradnl" dirty="0" smtClean="0"/>
+              <a:t>Modelo de clases</a:t>
+            </a:r>
+            <a:endParaRPr lang="es-ES_tradnl" dirty="0"/>
           </a:p>
         </p:txBody>
       </p:sp>
@@ -4295,40 +4287,16 @@
           <a:lstStyle/>
           <a:p>
             <a:r>
-              <a:rPr lang="en-US" sz="6000" dirty="0"/>
-              <a:t>3</a:t>
-            </a:r>
-            <a:r>
-              <a:rPr lang="en-US" sz="6000" dirty="0" smtClean="0"/>
-              <a:t> </a:t>
-            </a:r>
-            <a:r>
-              <a:rPr lang="en-US" sz="6000" dirty="0" err="1" smtClean="0"/>
-              <a:t>paquetes</a:t>
-            </a:r>
-            <a:r>
-              <a:rPr lang="en-US" sz="6000" dirty="0" smtClean="0"/>
-              <a:t> Java</a:t>
-            </a:r>
-          </a:p>
-          <a:p>
-            <a:r>
-              <a:rPr lang="en-US" sz="6000" dirty="0"/>
-              <a:t>3</a:t>
-            </a:r>
-            <a:r>
-              <a:rPr lang="en-US" sz="6000" dirty="0" smtClean="0"/>
-              <a:t> </a:t>
-            </a:r>
-            <a:r>
-              <a:rPr lang="en-US" sz="6000" dirty="0" err="1" smtClean="0"/>
-              <a:t>paquetes</a:t>
-            </a:r>
-            <a:r>
-              <a:rPr lang="en-US" sz="6000" dirty="0" smtClean="0"/>
-              <a:t> .NET</a:t>
-            </a:r>
-            <a:endParaRPr lang="en-US" sz="6000" dirty="0"/>
+              <a:rPr lang="es-ES_tradnl" sz="6000" dirty="0" smtClean="0"/>
+              <a:t>3 paquetes Java</a:t>
+            </a:r>
+          </a:p>
+          <a:p>
+            <a:r>
+              <a:rPr lang="es-ES_tradnl" sz="6000" dirty="0" smtClean="0"/>
+              <a:t>3 paquetes .NET</a:t>
+            </a:r>
+            <a:endParaRPr lang="es-ES_tradnl" sz="6000" dirty="0"/>
           </a:p>
         </p:txBody>
       </p:sp>
@@ -4350,10 +4318,10 @@
           <a:lstStyle/>
           <a:p>
             <a:fld id="{66B77C49-310C-4D67-A641-7D2CCF3E3B8A}" type="slidenum">
-              <a:rPr lang="es-CL" smtClean="0"/>
+              <a:rPr lang="es-ES_tradnl" smtClean="0"/>
               <a:t>9</a:t>
             </a:fld>
-            <a:endParaRPr lang="es-CL"/>
+            <a:endParaRPr lang="es-ES_tradnl" dirty="0"/>
           </a:p>
         </p:txBody>
       </p:sp>
@@ -4403,18 +4371,10 @@
           <a:lstStyle/>
           <a:p>
             <a:r>
-              <a:rPr lang="en-US" dirty="0" err="1" smtClean="0"/>
-              <a:t>Modelo</a:t>
-            </a:r>
-            <a:r>
-              <a:rPr lang="en-US" dirty="0" smtClean="0"/>
-              <a:t> de </a:t>
-            </a:r>
-            <a:r>
-              <a:rPr lang="en-US" dirty="0" err="1" smtClean="0"/>
-              <a:t>clases</a:t>
-            </a:r>
-            <a:endParaRPr lang="en-US" dirty="0"/>
+              <a:rPr lang="es-ES_tradnl" dirty="0" smtClean="0"/>
+              <a:t>Modelo de clases</a:t>
+            </a:r>
+            <a:endParaRPr lang="es-ES_tradnl" dirty="0"/>
           </a:p>
         </p:txBody>
       </p:sp>
@@ -4436,85 +4396,43 @@
           <a:lstStyle/>
           <a:p>
             <a:r>
-              <a:rPr lang="en-US" sz="3200" dirty="0" err="1" smtClean="0"/>
-              <a:t>Paquetes</a:t>
-            </a:r>
-            <a:r>
-              <a:rPr lang="en-US" sz="3200" dirty="0" smtClean="0"/>
-              <a:t> Java:</a:t>
+              <a:rPr lang="es-ES_tradnl" sz="4400" dirty="0" smtClean="0"/>
+              <a:t>Paquetes Java:</a:t>
             </a:r>
           </a:p>
           <a:p>
             <a:pPr lvl="1"/>
             <a:r>
-              <a:rPr lang="en-US" sz="3000" dirty="0" err="1" smtClean="0"/>
+              <a:rPr lang="es-ES_tradnl" sz="4000" dirty="0" smtClean="0"/>
               <a:t>cmh.lib.dal</a:t>
             </a:r>
             <a:r>
-              <a:rPr lang="en-US" sz="3000" dirty="0" smtClean="0"/>
-              <a:t>: </a:t>
-            </a:r>
-            <a:r>
-              <a:rPr lang="en-US" sz="3000" dirty="0" err="1" smtClean="0"/>
-              <a:t>persistencia</a:t>
-            </a:r>
-            <a:endParaRPr lang="en-US" sz="3000" dirty="0" smtClean="0"/>
+              <a:rPr lang="es-ES_tradnl" sz="4000" dirty="0" smtClean="0"/>
+              <a:t>: persistencia</a:t>
+            </a:r>
           </a:p>
           <a:p>
             <a:pPr lvl="1"/>
             <a:r>
-              <a:rPr lang="en-US" sz="3000" dirty="0" err="1" smtClean="0"/>
+              <a:rPr lang="es-ES_tradnl" sz="4000" dirty="0" smtClean="0"/>
               <a:t>cmh.webapp.bl</a:t>
             </a:r>
             <a:r>
-              <a:rPr lang="en-US" sz="3000" dirty="0" smtClean="0"/>
-              <a:t>: </a:t>
-            </a:r>
-            <a:r>
-              <a:rPr lang="en-US" sz="3000" dirty="0" err="1" smtClean="0"/>
-              <a:t>lógica</a:t>
-            </a:r>
-            <a:r>
-              <a:rPr lang="en-US" sz="3000" dirty="0" smtClean="0"/>
-              <a:t> de </a:t>
-            </a:r>
-            <a:r>
-              <a:rPr lang="en-US" sz="3000" dirty="0" err="1" smtClean="0"/>
-              <a:t>negocios</a:t>
-            </a:r>
-            <a:endParaRPr lang="en-US" sz="3000" dirty="0" smtClean="0"/>
+              <a:rPr lang="es-ES_tradnl" sz="4000" dirty="0" smtClean="0"/>
+              <a:t>: lógica de negocios</a:t>
+            </a:r>
           </a:p>
           <a:p>
             <a:pPr lvl="1"/>
             <a:r>
-              <a:rPr lang="en-US" sz="3000" dirty="0" err="1" smtClean="0"/>
+              <a:rPr lang="es-ES_tradnl" sz="4000" dirty="0" smtClean="0"/>
               <a:t>cmh.servpago</a:t>
             </a:r>
             <a:r>
-              <a:rPr lang="en-US" sz="3000" dirty="0" smtClean="0"/>
-              <a:t>: </a:t>
-            </a:r>
-            <a:r>
-              <a:rPr lang="en-US" sz="3000" dirty="0" err="1" smtClean="0"/>
-              <a:t>servicio</a:t>
-            </a:r>
-            <a:r>
-              <a:rPr lang="en-US" sz="3000" dirty="0" smtClean="0"/>
-              <a:t> de </a:t>
-            </a:r>
-            <a:r>
-              <a:rPr lang="en-US" sz="3000" dirty="0" err="1" smtClean="0"/>
-              <a:t>pago</a:t>
-            </a:r>
-            <a:r>
-              <a:rPr lang="en-US" sz="3000" dirty="0"/>
-              <a:t> </a:t>
-            </a:r>
-            <a:r>
-              <a:rPr lang="en-US" sz="3000" dirty="0" err="1" smtClean="0"/>
-              <a:t>automático</a:t>
-            </a:r>
-            <a:endParaRPr lang="en-US" sz="3000" dirty="0"/>
+              <a:rPr lang="es-ES_tradnl" sz="4000" dirty="0" smtClean="0"/>
+              <a:t>: servicio de pago automático</a:t>
+            </a:r>
+            <a:endParaRPr lang="es-ES_tradnl" sz="4000" dirty="0"/>
           </a:p>
         </p:txBody>
       </p:sp>
@@ -4536,10 +4454,10 @@
           <a:lstStyle/>
           <a:p>
             <a:fld id="{66B77C49-310C-4D67-A641-7D2CCF3E3B8A}" type="slidenum">
-              <a:rPr lang="es-CL" smtClean="0"/>
+              <a:rPr lang="es-ES_tradnl" smtClean="0"/>
               <a:t>10</a:t>
             </a:fld>
-            <a:endParaRPr lang="es-CL"/>
+            <a:endParaRPr lang="es-ES_tradnl" dirty="0"/>
           </a:p>
         </p:txBody>
       </p:sp>
@@ -4589,18 +4507,10 @@
           <a:lstStyle/>
           <a:p>
             <a:r>
-              <a:rPr lang="en-US" dirty="0" err="1" smtClean="0"/>
-              <a:t>Modelo</a:t>
-            </a:r>
-            <a:r>
-              <a:rPr lang="en-US" dirty="0" smtClean="0"/>
-              <a:t> de </a:t>
-            </a:r>
-            <a:r>
-              <a:rPr lang="en-US" dirty="0" err="1" smtClean="0"/>
-              <a:t>clases</a:t>
-            </a:r>
-            <a:endParaRPr lang="en-US" dirty="0"/>
+              <a:rPr lang="es-ES_tradnl" dirty="0" smtClean="0"/>
+              <a:t>Modelo de clases</a:t>
+            </a:r>
+            <a:endParaRPr lang="es-ES_tradnl" dirty="0"/>
           </a:p>
         </p:txBody>
       </p:sp>
@@ -4622,102 +4532,59 @@
           <a:lstStyle/>
           <a:p>
             <a:r>
-              <a:rPr lang="en-US" sz="3200" dirty="0" err="1" smtClean="0"/>
-              <a:t>Paquetes</a:t>
-            </a:r>
-            <a:r>
-              <a:rPr lang="en-US" sz="3200" dirty="0" smtClean="0"/>
-              <a:t> .NET:</a:t>
+              <a:rPr lang="es-ES_tradnl" sz="4000" dirty="0" smtClean="0"/>
+              <a:t>Paquetes .NET:</a:t>
             </a:r>
           </a:p>
           <a:p>
             <a:pPr lvl="1"/>
             <a:r>
-              <a:rPr lang="en-US" sz="3000" dirty="0" err="1" smtClean="0"/>
+              <a:rPr lang="es-ES_tradnl" sz="3600" dirty="0" smtClean="0"/>
               <a:t>CMH.Terminal.DAL</a:t>
             </a:r>
             <a:r>
-              <a:rPr lang="en-US" sz="3000" dirty="0" smtClean="0"/>
-              <a:t>: </a:t>
-            </a:r>
-            <a:r>
-              <a:rPr lang="en-US" sz="3000" dirty="0" err="1" smtClean="0"/>
-              <a:t>persistencia</a:t>
-            </a:r>
-            <a:r>
-              <a:rPr lang="en-US" sz="3000" dirty="0" smtClean="0"/>
-              <a:t> Entity Framework</a:t>
+              <a:rPr lang="es-ES_tradnl" sz="3600" dirty="0" smtClean="0"/>
+              <a:t>: persistencia </a:t>
+            </a:r>
+            <a:r>
+              <a:rPr lang="es-ES_tradnl" sz="3600" dirty="0" smtClean="0"/>
+              <a:t>Entity</a:t>
+            </a:r>
+            <a:r>
+              <a:rPr lang="es-ES_tradnl" sz="3600" dirty="0" smtClean="0"/>
+              <a:t> Framework</a:t>
             </a:r>
           </a:p>
           <a:p>
             <a:pPr lvl="1"/>
             <a:r>
-              <a:rPr lang="en-US" sz="3000" dirty="0" err="1" smtClean="0"/>
+              <a:rPr lang="es-ES_tradnl" sz="3600" dirty="0" smtClean="0"/>
               <a:t>CMH.Terminal.BL</a:t>
             </a:r>
             <a:r>
-              <a:rPr lang="en-US" sz="3000" dirty="0" smtClean="0"/>
-              <a:t>: </a:t>
-            </a:r>
-            <a:r>
-              <a:rPr lang="en-US" sz="3000" dirty="0" err="1" smtClean="0"/>
-              <a:t>lógica</a:t>
-            </a:r>
-            <a:r>
-              <a:rPr lang="en-US" sz="3000" dirty="0" smtClean="0"/>
-              <a:t> de </a:t>
-            </a:r>
-            <a:r>
-              <a:rPr lang="en-US" sz="3000" dirty="0" err="1" smtClean="0"/>
-              <a:t>negocios</a:t>
-            </a:r>
-            <a:r>
-              <a:rPr lang="en-US" sz="3000" dirty="0" smtClean="0"/>
-              <a:t> del terminal</a:t>
+              <a:rPr lang="es-ES_tradnl" sz="3600" dirty="0" smtClean="0"/>
+              <a:t>: lógica de negocios del terminal</a:t>
             </a:r>
           </a:p>
           <a:p>
             <a:pPr lvl="1"/>
             <a:r>
-              <a:rPr lang="en-US" sz="3000" dirty="0" err="1" smtClean="0"/>
+              <a:rPr lang="es-ES_tradnl" sz="3600" dirty="0" smtClean="0"/>
               <a:t>CMH.Seguro</a:t>
             </a:r>
             <a:r>
-              <a:rPr lang="en-US" sz="3000" dirty="0" smtClean="0"/>
-              <a:t>: </a:t>
-            </a:r>
-            <a:r>
-              <a:rPr lang="en-US" sz="3000" dirty="0" err="1" smtClean="0"/>
-              <a:t>persistencia</a:t>
-            </a:r>
-            <a:r>
-              <a:rPr lang="en-US" sz="3000" dirty="0" smtClean="0"/>
-              <a:t>, </a:t>
-            </a:r>
-            <a:r>
-              <a:rPr lang="en-US" sz="3000" dirty="0" err="1" smtClean="0"/>
-              <a:t>lógica</a:t>
-            </a:r>
-            <a:r>
-              <a:rPr lang="en-US" sz="3000" dirty="0" smtClean="0"/>
-              <a:t> de </a:t>
-            </a:r>
-            <a:r>
-              <a:rPr lang="en-US" sz="3000" dirty="0" err="1" smtClean="0"/>
-              <a:t>negocios</a:t>
-            </a:r>
-            <a:r>
-              <a:rPr lang="en-US" sz="3000" dirty="0" smtClean="0"/>
-              <a:t> e </a:t>
-            </a:r>
-            <a:r>
-              <a:rPr lang="en-US" sz="3000" dirty="0" err="1" smtClean="0"/>
-              <a:t>implementación</a:t>
-            </a:r>
-            <a:r>
-              <a:rPr lang="en-US" sz="3000" dirty="0" smtClean="0"/>
-              <a:t> de web service.</a:t>
-            </a:r>
+              <a:rPr lang="es-ES_tradnl" sz="3600" dirty="0" smtClean="0"/>
+              <a:t>: persistencia, lógica de negocios e implementación de web </a:t>
+            </a:r>
+            <a:r>
+              <a:rPr lang="es-ES_tradnl" sz="3600" dirty="0" smtClean="0"/>
+              <a:t>service</a:t>
+            </a:r>
+            <a:r>
+              <a:rPr lang="es-ES_tradnl" sz="3600" dirty="0" smtClean="0"/>
+              <a:t>.</a:t>
+            </a:r>
+            <a:endParaRPr lang="es-ES_tradnl" sz="3600" dirty="0" smtClean="0"/>
           </a:p>
         </p:txBody>
       </p:sp>
@@ -4739,10 +4606,10 @@
           <a:lstStyle/>
           <a:p>
             <a:fld id="{66B77C49-310C-4D67-A641-7D2CCF3E3B8A}" type="slidenum">
-              <a:rPr lang="es-CL" smtClean="0"/>
+              <a:rPr lang="es-ES_tradnl" smtClean="0"/>
               <a:t>11</a:t>
             </a:fld>
-            <a:endParaRPr lang="es-CL"/>
+            <a:endParaRPr lang="es-ES_tradnl" dirty="0"/>
           </a:p>
         </p:txBody>
       </p:sp>
@@ -4792,25 +4659,10 @@
           <a:lstStyle/>
           <a:p>
             <a:r>
-              <a:rPr lang="en-US" err="1" smtClean="0"/>
-              <a:t>Modelo</a:t>
-            </a:r>
-            <a:r>
-              <a:rPr lang="en-US" smtClean="0"/>
-              <a:t> de </a:t>
-            </a:r>
-            <a:r>
-              <a:rPr lang="en-US" err="1" smtClean="0"/>
-              <a:t>datos</a:t>
-            </a:r>
-            <a:r>
-              <a:rPr lang="en-US" smtClean="0"/>
-              <a:t/>
-            </a:r>
-            <a:br>
-              <a:rPr lang="en-US" smtClean="0"/>
-            </a:br>
-            <a:endParaRPr lang="en-US"/>
+              <a:rPr lang="es-ES_tradnl" dirty="0" smtClean="0"/>
+              <a:t>Modelo de datos</a:t>
+            </a:r>
+            <a:endParaRPr lang="es-ES_tradnl" dirty="0"/>
           </a:p>
         </p:txBody>
       </p:sp>
@@ -4845,16 +4697,8 @@
               <a:buSzTx/>
             </a:pPr>
             <a:r>
-              <a:rPr lang="en-US" sz="3600" dirty="0" smtClean="0"/>
-              <a:t>2 bases de </a:t>
-            </a:r>
-            <a:r>
-              <a:rPr lang="en-US" sz="3600" dirty="0" err="1" smtClean="0"/>
-              <a:t>datos</a:t>
-            </a:r>
-            <a:r>
-              <a:rPr lang="en-US" sz="3600" dirty="0" smtClean="0"/>
-              <a:t>:</a:t>
+              <a:rPr lang="es-ES_tradnl" sz="4800" dirty="0" smtClean="0"/>
+              <a:t>2 bases de datos:</a:t>
             </a:r>
           </a:p>
           <a:p>
@@ -4871,22 +4715,9 @@
               <a:buClrTx/>
             </a:pPr>
             <a:r>
-              <a:rPr lang="en-US" sz="3200" dirty="0" smtClean="0"/>
-              <a:t>CMH </a:t>
-            </a:r>
-            <a:r>
-              <a:rPr lang="mr-IN" sz="3200" dirty="0" smtClean="0"/>
-              <a:t>–</a:t>
-            </a:r>
-            <a:r>
-              <a:rPr lang="en-US" sz="3200" dirty="0" smtClean="0"/>
-              <a:t> 27 </a:t>
-            </a:r>
-            <a:r>
-              <a:rPr lang="en-US" sz="3200" dirty="0" err="1" smtClean="0"/>
-              <a:t>tablas</a:t>
-            </a:r>
-            <a:endParaRPr lang="en-US" sz="3200" dirty="0" smtClean="0"/>
+              <a:rPr lang="es-ES_tradnl" sz="4400" dirty="0" smtClean="0"/>
+              <a:t>CMH – 27 tablas</a:t>
+            </a:r>
           </a:p>
           <a:p>
             <a:pPr lvl="1">
@@ -4902,26 +4733,9 @@
               <a:buClrTx/>
             </a:pPr>
             <a:r>
-              <a:rPr lang="en-US" sz="3200" dirty="0" err="1" smtClean="0"/>
-              <a:t>Seguros</a:t>
-            </a:r>
-            <a:r>
-              <a:rPr lang="en-US" sz="3200" dirty="0" smtClean="0"/>
-              <a:t> </a:t>
-            </a:r>
-            <a:r>
-              <a:rPr lang="mr-IN" sz="3200" dirty="0" smtClean="0"/>
-              <a:t>–</a:t>
-            </a:r>
-            <a:r>
-              <a:rPr lang="en-US" sz="3200" dirty="0" smtClean="0"/>
-              <a:t> 6 </a:t>
-            </a:r>
-            <a:r>
-              <a:rPr lang="en-US" sz="3200" dirty="0" err="1" smtClean="0"/>
-              <a:t>tablas</a:t>
-            </a:r>
-            <a:endParaRPr lang="en-US" sz="3200" dirty="0" smtClean="0"/>
+              <a:rPr lang="es-ES_tradnl" sz="4400" dirty="0" smtClean="0"/>
+              <a:t>Seguros – 6 tablas</a:t>
+            </a:r>
           </a:p>
           <a:p>
             <a:pPr>
@@ -4936,7 +4750,7 @@
               </a:spcAft>
               <a:buClrTx/>
             </a:pPr>
-            <a:endParaRPr lang="en-US" sz="3400" dirty="0"/>
+            <a:endParaRPr lang="es-ES_tradnl" sz="4400" dirty="0" smtClean="0"/>
           </a:p>
           <a:p>
             <a:pPr>
@@ -4952,34 +4766,10 @@
               <a:buClrTx/>
             </a:pPr>
             <a:r>
-              <a:rPr lang="en-US" sz="3400" dirty="0" err="1" smtClean="0"/>
-              <a:t>Cubren</a:t>
-            </a:r>
-            <a:r>
-              <a:rPr lang="en-US" sz="3400" dirty="0" smtClean="0"/>
-              <a:t> 100% de </a:t>
-            </a:r>
-            <a:r>
-              <a:rPr lang="en-US" sz="3400" dirty="0" err="1" smtClean="0"/>
-              <a:t>los</a:t>
-            </a:r>
-            <a:r>
-              <a:rPr lang="en-US" sz="3400" dirty="0" smtClean="0"/>
-              <a:t> </a:t>
-            </a:r>
-            <a:r>
-              <a:rPr lang="en-US" sz="3400" dirty="0" err="1" smtClean="0"/>
-              <a:t>casos</a:t>
-            </a:r>
-            <a:r>
-              <a:rPr lang="en-US" sz="3400" dirty="0" smtClean="0"/>
-              <a:t> de </a:t>
-            </a:r>
-            <a:r>
-              <a:rPr lang="en-US" sz="3400" dirty="0" err="1" smtClean="0"/>
-              <a:t>uso</a:t>
-            </a:r>
-            <a:endParaRPr lang="en-US" sz="3400" dirty="0"/>
+              <a:rPr lang="es-ES_tradnl" sz="4400" dirty="0" smtClean="0"/>
+              <a:t>Cubren 100% de los casos de uso</a:t>
+            </a:r>
+            <a:endParaRPr lang="es-ES_tradnl" sz="4400" dirty="0"/>
           </a:p>
         </p:txBody>
       </p:sp>
@@ -5054,25 +4844,13 @@
           <a:lstStyle/>
           <a:p>
             <a:r>
-              <a:rPr lang="en-US" err="1" smtClean="0"/>
-              <a:t>Modelo</a:t>
-            </a:r>
-            <a:r>
-              <a:rPr lang="en-US" smtClean="0"/>
-              <a:t> de </a:t>
-            </a:r>
-            <a:r>
-              <a:rPr lang="en-US" err="1" smtClean="0"/>
-              <a:t>datos</a:t>
-            </a:r>
-            <a:r>
-              <a:rPr lang="en-US" smtClean="0"/>
-              <a:t/>
+              <a:rPr lang="es-ES_tradnl" dirty="0" smtClean="0"/>
+              <a:t>Modelo de datos</a:t>
             </a:r>
             <a:br>
-              <a:rPr lang="en-US" smtClean="0"/>
+              <a:rPr lang="es-ES_tradnl" dirty="0" smtClean="0"/>
             </a:br>
-            <a:endParaRPr lang="en-US"/>
+            <a:endParaRPr lang="es-ES_tradnl" dirty="0"/>
           </a:p>
         </p:txBody>
       </p:sp>
@@ -5100,7 +4878,7 @@
         </p:blipFill>
         <p:spPr>
           <a:xfrm>
-            <a:off x="4277810" y="1173848"/>
+            <a:off x="2530290" y="1214488"/>
             <a:ext cx="6341598" cy="4790072"/>
           </a:xfrm>
         </p:spPr>
@@ -5132,14 +4910,14 @@
       </p:sp>
       <p:sp>
         <p:nvSpPr>
-          <p:cNvPr id="6" name="TextBox 5"/>
+          <p:cNvPr id="7" name="TextBox 6"/>
           <p:cNvSpPr txBox="1"/>
           <p:nvPr/>
         </p:nvSpPr>
         <p:spPr>
           <a:xfrm>
-            <a:off x="1391921" y="2611120"/>
-            <a:ext cx="1971040" cy="1384995"/>
+            <a:off x="3063988" y="6099730"/>
+            <a:ext cx="5338321" cy="369332"/>
           </a:xfrm>
           <a:prstGeom prst="rect">
             <a:avLst/>
@@ -5147,77 +4925,16 @@
           <a:noFill/>
         </p:spPr>
         <p:txBody>
-          <a:bodyPr wrap="square" rtlCol="0">
-            <a:spAutoFit/>
-          </a:bodyPr>
-          <a:lstStyle/>
-          <a:p>
-            <a:r>
-              <a:rPr lang="en-US" sz="2800" dirty="0" smtClean="0"/>
-              <a:t>Base de </a:t>
-            </a:r>
-            <a:r>
-              <a:rPr lang="en-US" sz="2800" dirty="0" err="1" smtClean="0"/>
-              <a:t>datos</a:t>
-            </a:r>
-            <a:r>
-              <a:rPr lang="en-US" sz="2800" dirty="0" smtClean="0"/>
-              <a:t> CMH</a:t>
-            </a:r>
-            <a:endParaRPr lang="en-US" sz="2800" dirty="0"/>
-          </a:p>
-        </p:txBody>
-      </p:sp>
-      <p:sp>
-        <p:nvSpPr>
-          <p:cNvPr id="7" name="TextBox 6"/>
-          <p:cNvSpPr txBox="1"/>
-          <p:nvPr/>
-        </p:nvSpPr>
-        <p:spPr>
-          <a:xfrm>
-            <a:off x="4277810" y="6172200"/>
-            <a:ext cx="5274201" cy="369332"/>
-          </a:xfrm>
-          <a:prstGeom prst="rect">
-            <a:avLst/>
-          </a:prstGeom>
-          <a:noFill/>
-        </p:spPr>
-        <p:txBody>
           <a:bodyPr wrap="none" rtlCol="0">
             <a:spAutoFit/>
           </a:bodyPr>
           <a:lstStyle/>
           <a:p>
             <a:r>
-              <a:rPr lang="en-US" dirty="0" smtClean="0"/>
-              <a:t>Fig 4: </a:t>
-            </a:r>
-            <a:r>
-              <a:rPr lang="en-US" dirty="0" err="1" smtClean="0"/>
-              <a:t>modelo</a:t>
-            </a:r>
-            <a:r>
-              <a:rPr lang="en-US" dirty="0" smtClean="0"/>
-              <a:t> de </a:t>
-            </a:r>
-            <a:r>
-              <a:rPr lang="en-US" dirty="0" err="1" smtClean="0"/>
-              <a:t>datos</a:t>
-            </a:r>
-            <a:r>
-              <a:rPr lang="en-US" dirty="0" smtClean="0"/>
-              <a:t> de la base de </a:t>
-            </a:r>
-            <a:r>
-              <a:rPr lang="en-US" dirty="0" err="1" smtClean="0"/>
-              <a:t>datos</a:t>
-            </a:r>
-            <a:r>
-              <a:rPr lang="en-US" dirty="0" smtClean="0"/>
-              <a:t> CMH</a:t>
-            </a:r>
+              <a:rPr lang="es-ES_tradnl" dirty="0" smtClean="0"/>
+              <a:t>Fig. 4: modelo de datos de la base de datos CMH</a:t>
+            </a:r>
+            <a:endParaRPr lang="es-ES_tradnl" dirty="0" smtClean="0"/>
           </a:p>
         </p:txBody>
       </p:sp>
@@ -5269,10 +4986,10 @@
           <a:lstStyle/>
           <a:p>
             <a:fld id="{66B77C49-310C-4D67-A641-7D2CCF3E3B8A}" type="slidenum">
-              <a:rPr lang="es-CL" smtClean="0"/>
+              <a:rPr lang="es-ES_tradnl" smtClean="0"/>
               <a:t>14</a:t>
             </a:fld>
-            <a:endParaRPr lang="es-CL"/>
+            <a:endParaRPr lang="es-ES_tradnl" dirty="0"/>
           </a:p>
         </p:txBody>
       </p:sp>
@@ -5292,18 +5009,10 @@
           <a:lstStyle/>
           <a:p>
             <a:r>
-              <a:rPr lang="en-US" dirty="0" err="1" smtClean="0"/>
-              <a:t>Modelo</a:t>
-            </a:r>
-            <a:r>
-              <a:rPr lang="en-US" dirty="0" smtClean="0"/>
-              <a:t> de </a:t>
-            </a:r>
-            <a:r>
-              <a:rPr lang="en-US" dirty="0" err="1" smtClean="0"/>
-              <a:t>datos</a:t>
-            </a:r>
-            <a:endParaRPr lang="en-US" dirty="0"/>
+              <a:rPr lang="es-ES_tradnl" dirty="0" smtClean="0"/>
+              <a:t>Modelo de datos</a:t>
+            </a:r>
+            <a:endParaRPr lang="es-ES_tradnl" dirty="0"/>
           </a:p>
         </p:txBody>
       </p:sp>
@@ -5329,7 +5038,7 @@
         </p:blipFill>
         <p:spPr>
           <a:xfrm>
-            <a:off x="3880612" y="1903676"/>
+            <a:off x="2326132" y="1909259"/>
             <a:ext cx="7073900" cy="4019604"/>
           </a:xfrm>
           <a:prstGeom prst="rect">
@@ -5339,14 +5048,14 @@
       </p:pic>
       <p:sp>
         <p:nvSpPr>
-          <p:cNvPr id="11" name="TextBox 10"/>
+          <p:cNvPr id="2" name="TextBox 1"/>
           <p:cNvSpPr txBox="1"/>
           <p:nvPr/>
         </p:nvSpPr>
         <p:spPr>
           <a:xfrm>
-            <a:off x="1584961" y="3718560"/>
-            <a:ext cx="1957324" cy="1384995"/>
+            <a:off x="3119120" y="6099730"/>
+            <a:ext cx="5767926" cy="369332"/>
           </a:xfrm>
           <a:prstGeom prst="rect">
             <a:avLst/>
@@ -5354,86 +5063,24 @@
           <a:noFill/>
         </p:spPr>
         <p:txBody>
-          <a:bodyPr wrap="square" rtlCol="0">
-            <a:spAutoFit/>
-          </a:bodyPr>
-          <a:lstStyle/>
-          <a:p>
-            <a:r>
-              <a:rPr lang="en-US" sz="2800" dirty="0" err="1" smtClean="0"/>
-              <a:t>Modelo</a:t>
-            </a:r>
-            <a:r>
-              <a:rPr lang="en-US" sz="2800" dirty="0" smtClean="0"/>
-              <a:t> de </a:t>
-            </a:r>
-            <a:r>
-              <a:rPr lang="en-US" sz="2800" dirty="0" err="1" smtClean="0"/>
-              <a:t>datos</a:t>
-            </a:r>
-            <a:r>
-              <a:rPr lang="en-US" sz="2800" dirty="0" smtClean="0"/>
-              <a:t> </a:t>
-            </a:r>
-            <a:r>
-              <a:rPr lang="en-US" sz="2800" dirty="0" err="1" smtClean="0"/>
-              <a:t>Seguros</a:t>
-            </a:r>
-            <a:endParaRPr lang="en-US" sz="2800" dirty="0"/>
-          </a:p>
-        </p:txBody>
-      </p:sp>
-      <p:sp>
-        <p:nvSpPr>
-          <p:cNvPr id="2" name="TextBox 1"/>
-          <p:cNvSpPr txBox="1"/>
-          <p:nvPr/>
-        </p:nvSpPr>
-        <p:spPr>
-          <a:xfrm>
-            <a:off x="3952240" y="6146800"/>
-            <a:ext cx="5703806" cy="369332"/>
-          </a:xfrm>
-          <a:prstGeom prst="rect">
-            <a:avLst/>
-          </a:prstGeom>
-          <a:noFill/>
-        </p:spPr>
-        <p:txBody>
           <a:bodyPr wrap="none" rtlCol="0">
             <a:spAutoFit/>
           </a:bodyPr>
           <a:lstStyle/>
           <a:p>
             <a:r>
-              <a:rPr lang="en-US" dirty="0" smtClean="0"/>
-              <a:t>Fig 5: </a:t>
-            </a:r>
-            <a:r>
-              <a:rPr lang="en-US" dirty="0" err="1" smtClean="0"/>
-              <a:t>Modelo</a:t>
-            </a:r>
-            <a:r>
-              <a:rPr lang="en-US" dirty="0" smtClean="0"/>
-              <a:t> de </a:t>
-            </a:r>
-            <a:r>
-              <a:rPr lang="en-US" dirty="0" err="1" smtClean="0"/>
-              <a:t>datos</a:t>
-            </a:r>
-            <a:r>
-              <a:rPr lang="en-US" dirty="0" smtClean="0"/>
-              <a:t> del web service </a:t>
-            </a:r>
-            <a:r>
-              <a:rPr lang="en-US" dirty="0" err="1" smtClean="0"/>
-              <a:t>aseguradora</a:t>
-            </a:r>
-            <a:r>
-              <a:rPr lang="en-US" dirty="0" smtClean="0"/>
-              <a:t>.</a:t>
-            </a:r>
-            <a:endParaRPr lang="en-US" dirty="0"/>
+              <a:rPr lang="es-ES_tradnl" dirty="0" smtClean="0"/>
+              <a:t>Fig. 5: Modelo de datos del web </a:t>
+            </a:r>
+            <a:r>
+              <a:rPr lang="es-ES_tradnl" dirty="0" smtClean="0"/>
+              <a:t>service</a:t>
+            </a:r>
+            <a:r>
+              <a:rPr lang="es-ES_tradnl" dirty="0" smtClean="0"/>
+              <a:t> aseguradora.</a:t>
+            </a:r>
+            <a:endParaRPr lang="es-ES_tradnl" dirty="0"/>
           </a:p>
         </p:txBody>
       </p:sp>
@@ -5483,22 +5130,10 @@
           <a:lstStyle/>
           <a:p>
             <a:r>
-              <a:rPr lang="en-US" err="1" smtClean="0"/>
-              <a:t>Capa</a:t>
-            </a:r>
-            <a:r>
-              <a:rPr lang="en-US" smtClean="0"/>
-              <a:t> de </a:t>
-            </a:r>
-            <a:r>
-              <a:rPr lang="en-US" err="1" smtClean="0"/>
-              <a:t>negocio</a:t>
-            </a:r>
-            <a:r>
-              <a:rPr lang="en-US" smtClean="0"/>
-              <a:t> terminal</a:t>
-            </a:r>
-            <a:endParaRPr lang="en-US"/>
+              <a:rPr lang="es-ES_tradnl" dirty="0" smtClean="0"/>
+              <a:t>Capa de negocio: terminal</a:t>
+            </a:r>
+            <a:endParaRPr lang="es-ES_tradnl" dirty="0"/>
           </a:p>
         </p:txBody>
       </p:sp>
@@ -5514,122 +5149,36 @@
         </p:nvSpPr>
         <p:spPr/>
         <p:txBody>
-          <a:bodyPr/>
-          <a:lstStyle/>
-          <a:p>
-            <a:r>
-              <a:rPr lang="en-US" dirty="0" err="1" smtClean="0"/>
-              <a:t>Actualmente</a:t>
-            </a:r>
-            <a:r>
-              <a:rPr lang="en-US" dirty="0" smtClean="0"/>
-              <a:t> </a:t>
-            </a:r>
-            <a:r>
-              <a:rPr lang="en-US" dirty="0" err="1" smtClean="0"/>
-              <a:t>en</a:t>
-            </a:r>
-            <a:r>
-              <a:rPr lang="en-US" dirty="0" smtClean="0"/>
-              <a:t> </a:t>
-            </a:r>
-            <a:r>
-              <a:rPr lang="en-US" dirty="0" err="1" smtClean="0"/>
-              <a:t>proceso</a:t>
-            </a:r>
-            <a:endParaRPr lang="en-US" dirty="0" smtClean="0"/>
-          </a:p>
-          <a:p>
-            <a:r>
-              <a:rPr lang="en-US" dirty="0" smtClean="0"/>
-              <a:t>50% de las </a:t>
-            </a:r>
-            <a:r>
-              <a:rPr lang="en-US" dirty="0" err="1" smtClean="0"/>
-              <a:t>funcionalidades</a:t>
-            </a:r>
-            <a:r>
-              <a:rPr lang="en-US" dirty="0" smtClean="0"/>
-              <a:t> </a:t>
-            </a:r>
-            <a:r>
-              <a:rPr lang="en-US" dirty="0" err="1" smtClean="0"/>
-              <a:t>implementadas</a:t>
-            </a:r>
-            <a:endParaRPr lang="en-US" dirty="0" smtClean="0"/>
-          </a:p>
-          <a:p>
-            <a:r>
-              <a:rPr lang="en-US" dirty="0" smtClean="0"/>
-              <a:t>22 tests </a:t>
-            </a:r>
-            <a:r>
-              <a:rPr lang="en-US" dirty="0" err="1" smtClean="0"/>
-              <a:t>unitarios</a:t>
-            </a:r>
-            <a:r>
-              <a:rPr lang="en-US" dirty="0" smtClean="0"/>
-              <a:t>, con </a:t>
-            </a:r>
-            <a:r>
-              <a:rPr lang="en-US" dirty="0" err="1" smtClean="0"/>
-              <a:t>cobertura</a:t>
-            </a:r>
-            <a:r>
-              <a:rPr lang="en-US" dirty="0" smtClean="0"/>
-              <a:t> de 68% del </a:t>
-            </a:r>
-            <a:r>
-              <a:rPr lang="en-US" dirty="0" err="1" smtClean="0"/>
-              <a:t>código</a:t>
-            </a:r>
-            <a:endParaRPr lang="en-US" dirty="0" smtClean="0"/>
-          </a:p>
-          <a:p>
-            <a:r>
-              <a:rPr lang="en-US" dirty="0" smtClean="0"/>
-              <a:t>El test </a:t>
-            </a:r>
-            <a:r>
-              <a:rPr lang="en-US" dirty="0" err="1" smtClean="0"/>
-              <a:t>unitario</a:t>
-            </a:r>
-            <a:r>
-              <a:rPr lang="en-US" dirty="0" smtClean="0"/>
-              <a:t> </a:t>
-            </a:r>
-            <a:r>
-              <a:rPr lang="en-US" dirty="0" err="1" smtClean="0"/>
-              <a:t>promedio</a:t>
-            </a:r>
-            <a:r>
-              <a:rPr lang="en-US" dirty="0" smtClean="0"/>
-              <a:t> </a:t>
-            </a:r>
-            <a:r>
-              <a:rPr lang="en-US" dirty="0" err="1" smtClean="0"/>
-              <a:t>tiene</a:t>
-            </a:r>
-            <a:r>
-              <a:rPr lang="en-US" dirty="0" smtClean="0"/>
-              <a:t> 2,5 </a:t>
-            </a:r>
-            <a:r>
-              <a:rPr lang="en-US" dirty="0" err="1" smtClean="0"/>
-              <a:t>casos</a:t>
-            </a:r>
-            <a:r>
-              <a:rPr lang="en-US" dirty="0" smtClean="0"/>
-              <a:t> de </a:t>
-            </a:r>
-            <a:r>
-              <a:rPr lang="en-US" dirty="0" err="1" smtClean="0"/>
-              <a:t>prueba</a:t>
-            </a:r>
-            <a:endParaRPr lang="en-US" dirty="0" smtClean="0"/>
-          </a:p>
-          <a:p>
-            <a:endParaRPr lang="en-US" dirty="0"/>
+          <a:bodyPr>
+            <a:noAutofit/>
+          </a:bodyPr>
+          <a:lstStyle/>
+          <a:p>
+            <a:r>
+              <a:rPr lang="es-ES_tradnl" sz="3600" dirty="0" smtClean="0"/>
+              <a:t>Actualmente en proceso</a:t>
+            </a:r>
+          </a:p>
+          <a:p>
+            <a:r>
+              <a:rPr lang="es-ES_tradnl" sz="3600" dirty="0" smtClean="0"/>
+              <a:t>50% de las funcionalidades implementadas</a:t>
+            </a:r>
+          </a:p>
+          <a:p>
+            <a:r>
+              <a:rPr lang="es-ES_tradnl" sz="3600" dirty="0" smtClean="0"/>
+              <a:t>22 tests unitarios, con cobertura de 68% del código</a:t>
+            </a:r>
+          </a:p>
+          <a:p>
+            <a:r>
+              <a:rPr lang="es-ES_tradnl" sz="3600" dirty="0" smtClean="0"/>
+              <a:t>El test unitario promedio tiene 2,5 casos de prueba</a:t>
+            </a:r>
+          </a:p>
+          <a:p>
+            <a:endParaRPr lang="es-ES_tradnl" sz="3600" dirty="0"/>
           </a:p>
         </p:txBody>
       </p:sp>
@@ -5651,10 +5200,10 @@
           <a:lstStyle/>
           <a:p>
             <a:fld id="{66B77C49-310C-4D67-A641-7D2CCF3E3B8A}" type="slidenum">
-              <a:rPr lang="es-CL" smtClean="0"/>
+              <a:rPr lang="es-ES_tradnl" smtClean="0"/>
               <a:t>15</a:t>
             </a:fld>
-            <a:endParaRPr lang="es-CL"/>
+            <a:endParaRPr lang="es-ES_tradnl" dirty="0"/>
           </a:p>
         </p:txBody>
       </p:sp>
@@ -5704,22 +5253,26 @@
           <a:lstStyle/>
           <a:p>
             <a:r>
-              <a:rPr lang="en-US" err="1" smtClean="0"/>
+              <a:rPr lang="en-US" dirty="0" smtClean="0"/>
               <a:t>Capa</a:t>
             </a:r>
             <a:r>
-              <a:rPr lang="en-US" smtClean="0"/>
+              <a:rPr lang="en-US" dirty="0" smtClean="0"/>
               <a:t> de </a:t>
             </a:r>
             <a:r>
-              <a:rPr lang="en-US" err="1" smtClean="0"/>
+              <a:rPr lang="en-US" dirty="0" smtClean="0"/>
               <a:t>negocio</a:t>
             </a:r>
             <a:r>
-              <a:rPr lang="en-US" smtClean="0"/>
-              <a:t> web</a:t>
-            </a:r>
-            <a:endParaRPr lang="en-US"/>
+              <a:rPr lang="en-US" dirty="0" smtClean="0"/>
+              <a:t>: </a:t>
+            </a:r>
+            <a:r>
+              <a:rPr lang="en-US" dirty="0" smtClean="0"/>
+              <a:t>web</a:t>
+            </a:r>
+            <a:endParaRPr lang="en-US" dirty="0"/>
           </a:p>
         </p:txBody>
       </p:sp>
@@ -5741,68 +5294,22 @@
           <a:lstStyle/>
           <a:p>
             <a:r>
-              <a:rPr lang="en-US" sz="4000" dirty="0" smtClean="0"/>
-              <a:t>3 </a:t>
-            </a:r>
-            <a:r>
-              <a:rPr lang="en-US" sz="4000" dirty="0" err="1" smtClean="0"/>
-              <a:t>clases</a:t>
-            </a:r>
-            <a:endParaRPr lang="en-US" sz="4000" dirty="0" smtClean="0"/>
-          </a:p>
-          <a:p>
-            <a:r>
-              <a:rPr lang="en-US" sz="4000" dirty="0" smtClean="0"/>
-              <a:t>100% de </a:t>
-            </a:r>
-            <a:r>
-              <a:rPr lang="en-US" sz="4000" dirty="0" err="1" smtClean="0"/>
-              <a:t>los</a:t>
-            </a:r>
-            <a:r>
-              <a:rPr lang="en-US" sz="4000" dirty="0" smtClean="0"/>
-              <a:t> tests </a:t>
-            </a:r>
-            <a:r>
-              <a:rPr lang="en-US" sz="4000" dirty="0" err="1" smtClean="0"/>
-              <a:t>pasando</a:t>
-            </a:r>
-            <a:endParaRPr lang="en-US" sz="4000" dirty="0" smtClean="0"/>
-          </a:p>
-          <a:p>
-            <a:r>
-              <a:rPr lang="en-US" sz="4000" dirty="0" err="1" smtClean="0"/>
-              <a:t>Promedio</a:t>
-            </a:r>
-            <a:r>
-              <a:rPr lang="en-US" sz="4000" dirty="0" smtClean="0"/>
-              <a:t> de 3 </a:t>
-            </a:r>
-            <a:r>
-              <a:rPr lang="en-US" sz="4000" dirty="0" err="1" smtClean="0"/>
-              <a:t>casos</a:t>
-            </a:r>
-            <a:r>
-              <a:rPr lang="en-US" sz="4000" dirty="0" smtClean="0"/>
-              <a:t> de </a:t>
-            </a:r>
-            <a:r>
-              <a:rPr lang="en-US" sz="4000" dirty="0" err="1" smtClean="0"/>
-              <a:t>prueba</a:t>
-            </a:r>
-            <a:r>
-              <a:rPr lang="en-US" sz="4000" dirty="0" smtClean="0"/>
-              <a:t> </a:t>
-            </a:r>
-            <a:r>
-              <a:rPr lang="en-US" sz="4000" dirty="0" err="1" smtClean="0"/>
-              <a:t>por</a:t>
-            </a:r>
-            <a:r>
-              <a:rPr lang="en-US" sz="4000" dirty="0" smtClean="0"/>
-              <a:t> test.</a:t>
-            </a:r>
-            <a:endParaRPr lang="en-US" sz="4000" dirty="0"/>
+              <a:rPr lang="es-ES_tradnl" sz="4000" dirty="0" smtClean="0"/>
+              <a:t>3 clases</a:t>
+            </a:r>
+          </a:p>
+          <a:p>
+            <a:r>
+              <a:rPr lang="es-ES_tradnl" sz="4000" dirty="0" smtClean="0"/>
+              <a:t>100% de los tests pasando</a:t>
+            </a:r>
+          </a:p>
+          <a:p>
+            <a:r>
+              <a:rPr lang="es-ES_tradnl" sz="4000" dirty="0" smtClean="0"/>
+              <a:t>Promedio de 3 casos de prueba por test.</a:t>
+            </a:r>
+            <a:endParaRPr lang="es-ES_tradnl" sz="4000" dirty="0"/>
           </a:p>
         </p:txBody>
       </p:sp>
@@ -5902,104 +5409,40 @@
           <a:lstStyle/>
           <a:p>
             <a:r>
-              <a:rPr lang="en-US" sz="3200" dirty="0" err="1" smtClean="0"/>
+              <a:rPr lang="es-ES_tradnl" sz="3200" dirty="0" smtClean="0"/>
               <a:t>Arquitectura</a:t>
             </a:r>
-            <a:endParaRPr lang="en-US" sz="3200" dirty="0" smtClean="0"/>
-          </a:p>
-          <a:p>
-            <a:r>
-              <a:rPr lang="en-US" sz="3200" dirty="0" smtClean="0"/>
-              <a:t>Matrices de </a:t>
-            </a:r>
-            <a:r>
-              <a:rPr lang="en-US" sz="3200" dirty="0" err="1" smtClean="0"/>
-              <a:t>trazabilidad</a:t>
-            </a:r>
-            <a:endParaRPr lang="en-US" sz="3200" dirty="0" smtClean="0"/>
-          </a:p>
-          <a:p>
-            <a:r>
-              <a:rPr lang="en-US" sz="3200" dirty="0" err="1" smtClean="0"/>
-              <a:t>Modelo</a:t>
-            </a:r>
-            <a:r>
-              <a:rPr lang="en-US" sz="3200" dirty="0" smtClean="0"/>
-              <a:t> de </a:t>
-            </a:r>
-            <a:r>
-              <a:rPr lang="en-US" sz="3200" dirty="0" err="1" smtClean="0"/>
-              <a:t>clases</a:t>
-            </a:r>
-            <a:endParaRPr lang="en-US" sz="3200" dirty="0" smtClean="0"/>
-          </a:p>
-          <a:p>
-            <a:r>
-              <a:rPr lang="en-US" sz="3200" dirty="0" err="1" smtClean="0"/>
-              <a:t>Modelo</a:t>
-            </a:r>
-            <a:r>
-              <a:rPr lang="en-US" sz="3200" dirty="0" smtClean="0"/>
-              <a:t> de </a:t>
-            </a:r>
-            <a:r>
-              <a:rPr lang="en-US" sz="3200" dirty="0" err="1" smtClean="0"/>
-              <a:t>datos</a:t>
-            </a:r>
-            <a:endParaRPr lang="en-US" sz="3200" dirty="0" smtClean="0"/>
-          </a:p>
-          <a:p>
-            <a:r>
-              <a:rPr lang="en-US" sz="3200" dirty="0" err="1" smtClean="0"/>
-              <a:t>Capa</a:t>
-            </a:r>
-            <a:r>
-              <a:rPr lang="en-US" sz="3200" dirty="0" smtClean="0"/>
-              <a:t> de </a:t>
-            </a:r>
-            <a:r>
-              <a:rPr lang="en-US" sz="3200" dirty="0" err="1" smtClean="0"/>
-              <a:t>negocios</a:t>
-            </a:r>
-            <a:r>
-              <a:rPr lang="en-US" sz="3200" dirty="0" smtClean="0"/>
-              <a:t> app web</a:t>
-            </a:r>
-          </a:p>
-          <a:p>
-            <a:r>
-              <a:rPr lang="en-US" sz="3200" dirty="0" err="1" smtClean="0"/>
-              <a:t>Capa</a:t>
-            </a:r>
-            <a:r>
-              <a:rPr lang="en-US" sz="3200" dirty="0" smtClean="0"/>
-              <a:t> de </a:t>
-            </a:r>
-            <a:r>
-              <a:rPr lang="en-US" sz="3200" dirty="0" err="1" smtClean="0"/>
-              <a:t>negocios</a:t>
-            </a:r>
-            <a:r>
-              <a:rPr lang="en-US" sz="3200" dirty="0" smtClean="0"/>
-              <a:t> terminal (</a:t>
-            </a:r>
-            <a:r>
-              <a:rPr lang="en-US" sz="3200" dirty="0" err="1" smtClean="0"/>
-              <a:t>en</a:t>
-            </a:r>
-            <a:r>
-              <a:rPr lang="en-US" sz="3200" dirty="0" smtClean="0"/>
-              <a:t> </a:t>
-            </a:r>
-            <a:r>
-              <a:rPr lang="en-US" sz="3200" dirty="0" err="1" smtClean="0"/>
-              <a:t>proceso</a:t>
-            </a:r>
-            <a:r>
-              <a:rPr lang="en-US" sz="3200" dirty="0" smtClean="0"/>
-              <a:t>)</a:t>
-            </a:r>
-            <a:endParaRPr lang="en-US" sz="3200" dirty="0"/>
+          </a:p>
+          <a:p>
+            <a:r>
+              <a:rPr lang="es-ES_tradnl" sz="3200" dirty="0" smtClean="0"/>
+              <a:t>Matrices de trazabilidad</a:t>
+            </a:r>
+          </a:p>
+          <a:p>
+            <a:r>
+              <a:rPr lang="es-ES_tradnl" sz="3200" dirty="0" smtClean="0"/>
+              <a:t>Modelo de clases</a:t>
+            </a:r>
+          </a:p>
+          <a:p>
+            <a:r>
+              <a:rPr lang="es-ES_tradnl" sz="3200" dirty="0" smtClean="0"/>
+              <a:t>Modelo de datos</a:t>
+            </a:r>
+          </a:p>
+          <a:p>
+            <a:r>
+              <a:rPr lang="es-ES_tradnl" sz="3200" dirty="0" smtClean="0"/>
+              <a:t>Capa de negocios app web</a:t>
+            </a:r>
+          </a:p>
+          <a:p>
+            <a:r>
+              <a:rPr lang="es-ES_tradnl" sz="3200" dirty="0" smtClean="0"/>
+              <a:t>Capa de negocios terminal (en proceso)</a:t>
+            </a:r>
+            <a:endParaRPr lang="es-ES_tradnl" sz="3200" dirty="0"/>
           </a:p>
         </p:txBody>
       </p:sp>
@@ -6074,10 +5517,10 @@
           <a:lstStyle/>
           <a:p>
             <a:r>
-              <a:rPr lang="en-US" err="1" smtClean="0"/>
+              <a:rPr lang="es-ES_tradnl" dirty="0" smtClean="0"/>
               <a:t>Arquitectura</a:t>
             </a:r>
-            <a:endParaRPr lang="en-US"/>
+            <a:endParaRPr lang="es-ES_tradnl" dirty="0"/>
           </a:p>
         </p:txBody>
       </p:sp>
@@ -6128,10 +5571,10 @@
           <a:lstStyle/>
           <a:p>
             <a:fld id="{66B77C49-310C-4D67-A641-7D2CCF3E3B8A}" type="slidenum">
-              <a:rPr lang="es-CL" smtClean="0"/>
+              <a:rPr lang="es-ES_tradnl" smtClean="0"/>
               <a:t>2</a:t>
             </a:fld>
-            <a:endParaRPr lang="es-CL"/>
+            <a:endParaRPr lang="es-ES_tradnl" dirty="0"/>
           </a:p>
         </p:txBody>
       </p:sp>
@@ -6144,7 +5587,7 @@
         <p:spPr>
           <a:xfrm>
             <a:off x="2631440" y="6156960"/>
-            <a:ext cx="5000087" cy="369332"/>
+            <a:ext cx="5128327" cy="369332"/>
           </a:xfrm>
           <a:prstGeom prst="rect">
             <a:avLst/>
@@ -6158,38 +5601,10 @@
           <a:lstStyle/>
           <a:p>
             <a:r>
-              <a:rPr lang="en-US" dirty="0" smtClean="0"/>
-              <a:t>Fig 1: </a:t>
-            </a:r>
-            <a:r>
-              <a:rPr lang="en-US" dirty="0" err="1" smtClean="0"/>
-              <a:t>Diagrama</a:t>
-            </a:r>
-            <a:r>
-              <a:rPr lang="en-US" dirty="0" smtClean="0"/>
-              <a:t> de </a:t>
-            </a:r>
-            <a:r>
-              <a:rPr lang="en-US" dirty="0" err="1" smtClean="0"/>
-              <a:t>despliegue</a:t>
-            </a:r>
-            <a:r>
-              <a:rPr lang="en-US" dirty="0"/>
-              <a:t> </a:t>
-            </a:r>
-            <a:r>
-              <a:rPr lang="en-US" dirty="0" smtClean="0"/>
-              <a:t>de la </a:t>
-            </a:r>
-            <a:r>
-              <a:rPr lang="en-US" dirty="0" err="1" smtClean="0"/>
-              <a:t>solución</a:t>
-            </a:r>
-            <a:r>
-              <a:rPr lang="en-US" dirty="0" smtClean="0"/>
-              <a:t>.</a:t>
-            </a:r>
-            <a:endParaRPr lang="en-US" dirty="0"/>
+              <a:rPr lang="es-ES_tradnl" dirty="0" smtClean="0"/>
+              <a:t>Fig.. 1: Diagrama de despliegue de la solución.</a:t>
+            </a:r>
+            <a:endParaRPr lang="es-ES_tradnl" dirty="0"/>
           </a:p>
         </p:txBody>
       </p:sp>
@@ -6239,10 +5654,10 @@
           <a:lstStyle/>
           <a:p>
             <a:r>
-              <a:rPr lang="en-US" dirty="0" err="1" smtClean="0"/>
+              <a:rPr lang="es-ES_tradnl" dirty="0" smtClean="0"/>
               <a:t>Arquitectura</a:t>
             </a:r>
-            <a:endParaRPr lang="en-US" dirty="0"/>
+            <a:endParaRPr lang="es-ES_tradnl" dirty="0"/>
           </a:p>
         </p:txBody>
       </p:sp>
@@ -6289,96 +5704,32 @@
           <a:lstStyle/>
           <a:p>
             <a:r>
-              <a:rPr lang="en-US" sz="3200" dirty="0" smtClean="0"/>
-              <a:t>Bases de </a:t>
-            </a:r>
-            <a:r>
-              <a:rPr lang="en-US" sz="3200" dirty="0" err="1" smtClean="0"/>
-              <a:t>datos</a:t>
-            </a:r>
-            <a:r>
-              <a:rPr lang="en-US" sz="3200" dirty="0" smtClean="0"/>
-              <a:t>:</a:t>
+              <a:rPr lang="es-ES_tradnl" sz="3600" dirty="0" smtClean="0"/>
+              <a:t>Bases de datos:</a:t>
             </a:r>
           </a:p>
           <a:p>
             <a:pPr lvl="1"/>
             <a:r>
-              <a:rPr lang="en-US" sz="3200" dirty="0" err="1" smtClean="0"/>
+              <a:rPr lang="es-ES_tradnl" sz="3600" dirty="0" smtClean="0"/>
               <a:t>bd_cmh</a:t>
             </a:r>
             <a:r>
-              <a:rPr lang="en-US" sz="3200" dirty="0" smtClean="0"/>
-              <a:t>: Oracle, </a:t>
-            </a:r>
-            <a:r>
-              <a:rPr lang="en-US" sz="3200" dirty="0" err="1" smtClean="0"/>
-              <a:t>única</a:t>
-            </a:r>
-            <a:r>
-              <a:rPr lang="en-US" sz="3200" dirty="0" smtClean="0"/>
-              <a:t> base de </a:t>
-            </a:r>
-            <a:r>
-              <a:rPr lang="en-US" sz="3200" dirty="0" err="1" smtClean="0"/>
-              <a:t>datos</a:t>
-            </a:r>
-            <a:r>
-              <a:rPr lang="en-US" sz="3200" dirty="0" smtClean="0"/>
-              <a:t> del </a:t>
-            </a:r>
-            <a:r>
-              <a:rPr lang="en-US" sz="3200" dirty="0" err="1" smtClean="0"/>
-              <a:t>negocio</a:t>
-            </a:r>
-            <a:r>
-              <a:rPr lang="en-US" sz="3200" dirty="0" smtClean="0"/>
-              <a:t>.</a:t>
-            </a:r>
-            <a:endParaRPr lang="en-US" sz="3200" dirty="0" smtClean="0"/>
+              <a:rPr lang="es-ES_tradnl" sz="3600" dirty="0" smtClean="0"/>
+              <a:t>: Oracle, única base de datos del negocio.</a:t>
+            </a:r>
           </a:p>
           <a:p>
             <a:pPr lvl="1"/>
             <a:r>
-              <a:rPr lang="en-US" sz="3200" dirty="0" err="1" smtClean="0"/>
+              <a:rPr lang="es-ES_tradnl" sz="3600" dirty="0" smtClean="0"/>
               <a:t>bd_seguro</a:t>
             </a:r>
             <a:r>
-              <a:rPr lang="en-US" sz="3200" dirty="0" smtClean="0"/>
-              <a:t>: Oracle, </a:t>
-            </a:r>
-            <a:r>
-              <a:rPr lang="en-US" sz="3200" dirty="0" err="1" smtClean="0"/>
-              <a:t>simula</a:t>
-            </a:r>
-            <a:r>
-              <a:rPr lang="en-US" sz="3200" dirty="0" smtClean="0"/>
-              <a:t> base de </a:t>
-            </a:r>
-            <a:r>
-              <a:rPr lang="en-US" sz="3200" dirty="0" err="1" smtClean="0"/>
-              <a:t>datos</a:t>
-            </a:r>
-            <a:r>
-              <a:rPr lang="en-US" sz="3200" dirty="0" smtClean="0"/>
-              <a:t> de </a:t>
-            </a:r>
-            <a:r>
-              <a:rPr lang="en-US" sz="3200" dirty="0" err="1" smtClean="0"/>
-              <a:t>servicio</a:t>
-            </a:r>
-            <a:r>
-              <a:rPr lang="en-US" sz="3200" dirty="0" smtClean="0"/>
-              <a:t> de </a:t>
-            </a:r>
-            <a:r>
-              <a:rPr lang="en-US" sz="3200" dirty="0" err="1" smtClean="0"/>
-              <a:t>aseguradoras</a:t>
-            </a:r>
-            <a:r>
-              <a:rPr lang="en-US" sz="3200" dirty="0" smtClean="0"/>
-              <a:t>.</a:t>
-            </a:r>
+              <a:rPr lang="es-ES_tradnl" sz="3600" dirty="0" smtClean="0"/>
+              <a:t>: Oracle, simula base de datos de servicio de aseguradoras.</a:t>
+            </a:r>
+            <a:endParaRPr lang="es-ES_tradnl" sz="3600" dirty="0" smtClean="0"/>
           </a:p>
         </p:txBody>
       </p:sp>
@@ -6428,10 +5779,10 @@
           <a:lstStyle/>
           <a:p>
             <a:r>
-              <a:rPr lang="en-US" dirty="0" err="1" smtClean="0"/>
+              <a:rPr lang="es-ES_tradnl" dirty="0" smtClean="0"/>
               <a:t>Arquitectura</a:t>
             </a:r>
-            <a:endParaRPr lang="en-US" dirty="0"/>
+            <a:endParaRPr lang="es-ES_tradnl" dirty="0"/>
           </a:p>
         </p:txBody>
       </p:sp>
@@ -6453,10 +5804,10 @@
           <a:lstStyle/>
           <a:p>
             <a:fld id="{66B77C49-310C-4D67-A641-7D2CCF3E3B8A}" type="slidenum">
-              <a:rPr lang="es-CL" smtClean="0"/>
+              <a:rPr lang="es-ES_tradnl" smtClean="0"/>
               <a:t>4</a:t>
             </a:fld>
-            <a:endParaRPr lang="es-CL"/>
+            <a:endParaRPr lang="es-ES_tradnl" dirty="0"/>
           </a:p>
         </p:txBody>
       </p:sp>
@@ -6478,129 +5829,42 @@
           <a:lstStyle/>
           <a:p>
             <a:pPr lvl="1"/>
-            <a:endParaRPr lang="en-US" sz="3200" dirty="0"/>
+            <a:endParaRPr lang="es-ES_tradnl" sz="3200" dirty="0" smtClean="0"/>
           </a:p>
           <a:p>
             <a:pPr lvl="1"/>
             <a:r>
-              <a:rPr lang="en-US" sz="3200" dirty="0" smtClean="0"/>
-              <a:t>Terminal: </a:t>
-            </a:r>
-            <a:r>
-              <a:rPr lang="en-US" sz="3200" dirty="0" err="1" smtClean="0"/>
-              <a:t>provee</a:t>
-            </a:r>
-            <a:r>
-              <a:rPr lang="en-US" sz="3200" dirty="0" smtClean="0"/>
-              <a:t> </a:t>
-            </a:r>
-            <a:r>
-              <a:rPr lang="en-US" sz="3200" dirty="0" err="1" smtClean="0"/>
-              <a:t>funcionalidades</a:t>
-            </a:r>
-            <a:r>
-              <a:rPr lang="en-US" sz="3200" dirty="0" smtClean="0"/>
-              <a:t> </a:t>
-            </a:r>
-            <a:r>
-              <a:rPr lang="en-US" sz="3200" dirty="0" err="1" smtClean="0"/>
-              <a:t>administrativas</a:t>
-            </a:r>
-            <a:r>
-              <a:rPr lang="en-US" sz="3200" dirty="0" smtClean="0"/>
-              <a:t> a </a:t>
-            </a:r>
-            <a:r>
-              <a:rPr lang="en-US" sz="3200" dirty="0" err="1" smtClean="0"/>
-              <a:t>funcionarios</a:t>
-            </a:r>
-            <a:r>
-              <a:rPr lang="en-US" sz="3200" dirty="0" smtClean="0"/>
-              <a:t> y personal </a:t>
-            </a:r>
-            <a:r>
-              <a:rPr lang="en-US" sz="3200" dirty="0" err="1" smtClean="0"/>
-              <a:t>médico</a:t>
-            </a:r>
-            <a:r>
-              <a:rPr lang="en-US" sz="3200" dirty="0" smtClean="0"/>
-              <a:t>, </a:t>
-            </a:r>
-            <a:r>
-              <a:rPr lang="en-US" sz="3200" dirty="0" err="1" smtClean="0"/>
-              <a:t>además</a:t>
-            </a:r>
-            <a:r>
-              <a:rPr lang="en-US" sz="3200" dirty="0" smtClean="0"/>
-              <a:t> de </a:t>
-            </a:r>
-            <a:r>
-              <a:rPr lang="en-US" sz="3200" dirty="0" err="1" smtClean="0"/>
-              <a:t>enviar</a:t>
-            </a:r>
-            <a:r>
-              <a:rPr lang="en-US" sz="3200" dirty="0" smtClean="0"/>
-              <a:t> </a:t>
-            </a:r>
-            <a:r>
-              <a:rPr lang="en-US" sz="3200" dirty="0" err="1" smtClean="0"/>
-              <a:t>notificaciones</a:t>
-            </a:r>
-            <a:r>
-              <a:rPr lang="en-US" sz="3200" dirty="0" smtClean="0"/>
-              <a:t> al mail.</a:t>
+              <a:rPr lang="es-ES_tradnl" sz="3200" dirty="0" smtClean="0"/>
+              <a:t>Terminal: provee funcionalidades administrativas a funcionarios y personal médico, además de enviar notificaciones al mail.</a:t>
             </a:r>
           </a:p>
           <a:p>
             <a:pPr lvl="1"/>
             <a:r>
-              <a:rPr lang="en-US" sz="3200" dirty="0" err="1" smtClean="0"/>
+              <a:rPr lang="es-ES_tradnl" sz="3200" dirty="0" smtClean="0"/>
               <a:t>SeguroWS</a:t>
             </a:r>
             <a:r>
-              <a:rPr lang="en-US" sz="3200" dirty="0" smtClean="0"/>
-              <a:t>: web service que </a:t>
-            </a:r>
-            <a:r>
-              <a:rPr lang="en-US" sz="3200" dirty="0" err="1" smtClean="0"/>
-              <a:t>simula</a:t>
-            </a:r>
-            <a:r>
-              <a:rPr lang="en-US" sz="3200" dirty="0" smtClean="0"/>
-              <a:t> </a:t>
-            </a:r>
-            <a:r>
-              <a:rPr lang="en-US" sz="3200" dirty="0" err="1" smtClean="0"/>
-              <a:t>proveer</a:t>
-            </a:r>
-            <a:r>
-              <a:rPr lang="en-US" sz="3200" dirty="0" smtClean="0"/>
-              <a:t> </a:t>
-            </a:r>
-            <a:r>
-              <a:rPr lang="en-US" sz="3200" dirty="0" err="1" smtClean="0"/>
-              <a:t>funcionalidades</a:t>
-            </a:r>
-            <a:r>
-              <a:rPr lang="en-US" sz="3200" dirty="0" smtClean="0"/>
-              <a:t> de un endpoint de la </a:t>
-            </a:r>
-            <a:r>
-              <a:rPr lang="en-US" sz="3200" dirty="0" err="1" smtClean="0"/>
-              <a:t>empresa</a:t>
-            </a:r>
-            <a:r>
-              <a:rPr lang="en-US" sz="3200" dirty="0" smtClean="0"/>
-              <a:t> de </a:t>
-            </a:r>
-            <a:r>
-              <a:rPr lang="en-US" sz="3200" dirty="0" err="1" smtClean="0"/>
-              <a:t>seguros</a:t>
-            </a:r>
-            <a:r>
-              <a:rPr lang="en-US" sz="3200" dirty="0" smtClean="0"/>
-              <a:t>.</a:t>
-            </a:r>
+              <a:rPr lang="es-ES_tradnl" sz="3200" dirty="0" smtClean="0"/>
+              <a:t>: web </a:t>
+            </a:r>
+            <a:r>
+              <a:rPr lang="es-ES_tradnl" sz="3200" dirty="0" smtClean="0"/>
+              <a:t>service</a:t>
+            </a:r>
+            <a:r>
+              <a:rPr lang="es-ES_tradnl" sz="3200" dirty="0" smtClean="0"/>
+              <a:t> que simula proveer funcionalidades de un </a:t>
+            </a:r>
+            <a:r>
+              <a:rPr lang="es-ES_tradnl" sz="3200" dirty="0" smtClean="0"/>
+              <a:t>endpoint</a:t>
+            </a:r>
+            <a:r>
+              <a:rPr lang="es-ES_tradnl" sz="3200" dirty="0" smtClean="0"/>
+              <a:t> de la empresa de seguros.</a:t>
+            </a:r>
+            <a:endParaRPr lang="es-ES_tradnl" sz="3200" dirty="0" smtClean="0"/>
           </a:p>
         </p:txBody>
       </p:sp>
@@ -6650,10 +5914,10 @@
           <a:lstStyle/>
           <a:p>
             <a:r>
-              <a:rPr lang="en-US" dirty="0" err="1" smtClean="0"/>
+              <a:rPr lang="es-ES_tradnl" dirty="0" smtClean="0"/>
               <a:t>Arquitectura</a:t>
             </a:r>
-            <a:endParaRPr lang="en-US" dirty="0"/>
+            <a:endParaRPr lang="es-ES_tradnl" dirty="0"/>
           </a:p>
         </p:txBody>
       </p:sp>
@@ -6695,102 +5959,35 @@
         <p:spPr/>
         <p:txBody>
           <a:bodyPr>
-            <a:normAutofit/>
+            <a:noAutofit/>
           </a:bodyPr>
           <a:lstStyle/>
           <a:p>
             <a:pPr lvl="1"/>
-            <a:endParaRPr lang="en-US" sz="3200" dirty="0" smtClean="0"/>
+            <a:r>
+              <a:rPr lang="es-ES_tradnl" sz="4000" dirty="0" smtClean="0"/>
+              <a:t>Web app: sitio web que provee las funcionalidades para los pacientes.</a:t>
+            </a:r>
           </a:p>
           <a:p>
             <a:pPr lvl="1"/>
-            <a:endParaRPr lang="en-US" sz="3200" dirty="0"/>
-          </a:p>
-          <a:p>
-            <a:pPr lvl="1"/>
-            <a:r>
-              <a:rPr lang="en-US" sz="3200" dirty="0" smtClean="0"/>
-              <a:t>Web app: </a:t>
-            </a:r>
-            <a:r>
-              <a:rPr lang="en-US" sz="3200" dirty="0" err="1" smtClean="0"/>
-              <a:t>sitio</a:t>
-            </a:r>
-            <a:r>
-              <a:rPr lang="en-US" sz="3200" dirty="0" smtClean="0"/>
-              <a:t> web que </a:t>
-            </a:r>
-            <a:r>
-              <a:rPr lang="en-US" sz="3200" dirty="0" err="1" smtClean="0"/>
-              <a:t>provee</a:t>
-            </a:r>
-            <a:r>
-              <a:rPr lang="en-US" sz="3200" dirty="0" smtClean="0"/>
-              <a:t> las </a:t>
-            </a:r>
-            <a:r>
-              <a:rPr lang="en-US" sz="3200" dirty="0" err="1" smtClean="0"/>
-              <a:t>funcionalidades</a:t>
-            </a:r>
-            <a:r>
-              <a:rPr lang="en-US" sz="3200" dirty="0" smtClean="0"/>
-              <a:t> para </a:t>
-            </a:r>
-            <a:r>
-              <a:rPr lang="en-US" sz="3200" dirty="0" err="1" smtClean="0"/>
-              <a:t>los</a:t>
-            </a:r>
-            <a:r>
-              <a:rPr lang="en-US" sz="3200" dirty="0" smtClean="0"/>
+            <a:r>
+              <a:rPr lang="es-ES_tradnl" sz="4000" dirty="0" smtClean="0"/>
+              <a:t>Payment</a:t>
+            </a:r>
+            <a:r>
+              <a:rPr lang="es-ES_tradnl" sz="4000" dirty="0" smtClean="0"/>
               <a:t> </a:t>
             </a:r>
             <a:r>
-              <a:rPr lang="en-US" sz="3200" dirty="0" err="1" smtClean="0"/>
-              <a:t>pacientes</a:t>
-            </a:r>
-            <a:r>
-              <a:rPr lang="en-US" sz="3200" dirty="0" smtClean="0"/>
-              <a:t>.</a:t>
-            </a:r>
-          </a:p>
-          <a:p>
-            <a:pPr lvl="1"/>
-            <a:r>
-              <a:rPr lang="en-US" sz="3200" dirty="0" smtClean="0"/>
-              <a:t>Payment service: </a:t>
-            </a:r>
-            <a:r>
-              <a:rPr lang="en-US" sz="3200" dirty="0" err="1" smtClean="0"/>
-              <a:t>servicio</a:t>
-            </a:r>
-            <a:r>
-              <a:rPr lang="en-US" sz="3200" dirty="0" smtClean="0"/>
-              <a:t> </a:t>
-            </a:r>
-            <a:r>
-              <a:rPr lang="en-US" sz="3200" dirty="0" err="1" smtClean="0"/>
-              <a:t>automatizado</a:t>
-            </a:r>
-            <a:r>
-              <a:rPr lang="en-US" sz="3200" dirty="0" smtClean="0"/>
-              <a:t> de </a:t>
-            </a:r>
-            <a:r>
-              <a:rPr lang="en-US" sz="3200" dirty="0" err="1" smtClean="0"/>
-              <a:t>pagos</a:t>
-            </a:r>
-            <a:r>
-              <a:rPr lang="en-US" sz="3200" dirty="0" smtClean="0"/>
-              <a:t> de </a:t>
-            </a:r>
-            <a:r>
-              <a:rPr lang="en-US" sz="3200" dirty="0" err="1" smtClean="0"/>
-              <a:t>honorarios</a:t>
-            </a:r>
-            <a:r>
-              <a:rPr lang="en-US" sz="3200" dirty="0" smtClean="0"/>
-              <a:t>.</a:t>
-            </a:r>
+              <a:rPr lang="es-ES_tradnl" sz="4000" dirty="0" smtClean="0"/>
+              <a:t>service</a:t>
+            </a:r>
+            <a:r>
+              <a:rPr lang="es-ES_tradnl" sz="4000" dirty="0" smtClean="0"/>
+              <a:t>: servicio automatizado de pagos de honorarios.</a:t>
+            </a:r>
+            <a:endParaRPr lang="es-ES_tradnl" sz="4000" dirty="0" smtClean="0"/>
           </a:p>
         </p:txBody>
       </p:sp>
@@ -6836,7 +6033,7 @@
         </p:nvSpPr>
         <p:spPr>
           <a:xfrm>
-            <a:off x="2623312" y="2393984"/>
+            <a:off x="1924812" y="2292384"/>
             <a:ext cx="7211568" cy="1397124"/>
           </a:xfrm>
         </p:spPr>
@@ -6845,14 +6042,10 @@
           <a:lstStyle/>
           <a:p>
             <a:r>
-              <a:rPr lang="en-US" dirty="0" smtClean="0"/>
-              <a:t>Matrices de </a:t>
-            </a:r>
-            <a:r>
-              <a:rPr lang="en-US" dirty="0" err="1" smtClean="0"/>
-              <a:t>trazabilidad</a:t>
-            </a:r>
-            <a:endParaRPr lang="en-US" dirty="0"/>
+              <a:rPr lang="es-ES_tradnl" dirty="0" smtClean="0"/>
+              <a:t>Matrices de trazabilidad</a:t>
+            </a:r>
+            <a:endParaRPr lang="es-ES_tradnl" dirty="0"/>
           </a:p>
         </p:txBody>
       </p:sp>
@@ -6927,34 +6120,10 @@
           <a:lstStyle/>
           <a:p>
             <a:r>
-              <a:rPr lang="en-US" dirty="0" err="1" smtClean="0"/>
-              <a:t>Matriz</a:t>
-            </a:r>
-            <a:r>
-              <a:rPr lang="en-US" dirty="0" smtClean="0"/>
-              <a:t>: </a:t>
-            </a:r>
-            <a:r>
-              <a:rPr lang="en-US" dirty="0" err="1" smtClean="0"/>
-              <a:t>Requerimientos</a:t>
-            </a:r>
-            <a:r>
-              <a:rPr lang="en-US" dirty="0" smtClean="0"/>
-              <a:t> vs </a:t>
-            </a:r>
-            <a:r>
-              <a:rPr lang="en-US" dirty="0" err="1" smtClean="0"/>
-              <a:t>Casos</a:t>
-            </a:r>
-            <a:r>
-              <a:rPr lang="en-US" dirty="0" smtClean="0"/>
-              <a:t> de </a:t>
-            </a:r>
-            <a:r>
-              <a:rPr lang="en-US" dirty="0" err="1" smtClean="0"/>
-              <a:t>uso</a:t>
-            </a:r>
-            <a:endParaRPr lang="en-US" dirty="0"/>
+              <a:rPr lang="es-ES_tradnl" dirty="0" smtClean="0"/>
+              <a:t>Matriz: Requerimientos vs Casos de uso</a:t>
+            </a:r>
+            <a:endParaRPr lang="es-ES_tradnl" dirty="0"/>
           </a:p>
         </p:txBody>
       </p:sp>
@@ -7005,10 +6174,10 @@
           <a:lstStyle/>
           <a:p>
             <a:fld id="{66B77C49-310C-4D67-A641-7D2CCF3E3B8A}" type="slidenum">
-              <a:rPr lang="es-CL" smtClean="0"/>
+              <a:rPr lang="es-ES_tradnl" smtClean="0"/>
               <a:t>7</a:t>
             </a:fld>
-            <a:endParaRPr lang="es-CL"/>
+            <a:endParaRPr lang="es-ES_tradnl" dirty="0"/>
           </a:p>
         </p:txBody>
       </p:sp>
@@ -7021,7 +6190,7 @@
         <p:spPr>
           <a:xfrm>
             <a:off x="6004560" y="1910080"/>
-            <a:ext cx="4450080" cy="1938992"/>
+            <a:ext cx="4450080" cy="3539430"/>
           </a:xfrm>
           <a:prstGeom prst="rect">
             <a:avLst/>
@@ -7035,115 +6204,29 @@
           <a:lstStyle/>
           <a:p>
             <a:r>
-              <a:rPr lang="en-US" sz="2000" dirty="0" smtClean="0"/>
-              <a:t>100% de </a:t>
-            </a:r>
-            <a:r>
-              <a:rPr lang="en-US" sz="2000" dirty="0" err="1" smtClean="0"/>
-              <a:t>los</a:t>
-            </a:r>
-            <a:r>
-              <a:rPr lang="en-US" sz="2000" dirty="0" smtClean="0"/>
-              <a:t> </a:t>
-            </a:r>
-            <a:r>
-              <a:rPr lang="en-US" sz="2000" dirty="0" err="1" smtClean="0"/>
-              <a:t>requerimientos</a:t>
-            </a:r>
-            <a:r>
-              <a:rPr lang="en-US" sz="2000" dirty="0" smtClean="0"/>
-              <a:t> </a:t>
-            </a:r>
-            <a:r>
-              <a:rPr lang="en-US" sz="2000" dirty="0" err="1" smtClean="0"/>
-              <a:t>funcionales</a:t>
-            </a:r>
-            <a:r>
-              <a:rPr lang="en-US" sz="2000" dirty="0" smtClean="0"/>
-              <a:t/>
+              <a:rPr lang="es-ES_tradnl" sz="2800" dirty="0" smtClean="0"/>
+              <a:t>100% de los requerimientos funcionales</a:t>
             </a:r>
             <a:br>
-              <a:rPr lang="en-US" sz="2000" dirty="0" smtClean="0"/>
+              <a:rPr lang="es-ES_tradnl" sz="2800" dirty="0" smtClean="0"/>
             </a:br>
             <a:r>
-              <a:rPr lang="en-US" sz="2000" dirty="0" smtClean="0"/>
-              <a:t>y no </a:t>
-            </a:r>
-            <a:r>
-              <a:rPr lang="en-US" sz="2000" dirty="0" err="1" smtClean="0"/>
-              <a:t>funcionales</a:t>
-            </a:r>
-            <a:r>
-              <a:rPr lang="en-US" sz="2000" dirty="0" smtClean="0"/>
-              <a:t> </a:t>
-            </a:r>
-            <a:r>
-              <a:rPr lang="en-US" sz="2000" dirty="0" err="1" smtClean="0"/>
-              <a:t>cubiertos</a:t>
-            </a:r>
-            <a:r>
-              <a:rPr lang="en-US" sz="2000" dirty="0" smtClean="0"/>
-              <a:t> </a:t>
-            </a:r>
-            <a:r>
-              <a:rPr lang="en-US" sz="2000" dirty="0" err="1" smtClean="0"/>
-              <a:t>por</a:t>
-            </a:r>
-            <a:r>
-              <a:rPr lang="en-US" sz="2000" dirty="0" smtClean="0"/>
-              <a:t> </a:t>
-            </a:r>
-            <a:r>
-              <a:rPr lang="en-US" sz="2000" dirty="0" err="1" smtClean="0"/>
-              <a:t>casos</a:t>
-            </a:r>
-            <a:r>
-              <a:rPr lang="en-US" sz="2000" dirty="0" smtClean="0"/>
-              <a:t> de </a:t>
-            </a:r>
-            <a:r>
-              <a:rPr lang="en-US" sz="2000" dirty="0" err="1" smtClean="0"/>
-              <a:t>uso</a:t>
-            </a:r>
-            <a:endParaRPr lang="en-US" sz="2000" dirty="0" smtClean="0"/>
-          </a:p>
-          <a:p>
-            <a:r>
-              <a:rPr lang="en-US" sz="2000" dirty="0" smtClean="0"/>
-              <a:t>31 </a:t>
-            </a:r>
-            <a:r>
-              <a:rPr lang="en-US" sz="2000" dirty="0" err="1" smtClean="0"/>
-              <a:t>requerimientos</a:t>
-            </a:r>
-            <a:r>
-              <a:rPr lang="en-US" sz="2000" dirty="0" smtClean="0"/>
-              <a:t> </a:t>
-            </a:r>
-            <a:r>
-              <a:rPr lang="en-US" sz="2000" dirty="0" err="1" smtClean="0"/>
-              <a:t>funcionales</a:t>
-            </a:r>
-            <a:endParaRPr lang="en-US" sz="2000" dirty="0" smtClean="0"/>
-          </a:p>
-          <a:p>
-            <a:r>
-              <a:rPr lang="en-US" sz="2000" dirty="0" smtClean="0"/>
-              <a:t>26 </a:t>
-            </a:r>
-            <a:r>
-              <a:rPr lang="en-US" sz="2000" dirty="0" err="1" smtClean="0"/>
-              <a:t>casos</a:t>
-            </a:r>
-            <a:r>
-              <a:rPr lang="en-US" sz="2000" dirty="0" smtClean="0"/>
-              <a:t> de </a:t>
-            </a:r>
-            <a:r>
-              <a:rPr lang="en-US" sz="2000" dirty="0" err="1" smtClean="0"/>
-              <a:t>uso</a:t>
-            </a:r>
-            <a:endParaRPr lang="en-US" sz="2000" dirty="0"/>
+              <a:rPr lang="es-ES_tradnl" sz="2800" dirty="0" smtClean="0"/>
+              <a:t>y no funcionales cubiertos por casos de uso</a:t>
+            </a:r>
+          </a:p>
+          <a:p>
+            <a:r>
+              <a:rPr lang="es-ES_tradnl" sz="2800" dirty="0" smtClean="0"/>
+              <a:t>31 requerimientos funcionales</a:t>
+            </a:r>
+          </a:p>
+          <a:p>
+            <a:r>
+              <a:rPr lang="es-ES_tradnl" sz="2800" dirty="0" smtClean="0"/>
+              <a:t>26 casos de uso</a:t>
+            </a:r>
+            <a:endParaRPr lang="es-ES_tradnl" sz="2800" dirty="0"/>
           </a:p>
         </p:txBody>
       </p:sp>
@@ -7156,7 +6239,7 @@
         <p:spPr>
           <a:xfrm>
             <a:off x="1261872" y="6284396"/>
-            <a:ext cx="5237331" cy="369332"/>
+            <a:ext cx="5365571" cy="369332"/>
           </a:xfrm>
           <a:prstGeom prst="rect">
             <a:avLst/>
@@ -7170,38 +6253,10 @@
           <a:lstStyle/>
           <a:p>
             <a:r>
-              <a:rPr lang="en-US" dirty="0" smtClean="0"/>
-              <a:t>Fig 2: </a:t>
-            </a:r>
-            <a:r>
-              <a:rPr lang="en-US" dirty="0" err="1" smtClean="0"/>
-              <a:t>Matriz</a:t>
-            </a:r>
-            <a:r>
-              <a:rPr lang="en-US" dirty="0" smtClean="0"/>
-              <a:t> de </a:t>
-            </a:r>
-            <a:r>
-              <a:rPr lang="en-US" dirty="0" err="1" smtClean="0"/>
-              <a:t>requerimientos</a:t>
-            </a:r>
-            <a:r>
-              <a:rPr lang="en-US" dirty="0" smtClean="0"/>
-              <a:t> vs </a:t>
-            </a:r>
-            <a:r>
-              <a:rPr lang="en-US" dirty="0" err="1" smtClean="0"/>
-              <a:t>casos</a:t>
-            </a:r>
-            <a:r>
-              <a:rPr lang="en-US" dirty="0" smtClean="0"/>
-              <a:t> de </a:t>
-            </a:r>
-            <a:r>
-              <a:rPr lang="en-US" dirty="0" err="1" smtClean="0"/>
-              <a:t>uso</a:t>
-            </a:r>
-            <a:endParaRPr lang="en-US" dirty="0"/>
+              <a:rPr lang="es-ES_tradnl" dirty="0" smtClean="0"/>
+              <a:t>Fig.. 2: Matriz de requerimientos vs casos de uso</a:t>
+            </a:r>
+            <a:endParaRPr lang="es-ES_tradnl" dirty="0"/>
           </a:p>
         </p:txBody>
       </p:sp>
@@ -7251,26 +6306,10 @@
           <a:lstStyle/>
           <a:p>
             <a:r>
-              <a:rPr lang="en-US" dirty="0" err="1" smtClean="0"/>
-              <a:t>Matriz</a:t>
-            </a:r>
-            <a:r>
-              <a:rPr lang="en-US" dirty="0" smtClean="0"/>
-              <a:t>: </a:t>
-            </a:r>
-            <a:r>
-              <a:rPr lang="en-US" dirty="0" err="1" smtClean="0"/>
-              <a:t>Requerimientos</a:t>
-            </a:r>
-            <a:r>
-              <a:rPr lang="en-US" dirty="0" smtClean="0"/>
-              <a:t> vs </a:t>
-            </a:r>
-            <a:r>
-              <a:rPr lang="en-US" dirty="0" err="1" smtClean="0"/>
-              <a:t>Clases</a:t>
-            </a:r>
-            <a:endParaRPr lang="en-US" dirty="0"/>
+              <a:rPr lang="es-ES_tradnl" dirty="0" smtClean="0"/>
+              <a:t>Matriz: Requerimientos vs Clases</a:t>
+            </a:r>
+            <a:endParaRPr lang="es-ES_tradnl" dirty="0"/>
           </a:p>
         </p:txBody>
       </p:sp>
@@ -7292,10 +6331,10 @@
           <a:lstStyle/>
           <a:p>
             <a:fld id="{66B77C49-310C-4D67-A641-7D2CCF3E3B8A}" type="slidenum">
-              <a:rPr lang="es-CL" smtClean="0"/>
+              <a:rPr lang="es-ES_tradnl" smtClean="0"/>
               <a:t>8</a:t>
             </a:fld>
-            <a:endParaRPr lang="es-CL"/>
+            <a:endParaRPr lang="es-ES_tradnl" dirty="0"/>
           </a:p>
         </p:txBody>
       </p:sp>
@@ -7337,7 +6376,7 @@
         <p:spPr>
           <a:xfrm>
             <a:off x="7765774" y="2279374"/>
-            <a:ext cx="3188738" cy="1477328"/>
+            <a:ext cx="3188738" cy="3046988"/>
           </a:xfrm>
           <a:prstGeom prst="rect">
             <a:avLst/>
@@ -7351,110 +6390,10 @@
           <a:lstStyle/>
           <a:p>
             <a:r>
-              <a:rPr lang="en-US" dirty="0" smtClean="0"/>
-              <a:t>100% de </a:t>
-            </a:r>
-            <a:r>
-              <a:rPr lang="en-US" dirty="0" err="1" smtClean="0"/>
-              <a:t>los</a:t>
-            </a:r>
-            <a:r>
-              <a:rPr lang="en-US" dirty="0" smtClean="0"/>
-              <a:t> </a:t>
-            </a:r>
-            <a:r>
-              <a:rPr lang="en-US" dirty="0" err="1" smtClean="0"/>
-              <a:t>requerimientos</a:t>
-            </a:r>
-            <a:r>
-              <a:rPr lang="en-US" dirty="0" smtClean="0"/>
-              <a:t> </a:t>
-            </a:r>
-            <a:r>
-              <a:rPr lang="en-US" dirty="0" err="1" smtClean="0"/>
-              <a:t>funcionales</a:t>
-            </a:r>
-            <a:r>
-              <a:rPr lang="en-US" dirty="0" smtClean="0"/>
-              <a:t> </a:t>
-            </a:r>
-            <a:r>
-              <a:rPr lang="en-US" dirty="0" err="1" smtClean="0"/>
-              <a:t>tienen</a:t>
-            </a:r>
-            <a:r>
-              <a:rPr lang="en-US" dirty="0" smtClean="0"/>
-              <a:t> al </a:t>
-            </a:r>
-            <a:r>
-              <a:rPr lang="en-US" dirty="0" err="1" smtClean="0"/>
-              <a:t>menos</a:t>
-            </a:r>
-            <a:r>
-              <a:rPr lang="en-US" dirty="0" smtClean="0"/>
-              <a:t> </a:t>
-            </a:r>
-            <a:r>
-              <a:rPr lang="en-US" dirty="0" err="1" smtClean="0"/>
-              <a:t>una</a:t>
-            </a:r>
-            <a:r>
-              <a:rPr lang="en-US" dirty="0" smtClean="0"/>
-              <a:t> </a:t>
-            </a:r>
-            <a:r>
-              <a:rPr lang="en-US" dirty="0" err="1" smtClean="0"/>
-              <a:t>clase</a:t>
-            </a:r>
-            <a:r>
-              <a:rPr lang="en-US" dirty="0" smtClean="0"/>
-              <a:t> </a:t>
-            </a:r>
-            <a:r>
-              <a:rPr lang="en-US" dirty="0" err="1" smtClean="0"/>
-              <a:t>asociada</a:t>
-            </a:r>
-            <a:r>
-              <a:rPr lang="en-US" dirty="0" smtClean="0"/>
-              <a:t>, </a:t>
-            </a:r>
-            <a:r>
-              <a:rPr lang="en-US" dirty="0" err="1" smtClean="0"/>
-              <a:t>responsable</a:t>
-            </a:r>
-            <a:r>
-              <a:rPr lang="en-US" dirty="0" smtClean="0"/>
-              <a:t> </a:t>
-            </a:r>
-            <a:r>
-              <a:rPr lang="en-US" dirty="0" err="1" smtClean="0"/>
-              <a:t>satisfacer</a:t>
-            </a:r>
-            <a:r>
-              <a:rPr lang="en-US" dirty="0" smtClean="0"/>
-              <a:t> </a:t>
-            </a:r>
-            <a:r>
-              <a:rPr lang="en-US" dirty="0" err="1" smtClean="0"/>
-              <a:t>sus</a:t>
-            </a:r>
-            <a:r>
-              <a:rPr lang="en-US" dirty="0" smtClean="0"/>
-              <a:t> </a:t>
-            </a:r>
-            <a:r>
-              <a:rPr lang="en-US" dirty="0" err="1" smtClean="0"/>
-              <a:t>necesidades</a:t>
-            </a:r>
-            <a:r>
-              <a:rPr lang="en-US" dirty="0" smtClean="0"/>
-              <a:t> </a:t>
-            </a:r>
-            <a:r>
-              <a:rPr lang="en-US" dirty="0" err="1" smtClean="0"/>
-              <a:t>lógicas</a:t>
-            </a:r>
-            <a:endParaRPr lang="en-US" dirty="0" smtClean="0"/>
+              <a:rPr lang="es-ES_tradnl" sz="2400" dirty="0" smtClean="0"/>
+              <a:t>100% de los requerimientos funcionales tienen al menos una clase asociada, responsable satisfacer sus necesidades lógicas</a:t>
+            </a:r>
+            <a:endParaRPr lang="es-ES_tradnl" sz="2400" dirty="0" smtClean="0"/>
           </a:p>
         </p:txBody>
       </p:sp>
@@ -7467,7 +6406,7 @@
         <p:spPr>
           <a:xfrm>
             <a:off x="1259840" y="5770880"/>
-            <a:ext cx="5513048" cy="369332"/>
+            <a:ext cx="5577168" cy="369332"/>
           </a:xfrm>
           <a:prstGeom prst="rect">
             <a:avLst/>
@@ -7481,42 +6420,10 @@
           <a:lstStyle/>
           <a:p>
             <a:r>
-              <a:rPr lang="en-US" dirty="0" smtClean="0"/>
-              <a:t>Fig 3: </a:t>
-            </a:r>
-            <a:r>
-              <a:rPr lang="en-US" dirty="0" err="1" smtClean="0"/>
-              <a:t>matriz</a:t>
-            </a:r>
-            <a:r>
-              <a:rPr lang="en-US" dirty="0" smtClean="0"/>
-              <a:t> de </a:t>
-            </a:r>
-            <a:r>
-              <a:rPr lang="en-US" dirty="0" err="1" smtClean="0"/>
-              <a:t>requerimientos</a:t>
-            </a:r>
-            <a:r>
-              <a:rPr lang="en-US" dirty="0" smtClean="0"/>
-              <a:t> vs </a:t>
-            </a:r>
-            <a:r>
-              <a:rPr lang="en-US" dirty="0" err="1" smtClean="0"/>
-              <a:t>clases</a:t>
-            </a:r>
-            <a:r>
-              <a:rPr lang="en-US" dirty="0" smtClean="0"/>
-              <a:t> (</a:t>
-            </a:r>
-            <a:r>
-              <a:rPr lang="en-US" dirty="0" err="1" smtClean="0"/>
-              <a:t>parcial</a:t>
-            </a:r>
-            <a:r>
-              <a:rPr lang="en-US" dirty="0" smtClean="0"/>
-              <a:t>)</a:t>
-            </a:r>
-            <a:endParaRPr lang="en-US" dirty="0"/>
+              <a:rPr lang="es-ES_tradnl" dirty="0" smtClean="0"/>
+              <a:t>Fig. 3: matriz de requerimientos vs clases (parcial)</a:t>
+            </a:r>
+            <a:endParaRPr lang="es-ES_tradnl" dirty="0"/>
           </a:p>
         </p:txBody>
       </p:sp>

--- a/presentación lunes 24 octubre 2016.pptx
+++ b/presentación lunes 24 octubre 2016.pptx
@@ -213,7 +213,7 @@
           <a:p>
             <a:fld id="{5F5A3C90-08A7-4C4F-9765-25EF2ADA2C26}" type="datetimeFigureOut">
               <a:rPr lang="es-CL" smtClean="0"/>
-              <a:t>20-10-16</a:t>
+              <a:t>21-10-2016</a:t>
             </a:fld>
             <a:endParaRPr lang="es-CL"/>
           </a:p>
@@ -372,7 +372,7 @@
           <a:p>
             <a:fld id="{DF2599EA-3C95-46C0-99A8-B5EBCBCDB69B}" type="slidenum">
               <a:rPr lang="es-CL" smtClean="0"/>
-              <a:t>‹#›</a:t>
+              <a:t>‹Nº›</a:t>
             </a:fld>
             <a:endParaRPr lang="es-CL"/>
           </a:p>
@@ -675,7 +675,7 @@
           <a:p>
             <a:fld id="{89E5C9D5-1059-417C-933B-079D684B6386}" type="datetime1">
               <a:rPr lang="es-CL" smtClean="0"/>
-              <a:t>20-10-16</a:t>
+              <a:t>21-10-2016</a:t>
             </a:fld>
             <a:endParaRPr lang="es-CL"/>
           </a:p>
@@ -717,7 +717,7 @@
           <a:p>
             <a:fld id="{66B77C49-310C-4D67-A641-7D2CCF3E3B8A}" type="slidenum">
               <a:rPr lang="es-CL" smtClean="0"/>
-              <a:t>‹#›</a:t>
+              <a:t>‹Nº›</a:t>
             </a:fld>
             <a:endParaRPr lang="es-CL"/>
           </a:p>
@@ -845,7 +845,7 @@
           <a:p>
             <a:fld id="{A8720E4C-398C-460E-BAB2-2CA54AE1728D}" type="datetime1">
               <a:rPr lang="es-CL" smtClean="0"/>
-              <a:t>20-10-16</a:t>
+              <a:t>21-10-2016</a:t>
             </a:fld>
             <a:endParaRPr lang="es-CL"/>
           </a:p>
@@ -887,7 +887,7 @@
           <a:p>
             <a:fld id="{66B77C49-310C-4D67-A641-7D2CCF3E3B8A}" type="slidenum">
               <a:rPr lang="es-CL" smtClean="0"/>
-              <a:t>‹#›</a:t>
+              <a:t>‹Nº›</a:t>
             </a:fld>
             <a:endParaRPr lang="es-CL"/>
           </a:p>
@@ -1066,7 +1066,7 @@
           <a:p>
             <a:fld id="{43E203C6-1909-4781-971E-116AFD440A10}" type="datetime1">
               <a:rPr lang="es-CL" smtClean="0"/>
-              <a:t>20-10-16</a:t>
+              <a:t>21-10-2016</a:t>
             </a:fld>
             <a:endParaRPr lang="es-CL"/>
           </a:p>
@@ -1108,7 +1108,7 @@
           <a:p>
             <a:fld id="{66B77C49-310C-4D67-A641-7D2CCF3E3B8A}" type="slidenum">
               <a:rPr lang="es-CL" smtClean="0"/>
-              <a:t>‹#›</a:t>
+              <a:t>‹Nº›</a:t>
             </a:fld>
             <a:endParaRPr lang="es-CL"/>
           </a:p>
@@ -1277,7 +1277,7 @@
           <a:p>
             <a:fld id="{154DED30-8343-49F5-A66D-C88BB0DF3F98}" type="datetime1">
               <a:rPr lang="es-CL" smtClean="0"/>
-              <a:t>20-10-16</a:t>
+              <a:t>21-10-2016</a:t>
             </a:fld>
             <a:endParaRPr lang="es-CL"/>
           </a:p>
@@ -1319,7 +1319,7 @@
           <a:p>
             <a:fld id="{66B77C49-310C-4D67-A641-7D2CCF3E3B8A}" type="slidenum">
               <a:rPr lang="es-CL" smtClean="0"/>
-              <a:t>‹#›</a:t>
+              <a:t>‹Nº›</a:t>
             </a:fld>
             <a:endParaRPr lang="es-CL"/>
           </a:p>
@@ -1572,7 +1572,7 @@
           <a:p>
             <a:fld id="{008ECD7B-FFF3-4FF8-AAE9-DF516B8429F0}" type="datetime1">
               <a:rPr lang="es-CL" smtClean="0"/>
-              <a:t>20-10-16</a:t>
+              <a:t>21-10-2016</a:t>
             </a:fld>
             <a:endParaRPr lang="es-CL"/>
           </a:p>
@@ -1614,7 +1614,7 @@
           <a:p>
             <a:fld id="{66B77C49-310C-4D67-A641-7D2CCF3E3B8A}" type="slidenum">
               <a:rPr lang="es-CL" smtClean="0"/>
-              <a:t>‹#›</a:t>
+              <a:t>‹Nº›</a:t>
             </a:fld>
             <a:endParaRPr lang="es-CL"/>
           </a:p>
@@ -1901,7 +1901,7 @@
           <a:p>
             <a:fld id="{BE1B6FD1-7923-4D70-9EDC-F33CED2E88B0}" type="datetime1">
               <a:rPr lang="es-CL" smtClean="0"/>
-              <a:t>20-10-16</a:t>
+              <a:t>21-10-2016</a:t>
             </a:fld>
             <a:endParaRPr lang="es-CL"/>
           </a:p>
@@ -1943,7 +1943,7 @@
           <a:p>
             <a:fld id="{66B77C49-310C-4D67-A641-7D2CCF3E3B8A}" type="slidenum">
               <a:rPr lang="es-CL" smtClean="0"/>
-              <a:t>‹#›</a:t>
+              <a:t>‹Nº›</a:t>
             </a:fld>
             <a:endParaRPr lang="es-CL"/>
           </a:p>
@@ -2393,7 +2393,7 @@
           <a:p>
             <a:fld id="{A0456DFA-3945-4E01-A82F-05D34E7C69EF}" type="datetime1">
               <a:rPr lang="es-CL" smtClean="0"/>
-              <a:t>20-10-16</a:t>
+              <a:t>21-10-2016</a:t>
             </a:fld>
             <a:endParaRPr lang="es-CL"/>
           </a:p>
@@ -2435,7 +2435,7 @@
           <a:p>
             <a:fld id="{66B77C49-310C-4D67-A641-7D2CCF3E3B8A}" type="slidenum">
               <a:rPr lang="es-CL" smtClean="0"/>
-              <a:t>‹#›</a:t>
+              <a:t>‹Nº›</a:t>
             </a:fld>
             <a:endParaRPr lang="es-CL"/>
           </a:p>
@@ -2552,7 +2552,7 @@
           <a:p>
             <a:fld id="{557C4F69-2838-42FA-8DBD-EC78C746AC4D}" type="datetime1">
               <a:rPr lang="es-CL" smtClean="0"/>
-              <a:t>20-10-16</a:t>
+              <a:t>21-10-2016</a:t>
             </a:fld>
             <a:endParaRPr lang="es-CL"/>
           </a:p>
@@ -2594,7 +2594,7 @@
           <a:p>
             <a:fld id="{66B77C49-310C-4D67-A641-7D2CCF3E3B8A}" type="slidenum">
               <a:rPr lang="es-CL" smtClean="0"/>
-              <a:t>‹#›</a:t>
+              <a:t>‹Nº›</a:t>
             </a:fld>
             <a:endParaRPr lang="es-CL"/>
           </a:p>
@@ -2688,7 +2688,7 @@
           <a:p>
             <a:fld id="{07EEB1EE-80D2-40B9-84CD-27545A9BFEA4}" type="datetime1">
               <a:rPr lang="es-CL" smtClean="0"/>
-              <a:t>20-10-16</a:t>
+              <a:t>21-10-2016</a:t>
             </a:fld>
             <a:endParaRPr lang="es-CL"/>
           </a:p>
@@ -2730,7 +2730,7 @@
           <a:p>
             <a:fld id="{66B77C49-310C-4D67-A641-7D2CCF3E3B8A}" type="slidenum">
               <a:rPr lang="es-CL" smtClean="0"/>
-              <a:t>‹#›</a:t>
+              <a:t>‹Nº›</a:t>
             </a:fld>
             <a:endParaRPr lang="es-CL"/>
           </a:p>
@@ -3016,7 +3016,7 @@
           <a:p>
             <a:fld id="{D8391AB1-5E7F-4428-BF74-71643B6F22AD}" type="datetime1">
               <a:rPr lang="es-CL" smtClean="0"/>
-              <a:t>20-10-16</a:t>
+              <a:t>21-10-2016</a:t>
             </a:fld>
             <a:endParaRPr lang="es-CL"/>
           </a:p>
@@ -3058,7 +3058,7 @@
           <a:p>
             <a:fld id="{66B77C49-310C-4D67-A641-7D2CCF3E3B8A}" type="slidenum">
               <a:rPr lang="es-CL" smtClean="0"/>
-              <a:t>‹#›</a:t>
+              <a:t>‹Nº›</a:t>
             </a:fld>
             <a:endParaRPr lang="es-CL"/>
           </a:p>
@@ -3331,7 +3331,7 @@
           <a:p>
             <a:fld id="{8E766E1C-99D9-459A-8191-EBC25BE06DF5}" type="datetime1">
               <a:rPr lang="es-CL" smtClean="0"/>
-              <a:t>20-10-16</a:t>
+              <a:t>21-10-2016</a:t>
             </a:fld>
             <a:endParaRPr lang="es-CL"/>
           </a:p>
@@ -3373,7 +3373,7 @@
           <a:p>
             <a:fld id="{66B77C49-310C-4D67-A641-7D2CCF3E3B8A}" type="slidenum">
               <a:rPr lang="es-CL" smtClean="0"/>
-              <a:t>‹#›</a:t>
+              <a:t>‹Nº›</a:t>
             </a:fld>
             <a:endParaRPr lang="es-CL"/>
           </a:p>
@@ -3583,7 +3583,7 @@
           <a:p>
             <a:fld id="{9FB8A2EC-9F2E-49B3-BC1D-41B8951AFF83}" type="datetime1">
               <a:rPr lang="es-CL" smtClean="0"/>
-              <a:t>20-10-16</a:t>
+              <a:t>21-10-2016</a:t>
             </a:fld>
             <a:endParaRPr lang="es-CL"/>
           </a:p>
@@ -3666,7 +3666,7 @@
           <a:p>
             <a:fld id="{66B77C49-310C-4D67-A641-7D2CCF3E3B8A}" type="slidenum">
               <a:rPr lang="es-CL" smtClean="0"/>
-              <a:t>‹#›</a:t>
+              <a:t>‹Nº›</a:t>
             </a:fld>
             <a:endParaRPr lang="es-CL"/>
           </a:p>
@@ -4094,7 +4094,7 @@
         </p:spPr>
         <p:txBody>
           <a:bodyPr>
-            <a:normAutofit fontScale="90000"/>
+            <a:normAutofit/>
           </a:bodyPr>
           <a:lstStyle/>
           <a:p>
@@ -4125,7 +4125,7 @@
           <a:p>
             <a:pPr algn="r"/>
             <a:r>
-              <a:rPr lang="es-CL">
+              <a:rPr lang="es-CL" dirty="0">
                 <a:solidFill>
                   <a:schemeClr val="tx2">
                     <a:lumMod val="75000"/>
@@ -4138,29 +4138,53 @@
           <a:p>
             <a:pPr algn="r"/>
             <a:r>
+              <a:rPr lang="es-CL" dirty="0">
+                <a:solidFill>
+                  <a:schemeClr val="tx1"/>
+                </a:solidFill>
+              </a:rPr>
+              <a:t>Docente: Vicente Aranda</a:t>
+            </a:r>
+          </a:p>
+          <a:p>
+            <a:pPr algn="r"/>
+            <a:r>
+              <a:rPr lang="es-CL" dirty="0">
+                <a:solidFill>
+                  <a:schemeClr val="tx1"/>
+                </a:solidFill>
+              </a:rPr>
+              <a:t>Alumnos</a:t>
+            </a:r>
+            <a:r>
               <a:rPr lang="es-CL">
                 <a:solidFill>
                   <a:schemeClr val="tx1"/>
                 </a:solidFill>
               </a:rPr>
-              <a:t>Docente: Vicente Aranda</a:t>
-            </a:r>
-          </a:p>
-          <a:p>
-            <a:pPr algn="r"/>
-            <a:r>
-              <a:rPr lang="es-CL">
+              <a:t>: </a:t>
+            </a:r>
+            <a:r>
+              <a:rPr lang="es-CL" smtClean="0">
                 <a:solidFill>
                   <a:schemeClr val="tx1"/>
                 </a:solidFill>
               </a:rPr>
-              <a:t>Alumnos: Elias Baeza, Pablo de la Sotta, </a:t>
+              <a:t>Elías </a:t>
+            </a:r>
+            <a:r>
+              <a:rPr lang="es-CL" dirty="0">
+                <a:solidFill>
+                  <a:schemeClr val="tx1"/>
+                </a:solidFill>
+              </a:rPr>
+              <a:t>Baeza, Pablo de la Sotta, </a:t>
             </a:r>
           </a:p>
           <a:p>
             <a:pPr algn="r"/>
             <a:r>
-              <a:rPr lang="es-CL">
+              <a:rPr lang="es-CL" dirty="0">
                 <a:solidFill>
                   <a:schemeClr val="tx1"/>
                 </a:solidFill>
@@ -4325,6 +4349,45 @@
           </a:p>
         </p:txBody>
       </p:sp>
+      <p:pic>
+        <p:nvPicPr>
+          <p:cNvPr id="5" name="Picture 2" descr="Resultado de imagen para duoc"/>
+          <p:cNvPicPr>
+            <a:picLocks noChangeAspect="1" noChangeArrowheads="1"/>
+          </p:cNvPicPr>
+          <p:nvPr/>
+        </p:nvPicPr>
+        <p:blipFill rotWithShape="1">
+          <a:blip r:embed="rId2">
+            <a:extLst>
+              <a:ext uri="{28A0092B-C50C-407E-A947-70E740481C1C}">
+                <a14:useLocalDpi xmlns:a14="http://schemas.microsoft.com/office/drawing/2010/main" val="0"/>
+              </a:ext>
+            </a:extLst>
+          </a:blip>
+          <a:srcRect t="13892" r="19022"/>
+          <a:stretch/>
+        </p:blipFill>
+        <p:spPr bwMode="auto">
+          <a:xfrm>
+            <a:off x="9023169" y="378822"/>
+            <a:ext cx="2001883" cy="524910"/>
+          </a:xfrm>
+          <a:prstGeom prst="rect">
+            <a:avLst/>
+          </a:prstGeom>
+          <a:noFill/>
+          <a:extLst>
+            <a:ext uri="{909E8E84-426E-40DD-AFC4-6F175D3DCCD1}">
+              <a14:hiddenFill xmlns:a14="http://schemas.microsoft.com/office/drawing/2010/main">
+                <a:solidFill>
+                  <a:srgbClr val="FFFFFF"/>
+                </a:solidFill>
+              </a14:hiddenFill>
+            </a:ext>
+          </a:extLst>
+        </p:spPr>
+      </p:pic>
     </p:spTree>
     <p:extLst>
       <p:ext uri="{BB962C8B-B14F-4D97-AF65-F5344CB8AC3E}">
@@ -4335,6 +4398,13 @@
   <p:clrMapOvr>
     <a:masterClrMapping/>
   </p:clrMapOvr>
+  <p:timing>
+    <p:tnLst>
+      <p:par>
+        <p:cTn id="1" dur="indefinite" restart="never" nodeType="tmRoot"/>
+      </p:par>
+    </p:tnLst>
+  </p:timing>
 </p:sld>
 </file>
 
@@ -4404,33 +4474,51 @@
             <a:pPr lvl="1"/>
             <a:r>
               <a:rPr lang="es-ES_tradnl" sz="4000" dirty="0" smtClean="0"/>
-              <a:t>cmh.lib.dal</a:t>
+              <a:t>cmh.lib.dal: </a:t>
             </a:r>
             <a:r>
               <a:rPr lang="es-ES_tradnl" sz="4000" dirty="0" smtClean="0"/>
-              <a:t>: persistencia</a:t>
-            </a:r>
+              <a:t>Persistencia.</a:t>
+            </a:r>
+            <a:endParaRPr lang="es-ES_tradnl" sz="4000" dirty="0" smtClean="0"/>
           </a:p>
           <a:p>
             <a:pPr lvl="1"/>
             <a:r>
               <a:rPr lang="es-ES_tradnl" sz="4000" dirty="0" smtClean="0"/>
-              <a:t>cmh.webapp.bl</a:t>
+              <a:t>cmh.webapp.bl: </a:t>
             </a:r>
             <a:r>
               <a:rPr lang="es-ES_tradnl" sz="4000" dirty="0" smtClean="0"/>
-              <a:t>: lógica de negocios</a:t>
-            </a:r>
+              <a:t>Lógica </a:t>
+            </a:r>
+            <a:r>
+              <a:rPr lang="es-ES_tradnl" sz="4000" dirty="0" smtClean="0"/>
+              <a:t>de </a:t>
+            </a:r>
+            <a:r>
+              <a:rPr lang="es-ES_tradnl" sz="4000" dirty="0" smtClean="0"/>
+              <a:t>negocios.</a:t>
+            </a:r>
+            <a:endParaRPr lang="es-ES_tradnl" sz="4000" dirty="0" smtClean="0"/>
           </a:p>
           <a:p>
             <a:pPr lvl="1"/>
             <a:r>
               <a:rPr lang="es-ES_tradnl" sz="4000" dirty="0" smtClean="0"/>
-              <a:t>cmh.servpago</a:t>
+              <a:t>cmh.servpago: </a:t>
             </a:r>
             <a:r>
               <a:rPr lang="es-ES_tradnl" sz="4000" dirty="0" smtClean="0"/>
-              <a:t>: servicio de pago automático</a:t>
+              <a:t>Servicio </a:t>
+            </a:r>
+            <a:r>
+              <a:rPr lang="es-ES_tradnl" sz="4000" dirty="0" smtClean="0"/>
+              <a:t>de pago </a:t>
+            </a:r>
+            <a:r>
+              <a:rPr lang="es-ES_tradnl" sz="4000" dirty="0" smtClean="0"/>
+              <a:t>automático.</a:t>
             </a:r>
             <a:endParaRPr lang="es-ES_tradnl" sz="4000" dirty="0"/>
           </a:p>
@@ -4461,6 +4549,45 @@
           </a:p>
         </p:txBody>
       </p:sp>
+      <p:pic>
+        <p:nvPicPr>
+          <p:cNvPr id="5" name="Picture 2" descr="Resultado de imagen para duoc"/>
+          <p:cNvPicPr>
+            <a:picLocks noChangeAspect="1" noChangeArrowheads="1"/>
+          </p:cNvPicPr>
+          <p:nvPr/>
+        </p:nvPicPr>
+        <p:blipFill rotWithShape="1">
+          <a:blip r:embed="rId2">
+            <a:extLst>
+              <a:ext uri="{28A0092B-C50C-407E-A947-70E740481C1C}">
+                <a14:useLocalDpi xmlns:a14="http://schemas.microsoft.com/office/drawing/2010/main" val="0"/>
+              </a:ext>
+            </a:extLst>
+          </a:blip>
+          <a:srcRect t="13892" r="19022"/>
+          <a:stretch/>
+        </p:blipFill>
+        <p:spPr bwMode="auto">
+          <a:xfrm>
+            <a:off x="9023169" y="378822"/>
+            <a:ext cx="2001883" cy="524910"/>
+          </a:xfrm>
+          <a:prstGeom prst="rect">
+            <a:avLst/>
+          </a:prstGeom>
+          <a:noFill/>
+          <a:extLst>
+            <a:ext uri="{909E8E84-426E-40DD-AFC4-6F175D3DCCD1}">
+              <a14:hiddenFill xmlns:a14="http://schemas.microsoft.com/office/drawing/2010/main">
+                <a:solidFill>
+                  <a:srgbClr val="FFFFFF"/>
+                </a:solidFill>
+              </a14:hiddenFill>
+            </a:ext>
+          </a:extLst>
+        </p:spPr>
+      </p:pic>
     </p:spTree>
     <p:extLst>
       <p:ext uri="{BB962C8B-B14F-4D97-AF65-F5344CB8AC3E}">
@@ -4471,6 +4598,13 @@
   <p:clrMapOvr>
     <a:masterClrMapping/>
   </p:clrMapOvr>
+  <p:timing>
+    <p:tnLst>
+      <p:par>
+        <p:cTn id="1" dur="indefinite" restart="never" nodeType="tmRoot"/>
+      </p:par>
+    </p:tnLst>
+  </p:timing>
 </p:sld>
 </file>
 
@@ -4540,51 +4674,60 @@
             <a:pPr lvl="1"/>
             <a:r>
               <a:rPr lang="es-ES_tradnl" sz="3600" dirty="0" smtClean="0"/>
-              <a:t>CMH.Terminal.DAL</a:t>
+              <a:t>CMH.Terminal.DAL: </a:t>
             </a:r>
             <a:r>
               <a:rPr lang="es-ES_tradnl" sz="3600" dirty="0" smtClean="0"/>
-              <a:t>: persistencia </a:t>
+              <a:t>Persistencia </a:t>
+            </a:r>
+            <a:r>
+              <a:rPr lang="es-ES_tradnl" sz="3600" dirty="0" err="1" smtClean="0"/>
+              <a:t>Entity</a:t>
             </a:r>
             <a:r>
               <a:rPr lang="es-ES_tradnl" sz="3600" dirty="0" smtClean="0"/>
-              <a:t>Entity</a:t>
+              <a:t> </a:t>
             </a:r>
             <a:r>
               <a:rPr lang="es-ES_tradnl" sz="3600" dirty="0" smtClean="0"/>
-              <a:t> Framework</a:t>
-            </a:r>
+              <a:t>Framework.</a:t>
+            </a:r>
+            <a:endParaRPr lang="es-ES_tradnl" sz="3600" dirty="0" smtClean="0"/>
           </a:p>
           <a:p>
             <a:pPr lvl="1"/>
             <a:r>
               <a:rPr lang="es-ES_tradnl" sz="3600" dirty="0" smtClean="0"/>
-              <a:t>CMH.Terminal.BL</a:t>
+              <a:t>CMH.Terminal.BL: </a:t>
             </a:r>
             <a:r>
               <a:rPr lang="es-ES_tradnl" sz="3600" dirty="0" smtClean="0"/>
-              <a:t>: lógica de negocios del terminal</a:t>
-            </a:r>
+              <a:t>Lógica </a:t>
+            </a:r>
+            <a:r>
+              <a:rPr lang="es-ES_tradnl" sz="3600" dirty="0" smtClean="0"/>
+              <a:t>de negocios del </a:t>
+            </a:r>
+            <a:r>
+              <a:rPr lang="es-ES_tradnl" sz="3600" dirty="0" smtClean="0"/>
+              <a:t>terminal.</a:t>
+            </a:r>
+            <a:endParaRPr lang="es-ES_tradnl" sz="3600" dirty="0" smtClean="0"/>
           </a:p>
           <a:p>
             <a:pPr lvl="1"/>
             <a:r>
               <a:rPr lang="es-ES_tradnl" sz="3600" dirty="0" smtClean="0"/>
-              <a:t>CMH.Seguro</a:t>
+              <a:t>CMH.Seguro: </a:t>
             </a:r>
             <a:r>
               <a:rPr lang="es-ES_tradnl" sz="3600" dirty="0" smtClean="0"/>
-              <a:t>: persistencia, lógica de negocios e implementación de web </a:t>
+              <a:t>Persistencia</a:t>
             </a:r>
             <a:r>
               <a:rPr lang="es-ES_tradnl" sz="3600" dirty="0" smtClean="0"/>
-              <a:t>service</a:t>
-            </a:r>
-            <a:r>
-              <a:rPr lang="es-ES_tradnl" sz="3600" dirty="0" smtClean="0"/>
-              <a:t>.</a:t>
-            </a:r>
-            <a:endParaRPr lang="es-ES_tradnl" sz="3600" dirty="0" smtClean="0"/>
+              <a:t>, lógica de negocios e implementación de web service.</a:t>
+            </a:r>
           </a:p>
         </p:txBody>
       </p:sp>
@@ -4613,6 +4756,45 @@
           </a:p>
         </p:txBody>
       </p:sp>
+      <p:pic>
+        <p:nvPicPr>
+          <p:cNvPr id="5" name="Picture 2" descr="Resultado de imagen para duoc"/>
+          <p:cNvPicPr>
+            <a:picLocks noChangeAspect="1" noChangeArrowheads="1"/>
+          </p:cNvPicPr>
+          <p:nvPr/>
+        </p:nvPicPr>
+        <p:blipFill rotWithShape="1">
+          <a:blip r:embed="rId2">
+            <a:extLst>
+              <a:ext uri="{28A0092B-C50C-407E-A947-70E740481C1C}">
+                <a14:useLocalDpi xmlns:a14="http://schemas.microsoft.com/office/drawing/2010/main" val="0"/>
+              </a:ext>
+            </a:extLst>
+          </a:blip>
+          <a:srcRect t="13892" r="19022"/>
+          <a:stretch/>
+        </p:blipFill>
+        <p:spPr bwMode="auto">
+          <a:xfrm>
+            <a:off x="9023169" y="378822"/>
+            <a:ext cx="2001883" cy="524910"/>
+          </a:xfrm>
+          <a:prstGeom prst="rect">
+            <a:avLst/>
+          </a:prstGeom>
+          <a:noFill/>
+          <a:extLst>
+            <a:ext uri="{909E8E84-426E-40DD-AFC4-6F175D3DCCD1}">
+              <a14:hiddenFill xmlns:a14="http://schemas.microsoft.com/office/drawing/2010/main">
+                <a:solidFill>
+                  <a:srgbClr val="FFFFFF"/>
+                </a:solidFill>
+              </a14:hiddenFill>
+            </a:ext>
+          </a:extLst>
+        </p:spPr>
+      </p:pic>
     </p:spTree>
     <p:extLst>
       <p:ext uri="{BB962C8B-B14F-4D97-AF65-F5344CB8AC3E}">
@@ -4623,6 +4805,13 @@
   <p:clrMapOvr>
     <a:masterClrMapping/>
   </p:clrMapOvr>
+  <p:timing>
+    <p:tnLst>
+      <p:par>
+        <p:cTn id="1" dur="indefinite" restart="never" nodeType="tmRoot"/>
+      </p:par>
+    </p:tnLst>
+  </p:timing>
 </p:sld>
 </file>
 
@@ -4716,8 +4905,13 @@
             </a:pPr>
             <a:r>
               <a:rPr lang="es-ES_tradnl" sz="4400" dirty="0" smtClean="0"/>
-              <a:t>CMH – 27 tablas</a:t>
-            </a:r>
+              <a:t>CMH – 27 </a:t>
+            </a:r>
+            <a:r>
+              <a:rPr lang="es-ES_tradnl" sz="4400" dirty="0" smtClean="0"/>
+              <a:t>tablas.</a:t>
+            </a:r>
+            <a:endParaRPr lang="es-ES_tradnl" sz="4400" dirty="0" smtClean="0"/>
           </a:p>
           <a:p>
             <a:pPr lvl="1">
@@ -4734,8 +4928,13 @@
             </a:pPr>
             <a:r>
               <a:rPr lang="es-ES_tradnl" sz="4400" dirty="0" smtClean="0"/>
-              <a:t>Seguros – 6 tablas</a:t>
-            </a:r>
+              <a:t>Seguros – 6 </a:t>
+            </a:r>
+            <a:r>
+              <a:rPr lang="es-ES_tradnl" sz="4400" dirty="0" smtClean="0"/>
+              <a:t>tablas.</a:t>
+            </a:r>
+            <a:endParaRPr lang="es-ES_tradnl" sz="4400" dirty="0" smtClean="0"/>
           </a:p>
           <a:p>
             <a:pPr>
@@ -4767,7 +4966,11 @@
             </a:pPr>
             <a:r>
               <a:rPr lang="es-ES_tradnl" sz="4400" dirty="0" smtClean="0"/>
-              <a:t>Cubren 100% de los casos de uso</a:t>
+              <a:t>Cubren 100% de los casos de </a:t>
+            </a:r>
+            <a:r>
+              <a:rPr lang="es-ES_tradnl" sz="4400" dirty="0" smtClean="0"/>
+              <a:t>uso.</a:t>
             </a:r>
             <a:endParaRPr lang="es-ES_tradnl" sz="4400" dirty="0"/>
           </a:p>
@@ -4798,6 +5001,45 @@
           </a:p>
         </p:txBody>
       </p:sp>
+      <p:pic>
+        <p:nvPicPr>
+          <p:cNvPr id="5" name="Picture 2" descr="Resultado de imagen para duoc"/>
+          <p:cNvPicPr>
+            <a:picLocks noChangeAspect="1" noChangeArrowheads="1"/>
+          </p:cNvPicPr>
+          <p:nvPr/>
+        </p:nvPicPr>
+        <p:blipFill rotWithShape="1">
+          <a:blip r:embed="rId2">
+            <a:extLst>
+              <a:ext uri="{28A0092B-C50C-407E-A947-70E740481C1C}">
+                <a14:useLocalDpi xmlns:a14="http://schemas.microsoft.com/office/drawing/2010/main" val="0"/>
+              </a:ext>
+            </a:extLst>
+          </a:blip>
+          <a:srcRect t="13892" r="19022"/>
+          <a:stretch/>
+        </p:blipFill>
+        <p:spPr bwMode="auto">
+          <a:xfrm>
+            <a:off x="9023169" y="378822"/>
+            <a:ext cx="2001883" cy="524910"/>
+          </a:xfrm>
+          <a:prstGeom prst="rect">
+            <a:avLst/>
+          </a:prstGeom>
+          <a:noFill/>
+          <a:extLst>
+            <a:ext uri="{909E8E84-426E-40DD-AFC4-6F175D3DCCD1}">
+              <a14:hiddenFill xmlns:a14="http://schemas.microsoft.com/office/drawing/2010/main">
+                <a:solidFill>
+                  <a:srgbClr val="FFFFFF"/>
+                </a:solidFill>
+              </a14:hiddenFill>
+            </a:ext>
+          </a:extLst>
+        </p:spPr>
+      </p:pic>
     </p:spTree>
     <p:extLst>
       <p:ext uri="{BB962C8B-B14F-4D97-AF65-F5344CB8AC3E}">
@@ -4808,6 +5050,13 @@
   <p:clrMapOvr>
     <a:masterClrMapping/>
   </p:clrMapOvr>
+  <p:timing>
+    <p:tnLst>
+      <p:par>
+        <p:cTn id="1" dur="indefinite" restart="never" nodeType="tmRoot"/>
+      </p:par>
+    </p:tnLst>
+  </p:timing>
 </p:sld>
 </file>
 
@@ -4865,7 +5114,7 @@
           </p:nvPr>
         </p:nvPicPr>
         <p:blipFill>
-          <a:blip r:embed="rId2">
+          <a:blip r:embed="rId2" cstate="print">
             <a:extLst>
               <a:ext uri="{28A0092B-C50C-407E-A947-70E740481C1C}">
                 <a14:useLocalDpi xmlns:a14="http://schemas.microsoft.com/office/drawing/2010/main" val="0"/>
@@ -4917,7 +5166,7 @@
         <p:spPr>
           <a:xfrm>
             <a:off x="3063988" y="6099730"/>
-            <a:ext cx="5338321" cy="369332"/>
+            <a:ext cx="5402441" cy="369332"/>
           </a:xfrm>
           <a:prstGeom prst="rect">
             <a:avLst/>
@@ -4932,12 +5181,55 @@
           <a:p>
             <a:r>
               <a:rPr lang="es-ES_tradnl" dirty="0" smtClean="0"/>
-              <a:t>Fig. 4: modelo de datos de la base de datos CMH</a:t>
+              <a:t>Fig. 4: modelo de datos de la base de datos </a:t>
+            </a:r>
+            <a:r>
+              <a:rPr lang="es-ES_tradnl" dirty="0" smtClean="0"/>
+              <a:t>CMH.</a:t>
             </a:r>
             <a:endParaRPr lang="es-ES_tradnl" dirty="0" smtClean="0"/>
           </a:p>
         </p:txBody>
       </p:sp>
+      <p:pic>
+        <p:nvPicPr>
+          <p:cNvPr id="6" name="Picture 2" descr="Resultado de imagen para duoc"/>
+          <p:cNvPicPr>
+            <a:picLocks noChangeAspect="1" noChangeArrowheads="1"/>
+          </p:cNvPicPr>
+          <p:nvPr/>
+        </p:nvPicPr>
+        <p:blipFill rotWithShape="1">
+          <a:blip r:embed="rId3">
+            <a:extLst>
+              <a:ext uri="{28A0092B-C50C-407E-A947-70E740481C1C}">
+                <a14:useLocalDpi xmlns:a14="http://schemas.microsoft.com/office/drawing/2010/main" val="0"/>
+              </a:ext>
+            </a:extLst>
+          </a:blip>
+          <a:srcRect t="13892" r="19022"/>
+          <a:stretch/>
+        </p:blipFill>
+        <p:spPr bwMode="auto">
+          <a:xfrm>
+            <a:off x="9023169" y="378822"/>
+            <a:ext cx="2001883" cy="524910"/>
+          </a:xfrm>
+          <a:prstGeom prst="rect">
+            <a:avLst/>
+          </a:prstGeom>
+          <a:noFill/>
+          <a:extLst>
+            <a:ext uri="{909E8E84-426E-40DD-AFC4-6F175D3DCCD1}">
+              <a14:hiddenFill xmlns:a14="http://schemas.microsoft.com/office/drawing/2010/main">
+                <a:solidFill>
+                  <a:srgbClr val="FFFFFF"/>
+                </a:solidFill>
+              </a14:hiddenFill>
+            </a:ext>
+          </a:extLst>
+        </p:spPr>
+      </p:pic>
     </p:spTree>
     <p:extLst>
       <p:ext uri="{BB962C8B-B14F-4D97-AF65-F5344CB8AC3E}">
@@ -4948,6 +5240,13 @@
   <p:clrMapOvr>
     <a:masterClrMapping/>
   </p:clrMapOvr>
+  <p:timing>
+    <p:tnLst>
+      <p:par>
+        <p:cTn id="1" dur="indefinite" restart="never" nodeType="tmRoot"/>
+      </p:par>
+    </p:tnLst>
+  </p:timing>
 </p:sld>
 </file>
 
@@ -5070,20 +5369,51 @@
           <a:p>
             <a:r>
               <a:rPr lang="es-ES_tradnl" dirty="0" smtClean="0"/>
-              <a:t>Fig. 5: Modelo de datos del web </a:t>
-            </a:r>
-            <a:r>
-              <a:rPr lang="es-ES_tradnl" dirty="0" smtClean="0"/>
-              <a:t>service</a:t>
-            </a:r>
-            <a:r>
-              <a:rPr lang="es-ES_tradnl" dirty="0" smtClean="0"/>
-              <a:t> aseguradora.</a:t>
+              <a:t>Fig. 5: Modelo de datos del web service aseguradora.</a:t>
             </a:r>
             <a:endParaRPr lang="es-ES_tradnl" dirty="0"/>
           </a:p>
         </p:txBody>
       </p:sp>
+      <p:pic>
+        <p:nvPicPr>
+          <p:cNvPr id="6" name="Picture 2" descr="Resultado de imagen para duoc"/>
+          <p:cNvPicPr>
+            <a:picLocks noChangeAspect="1" noChangeArrowheads="1"/>
+          </p:cNvPicPr>
+          <p:nvPr/>
+        </p:nvPicPr>
+        <p:blipFill rotWithShape="1">
+          <a:blip r:embed="rId3">
+            <a:extLst>
+              <a:ext uri="{28A0092B-C50C-407E-A947-70E740481C1C}">
+                <a14:useLocalDpi xmlns:a14="http://schemas.microsoft.com/office/drawing/2010/main" val="0"/>
+              </a:ext>
+            </a:extLst>
+          </a:blip>
+          <a:srcRect t="13892" r="19022"/>
+          <a:stretch/>
+        </p:blipFill>
+        <p:spPr bwMode="auto">
+          <a:xfrm>
+            <a:off x="9023169" y="378822"/>
+            <a:ext cx="2001883" cy="524910"/>
+          </a:xfrm>
+          <a:prstGeom prst="rect">
+            <a:avLst/>
+          </a:prstGeom>
+          <a:noFill/>
+          <a:extLst>
+            <a:ext uri="{909E8E84-426E-40DD-AFC4-6F175D3DCCD1}">
+              <a14:hiddenFill xmlns:a14="http://schemas.microsoft.com/office/drawing/2010/main">
+                <a:solidFill>
+                  <a:srgbClr val="FFFFFF"/>
+                </a:solidFill>
+              </a14:hiddenFill>
+            </a:ext>
+          </a:extLst>
+        </p:spPr>
+      </p:pic>
     </p:spTree>
     <p:extLst>
       <p:ext uri="{BB962C8B-B14F-4D97-AF65-F5344CB8AC3E}">
@@ -5094,6 +5424,13 @@
   <p:clrMapOvr>
     <a:masterClrMapping/>
   </p:clrMapOvr>
+  <p:timing>
+    <p:tnLst>
+      <p:par>
+        <p:cTn id="1" dur="indefinite" restart="never" nodeType="tmRoot"/>
+      </p:par>
+    </p:tnLst>
+  </p:timing>
 </p:sld>
 </file>
 
@@ -5156,26 +5493,46 @@
           <a:p>
             <a:r>
               <a:rPr lang="es-ES_tradnl" sz="3600" dirty="0" smtClean="0"/>
-              <a:t>Actualmente en proceso</a:t>
-            </a:r>
-          </a:p>
-          <a:p>
+              <a:t>Actualmente en </a:t>
+            </a:r>
             <a:r>
               <a:rPr lang="es-ES_tradnl" sz="3600" dirty="0" smtClean="0"/>
-              <a:t>50% de las funcionalidades implementadas</a:t>
-            </a:r>
+              <a:t>proceso.</a:t>
+            </a:r>
+            <a:endParaRPr lang="es-ES_tradnl" sz="3600" dirty="0" smtClean="0"/>
           </a:p>
           <a:p>
             <a:r>
               <a:rPr lang="es-ES_tradnl" sz="3600" dirty="0" smtClean="0"/>
-              <a:t>22 tests unitarios, con cobertura de 68% del código</a:t>
-            </a:r>
-          </a:p>
-          <a:p>
+              <a:t>50% de las funcionalidades </a:t>
+            </a:r>
             <a:r>
               <a:rPr lang="es-ES_tradnl" sz="3600" dirty="0" smtClean="0"/>
-              <a:t>El test unitario promedio tiene 2,5 casos de prueba</a:t>
-            </a:r>
+              <a:t>implementadas.</a:t>
+            </a:r>
+            <a:endParaRPr lang="es-ES_tradnl" sz="3600" dirty="0" smtClean="0"/>
+          </a:p>
+          <a:p>
+            <a:r>
+              <a:rPr lang="es-ES_tradnl" sz="3600" dirty="0" smtClean="0"/>
+              <a:t>22 tests unitarios, con cobertura de 68% del </a:t>
+            </a:r>
+            <a:r>
+              <a:rPr lang="es-ES_tradnl" sz="3600" dirty="0" smtClean="0"/>
+              <a:t>código.</a:t>
+            </a:r>
+            <a:endParaRPr lang="es-ES_tradnl" sz="3600" dirty="0" smtClean="0"/>
+          </a:p>
+          <a:p>
+            <a:r>
+              <a:rPr lang="es-ES_tradnl" sz="3600" dirty="0" smtClean="0"/>
+              <a:t>El test unitario promedio tiene 2,5 casos de </a:t>
+            </a:r>
+            <a:r>
+              <a:rPr lang="es-ES_tradnl" sz="3600" dirty="0" smtClean="0"/>
+              <a:t>prueba.</a:t>
+            </a:r>
+            <a:endParaRPr lang="es-ES_tradnl" sz="3600" dirty="0" smtClean="0"/>
           </a:p>
           <a:p>
             <a:endParaRPr lang="es-ES_tradnl" sz="3600" dirty="0"/>
@@ -5207,6 +5564,45 @@
           </a:p>
         </p:txBody>
       </p:sp>
+      <p:pic>
+        <p:nvPicPr>
+          <p:cNvPr id="5" name="Picture 2" descr="Resultado de imagen para duoc"/>
+          <p:cNvPicPr>
+            <a:picLocks noChangeAspect="1" noChangeArrowheads="1"/>
+          </p:cNvPicPr>
+          <p:nvPr/>
+        </p:nvPicPr>
+        <p:blipFill rotWithShape="1">
+          <a:blip r:embed="rId2">
+            <a:extLst>
+              <a:ext uri="{28A0092B-C50C-407E-A947-70E740481C1C}">
+                <a14:useLocalDpi xmlns:a14="http://schemas.microsoft.com/office/drawing/2010/main" val="0"/>
+              </a:ext>
+            </a:extLst>
+          </a:blip>
+          <a:srcRect t="13892" r="19022"/>
+          <a:stretch/>
+        </p:blipFill>
+        <p:spPr bwMode="auto">
+          <a:xfrm>
+            <a:off x="9023169" y="378822"/>
+            <a:ext cx="2001883" cy="524910"/>
+          </a:xfrm>
+          <a:prstGeom prst="rect">
+            <a:avLst/>
+          </a:prstGeom>
+          <a:noFill/>
+          <a:extLst>
+            <a:ext uri="{909E8E84-426E-40DD-AFC4-6F175D3DCCD1}">
+              <a14:hiddenFill xmlns:a14="http://schemas.microsoft.com/office/drawing/2010/main">
+                <a:solidFill>
+                  <a:srgbClr val="FFFFFF"/>
+                </a:solidFill>
+              </a14:hiddenFill>
+            </a:ext>
+          </a:extLst>
+        </p:spPr>
+      </p:pic>
     </p:spTree>
     <p:extLst>
       <p:ext uri="{BB962C8B-B14F-4D97-AF65-F5344CB8AC3E}">
@@ -5217,6 +5613,13 @@
   <p:clrMapOvr>
     <a:masterClrMapping/>
   </p:clrMapOvr>
+  <p:timing>
+    <p:tnLst>
+      <p:par>
+        <p:cTn id="1" dur="indefinite" restart="never" nodeType="tmRoot"/>
+      </p:par>
+    </p:tnLst>
+  </p:timing>
 </p:sld>
 </file>
 
@@ -5254,23 +5657,7 @@
           <a:p>
             <a:r>
               <a:rPr lang="en-US" dirty="0" smtClean="0"/>
-              <a:t>Capa</a:t>
-            </a:r>
-            <a:r>
-              <a:rPr lang="en-US" dirty="0" smtClean="0"/>
-              <a:t> de </a:t>
-            </a:r>
-            <a:r>
-              <a:rPr lang="en-US" dirty="0" smtClean="0"/>
-              <a:t>negocio</a:t>
-            </a:r>
-            <a:r>
-              <a:rPr lang="en-US" dirty="0" smtClean="0"/>
-              <a:t>: </a:t>
-            </a:r>
-            <a:r>
-              <a:rPr lang="en-US" dirty="0" smtClean="0"/>
-              <a:t>web</a:t>
+              <a:t>Capa de negocio: web</a:t>
             </a:r>
             <a:endParaRPr lang="en-US" dirty="0"/>
           </a:p>
@@ -5295,14 +5682,32 @@
           <a:p>
             <a:r>
               <a:rPr lang="es-ES_tradnl" sz="4000" dirty="0" smtClean="0"/>
-              <a:t>3 clases</a:t>
-            </a:r>
-          </a:p>
-          <a:p>
+              <a:t>3 </a:t>
+            </a:r>
             <a:r>
               <a:rPr lang="es-ES_tradnl" sz="4000" dirty="0" smtClean="0"/>
-              <a:t>100% de los tests pasando</a:t>
-            </a:r>
+              <a:t>clases.</a:t>
+            </a:r>
+            <a:endParaRPr lang="es-ES_tradnl" sz="4000" dirty="0" smtClean="0"/>
+          </a:p>
+          <a:p>
+            <a:r>
+              <a:rPr lang="es-ES_tradnl" sz="4000" dirty="0" smtClean="0"/>
+              <a:t>100% de los </a:t>
+            </a:r>
+            <a:r>
+              <a:rPr lang="es-ES_tradnl" sz="4000" dirty="0" err="1" smtClean="0"/>
+              <a:t>tests</a:t>
+            </a:r>
+            <a:r>
+              <a:rPr lang="es-ES_tradnl" sz="4000" dirty="0" smtClean="0"/>
+              <a:t> </a:t>
+            </a:r>
+            <a:r>
+              <a:rPr lang="es-ES_tradnl" sz="4000" dirty="0" smtClean="0"/>
+              <a:t>pasando.</a:t>
+            </a:r>
+            <a:endParaRPr lang="es-ES_tradnl" sz="4000" dirty="0" smtClean="0"/>
           </a:p>
           <a:p>
             <a:r>
@@ -5338,6 +5743,45 @@
           </a:p>
         </p:txBody>
       </p:sp>
+      <p:pic>
+        <p:nvPicPr>
+          <p:cNvPr id="5" name="Picture 2" descr="Resultado de imagen para duoc"/>
+          <p:cNvPicPr>
+            <a:picLocks noChangeAspect="1" noChangeArrowheads="1"/>
+          </p:cNvPicPr>
+          <p:nvPr/>
+        </p:nvPicPr>
+        <p:blipFill rotWithShape="1">
+          <a:blip r:embed="rId2">
+            <a:extLst>
+              <a:ext uri="{28A0092B-C50C-407E-A947-70E740481C1C}">
+                <a14:useLocalDpi xmlns:a14="http://schemas.microsoft.com/office/drawing/2010/main" val="0"/>
+              </a:ext>
+            </a:extLst>
+          </a:blip>
+          <a:srcRect t="13892" r="19022"/>
+          <a:stretch/>
+        </p:blipFill>
+        <p:spPr bwMode="auto">
+          <a:xfrm>
+            <a:off x="9023169" y="378822"/>
+            <a:ext cx="2001883" cy="524910"/>
+          </a:xfrm>
+          <a:prstGeom prst="rect">
+            <a:avLst/>
+          </a:prstGeom>
+          <a:noFill/>
+          <a:extLst>
+            <a:ext uri="{909E8E84-426E-40DD-AFC4-6F175D3DCCD1}">
+              <a14:hiddenFill xmlns:a14="http://schemas.microsoft.com/office/drawing/2010/main">
+                <a:solidFill>
+                  <a:srgbClr val="FFFFFF"/>
+                </a:solidFill>
+              </a14:hiddenFill>
+            </a:ext>
+          </a:extLst>
+        </p:spPr>
+      </p:pic>
     </p:spTree>
     <p:extLst>
       <p:ext uri="{BB962C8B-B14F-4D97-AF65-F5344CB8AC3E}">
@@ -5348,6 +5792,13 @@
   <p:clrMapOvr>
     <a:masterClrMapping/>
   </p:clrMapOvr>
+  <p:timing>
+    <p:tnLst>
+      <p:par>
+        <p:cTn id="1" dur="indefinite" restart="never" nodeType="tmRoot"/>
+      </p:par>
+    </p:tnLst>
+  </p:timing>
 </p:sld>
 </file>
 
@@ -5471,6 +5922,45 @@
           </a:p>
         </p:txBody>
       </p:sp>
+      <p:pic>
+        <p:nvPicPr>
+          <p:cNvPr id="5" name="Picture 2" descr="Resultado de imagen para duoc"/>
+          <p:cNvPicPr>
+            <a:picLocks noChangeAspect="1" noChangeArrowheads="1"/>
+          </p:cNvPicPr>
+          <p:nvPr/>
+        </p:nvPicPr>
+        <p:blipFill rotWithShape="1">
+          <a:blip r:embed="rId2">
+            <a:extLst>
+              <a:ext uri="{28A0092B-C50C-407E-A947-70E740481C1C}">
+                <a14:useLocalDpi xmlns:a14="http://schemas.microsoft.com/office/drawing/2010/main" val="0"/>
+              </a:ext>
+            </a:extLst>
+          </a:blip>
+          <a:srcRect t="13892" r="19022"/>
+          <a:stretch/>
+        </p:blipFill>
+        <p:spPr bwMode="auto">
+          <a:xfrm>
+            <a:off x="9023169" y="378822"/>
+            <a:ext cx="2001883" cy="524910"/>
+          </a:xfrm>
+          <a:prstGeom prst="rect">
+            <a:avLst/>
+          </a:prstGeom>
+          <a:noFill/>
+          <a:extLst>
+            <a:ext uri="{909E8E84-426E-40DD-AFC4-6F175D3DCCD1}">
+              <a14:hiddenFill xmlns:a14="http://schemas.microsoft.com/office/drawing/2010/main">
+                <a:solidFill>
+                  <a:srgbClr val="FFFFFF"/>
+                </a:solidFill>
+              </a14:hiddenFill>
+            </a:ext>
+          </a:extLst>
+        </p:spPr>
+      </p:pic>
     </p:spTree>
     <p:extLst>
       <p:ext uri="{BB962C8B-B14F-4D97-AF65-F5344CB8AC3E}">
@@ -5481,6 +5971,13 @@
   <p:clrMapOvr>
     <a:masterClrMapping/>
   </p:clrMapOvr>
+  <p:timing>
+    <p:tnLst>
+      <p:par>
+        <p:cTn id="1" dur="indefinite" restart="never" nodeType="tmRoot"/>
+      </p:par>
+    </p:tnLst>
+  </p:timing>
 </p:sld>
 </file>
 
@@ -5608,6 +6105,45 @@
           </a:p>
         </p:txBody>
       </p:sp>
+      <p:pic>
+        <p:nvPicPr>
+          <p:cNvPr id="6" name="Picture 2" descr="Resultado de imagen para duoc"/>
+          <p:cNvPicPr>
+            <a:picLocks noChangeAspect="1" noChangeArrowheads="1"/>
+          </p:cNvPicPr>
+          <p:nvPr/>
+        </p:nvPicPr>
+        <p:blipFill rotWithShape="1">
+          <a:blip r:embed="rId3">
+            <a:extLst>
+              <a:ext uri="{28A0092B-C50C-407E-A947-70E740481C1C}">
+                <a14:useLocalDpi xmlns:a14="http://schemas.microsoft.com/office/drawing/2010/main" val="0"/>
+              </a:ext>
+            </a:extLst>
+          </a:blip>
+          <a:srcRect t="13892" r="19022"/>
+          <a:stretch/>
+        </p:blipFill>
+        <p:spPr bwMode="auto">
+          <a:xfrm>
+            <a:off x="9023169" y="378822"/>
+            <a:ext cx="2001883" cy="524910"/>
+          </a:xfrm>
+          <a:prstGeom prst="rect">
+            <a:avLst/>
+          </a:prstGeom>
+          <a:noFill/>
+          <a:extLst>
+            <a:ext uri="{909E8E84-426E-40DD-AFC4-6F175D3DCCD1}">
+              <a14:hiddenFill xmlns:a14="http://schemas.microsoft.com/office/drawing/2010/main">
+                <a:solidFill>
+                  <a:srgbClr val="FFFFFF"/>
+                </a:solidFill>
+              </a14:hiddenFill>
+            </a:ext>
+          </a:extLst>
+        </p:spPr>
+      </p:pic>
     </p:spTree>
     <p:extLst>
       <p:ext uri="{BB962C8B-B14F-4D97-AF65-F5344CB8AC3E}">
@@ -5618,6 +6154,13 @@
   <p:clrMapOvr>
     <a:masterClrMapping/>
   </p:clrMapOvr>
+  <p:timing>
+    <p:tnLst>
+      <p:par>
+        <p:cTn id="1" dur="indefinite" restart="never" nodeType="tmRoot"/>
+      </p:par>
+    </p:tnLst>
+  </p:timing>
 </p:sld>
 </file>
 
@@ -5712,27 +6255,57 @@
             <a:pPr lvl="1"/>
             <a:r>
               <a:rPr lang="es-ES_tradnl" sz="3600" dirty="0" smtClean="0"/>
-              <a:t>bd_cmh</a:t>
-            </a:r>
+              <a:t>bd_cmh: Oracle, única base de datos del negocio.</a:t>
+            </a:r>
+          </a:p>
+          <a:p>
+            <a:pPr lvl="1"/>
             <a:r>
               <a:rPr lang="es-ES_tradnl" sz="3600" dirty="0" smtClean="0"/>
-              <a:t>: Oracle, única base de datos del negocio.</a:t>
-            </a:r>
-          </a:p>
-          <a:p>
-            <a:pPr lvl="1"/>
-            <a:r>
-              <a:rPr lang="es-ES_tradnl" sz="3600" dirty="0" smtClean="0"/>
-              <a:t>bd_seguro</a:t>
-            </a:r>
-            <a:r>
-              <a:rPr lang="es-ES_tradnl" sz="3600" dirty="0" smtClean="0"/>
-              <a:t>: Oracle, simula base de datos de servicio de aseguradoras.</a:t>
-            </a:r>
-            <a:endParaRPr lang="es-ES_tradnl" sz="3600" dirty="0" smtClean="0"/>
-          </a:p>
-        </p:txBody>
-      </p:sp>
+              <a:t>bd_seguro: Oracle, simula base de datos de servicio de aseguradoras.</a:t>
+            </a:r>
+          </a:p>
+        </p:txBody>
+      </p:sp>
+      <p:pic>
+        <p:nvPicPr>
+          <p:cNvPr id="5" name="Picture 2" descr="Resultado de imagen para duoc"/>
+          <p:cNvPicPr>
+            <a:picLocks noChangeAspect="1" noChangeArrowheads="1"/>
+          </p:cNvPicPr>
+          <p:nvPr/>
+        </p:nvPicPr>
+        <p:blipFill rotWithShape="1">
+          <a:blip r:embed="rId2">
+            <a:extLst>
+              <a:ext uri="{28A0092B-C50C-407E-A947-70E740481C1C}">
+                <a14:useLocalDpi xmlns:a14="http://schemas.microsoft.com/office/drawing/2010/main" val="0"/>
+              </a:ext>
+            </a:extLst>
+          </a:blip>
+          <a:srcRect t="13892" r="19022"/>
+          <a:stretch/>
+        </p:blipFill>
+        <p:spPr bwMode="auto">
+          <a:xfrm>
+            <a:off x="9023169" y="378822"/>
+            <a:ext cx="2001883" cy="524910"/>
+          </a:xfrm>
+          <a:prstGeom prst="rect">
+            <a:avLst/>
+          </a:prstGeom>
+          <a:noFill/>
+          <a:extLst>
+            <a:ext uri="{909E8E84-426E-40DD-AFC4-6F175D3DCCD1}">
+              <a14:hiddenFill xmlns:a14="http://schemas.microsoft.com/office/drawing/2010/main">
+                <a:solidFill>
+                  <a:srgbClr val="FFFFFF"/>
+                </a:solidFill>
+              </a14:hiddenFill>
+            </a:ext>
+          </a:extLst>
+        </p:spPr>
+      </p:pic>
     </p:spTree>
     <p:extLst>
       <p:ext uri="{BB962C8B-B14F-4D97-AF65-F5344CB8AC3E}">
@@ -5743,6 +6316,13 @@
   <p:clrMapOvr>
     <a:masterClrMapping/>
   </p:clrMapOvr>
+  <p:timing>
+    <p:tnLst>
+      <p:par>
+        <p:cTn id="1" dur="indefinite" restart="never" nodeType="tmRoot"/>
+      </p:par>
+    </p:tnLst>
+  </p:timing>
 </p:sld>
 </file>
 
@@ -5842,32 +6422,50 @@
             <a:pPr lvl="1"/>
             <a:r>
               <a:rPr lang="es-ES_tradnl" sz="3200" dirty="0" smtClean="0"/>
-              <a:t>SeguroWS</a:t>
-            </a:r>
-            <a:r>
-              <a:rPr lang="es-ES_tradnl" sz="3200" dirty="0" smtClean="0"/>
-              <a:t>: web </a:t>
-            </a:r>
-            <a:r>
-              <a:rPr lang="es-ES_tradnl" sz="3200" dirty="0" smtClean="0"/>
-              <a:t>service</a:t>
-            </a:r>
-            <a:r>
-              <a:rPr lang="es-ES_tradnl" sz="3200" dirty="0" smtClean="0"/>
-              <a:t> que simula proveer funcionalidades de un </a:t>
-            </a:r>
-            <a:r>
-              <a:rPr lang="es-ES_tradnl" sz="3200" dirty="0" smtClean="0"/>
-              <a:t>endpoint</a:t>
-            </a:r>
-            <a:r>
-              <a:rPr lang="es-ES_tradnl" sz="3200" dirty="0" smtClean="0"/>
-              <a:t> de la empresa de seguros.</a:t>
-            </a:r>
-            <a:endParaRPr lang="es-ES_tradnl" sz="3200" dirty="0" smtClean="0"/>
-          </a:p>
-        </p:txBody>
-      </p:sp>
+              <a:t>SeguroWS: web service que simula proveer funcionalidades de un endpoint de la empresa de seguros.</a:t>
+            </a:r>
+          </a:p>
+        </p:txBody>
+      </p:sp>
+      <p:pic>
+        <p:nvPicPr>
+          <p:cNvPr id="5" name="Picture 2" descr="Resultado de imagen para duoc"/>
+          <p:cNvPicPr>
+            <a:picLocks noChangeAspect="1" noChangeArrowheads="1"/>
+          </p:cNvPicPr>
+          <p:nvPr/>
+        </p:nvPicPr>
+        <p:blipFill rotWithShape="1">
+          <a:blip r:embed="rId2">
+            <a:extLst>
+              <a:ext uri="{28A0092B-C50C-407E-A947-70E740481C1C}">
+                <a14:useLocalDpi xmlns:a14="http://schemas.microsoft.com/office/drawing/2010/main" val="0"/>
+              </a:ext>
+            </a:extLst>
+          </a:blip>
+          <a:srcRect t="13892" r="19022"/>
+          <a:stretch/>
+        </p:blipFill>
+        <p:spPr bwMode="auto">
+          <a:xfrm>
+            <a:off x="9023169" y="378822"/>
+            <a:ext cx="2001883" cy="524910"/>
+          </a:xfrm>
+          <a:prstGeom prst="rect">
+            <a:avLst/>
+          </a:prstGeom>
+          <a:noFill/>
+          <a:extLst>
+            <a:ext uri="{909E8E84-426E-40DD-AFC4-6F175D3DCCD1}">
+              <a14:hiddenFill xmlns:a14="http://schemas.microsoft.com/office/drawing/2010/main">
+                <a:solidFill>
+                  <a:srgbClr val="FFFFFF"/>
+                </a:solidFill>
+              </a14:hiddenFill>
+            </a:ext>
+          </a:extLst>
+        </p:spPr>
+      </p:pic>
     </p:spTree>
     <p:extLst>
       <p:ext uri="{BB962C8B-B14F-4D97-AF65-F5344CB8AC3E}">
@@ -5878,6 +6476,13 @@
   <p:clrMapOvr>
     <a:masterClrMapping/>
   </p:clrMapOvr>
+  <p:timing>
+    <p:tnLst>
+      <p:par>
+        <p:cTn id="1" dur="indefinite" restart="never" nodeType="tmRoot"/>
+      </p:par>
+    </p:tnLst>
+  </p:timing>
 </p:sld>
 </file>
 
@@ -5973,24 +6578,50 @@
             <a:pPr lvl="1"/>
             <a:r>
               <a:rPr lang="es-ES_tradnl" sz="4000" dirty="0" smtClean="0"/>
-              <a:t>Payment</a:t>
-            </a:r>
-            <a:r>
-              <a:rPr lang="es-ES_tradnl" sz="4000" dirty="0" smtClean="0"/>
-              <a:t> </a:t>
-            </a:r>
-            <a:r>
-              <a:rPr lang="es-ES_tradnl" sz="4000" dirty="0" smtClean="0"/>
-              <a:t>service</a:t>
-            </a:r>
-            <a:r>
-              <a:rPr lang="es-ES_tradnl" sz="4000" dirty="0" smtClean="0"/>
-              <a:t>: servicio automatizado de pagos de honorarios.</a:t>
-            </a:r>
-            <a:endParaRPr lang="es-ES_tradnl" sz="4000" dirty="0" smtClean="0"/>
-          </a:p>
-        </p:txBody>
-      </p:sp>
+              <a:t>Payment service: servicio automatizado de pagos de honorarios.</a:t>
+            </a:r>
+          </a:p>
+        </p:txBody>
+      </p:sp>
+      <p:pic>
+        <p:nvPicPr>
+          <p:cNvPr id="5" name="Picture 2" descr="Resultado de imagen para duoc"/>
+          <p:cNvPicPr>
+            <a:picLocks noChangeAspect="1" noChangeArrowheads="1"/>
+          </p:cNvPicPr>
+          <p:nvPr/>
+        </p:nvPicPr>
+        <p:blipFill rotWithShape="1">
+          <a:blip r:embed="rId2">
+            <a:extLst>
+              <a:ext uri="{28A0092B-C50C-407E-A947-70E740481C1C}">
+                <a14:useLocalDpi xmlns:a14="http://schemas.microsoft.com/office/drawing/2010/main" val="0"/>
+              </a:ext>
+            </a:extLst>
+          </a:blip>
+          <a:srcRect t="13892" r="19022"/>
+          <a:stretch/>
+        </p:blipFill>
+        <p:spPr bwMode="auto">
+          <a:xfrm>
+            <a:off x="9023169" y="378822"/>
+            <a:ext cx="2001883" cy="524910"/>
+          </a:xfrm>
+          <a:prstGeom prst="rect">
+            <a:avLst/>
+          </a:prstGeom>
+          <a:noFill/>
+          <a:extLst>
+            <a:ext uri="{909E8E84-426E-40DD-AFC4-6F175D3DCCD1}">
+              <a14:hiddenFill xmlns:a14="http://schemas.microsoft.com/office/drawing/2010/main">
+                <a:solidFill>
+                  <a:srgbClr val="FFFFFF"/>
+                </a:solidFill>
+              </a14:hiddenFill>
+            </a:ext>
+          </a:extLst>
+        </p:spPr>
+      </p:pic>
     </p:spTree>
     <p:extLst>
       <p:ext uri="{BB962C8B-B14F-4D97-AF65-F5344CB8AC3E}">
@@ -6001,6 +6632,13 @@
   <p:clrMapOvr>
     <a:masterClrMapping/>
   </p:clrMapOvr>
+  <p:timing>
+    <p:tnLst>
+      <p:par>
+        <p:cTn id="1" dur="indefinite" restart="never" nodeType="tmRoot"/>
+      </p:par>
+    </p:tnLst>
+  </p:timing>
 </p:sld>
 </file>
 
@@ -6074,6 +6712,45 @@
           </a:p>
         </p:txBody>
       </p:sp>
+      <p:pic>
+        <p:nvPicPr>
+          <p:cNvPr id="5" name="Picture 2" descr="Resultado de imagen para duoc"/>
+          <p:cNvPicPr>
+            <a:picLocks noChangeAspect="1" noChangeArrowheads="1"/>
+          </p:cNvPicPr>
+          <p:nvPr/>
+        </p:nvPicPr>
+        <p:blipFill rotWithShape="1">
+          <a:blip r:embed="rId2">
+            <a:extLst>
+              <a:ext uri="{28A0092B-C50C-407E-A947-70E740481C1C}">
+                <a14:useLocalDpi xmlns:a14="http://schemas.microsoft.com/office/drawing/2010/main" val="0"/>
+              </a:ext>
+            </a:extLst>
+          </a:blip>
+          <a:srcRect t="13892" r="19022"/>
+          <a:stretch/>
+        </p:blipFill>
+        <p:spPr bwMode="auto">
+          <a:xfrm>
+            <a:off x="9023169" y="378822"/>
+            <a:ext cx="2001883" cy="524910"/>
+          </a:xfrm>
+          <a:prstGeom prst="rect">
+            <a:avLst/>
+          </a:prstGeom>
+          <a:noFill/>
+          <a:extLst>
+            <a:ext uri="{909E8E84-426E-40DD-AFC4-6F175D3DCCD1}">
+              <a14:hiddenFill xmlns:a14="http://schemas.microsoft.com/office/drawing/2010/main">
+                <a:solidFill>
+                  <a:srgbClr val="FFFFFF"/>
+                </a:solidFill>
+              </a14:hiddenFill>
+            </a:ext>
+          </a:extLst>
+        </p:spPr>
+      </p:pic>
     </p:spTree>
     <p:extLst>
       <p:ext uri="{BB962C8B-B14F-4D97-AF65-F5344CB8AC3E}">
@@ -6084,6 +6761,13 @@
   <p:clrMapOvr>
     <a:masterClrMapping/>
   </p:clrMapOvr>
+  <p:timing>
+    <p:tnLst>
+      <p:par>
+        <p:cTn id="1" dur="indefinite" restart="never" nodeType="tmRoot"/>
+      </p:par>
+    </p:tnLst>
+  </p:timing>
 </p:sld>
 </file>
 
@@ -6138,7 +6822,7 @@
           </p:nvPr>
         </p:nvPicPr>
         <p:blipFill>
-          <a:blip r:embed="rId2">
+          <a:blip r:embed="rId2" cstate="print">
             <a:extLst>
               <a:ext uri="{28A0092B-C50C-407E-A947-70E740481C1C}">
                 <a14:useLocalDpi xmlns:a14="http://schemas.microsoft.com/office/drawing/2010/main" val="0"/>
@@ -6212,19 +6896,33 @@
             </a:br>
             <a:r>
               <a:rPr lang="es-ES_tradnl" sz="2800" dirty="0" smtClean="0"/>
-              <a:t>y no funcionales cubiertos por casos de uso</a:t>
-            </a:r>
-          </a:p>
-          <a:p>
+              <a:t>y no funcionales cubiertos por casos de </a:t>
+            </a:r>
             <a:r>
               <a:rPr lang="es-ES_tradnl" sz="2800" dirty="0" smtClean="0"/>
-              <a:t>31 requerimientos funcionales</a:t>
-            </a:r>
+              <a:t>uso.</a:t>
+            </a:r>
+            <a:endParaRPr lang="es-ES_tradnl" sz="2800" dirty="0" smtClean="0"/>
           </a:p>
           <a:p>
             <a:r>
               <a:rPr lang="es-ES_tradnl" sz="2800" dirty="0" smtClean="0"/>
-              <a:t>26 casos de uso</a:t>
+              <a:t>31 requerimientos </a:t>
+            </a:r>
+            <a:r>
+              <a:rPr lang="es-ES_tradnl" sz="2800" dirty="0" smtClean="0"/>
+              <a:t>funcionales.</a:t>
+            </a:r>
+            <a:endParaRPr lang="es-ES_tradnl" sz="2800" dirty="0" smtClean="0"/>
+          </a:p>
+          <a:p>
+            <a:r>
+              <a:rPr lang="es-ES_tradnl" sz="2800" dirty="0" smtClean="0"/>
+              <a:t>26 casos de </a:t>
+            </a:r>
+            <a:r>
+              <a:rPr lang="es-ES_tradnl" sz="2800" dirty="0" smtClean="0"/>
+              <a:t>uso.</a:t>
             </a:r>
             <a:endParaRPr lang="es-ES_tradnl" sz="2800" dirty="0"/>
           </a:p>
@@ -6239,7 +6937,7 @@
         <p:spPr>
           <a:xfrm>
             <a:off x="1261872" y="6284396"/>
-            <a:ext cx="5365571" cy="369332"/>
+            <a:ext cx="5429692" cy="369332"/>
           </a:xfrm>
           <a:prstGeom prst="rect">
             <a:avLst/>
@@ -6254,12 +6952,55 @@
           <a:p>
             <a:r>
               <a:rPr lang="es-ES_tradnl" dirty="0" smtClean="0"/>
-              <a:t>Fig.. 2: Matriz de requerimientos vs casos de uso</a:t>
+              <a:t>Fig.. 2: Matriz de requerimientos vs casos de </a:t>
+            </a:r>
+            <a:r>
+              <a:rPr lang="es-ES_tradnl" dirty="0" smtClean="0"/>
+              <a:t>uso.</a:t>
             </a:r>
             <a:endParaRPr lang="es-ES_tradnl" dirty="0"/>
           </a:p>
         </p:txBody>
       </p:sp>
+      <p:pic>
+        <p:nvPicPr>
+          <p:cNvPr id="7" name="Picture 2" descr="Resultado de imagen para duoc"/>
+          <p:cNvPicPr>
+            <a:picLocks noChangeAspect="1" noChangeArrowheads="1"/>
+          </p:cNvPicPr>
+          <p:nvPr/>
+        </p:nvPicPr>
+        <p:blipFill rotWithShape="1">
+          <a:blip r:embed="rId3">
+            <a:extLst>
+              <a:ext uri="{28A0092B-C50C-407E-A947-70E740481C1C}">
+                <a14:useLocalDpi xmlns:a14="http://schemas.microsoft.com/office/drawing/2010/main" val="0"/>
+              </a:ext>
+            </a:extLst>
+          </a:blip>
+          <a:srcRect t="13892" r="19022"/>
+          <a:stretch/>
+        </p:blipFill>
+        <p:spPr bwMode="auto">
+          <a:xfrm>
+            <a:off x="9023169" y="378822"/>
+            <a:ext cx="2001883" cy="524910"/>
+          </a:xfrm>
+          <a:prstGeom prst="rect">
+            <a:avLst/>
+          </a:prstGeom>
+          <a:noFill/>
+          <a:extLst>
+            <a:ext uri="{909E8E84-426E-40DD-AFC4-6F175D3DCCD1}">
+              <a14:hiddenFill xmlns:a14="http://schemas.microsoft.com/office/drawing/2010/main">
+                <a:solidFill>
+                  <a:srgbClr val="FFFFFF"/>
+                </a:solidFill>
+              </a14:hiddenFill>
+            </a:ext>
+          </a:extLst>
+        </p:spPr>
+      </p:pic>
     </p:spTree>
     <p:extLst>
       <p:ext uri="{BB962C8B-B14F-4D97-AF65-F5344CB8AC3E}">
@@ -6270,6 +7011,13 @@
   <p:clrMapOvr>
     <a:masterClrMapping/>
   </p:clrMapOvr>
+  <p:timing>
+    <p:tnLst>
+      <p:par>
+        <p:cTn id="1" dur="indefinite" restart="never" nodeType="tmRoot"/>
+      </p:par>
+    </p:tnLst>
+  </p:timing>
 </p:sld>
 </file>
 
@@ -6349,7 +7097,7 @@
           </p:nvPr>
         </p:nvPicPr>
         <p:blipFill>
-          <a:blip r:embed="rId2">
+          <a:blip r:embed="rId2" cstate="print">
             <a:extLst>
               <a:ext uri="{28A0092B-C50C-407E-A947-70E740481C1C}">
                 <a14:useLocalDpi xmlns:a14="http://schemas.microsoft.com/office/drawing/2010/main" val="0"/>
@@ -6391,7 +7139,11 @@
           <a:p>
             <a:r>
               <a:rPr lang="es-ES_tradnl" sz="2400" dirty="0" smtClean="0"/>
-              <a:t>100% de los requerimientos funcionales tienen al menos una clase asociada, responsable satisfacer sus necesidades lógicas</a:t>
+              <a:t>100% de los requerimientos funcionales tienen al menos una clase asociada, responsable satisfacer sus necesidades </a:t>
+            </a:r>
+            <a:r>
+              <a:rPr lang="es-ES_tradnl" sz="2400" dirty="0" smtClean="0"/>
+              <a:t>lógicas.</a:t>
             </a:r>
             <a:endParaRPr lang="es-ES_tradnl" sz="2400" dirty="0" smtClean="0"/>
           </a:p>
@@ -6406,7 +7158,7 @@
         <p:spPr>
           <a:xfrm>
             <a:off x="1259840" y="5770880"/>
-            <a:ext cx="5577168" cy="369332"/>
+            <a:ext cx="5641288" cy="369332"/>
           </a:xfrm>
           <a:prstGeom prst="rect">
             <a:avLst/>
@@ -6421,12 +7173,55 @@
           <a:p>
             <a:r>
               <a:rPr lang="es-ES_tradnl" dirty="0" smtClean="0"/>
-              <a:t>Fig. 3: matriz de requerimientos vs clases (parcial)</a:t>
+              <a:t>Fig. 3: matriz de requerimientos vs clases (parcial</a:t>
+            </a:r>
+            <a:r>
+              <a:rPr lang="es-ES_tradnl" dirty="0" smtClean="0"/>
+              <a:t>).</a:t>
             </a:r>
             <a:endParaRPr lang="es-ES_tradnl" dirty="0"/>
           </a:p>
         </p:txBody>
       </p:sp>
+      <p:pic>
+        <p:nvPicPr>
+          <p:cNvPr id="8" name="Picture 2" descr="Resultado de imagen para duoc"/>
+          <p:cNvPicPr>
+            <a:picLocks noChangeAspect="1" noChangeArrowheads="1"/>
+          </p:cNvPicPr>
+          <p:nvPr/>
+        </p:nvPicPr>
+        <p:blipFill rotWithShape="1">
+          <a:blip r:embed="rId3">
+            <a:extLst>
+              <a:ext uri="{28A0092B-C50C-407E-A947-70E740481C1C}">
+                <a14:useLocalDpi xmlns:a14="http://schemas.microsoft.com/office/drawing/2010/main" val="0"/>
+              </a:ext>
+            </a:extLst>
+          </a:blip>
+          <a:srcRect t="13892" r="19022"/>
+          <a:stretch/>
+        </p:blipFill>
+        <p:spPr bwMode="auto">
+          <a:xfrm>
+            <a:off x="9023169" y="378822"/>
+            <a:ext cx="2001883" cy="524910"/>
+          </a:xfrm>
+          <a:prstGeom prst="rect">
+            <a:avLst/>
+          </a:prstGeom>
+          <a:noFill/>
+          <a:extLst>
+            <a:ext uri="{909E8E84-426E-40DD-AFC4-6F175D3DCCD1}">
+              <a14:hiddenFill xmlns:a14="http://schemas.microsoft.com/office/drawing/2010/main">
+                <a:solidFill>
+                  <a:srgbClr val="FFFFFF"/>
+                </a:solidFill>
+              </a14:hiddenFill>
+            </a:ext>
+          </a:extLst>
+        </p:spPr>
+      </p:pic>
     </p:spTree>
     <p:extLst>
       <p:ext uri="{BB962C8B-B14F-4D97-AF65-F5344CB8AC3E}">
@@ -6437,6 +7232,13 @@
   <p:clrMapOvr>
     <a:masterClrMapping/>
   </p:clrMapOvr>
+  <p:timing>
+    <p:tnLst>
+      <p:par>
+        <p:cTn id="1" dur="indefinite" restart="never" nodeType="tmRoot"/>
+      </p:par>
+    </p:tnLst>
+  </p:timing>
 </p:sld>
 </file>
 

--- a/presentación lunes 24 octubre 2016.pptx
+++ b/presentación lunes 24 octubre 2016.pptx
@@ -5,7 +5,7 @@
     <p:sldMasterId id="2147483810" r:id="rId1"/>
   </p:sldMasterIdLst>
   <p:notesMasterIdLst>
-    <p:notesMasterId r:id="rId19"/>
+    <p:notesMasterId r:id="rId21"/>
   </p:notesMasterIdLst>
   <p:sldIdLst>
     <p:sldId id="256" r:id="rId2"/>
@@ -14,17 +14,19 @@
     <p:sldId id="270" r:id="rId5"/>
     <p:sldId id="271" r:id="rId6"/>
     <p:sldId id="272" r:id="rId7"/>
-    <p:sldId id="260" r:id="rId8"/>
-    <p:sldId id="266" r:id="rId9"/>
-    <p:sldId id="267" r:id="rId10"/>
-    <p:sldId id="261" r:id="rId11"/>
-    <p:sldId id="268" r:id="rId12"/>
-    <p:sldId id="269" r:id="rId13"/>
-    <p:sldId id="262" r:id="rId14"/>
-    <p:sldId id="273" r:id="rId15"/>
-    <p:sldId id="274" r:id="rId16"/>
-    <p:sldId id="264" r:id="rId17"/>
-    <p:sldId id="263" r:id="rId18"/>
+    <p:sldId id="275" r:id="rId8"/>
+    <p:sldId id="260" r:id="rId9"/>
+    <p:sldId id="266" r:id="rId10"/>
+    <p:sldId id="267" r:id="rId11"/>
+    <p:sldId id="261" r:id="rId12"/>
+    <p:sldId id="268" r:id="rId13"/>
+    <p:sldId id="269" r:id="rId14"/>
+    <p:sldId id="262" r:id="rId15"/>
+    <p:sldId id="273" r:id="rId16"/>
+    <p:sldId id="274" r:id="rId17"/>
+    <p:sldId id="264" r:id="rId18"/>
+    <p:sldId id="263" r:id="rId19"/>
+    <p:sldId id="276" r:id="rId20"/>
   </p:sldIdLst>
   <p:sldSz cx="12192000" cy="6858000"/>
   <p:notesSz cx="6858000" cy="9144000"/>
@@ -481,6 +483,223 @@
 </p:notesMaster>
 </file>
 
+<file path=ppt/notesSlides/notesSlide1.xml><?xml version="1.0" encoding="utf-8"?>
+<p:notes xmlns:a="http://schemas.openxmlformats.org/drawingml/2006/main" xmlns:r="http://schemas.openxmlformats.org/officeDocument/2006/relationships" xmlns:p="http://schemas.openxmlformats.org/presentationml/2006/main">
+  <p:cSld>
+    <p:spTree>
+      <p:nvGrpSpPr>
+        <p:cNvPr id="1" name=""/>
+        <p:cNvGrpSpPr/>
+        <p:nvPr/>
+      </p:nvGrpSpPr>
+      <p:grpSpPr>
+        <a:xfrm>
+          <a:off x="0" y="0"/>
+          <a:ext cx="0" cy="0"/>
+          <a:chOff x="0" y="0"/>
+          <a:chExt cx="0" cy="0"/>
+        </a:xfrm>
+      </p:grpSpPr>
+      <p:sp>
+        <p:nvSpPr>
+          <p:cNvPr id="2" name="Marcador de imagen de diapositiva 1"/>
+          <p:cNvSpPr>
+            <a:spLocks noGrp="1" noRot="1" noChangeAspect="1"/>
+          </p:cNvSpPr>
+          <p:nvPr>
+            <p:ph type="sldImg"/>
+          </p:nvPr>
+        </p:nvSpPr>
+        <p:spPr/>
+      </p:sp>
+      <p:sp>
+        <p:nvSpPr>
+          <p:cNvPr id="3" name="Marcador de notas 2"/>
+          <p:cNvSpPr>
+            <a:spLocks noGrp="1"/>
+          </p:cNvSpPr>
+          <p:nvPr>
+            <p:ph type="body" idx="1"/>
+          </p:nvPr>
+        </p:nvSpPr>
+        <p:spPr/>
+        <p:txBody>
+          <a:bodyPr/>
+          <a:lstStyle/>
+          <a:p>
+            <a:r>
+              <a:rPr lang="es-ES_tradnl" sz="1200" dirty="0" smtClean="0"/>
+              <a:t>Arquitectura: Pablo de la Sotta</a:t>
+            </a:r>
+          </a:p>
+          <a:p>
+            <a:r>
+              <a:rPr lang="es-ES_tradnl" sz="1200" dirty="0" smtClean="0"/>
+              <a:t>Matrices de trazabilidad: Elías Baeza</a:t>
+            </a:r>
+          </a:p>
+          <a:p>
+            <a:r>
+              <a:rPr lang="es-ES_tradnl" sz="1200" dirty="0" smtClean="0"/>
+              <a:t>Modelo de clases: Pablo de la Sotta</a:t>
+            </a:r>
+          </a:p>
+          <a:p>
+            <a:r>
+              <a:rPr lang="es-ES_tradnl" sz="1200" dirty="0" smtClean="0"/>
+              <a:t>Modelo de datos: Gonzalo</a:t>
+            </a:r>
+            <a:r>
+              <a:rPr lang="es-ES_tradnl" sz="1200" baseline="0" dirty="0" smtClean="0"/>
+              <a:t> López</a:t>
+            </a:r>
+            <a:endParaRPr lang="es-ES_tradnl" sz="1200" dirty="0" smtClean="0"/>
+          </a:p>
+          <a:p>
+            <a:r>
+              <a:rPr lang="es-ES_tradnl" sz="1200" dirty="0" smtClean="0"/>
+              <a:t>Capa de negocios </a:t>
+            </a:r>
+            <a:r>
+              <a:rPr lang="es-ES_tradnl" sz="1200" dirty="0" err="1" smtClean="0"/>
+              <a:t>app</a:t>
+            </a:r>
+            <a:r>
+              <a:rPr lang="es-ES_tradnl" sz="1200" dirty="0" smtClean="0"/>
+              <a:t> web: Tomás Muñiz</a:t>
+            </a:r>
+          </a:p>
+          <a:p>
+            <a:r>
+              <a:rPr lang="es-ES_tradnl" sz="1200" dirty="0" smtClean="0"/>
+              <a:t>Capa de negocios terminal (en proceso): Fabián Jaque</a:t>
+            </a:r>
+          </a:p>
+          <a:p>
+            <a:endParaRPr lang="es-CL" dirty="0"/>
+          </a:p>
+        </p:txBody>
+      </p:sp>
+      <p:sp>
+        <p:nvSpPr>
+          <p:cNvPr id="4" name="Marcador de número de diapositiva 3"/>
+          <p:cNvSpPr>
+            <a:spLocks noGrp="1"/>
+          </p:cNvSpPr>
+          <p:nvPr>
+            <p:ph type="sldNum" sz="quarter" idx="10"/>
+          </p:nvPr>
+        </p:nvSpPr>
+        <p:spPr/>
+        <p:txBody>
+          <a:bodyPr/>
+          <a:lstStyle/>
+          <a:p>
+            <a:fld id="{DF2599EA-3C95-46C0-99A8-B5EBCBCDB69B}" type="slidenum">
+              <a:rPr lang="es-CL" smtClean="0"/>
+              <a:t>1</a:t>
+            </a:fld>
+            <a:endParaRPr lang="es-CL"/>
+          </a:p>
+        </p:txBody>
+      </p:sp>
+    </p:spTree>
+    <p:extLst>
+      <p:ext uri="{BB962C8B-B14F-4D97-AF65-F5344CB8AC3E}">
+        <p14:creationId xmlns:p14="http://schemas.microsoft.com/office/powerpoint/2010/main" val="1836014945"/>
+      </p:ext>
+    </p:extLst>
+  </p:cSld>
+  <p:clrMapOvr>
+    <a:masterClrMapping/>
+  </p:clrMapOvr>
+</p:notes>
+</file>
+
+<file path=ppt/notesSlides/notesSlide2.xml><?xml version="1.0" encoding="utf-8"?>
+<p:notes xmlns:a="http://schemas.openxmlformats.org/drawingml/2006/main" xmlns:r="http://schemas.openxmlformats.org/officeDocument/2006/relationships" xmlns:p="http://schemas.openxmlformats.org/presentationml/2006/main">
+  <p:cSld>
+    <p:spTree>
+      <p:nvGrpSpPr>
+        <p:cNvPr id="1" name=""/>
+        <p:cNvGrpSpPr/>
+        <p:nvPr/>
+      </p:nvGrpSpPr>
+      <p:grpSpPr>
+        <a:xfrm>
+          <a:off x="0" y="0"/>
+          <a:ext cx="0" cy="0"/>
+          <a:chOff x="0" y="0"/>
+          <a:chExt cx="0" cy="0"/>
+        </a:xfrm>
+      </p:grpSpPr>
+      <p:sp>
+        <p:nvSpPr>
+          <p:cNvPr id="2" name="Marcador de imagen de diapositiva 1"/>
+          <p:cNvSpPr>
+            <a:spLocks noGrp="1" noRot="1" noChangeAspect="1"/>
+          </p:cNvSpPr>
+          <p:nvPr>
+            <p:ph type="sldImg"/>
+          </p:nvPr>
+        </p:nvSpPr>
+        <p:spPr/>
+      </p:sp>
+      <p:sp>
+        <p:nvSpPr>
+          <p:cNvPr id="3" name="Marcador de notas 2"/>
+          <p:cNvSpPr>
+            <a:spLocks noGrp="1"/>
+          </p:cNvSpPr>
+          <p:nvPr>
+            <p:ph type="body" idx="1"/>
+          </p:nvPr>
+        </p:nvSpPr>
+        <p:spPr/>
+        <p:txBody>
+          <a:bodyPr/>
+          <a:lstStyle/>
+          <a:p>
+            <a:endParaRPr lang="es-CL" dirty="0"/>
+          </a:p>
+        </p:txBody>
+      </p:sp>
+      <p:sp>
+        <p:nvSpPr>
+          <p:cNvPr id="4" name="Marcador de número de diapositiva 3"/>
+          <p:cNvSpPr>
+            <a:spLocks noGrp="1"/>
+          </p:cNvSpPr>
+          <p:nvPr>
+            <p:ph type="sldNum" sz="quarter" idx="10"/>
+          </p:nvPr>
+        </p:nvSpPr>
+        <p:spPr/>
+        <p:txBody>
+          <a:bodyPr/>
+          <a:lstStyle/>
+          <a:p>
+            <a:fld id="{DF2599EA-3C95-46C0-99A8-B5EBCBCDB69B}" type="slidenum">
+              <a:rPr lang="es-CL" smtClean="0"/>
+              <a:t>3</a:t>
+            </a:fld>
+            <a:endParaRPr lang="es-CL"/>
+          </a:p>
+        </p:txBody>
+      </p:sp>
+    </p:spTree>
+    <p:extLst>
+      <p:ext uri="{BB962C8B-B14F-4D97-AF65-F5344CB8AC3E}">
+        <p14:creationId xmlns:p14="http://schemas.microsoft.com/office/powerpoint/2010/main" val="1143937319"/>
+      </p:ext>
+    </p:extLst>
+  </p:cSld>
+  <p:clrMapOvr>
+    <a:masterClrMapping/>
+  </p:clrMapOvr>
+</p:notes>
+</file>
+
 <file path=ppt/slideLayouts/slideLayout1.xml><?xml version="1.0" encoding="utf-8"?>
 <p:sldLayout xmlns:a="http://schemas.openxmlformats.org/drawingml/2006/main" xmlns:r="http://schemas.openxmlformats.org/officeDocument/2006/relationships" xmlns:p="http://schemas.openxmlformats.org/presentationml/2006/main" type="title" preserve="1">
   <p:cSld name="Diapositiva de título">
@@ -733,6 +952,18 @@
   <p:clrMapOvr>
     <a:overrideClrMapping bg1="dk1" tx1="lt1" bg2="dk2" tx2="lt2" accent1="accent1" accent2="accent2" accent3="accent3" accent4="accent4" accent5="accent5" accent6="accent6" hlink="hlink" folHlink="folHlink"/>
   </p:clrMapOvr>
+  <mc:AlternateContent xmlns:mc="http://schemas.openxmlformats.org/markup-compatibility/2006">
+    <mc:Choice xmlns:p14="http://schemas.microsoft.com/office/powerpoint/2010/main" Requires="p14">
+      <p:transition p14:dur="150">
+        <p:fade/>
+      </p:transition>
+    </mc:Choice>
+    <mc:Fallback>
+      <p:transition>
+        <p:fade/>
+      </p:transition>
+    </mc:Fallback>
+  </mc:AlternateContent>
 </p:sldLayout>
 </file>
 
@@ -944,6 +1175,18 @@
   <p:clrMapOvr>
     <a:masterClrMapping/>
   </p:clrMapOvr>
+  <mc:AlternateContent xmlns:mc="http://schemas.openxmlformats.org/markup-compatibility/2006">
+    <mc:Choice xmlns:p14="http://schemas.microsoft.com/office/powerpoint/2010/main" Requires="p14">
+      <p:transition p14:dur="150">
+        <p:fade/>
+      </p:transition>
+    </mc:Choice>
+    <mc:Fallback>
+      <p:transition>
+        <p:fade/>
+      </p:transition>
+    </mc:Fallback>
+  </mc:AlternateContent>
 </p:sldLayout>
 </file>
 
@@ -1165,6 +1408,18 @@
   <p:clrMapOvr>
     <a:masterClrMapping/>
   </p:clrMapOvr>
+  <mc:AlternateContent xmlns:mc="http://schemas.openxmlformats.org/markup-compatibility/2006">
+    <mc:Choice xmlns:p14="http://schemas.microsoft.com/office/powerpoint/2010/main" Requires="p14">
+      <p:transition p14:dur="150">
+        <p:fade/>
+      </p:transition>
+    </mc:Choice>
+    <mc:Fallback>
+      <p:transition>
+        <p:fade/>
+      </p:transition>
+    </mc:Fallback>
+  </mc:AlternateContent>
 </p:sldLayout>
 </file>
 
@@ -1376,6 +1631,18 @@
   <p:clrMapOvr>
     <a:masterClrMapping/>
   </p:clrMapOvr>
+  <mc:AlternateContent xmlns:mc="http://schemas.openxmlformats.org/markup-compatibility/2006">
+    <mc:Choice xmlns:p14="http://schemas.microsoft.com/office/powerpoint/2010/main" Requires="p14">
+      <p:transition p14:dur="150">
+        <p:fade/>
+      </p:transition>
+    </mc:Choice>
+    <mc:Fallback>
+      <p:transition>
+        <p:fade/>
+      </p:transition>
+    </mc:Fallback>
+  </mc:AlternateContent>
 </p:sldLayout>
 </file>
 
@@ -1671,6 +1938,18 @@
   <p:clrMapOvr>
     <a:masterClrMapping/>
   </p:clrMapOvr>
+  <mc:AlternateContent xmlns:mc="http://schemas.openxmlformats.org/markup-compatibility/2006">
+    <mc:Choice xmlns:p14="http://schemas.microsoft.com/office/powerpoint/2010/main" Requires="p14">
+      <p:transition p14:dur="150">
+        <p:fade/>
+      </p:transition>
+    </mc:Choice>
+    <mc:Fallback>
+      <p:transition>
+        <p:fade/>
+      </p:transition>
+    </mc:Fallback>
+  </mc:AlternateContent>
 </p:sldLayout>
 </file>
 
@@ -2000,6 +2279,18 @@
   <p:clrMapOvr>
     <a:masterClrMapping/>
   </p:clrMapOvr>
+  <mc:AlternateContent xmlns:mc="http://schemas.openxmlformats.org/markup-compatibility/2006">
+    <mc:Choice xmlns:p14="http://schemas.microsoft.com/office/powerpoint/2010/main" Requires="p14">
+      <p:transition p14:dur="150">
+        <p:fade/>
+      </p:transition>
+    </mc:Choice>
+    <mc:Fallback>
+      <p:transition>
+        <p:fade/>
+      </p:transition>
+    </mc:Fallback>
+  </mc:AlternateContent>
 </p:sldLayout>
 </file>
 
@@ -2492,6 +2783,18 @@
   <p:clrMapOvr>
     <a:masterClrMapping/>
   </p:clrMapOvr>
+  <mc:AlternateContent xmlns:mc="http://schemas.openxmlformats.org/markup-compatibility/2006">
+    <mc:Choice xmlns:p14="http://schemas.microsoft.com/office/powerpoint/2010/main" Requires="p14">
+      <p:transition p14:dur="150">
+        <p:fade/>
+      </p:transition>
+    </mc:Choice>
+    <mc:Fallback>
+      <p:transition>
+        <p:fade/>
+      </p:transition>
+    </mc:Fallback>
+  </mc:AlternateContent>
 </p:sldLayout>
 </file>
 
@@ -2651,6 +2954,18 @@
   <p:clrMapOvr>
     <a:masterClrMapping/>
   </p:clrMapOvr>
+  <mc:AlternateContent xmlns:mc="http://schemas.openxmlformats.org/markup-compatibility/2006">
+    <mc:Choice xmlns:p14="http://schemas.microsoft.com/office/powerpoint/2010/main" Requires="p14">
+      <p:transition p14:dur="150">
+        <p:fade/>
+      </p:transition>
+    </mc:Choice>
+    <mc:Fallback>
+      <p:transition>
+        <p:fade/>
+      </p:transition>
+    </mc:Fallback>
+  </mc:AlternateContent>
 </p:sldLayout>
 </file>
 
@@ -2787,6 +3102,18 @@
   <p:clrMapOvr>
     <a:masterClrMapping/>
   </p:clrMapOvr>
+  <mc:AlternateContent xmlns:mc="http://schemas.openxmlformats.org/markup-compatibility/2006">
+    <mc:Choice xmlns:p14="http://schemas.microsoft.com/office/powerpoint/2010/main" Requires="p14">
+      <p:transition p14:dur="150">
+        <p:fade/>
+      </p:transition>
+    </mc:Choice>
+    <mc:Fallback>
+      <p:transition>
+        <p:fade/>
+      </p:transition>
+    </mc:Fallback>
+  </mc:AlternateContent>
 </p:sldLayout>
 </file>
 
@@ -3074,6 +3401,18 @@
   <p:clrMapOvr>
     <a:masterClrMapping/>
   </p:clrMapOvr>
+  <mc:AlternateContent xmlns:mc="http://schemas.openxmlformats.org/markup-compatibility/2006">
+    <mc:Choice xmlns:p14="http://schemas.microsoft.com/office/powerpoint/2010/main" Requires="p14">
+      <p:transition p14:dur="150">
+        <p:fade/>
+      </p:transition>
+    </mc:Choice>
+    <mc:Fallback>
+      <p:transition>
+        <p:fade/>
+      </p:transition>
+    </mc:Fallback>
+  </mc:AlternateContent>
 </p:sldLayout>
 </file>
 
@@ -3389,6 +3728,18 @@
   <p:clrMapOvr>
     <a:masterClrMapping/>
   </p:clrMapOvr>
+  <mc:AlternateContent xmlns:mc="http://schemas.openxmlformats.org/markup-compatibility/2006">
+    <mc:Choice xmlns:p14="http://schemas.microsoft.com/office/powerpoint/2010/main" Requires="p14">
+      <p:transition p14:dur="150">
+        <p:fade/>
+      </p:transition>
+    </mc:Choice>
+    <mc:Fallback>
+      <p:transition>
+        <p:fade/>
+      </p:transition>
+    </mc:Fallback>
+  </mc:AlternateContent>
 </p:sldLayout>
 </file>
 
@@ -3693,6 +4044,18 @@
     <p:sldLayoutId id="2147483820" r:id="rId10"/>
     <p:sldLayoutId id="2147483821" r:id="rId11"/>
   </p:sldLayoutIdLst>
+  <mc:AlternateContent xmlns:mc="http://schemas.openxmlformats.org/markup-compatibility/2006">
+    <mc:Choice xmlns:p14="http://schemas.microsoft.com/office/powerpoint/2010/main" Requires="p14">
+      <p:transition p14:dur="150">
+        <p:fade/>
+      </p:transition>
+    </mc:Choice>
+    <mc:Fallback>
+      <p:transition>
+        <p:fade/>
+      </p:transition>
+    </mc:Fallback>
+  </mc:AlternateContent>
   <p:hf hdr="0" ftr="0" dt="0"/>
   <p:txStyles>
     <p:titleStyle>
@@ -4243,6 +4606,18 @@
   <p:clrMapOvr>
     <a:masterClrMapping/>
   </p:clrMapOvr>
+  <mc:AlternateContent xmlns:mc="http://schemas.openxmlformats.org/markup-compatibility/2006">
+    <mc:Choice xmlns:p14="http://schemas.microsoft.com/office/powerpoint/2010/main" Requires="p14">
+      <p:transition p14:dur="150">
+        <p:fade/>
+      </p:transition>
+    </mc:Choice>
+    <mc:Fallback>
+      <p:transition>
+        <p:fade/>
+      </p:transition>
+    </mc:Fallback>
+  </mc:AlternateContent>
   <p:timing>
     <p:tnLst>
       <p:par>
@@ -4287,6 +4662,230 @@
           <a:p>
             <a:r>
               <a:rPr lang="es-ES_tradnl" dirty="0" smtClean="0"/>
+              <a:t>Matriz: Requerimientos vs Clases</a:t>
+            </a:r>
+            <a:endParaRPr lang="es-ES_tradnl" dirty="0"/>
+          </a:p>
+        </p:txBody>
+      </p:sp>
+      <p:sp>
+        <p:nvSpPr>
+          <p:cNvPr id="4" name="Slide Number Placeholder 3"/>
+          <p:cNvSpPr>
+            <a:spLocks noGrp="1"/>
+          </p:cNvSpPr>
+          <p:nvPr>
+            <p:ph type="sldNum" sz="quarter" idx="12"/>
+          </p:nvPr>
+        </p:nvSpPr>
+        <p:spPr/>
+        <p:txBody>
+          <a:bodyPr>
+            <a:normAutofit lnSpcReduction="10000"/>
+          </a:bodyPr>
+          <a:lstStyle/>
+          <a:p>
+            <a:fld id="{66B77C49-310C-4D67-A641-7D2CCF3E3B8A}" type="slidenum">
+              <a:rPr lang="es-ES_tradnl" smtClean="0"/>
+              <a:t>9</a:t>
+            </a:fld>
+            <a:endParaRPr lang="es-ES_tradnl" dirty="0"/>
+          </a:p>
+        </p:txBody>
+      </p:sp>
+      <p:pic>
+        <p:nvPicPr>
+          <p:cNvPr id="5" name="Content Placeholder 4"/>
+          <p:cNvPicPr>
+            <a:picLocks noGrp="1" noChangeAspect="1"/>
+          </p:cNvPicPr>
+          <p:nvPr>
+            <p:ph idx="1"/>
+          </p:nvPr>
+        </p:nvPicPr>
+        <p:blipFill>
+          <a:blip r:embed="rId2" cstate="print">
+            <a:extLst>
+              <a:ext uri="{28A0092B-C50C-407E-A947-70E740481C1C}">
+                <a14:useLocalDpi xmlns:a14="http://schemas.microsoft.com/office/drawing/2010/main" val="0"/>
+              </a:ext>
+            </a:extLst>
+          </a:blip>
+          <a:stretch>
+            <a:fillRect/>
+          </a:stretch>
+        </p:blipFill>
+        <p:spPr>
+          <a:xfrm>
+            <a:off x="1261872" y="1882732"/>
+            <a:ext cx="6294150" cy="3660378"/>
+          </a:xfrm>
+        </p:spPr>
+      </p:pic>
+      <p:sp>
+        <p:nvSpPr>
+          <p:cNvPr id="7" name="TextBox 6"/>
+          <p:cNvSpPr txBox="1"/>
+          <p:nvPr/>
+        </p:nvSpPr>
+        <p:spPr>
+          <a:xfrm>
+            <a:off x="7765774" y="2279374"/>
+            <a:ext cx="3188738" cy="3046988"/>
+          </a:xfrm>
+          <a:prstGeom prst="rect">
+            <a:avLst/>
+          </a:prstGeom>
+          <a:noFill/>
+        </p:spPr>
+        <p:txBody>
+          <a:bodyPr wrap="square" rtlCol="0">
+            <a:spAutoFit/>
+          </a:bodyPr>
+          <a:lstStyle/>
+          <a:p>
+            <a:r>
+              <a:rPr lang="es-ES_tradnl" sz="2400" dirty="0" smtClean="0"/>
+              <a:t>100% de los requerimientos funcionales tienen al menos una clase asociada, responsable satisfacer sus necesidades lógicas.</a:t>
+            </a:r>
+          </a:p>
+        </p:txBody>
+      </p:sp>
+      <p:sp>
+        <p:nvSpPr>
+          <p:cNvPr id="9" name="TextBox 8"/>
+          <p:cNvSpPr txBox="1"/>
+          <p:nvPr/>
+        </p:nvSpPr>
+        <p:spPr>
+          <a:xfrm>
+            <a:off x="1259840" y="5770880"/>
+            <a:ext cx="5641288" cy="369332"/>
+          </a:xfrm>
+          <a:prstGeom prst="rect">
+            <a:avLst/>
+          </a:prstGeom>
+          <a:noFill/>
+        </p:spPr>
+        <p:txBody>
+          <a:bodyPr wrap="none" rtlCol="0">
+            <a:spAutoFit/>
+          </a:bodyPr>
+          <a:lstStyle/>
+          <a:p>
+            <a:r>
+              <a:rPr lang="es-ES_tradnl" dirty="0" smtClean="0"/>
+              <a:t>Fig. 3: matriz de requerimientos vs clases (parcial).</a:t>
+            </a:r>
+            <a:endParaRPr lang="es-ES_tradnl" dirty="0"/>
+          </a:p>
+        </p:txBody>
+      </p:sp>
+      <p:pic>
+        <p:nvPicPr>
+          <p:cNvPr id="8" name="Picture 2" descr="Resultado de imagen para duoc"/>
+          <p:cNvPicPr>
+            <a:picLocks noChangeAspect="1" noChangeArrowheads="1"/>
+          </p:cNvPicPr>
+          <p:nvPr/>
+        </p:nvPicPr>
+        <p:blipFill rotWithShape="1">
+          <a:blip r:embed="rId3">
+            <a:extLst>
+              <a:ext uri="{28A0092B-C50C-407E-A947-70E740481C1C}">
+                <a14:useLocalDpi xmlns:a14="http://schemas.microsoft.com/office/drawing/2010/main" val="0"/>
+              </a:ext>
+            </a:extLst>
+          </a:blip>
+          <a:srcRect t="13892" r="19022"/>
+          <a:stretch/>
+        </p:blipFill>
+        <p:spPr bwMode="auto">
+          <a:xfrm>
+            <a:off x="9023169" y="378822"/>
+            <a:ext cx="2001883" cy="524910"/>
+          </a:xfrm>
+          <a:prstGeom prst="rect">
+            <a:avLst/>
+          </a:prstGeom>
+          <a:noFill/>
+          <a:extLst>
+            <a:ext uri="{909E8E84-426E-40DD-AFC4-6F175D3DCCD1}">
+              <a14:hiddenFill xmlns:a14="http://schemas.microsoft.com/office/drawing/2010/main">
+                <a:solidFill>
+                  <a:srgbClr val="FFFFFF"/>
+                </a:solidFill>
+              </a14:hiddenFill>
+            </a:ext>
+          </a:extLst>
+        </p:spPr>
+      </p:pic>
+    </p:spTree>
+    <p:extLst>
+      <p:ext uri="{BB962C8B-B14F-4D97-AF65-F5344CB8AC3E}">
+        <p14:creationId xmlns:p14="http://schemas.microsoft.com/office/powerpoint/2010/main" val="1141032399"/>
+      </p:ext>
+    </p:extLst>
+  </p:cSld>
+  <p:clrMapOvr>
+    <a:masterClrMapping/>
+  </p:clrMapOvr>
+  <mc:AlternateContent xmlns:mc="http://schemas.openxmlformats.org/markup-compatibility/2006">
+    <mc:Choice xmlns:p14="http://schemas.microsoft.com/office/powerpoint/2010/main" Requires="p14">
+      <p:transition p14:dur="150">
+        <p:fade/>
+      </p:transition>
+    </mc:Choice>
+    <mc:Fallback>
+      <p:transition>
+        <p:fade/>
+      </p:transition>
+    </mc:Fallback>
+  </mc:AlternateContent>
+  <p:timing>
+    <p:tnLst>
+      <p:par>
+        <p:cTn id="1" dur="indefinite" restart="never" nodeType="tmRoot"/>
+      </p:par>
+    </p:tnLst>
+  </p:timing>
+</p:sld>
+</file>
+
+<file path=ppt/slides/slide11.xml><?xml version="1.0" encoding="utf-8"?>
+<p:sld xmlns:a="http://schemas.openxmlformats.org/drawingml/2006/main" xmlns:r="http://schemas.openxmlformats.org/officeDocument/2006/relationships" xmlns:p="http://schemas.openxmlformats.org/presentationml/2006/main">
+  <p:cSld>
+    <p:spTree>
+      <p:nvGrpSpPr>
+        <p:cNvPr id="1" name=""/>
+        <p:cNvGrpSpPr/>
+        <p:nvPr/>
+      </p:nvGrpSpPr>
+      <p:grpSpPr>
+        <a:xfrm>
+          <a:off x="0" y="0"/>
+          <a:ext cx="0" cy="0"/>
+          <a:chOff x="0" y="0"/>
+          <a:chExt cx="0" cy="0"/>
+        </a:xfrm>
+      </p:grpSpPr>
+      <p:sp>
+        <p:nvSpPr>
+          <p:cNvPr id="2" name="Title 1"/>
+          <p:cNvSpPr>
+            <a:spLocks noGrp="1"/>
+          </p:cNvSpPr>
+          <p:nvPr>
+            <p:ph type="title"/>
+          </p:nvPr>
+        </p:nvSpPr>
+        <p:spPr/>
+        <p:txBody>
+          <a:bodyPr/>
+          <a:lstStyle/>
+          <a:p>
+            <a:r>
+              <a:rPr lang="es-ES_tradnl" dirty="0" smtClean="0"/>
               <a:t>Modelo de clases</a:t>
             </a:r>
             <a:endParaRPr lang="es-ES_tradnl" dirty="0"/>
@@ -4343,7 +4942,7 @@
           <a:p>
             <a:fld id="{66B77C49-310C-4D67-A641-7D2CCF3E3B8A}" type="slidenum">
               <a:rPr lang="es-ES_tradnl" smtClean="0"/>
-              <a:t>9</a:t>
+              <a:t>10</a:t>
             </a:fld>
             <a:endParaRPr lang="es-ES_tradnl" dirty="0"/>
           </a:p>
@@ -4398,6 +4997,18 @@
   <p:clrMapOvr>
     <a:masterClrMapping/>
   </p:clrMapOvr>
+  <mc:AlternateContent xmlns:mc="http://schemas.openxmlformats.org/markup-compatibility/2006">
+    <mc:Choice xmlns:p14="http://schemas.microsoft.com/office/powerpoint/2010/main" Requires="p14">
+      <p:transition p14:dur="150">
+        <p:fade/>
+      </p:transition>
+    </mc:Choice>
+    <mc:Fallback>
+      <p:transition>
+        <p:fade/>
+      </p:transition>
+    </mc:Fallback>
+  </mc:AlternateContent>
   <p:timing>
     <p:tnLst>
       <p:par>
@@ -4408,7 +5019,7 @@
 </p:sld>
 </file>
 
-<file path=ppt/slides/slide11.xml><?xml version="1.0" encoding="utf-8"?>
+<file path=ppt/slides/slide12.xml><?xml version="1.0" encoding="utf-8"?>
 <p:sld xmlns:a="http://schemas.openxmlformats.org/drawingml/2006/main" xmlns:r="http://schemas.openxmlformats.org/officeDocument/2006/relationships" xmlns:p="http://schemas.openxmlformats.org/presentationml/2006/main">
   <p:cSld>
     <p:spTree>
@@ -4474,51 +5085,21 @@
             <a:pPr lvl="1"/>
             <a:r>
               <a:rPr lang="es-ES_tradnl" sz="4000" dirty="0" smtClean="0"/>
-              <a:t>cmh.lib.dal: </a:t>
-            </a:r>
+              <a:t>cmh.lib.dal: Persistencia.</a:t>
+            </a:r>
+          </a:p>
+          <a:p>
+            <a:pPr lvl="1"/>
             <a:r>
               <a:rPr lang="es-ES_tradnl" sz="4000" dirty="0" smtClean="0"/>
-              <a:t>Persistencia.</a:t>
-            </a:r>
-            <a:endParaRPr lang="es-ES_tradnl" sz="4000" dirty="0" smtClean="0"/>
+              <a:t>cmh.webapp.bl: Lógica de negocios.</a:t>
+            </a:r>
           </a:p>
           <a:p>
             <a:pPr lvl="1"/>
             <a:r>
               <a:rPr lang="es-ES_tradnl" sz="4000" dirty="0" smtClean="0"/>
-              <a:t>cmh.webapp.bl: </a:t>
-            </a:r>
-            <a:r>
-              <a:rPr lang="es-ES_tradnl" sz="4000" dirty="0" smtClean="0"/>
-              <a:t>Lógica </a:t>
-            </a:r>
-            <a:r>
-              <a:rPr lang="es-ES_tradnl" sz="4000" dirty="0" smtClean="0"/>
-              <a:t>de </a:t>
-            </a:r>
-            <a:r>
-              <a:rPr lang="es-ES_tradnl" sz="4000" dirty="0" smtClean="0"/>
-              <a:t>negocios.</a:t>
-            </a:r>
-            <a:endParaRPr lang="es-ES_tradnl" sz="4000" dirty="0" smtClean="0"/>
-          </a:p>
-          <a:p>
-            <a:pPr lvl="1"/>
-            <a:r>
-              <a:rPr lang="es-ES_tradnl" sz="4000" dirty="0" smtClean="0"/>
-              <a:t>cmh.servpago: </a:t>
-            </a:r>
-            <a:r>
-              <a:rPr lang="es-ES_tradnl" sz="4000" dirty="0" smtClean="0"/>
-              <a:t>Servicio </a:t>
-            </a:r>
-            <a:r>
-              <a:rPr lang="es-ES_tradnl" sz="4000" dirty="0" smtClean="0"/>
-              <a:t>de pago </a:t>
-            </a:r>
-            <a:r>
-              <a:rPr lang="es-ES_tradnl" sz="4000" dirty="0" smtClean="0"/>
-              <a:t>automático.</a:t>
+              <a:t>cmh.servpago: Servicio de pago automático.</a:t>
             </a:r>
             <a:endParaRPr lang="es-ES_tradnl" sz="4000" dirty="0"/>
           </a:p>
@@ -4543,7 +5124,7 @@
           <a:p>
             <a:fld id="{66B77C49-310C-4D67-A641-7D2CCF3E3B8A}" type="slidenum">
               <a:rPr lang="es-ES_tradnl" smtClean="0"/>
-              <a:t>10</a:t>
+              <a:t>11</a:t>
             </a:fld>
             <a:endParaRPr lang="es-ES_tradnl" dirty="0"/>
           </a:p>
@@ -4598,6 +5179,18 @@
   <p:clrMapOvr>
     <a:masterClrMapping/>
   </p:clrMapOvr>
+  <mc:AlternateContent xmlns:mc="http://schemas.openxmlformats.org/markup-compatibility/2006">
+    <mc:Choice xmlns:p14="http://schemas.microsoft.com/office/powerpoint/2010/main" Requires="p14">
+      <p:transition p14:dur="150">
+        <p:fade/>
+      </p:transition>
+    </mc:Choice>
+    <mc:Fallback>
+      <p:transition>
+        <p:fade/>
+      </p:transition>
+    </mc:Fallback>
+  </mc:AlternateContent>
   <p:timing>
     <p:tnLst>
       <p:par>
@@ -4608,7 +5201,7 @@
 </p:sld>
 </file>
 
-<file path=ppt/slides/slide12.xml><?xml version="1.0" encoding="utf-8"?>
+<file path=ppt/slides/slide13.xml><?xml version="1.0" encoding="utf-8"?>
 <p:sld xmlns:a="http://schemas.openxmlformats.org/drawingml/2006/main" xmlns:r="http://schemas.openxmlformats.org/officeDocument/2006/relationships" xmlns:p="http://schemas.openxmlformats.org/presentationml/2006/main">
   <p:cSld>
     <p:spTree>
@@ -4674,11 +5267,7 @@
             <a:pPr lvl="1"/>
             <a:r>
               <a:rPr lang="es-ES_tradnl" sz="3600" dirty="0" smtClean="0"/>
-              <a:t>CMH.Terminal.DAL: </a:t>
-            </a:r>
-            <a:r>
-              <a:rPr lang="es-ES_tradnl" sz="3600" dirty="0" smtClean="0"/>
-              <a:t>Persistencia </a:t>
+              <a:t>CMH.Terminal.DAL: Persistencia </a:t>
             </a:r>
             <a:r>
               <a:rPr lang="es-ES_tradnl" sz="3600" dirty="0" err="1" smtClean="0"/>
@@ -4686,47 +5275,21 @@
             </a:r>
             <a:r>
               <a:rPr lang="es-ES_tradnl" sz="3600" dirty="0" smtClean="0"/>
-              <a:t> </a:t>
-            </a:r>
+              <a:t> Framework.</a:t>
+            </a:r>
+          </a:p>
+          <a:p>
+            <a:pPr lvl="1"/>
             <a:r>
               <a:rPr lang="es-ES_tradnl" sz="3600" dirty="0" smtClean="0"/>
-              <a:t>Framework.</a:t>
-            </a:r>
-            <a:endParaRPr lang="es-ES_tradnl" sz="3600" dirty="0" smtClean="0"/>
+              <a:t>CMH.Terminal.BL: Lógica de negocios del terminal.</a:t>
+            </a:r>
           </a:p>
           <a:p>
             <a:pPr lvl="1"/>
             <a:r>
               <a:rPr lang="es-ES_tradnl" sz="3600" dirty="0" smtClean="0"/>
-              <a:t>CMH.Terminal.BL: </a:t>
-            </a:r>
-            <a:r>
-              <a:rPr lang="es-ES_tradnl" sz="3600" dirty="0" smtClean="0"/>
-              <a:t>Lógica </a:t>
-            </a:r>
-            <a:r>
-              <a:rPr lang="es-ES_tradnl" sz="3600" dirty="0" smtClean="0"/>
-              <a:t>de negocios del </a:t>
-            </a:r>
-            <a:r>
-              <a:rPr lang="es-ES_tradnl" sz="3600" dirty="0" smtClean="0"/>
-              <a:t>terminal.</a:t>
-            </a:r>
-            <a:endParaRPr lang="es-ES_tradnl" sz="3600" dirty="0" smtClean="0"/>
-          </a:p>
-          <a:p>
-            <a:pPr lvl="1"/>
-            <a:r>
-              <a:rPr lang="es-ES_tradnl" sz="3600" dirty="0" smtClean="0"/>
-              <a:t>CMH.Seguro: </a:t>
-            </a:r>
-            <a:r>
-              <a:rPr lang="es-ES_tradnl" sz="3600" dirty="0" smtClean="0"/>
-              <a:t>Persistencia</a:t>
-            </a:r>
-            <a:r>
-              <a:rPr lang="es-ES_tradnl" sz="3600" dirty="0" smtClean="0"/>
-              <a:t>, lógica de negocios e implementación de web service.</a:t>
+              <a:t>CMH.Seguro: Persistencia, lógica de negocios e implementación de web service.</a:t>
             </a:r>
           </a:p>
         </p:txBody>
@@ -4750,7 +5313,7 @@
           <a:p>
             <a:fld id="{66B77C49-310C-4D67-A641-7D2CCF3E3B8A}" type="slidenum">
               <a:rPr lang="es-ES_tradnl" smtClean="0"/>
-              <a:t>11</a:t>
+              <a:t>12</a:t>
             </a:fld>
             <a:endParaRPr lang="es-ES_tradnl" dirty="0"/>
           </a:p>
@@ -4805,6 +5368,18 @@
   <p:clrMapOvr>
     <a:masterClrMapping/>
   </p:clrMapOvr>
+  <mc:AlternateContent xmlns:mc="http://schemas.openxmlformats.org/markup-compatibility/2006">
+    <mc:Choice xmlns:p14="http://schemas.microsoft.com/office/powerpoint/2010/main" Requires="p14">
+      <p:transition p14:dur="150">
+        <p:fade/>
+      </p:transition>
+    </mc:Choice>
+    <mc:Fallback>
+      <p:transition>
+        <p:fade/>
+      </p:transition>
+    </mc:Fallback>
+  </mc:AlternateContent>
   <p:timing>
     <p:tnLst>
       <p:par>
@@ -4815,7 +5390,7 @@
 </p:sld>
 </file>
 
-<file path=ppt/slides/slide13.xml><?xml version="1.0" encoding="utf-8"?>
+<file path=ppt/slides/slide14.xml><?xml version="1.0" encoding="utf-8"?>
 <p:sld xmlns:a="http://schemas.openxmlformats.org/drawingml/2006/main" xmlns:r="http://schemas.openxmlformats.org/officeDocument/2006/relationships" xmlns:p="http://schemas.openxmlformats.org/presentationml/2006/main">
   <p:cSld>
     <p:spTree>
@@ -4905,13 +5480,8 @@
             </a:pPr>
             <a:r>
               <a:rPr lang="es-ES_tradnl" sz="4400" dirty="0" smtClean="0"/>
-              <a:t>CMH – 27 </a:t>
-            </a:r>
-            <a:r>
-              <a:rPr lang="es-ES_tradnl" sz="4400" dirty="0" smtClean="0"/>
-              <a:t>tablas.</a:t>
-            </a:r>
-            <a:endParaRPr lang="es-ES_tradnl" sz="4400" dirty="0" smtClean="0"/>
+              <a:t>CMH – 27 tablas.</a:t>
+            </a:r>
           </a:p>
           <a:p>
             <a:pPr lvl="1">
@@ -4928,13 +5498,8 @@
             </a:pPr>
             <a:r>
               <a:rPr lang="es-ES_tradnl" sz="4400" dirty="0" smtClean="0"/>
-              <a:t>Seguros – 6 </a:t>
-            </a:r>
-            <a:r>
-              <a:rPr lang="es-ES_tradnl" sz="4400" dirty="0" smtClean="0"/>
-              <a:t>tablas.</a:t>
-            </a:r>
-            <a:endParaRPr lang="es-ES_tradnl" sz="4400" dirty="0" smtClean="0"/>
+              <a:t>Seguros – 6 tablas.</a:t>
+            </a:r>
           </a:p>
           <a:p>
             <a:pPr>
@@ -4966,11 +5531,7 @@
             </a:pPr>
             <a:r>
               <a:rPr lang="es-ES_tradnl" sz="4400" dirty="0" smtClean="0"/>
-              <a:t>Cubren 100% de los casos de </a:t>
-            </a:r>
-            <a:r>
-              <a:rPr lang="es-ES_tradnl" sz="4400" dirty="0" smtClean="0"/>
-              <a:t>uso.</a:t>
+              <a:t>Cubren 100% de los casos de uso.</a:t>
             </a:r>
             <a:endParaRPr lang="es-ES_tradnl" sz="4400" dirty="0"/>
           </a:p>
@@ -4995,7 +5556,7 @@
           <a:p>
             <a:fld id="{66B77C49-310C-4D67-A641-7D2CCF3E3B8A}" type="slidenum">
               <a:rPr lang="es-CL" smtClean="0"/>
-              <a:t>12</a:t>
+              <a:t>13</a:t>
             </a:fld>
             <a:endParaRPr lang="es-CL"/>
           </a:p>
@@ -5050,6 +5611,18 @@
   <p:clrMapOvr>
     <a:masterClrMapping/>
   </p:clrMapOvr>
+  <mc:AlternateContent xmlns:mc="http://schemas.openxmlformats.org/markup-compatibility/2006">
+    <mc:Choice xmlns:p14="http://schemas.microsoft.com/office/powerpoint/2010/main" Requires="p14">
+      <p:transition p14:dur="150">
+        <p:fade/>
+      </p:transition>
+    </mc:Choice>
+    <mc:Fallback>
+      <p:transition>
+        <p:fade/>
+      </p:transition>
+    </mc:Fallback>
+  </mc:AlternateContent>
   <p:timing>
     <p:tnLst>
       <p:par>
@@ -5060,7 +5633,7 @@
 </p:sld>
 </file>
 
-<file path=ppt/slides/slide14.xml><?xml version="1.0" encoding="utf-8"?>
+<file path=ppt/slides/slide15.xml><?xml version="1.0" encoding="utf-8"?>
 <p:sld xmlns:a="http://schemas.openxmlformats.org/drawingml/2006/main" xmlns:r="http://schemas.openxmlformats.org/officeDocument/2006/relationships" xmlns:p="http://schemas.openxmlformats.org/presentationml/2006/main">
   <p:cSld>
     <p:spTree>
@@ -5151,7 +5724,7 @@
           <a:p>
             <a:fld id="{66B77C49-310C-4D67-A641-7D2CCF3E3B8A}" type="slidenum">
               <a:rPr lang="es-CL" smtClean="0"/>
-              <a:t>13</a:t>
+              <a:t>14</a:t>
             </a:fld>
             <a:endParaRPr lang="es-CL"/>
           </a:p>
@@ -5181,13 +5754,8 @@
           <a:p>
             <a:r>
               <a:rPr lang="es-ES_tradnl" dirty="0" smtClean="0"/>
-              <a:t>Fig. 4: modelo de datos de la base de datos </a:t>
-            </a:r>
-            <a:r>
-              <a:rPr lang="es-ES_tradnl" dirty="0" smtClean="0"/>
-              <a:t>CMH.</a:t>
-            </a:r>
-            <a:endParaRPr lang="es-ES_tradnl" dirty="0" smtClean="0"/>
+              <a:t>Fig. 4: modelo de datos de la base de datos CMH.</a:t>
+            </a:r>
           </a:p>
         </p:txBody>
       </p:sp>
@@ -5240,6 +5808,18 @@
   <p:clrMapOvr>
     <a:masterClrMapping/>
   </p:clrMapOvr>
+  <mc:AlternateContent xmlns:mc="http://schemas.openxmlformats.org/markup-compatibility/2006">
+    <mc:Choice xmlns:p14="http://schemas.microsoft.com/office/powerpoint/2010/main" Requires="p14">
+      <p:transition p14:dur="150">
+        <p:fade/>
+      </p:transition>
+    </mc:Choice>
+    <mc:Fallback>
+      <p:transition>
+        <p:fade/>
+      </p:transition>
+    </mc:Fallback>
+  </mc:AlternateContent>
   <p:timing>
     <p:tnLst>
       <p:par>
@@ -5250,7 +5830,7 @@
 </p:sld>
 </file>
 
-<file path=ppt/slides/slide15.xml><?xml version="1.0" encoding="utf-8"?>
+<file path=ppt/slides/slide16.xml><?xml version="1.0" encoding="utf-8"?>
 <p:sld xmlns:a="http://schemas.openxmlformats.org/drawingml/2006/main" xmlns:r="http://schemas.openxmlformats.org/officeDocument/2006/relationships" xmlns:p="http://schemas.openxmlformats.org/presentationml/2006/main">
   <p:cSld>
     <p:spTree>
@@ -5286,7 +5866,7 @@
           <a:p>
             <a:fld id="{66B77C49-310C-4D67-A641-7D2CCF3E3B8A}" type="slidenum">
               <a:rPr lang="es-ES_tradnl" smtClean="0"/>
-              <a:t>14</a:t>
+              <a:t>15</a:t>
             </a:fld>
             <a:endParaRPr lang="es-ES_tradnl" dirty="0"/>
           </a:p>
@@ -5424,6 +6004,18 @@
   <p:clrMapOvr>
     <a:masterClrMapping/>
   </p:clrMapOvr>
+  <mc:AlternateContent xmlns:mc="http://schemas.openxmlformats.org/markup-compatibility/2006">
+    <mc:Choice xmlns:p14="http://schemas.microsoft.com/office/powerpoint/2010/main" Requires="p14">
+      <p:transition p14:dur="150">
+        <p:fade/>
+      </p:transition>
+    </mc:Choice>
+    <mc:Fallback>
+      <p:transition>
+        <p:fade/>
+      </p:transition>
+    </mc:Fallback>
+  </mc:AlternateContent>
   <p:timing>
     <p:tnLst>
       <p:par>
@@ -5434,7 +6026,7 @@
 </p:sld>
 </file>
 
-<file path=ppt/slides/slide16.xml><?xml version="1.0" encoding="utf-8"?>
+<file path=ppt/slides/slide17.xml><?xml version="1.0" encoding="utf-8"?>
 <p:sld xmlns:a="http://schemas.openxmlformats.org/drawingml/2006/main" xmlns:r="http://schemas.openxmlformats.org/officeDocument/2006/relationships" xmlns:p="http://schemas.openxmlformats.org/presentationml/2006/main">
   <p:cSld>
     <p:spTree>
@@ -5493,46 +6085,26 @@
           <a:p>
             <a:r>
               <a:rPr lang="es-ES_tradnl" sz="3600" dirty="0" smtClean="0"/>
-              <a:t>Actualmente en </a:t>
-            </a:r>
+              <a:t>Actualmente en proceso.</a:t>
+            </a:r>
+          </a:p>
+          <a:p>
             <a:r>
               <a:rPr lang="es-ES_tradnl" sz="3600" dirty="0" smtClean="0"/>
-              <a:t>proceso.</a:t>
-            </a:r>
-            <a:endParaRPr lang="es-ES_tradnl" sz="3600" dirty="0" smtClean="0"/>
+              <a:t>50% de las funcionalidades implementadas.</a:t>
+            </a:r>
           </a:p>
           <a:p>
             <a:r>
               <a:rPr lang="es-ES_tradnl" sz="3600" dirty="0" smtClean="0"/>
-              <a:t>50% de las funcionalidades </a:t>
-            </a:r>
+              <a:t>22 tests unitarios, con cobertura de 68% del código.</a:t>
+            </a:r>
+          </a:p>
+          <a:p>
             <a:r>
               <a:rPr lang="es-ES_tradnl" sz="3600" dirty="0" smtClean="0"/>
-              <a:t>implementadas.</a:t>
-            </a:r>
-            <a:endParaRPr lang="es-ES_tradnl" sz="3600" dirty="0" smtClean="0"/>
-          </a:p>
-          <a:p>
-            <a:r>
-              <a:rPr lang="es-ES_tradnl" sz="3600" dirty="0" smtClean="0"/>
-              <a:t>22 tests unitarios, con cobertura de 68% del </a:t>
-            </a:r>
-            <a:r>
-              <a:rPr lang="es-ES_tradnl" sz="3600" dirty="0" smtClean="0"/>
-              <a:t>código.</a:t>
-            </a:r>
-            <a:endParaRPr lang="es-ES_tradnl" sz="3600" dirty="0" smtClean="0"/>
-          </a:p>
-          <a:p>
-            <a:r>
-              <a:rPr lang="es-ES_tradnl" sz="3600" dirty="0" smtClean="0"/>
-              <a:t>El test unitario promedio tiene 2,5 casos de </a:t>
-            </a:r>
-            <a:r>
-              <a:rPr lang="es-ES_tradnl" sz="3600" dirty="0" smtClean="0"/>
-              <a:t>prueba.</a:t>
-            </a:r>
-            <a:endParaRPr lang="es-ES_tradnl" sz="3600" dirty="0" smtClean="0"/>
+              <a:t>El test unitario promedio tiene 2,5 casos de prueba.</a:t>
+            </a:r>
           </a:p>
           <a:p>
             <a:endParaRPr lang="es-ES_tradnl" sz="3600" dirty="0"/>
@@ -5558,7 +6130,7 @@
           <a:p>
             <a:fld id="{66B77C49-310C-4D67-A641-7D2CCF3E3B8A}" type="slidenum">
               <a:rPr lang="es-ES_tradnl" smtClean="0"/>
-              <a:t>15</a:t>
+              <a:t>16</a:t>
             </a:fld>
             <a:endParaRPr lang="es-ES_tradnl" dirty="0"/>
           </a:p>
@@ -5613,6 +6185,18 @@
   <p:clrMapOvr>
     <a:masterClrMapping/>
   </p:clrMapOvr>
+  <mc:AlternateContent xmlns:mc="http://schemas.openxmlformats.org/markup-compatibility/2006">
+    <mc:Choice xmlns:p14="http://schemas.microsoft.com/office/powerpoint/2010/main" Requires="p14">
+      <p:transition p14:dur="150">
+        <p:fade/>
+      </p:transition>
+    </mc:Choice>
+    <mc:Fallback>
+      <p:transition>
+        <p:fade/>
+      </p:transition>
+    </mc:Fallback>
+  </mc:AlternateContent>
   <p:timing>
     <p:tnLst>
       <p:par>
@@ -5623,7 +6207,7 @@
 </p:sld>
 </file>
 
-<file path=ppt/slides/slide17.xml><?xml version="1.0" encoding="utf-8"?>
+<file path=ppt/slides/slide18.xml><?xml version="1.0" encoding="utf-8"?>
 <p:sld xmlns:a="http://schemas.openxmlformats.org/drawingml/2006/main" xmlns:r="http://schemas.openxmlformats.org/officeDocument/2006/relationships" xmlns:p="http://schemas.openxmlformats.org/presentationml/2006/main">
   <p:cSld>
     <p:spTree>
@@ -5682,13 +6266,8 @@
           <a:p>
             <a:r>
               <a:rPr lang="es-ES_tradnl" sz="4000" dirty="0" smtClean="0"/>
-              <a:t>3 </a:t>
-            </a:r>
-            <a:r>
-              <a:rPr lang="es-ES_tradnl" sz="4000" dirty="0" smtClean="0"/>
-              <a:t>clases.</a:t>
-            </a:r>
-            <a:endParaRPr lang="es-ES_tradnl" sz="4000" dirty="0" smtClean="0"/>
+              <a:t>3 clases.</a:t>
+            </a:r>
           </a:p>
           <a:p>
             <a:r>
@@ -5701,13 +6280,8 @@
             </a:r>
             <a:r>
               <a:rPr lang="es-ES_tradnl" sz="4000" dirty="0" smtClean="0"/>
-              <a:t> </a:t>
-            </a:r>
-            <a:r>
-              <a:rPr lang="es-ES_tradnl" sz="4000" dirty="0" smtClean="0"/>
-              <a:t>pasando.</a:t>
-            </a:r>
-            <a:endParaRPr lang="es-ES_tradnl" sz="4000" dirty="0" smtClean="0"/>
+              <a:t> pasando.</a:t>
+            </a:r>
           </a:p>
           <a:p>
             <a:r>
@@ -5737,7 +6311,7 @@
           <a:p>
             <a:fld id="{66B77C49-310C-4D67-A641-7D2CCF3E3B8A}" type="slidenum">
               <a:rPr lang="es-CL" smtClean="0"/>
-              <a:t>16</a:t>
+              <a:t>17</a:t>
             </a:fld>
             <a:endParaRPr lang="es-CL"/>
           </a:p>
@@ -5792,6 +6366,216 @@
   <p:clrMapOvr>
     <a:masterClrMapping/>
   </p:clrMapOvr>
+  <mc:AlternateContent xmlns:mc="http://schemas.openxmlformats.org/markup-compatibility/2006">
+    <mc:Choice xmlns:p14="http://schemas.microsoft.com/office/powerpoint/2010/main" Requires="p14">
+      <p:transition p14:dur="150">
+        <p:fade/>
+      </p:transition>
+    </mc:Choice>
+    <mc:Fallback>
+      <p:transition>
+        <p:fade/>
+      </p:transition>
+    </mc:Fallback>
+  </mc:AlternateContent>
+  <p:timing>
+    <p:tnLst>
+      <p:par>
+        <p:cTn id="1" dur="indefinite" restart="never" nodeType="tmRoot"/>
+      </p:par>
+    </p:tnLst>
+  </p:timing>
+</p:sld>
+</file>
+
+<file path=ppt/slides/slide19.xml><?xml version="1.0" encoding="utf-8"?>
+<p:sld xmlns:a="http://schemas.openxmlformats.org/drawingml/2006/main" xmlns:r="http://schemas.openxmlformats.org/officeDocument/2006/relationships" xmlns:p="http://schemas.openxmlformats.org/presentationml/2006/main">
+  <p:cSld>
+    <p:spTree>
+      <p:nvGrpSpPr>
+        <p:cNvPr id="1" name=""/>
+        <p:cNvGrpSpPr/>
+        <p:nvPr/>
+      </p:nvGrpSpPr>
+      <p:grpSpPr>
+        <a:xfrm>
+          <a:off x="0" y="0"/>
+          <a:ext cx="0" cy="0"/>
+          <a:chOff x="0" y="0"/>
+          <a:chExt cx="0" cy="0"/>
+        </a:xfrm>
+      </p:grpSpPr>
+      <p:sp>
+        <p:nvSpPr>
+          <p:cNvPr id="4" name="Slide Number Placeholder 3"/>
+          <p:cNvSpPr>
+            <a:spLocks noGrp="1"/>
+          </p:cNvSpPr>
+          <p:nvPr>
+            <p:ph type="sldNum" sz="quarter" idx="12"/>
+          </p:nvPr>
+        </p:nvSpPr>
+        <p:spPr/>
+        <p:txBody>
+          <a:bodyPr>
+            <a:normAutofit lnSpcReduction="10000"/>
+          </a:bodyPr>
+          <a:lstStyle/>
+          <a:p>
+            <a:fld id="{66B77C49-310C-4D67-A641-7D2CCF3E3B8A}" type="slidenum">
+              <a:rPr lang="es-ES_tradnl" smtClean="0"/>
+              <a:t>18</a:t>
+            </a:fld>
+            <a:endParaRPr lang="es-ES_tradnl" dirty="0"/>
+          </a:p>
+        </p:txBody>
+      </p:sp>
+      <p:sp>
+        <p:nvSpPr>
+          <p:cNvPr id="7" name="Title 6"/>
+          <p:cNvSpPr>
+            <a:spLocks noGrp="1"/>
+          </p:cNvSpPr>
+          <p:nvPr>
+            <p:ph type="title"/>
+          </p:nvPr>
+        </p:nvSpPr>
+        <p:spPr/>
+        <p:txBody>
+          <a:bodyPr/>
+          <a:lstStyle/>
+          <a:p>
+            <a:r>
+              <a:rPr lang="es-ES_tradnl" dirty="0" smtClean="0"/>
+              <a:t>Carta Gantt</a:t>
+            </a:r>
+            <a:endParaRPr lang="es-ES_tradnl" dirty="0"/>
+          </a:p>
+        </p:txBody>
+      </p:sp>
+      <p:sp>
+        <p:nvSpPr>
+          <p:cNvPr id="2" name="TextBox 1"/>
+          <p:cNvSpPr txBox="1"/>
+          <p:nvPr/>
+        </p:nvSpPr>
+        <p:spPr>
+          <a:xfrm>
+            <a:off x="3119120" y="6099730"/>
+            <a:ext cx="5307992" cy="369332"/>
+          </a:xfrm>
+          <a:prstGeom prst="rect">
+            <a:avLst/>
+          </a:prstGeom>
+          <a:noFill/>
+        </p:spPr>
+        <p:txBody>
+          <a:bodyPr wrap="none" rtlCol="0">
+            <a:spAutoFit/>
+          </a:bodyPr>
+          <a:lstStyle/>
+          <a:p>
+            <a:r>
+              <a:rPr lang="es-ES_tradnl" dirty="0" smtClean="0"/>
+              <a:t>Fig. </a:t>
+            </a:r>
+            <a:r>
+              <a:rPr lang="es-ES_tradnl" dirty="0" smtClean="0"/>
+              <a:t>6: Tareas de la iteraci</a:t>
+            </a:r>
+            <a:r>
+              <a:rPr lang="es-ES_tradnl" dirty="0" smtClean="0"/>
+              <a:t>ón 2 basada en Gantt.</a:t>
+            </a:r>
+            <a:endParaRPr lang="es-ES_tradnl" dirty="0"/>
+          </a:p>
+        </p:txBody>
+      </p:sp>
+      <p:pic>
+        <p:nvPicPr>
+          <p:cNvPr id="6" name="Picture 2" descr="Resultado de imagen para duoc"/>
+          <p:cNvPicPr>
+            <a:picLocks noChangeAspect="1" noChangeArrowheads="1"/>
+          </p:cNvPicPr>
+          <p:nvPr/>
+        </p:nvPicPr>
+        <p:blipFill rotWithShape="1">
+          <a:blip r:embed="rId2">
+            <a:extLst>
+              <a:ext uri="{28A0092B-C50C-407E-A947-70E740481C1C}">
+                <a14:useLocalDpi xmlns:a14="http://schemas.microsoft.com/office/drawing/2010/main" val="0"/>
+              </a:ext>
+            </a:extLst>
+          </a:blip>
+          <a:srcRect t="13892" r="19022"/>
+          <a:stretch/>
+        </p:blipFill>
+        <p:spPr bwMode="auto">
+          <a:xfrm>
+            <a:off x="9023169" y="378822"/>
+            <a:ext cx="2001883" cy="524910"/>
+          </a:xfrm>
+          <a:prstGeom prst="rect">
+            <a:avLst/>
+          </a:prstGeom>
+          <a:noFill/>
+          <a:extLst>
+            <a:ext uri="{909E8E84-426E-40DD-AFC4-6F175D3DCCD1}">
+              <a14:hiddenFill xmlns:a14="http://schemas.microsoft.com/office/drawing/2010/main">
+                <a:solidFill>
+                  <a:srgbClr val="FFFFFF"/>
+                </a:solidFill>
+              </a14:hiddenFill>
+            </a:ext>
+          </a:extLst>
+        </p:spPr>
+      </p:pic>
+      <p:pic>
+        <p:nvPicPr>
+          <p:cNvPr id="5" name="Imagen 4"/>
+          <p:cNvPicPr>
+            <a:picLocks noChangeAspect="1"/>
+          </p:cNvPicPr>
+          <p:nvPr/>
+        </p:nvPicPr>
+        <p:blipFill>
+          <a:blip r:embed="rId3"/>
+          <a:stretch>
+            <a:fillRect/>
+          </a:stretch>
+        </p:blipFill>
+        <p:spPr>
+          <a:xfrm>
+            <a:off x="1014412" y="1756801"/>
+            <a:ext cx="10163175" cy="4305300"/>
+          </a:xfrm>
+          <a:prstGeom prst="rect">
+            <a:avLst/>
+          </a:prstGeom>
+        </p:spPr>
+      </p:pic>
+    </p:spTree>
+    <p:extLst>
+      <p:ext uri="{BB962C8B-B14F-4D97-AF65-F5344CB8AC3E}">
+        <p14:creationId xmlns:p14="http://schemas.microsoft.com/office/powerpoint/2010/main" val="1779633948"/>
+      </p:ext>
+    </p:extLst>
+  </p:cSld>
+  <p:clrMapOvr>
+    <a:masterClrMapping/>
+  </p:clrMapOvr>
+  <mc:AlternateContent xmlns:mc="http://schemas.openxmlformats.org/markup-compatibility/2006">
+    <mc:Choice xmlns:p14="http://schemas.microsoft.com/office/powerpoint/2010/main" Requires="p14">
+      <p:transition p14:dur="150">
+        <p:fade/>
+      </p:transition>
+    </mc:Choice>
+    <mc:Fallback>
+      <p:transition>
+        <p:fade/>
+      </p:transition>
+    </mc:Fallback>
+  </mc:AlternateContent>
   <p:timing>
     <p:tnLst>
       <p:par>
@@ -5855,7 +6639,7 @@
         <p:spPr/>
         <p:txBody>
           <a:bodyPr>
-            <a:normAutofit/>
+            <a:normAutofit lnSpcReduction="10000"/>
           </a:bodyPr>
           <a:lstStyle/>
           <a:p>
@@ -5891,7 +6675,17 @@
           <a:p>
             <a:r>
               <a:rPr lang="es-ES_tradnl" sz="3200" dirty="0" smtClean="0"/>
-              <a:t>Capa de negocios terminal (en proceso)</a:t>
+              <a:t>Capa de negocios terminal (en proceso</a:t>
+            </a:r>
+            <a:r>
+              <a:rPr lang="es-ES_tradnl" sz="3200" dirty="0" smtClean="0"/>
+              <a:t>)</a:t>
+            </a:r>
+          </a:p>
+          <a:p>
+            <a:r>
+              <a:rPr lang="es-ES_tradnl" sz="3200" dirty="0" smtClean="0"/>
+              <a:t>Carta Gantt</a:t>
             </a:r>
             <a:endParaRPr lang="es-ES_tradnl" sz="3200" dirty="0"/>
           </a:p>
@@ -5931,7 +6725,7 @@
           <p:nvPr/>
         </p:nvPicPr>
         <p:blipFill rotWithShape="1">
-          <a:blip r:embed="rId2">
+          <a:blip r:embed="rId3">
             <a:extLst>
               <a:ext uri="{28A0092B-C50C-407E-A947-70E740481C1C}">
                 <a14:useLocalDpi xmlns:a14="http://schemas.microsoft.com/office/drawing/2010/main" val="0"/>
@@ -5971,6 +6765,18 @@
   <p:clrMapOvr>
     <a:masterClrMapping/>
   </p:clrMapOvr>
+  <mc:AlternateContent xmlns:mc="http://schemas.openxmlformats.org/markup-compatibility/2006">
+    <mc:Choice xmlns:p14="http://schemas.microsoft.com/office/powerpoint/2010/main" Requires="p14">
+      <p:transition p14:dur="150">
+        <p:fade/>
+      </p:transition>
+    </mc:Choice>
+    <mc:Fallback>
+      <p:transition>
+        <p:fade/>
+      </p:transition>
+    </mc:Fallback>
+  </mc:AlternateContent>
   <p:timing>
     <p:tnLst>
       <p:par>
@@ -6154,6 +6960,18 @@
   <p:clrMapOvr>
     <a:masterClrMapping/>
   </p:clrMapOvr>
+  <mc:AlternateContent xmlns:mc="http://schemas.openxmlformats.org/markup-compatibility/2006">
+    <mc:Choice xmlns:p14="http://schemas.microsoft.com/office/powerpoint/2010/main" Requires="p14">
+      <p:transition p14:dur="150">
+        <p:fade/>
+      </p:transition>
+    </mc:Choice>
+    <mc:Fallback>
+      <p:transition>
+        <p:fade/>
+      </p:transition>
+    </mc:Fallback>
+  </mc:AlternateContent>
   <p:timing>
     <p:tnLst>
       <p:par>
@@ -6276,7 +7094,7 @@
           <p:nvPr/>
         </p:nvPicPr>
         <p:blipFill rotWithShape="1">
-          <a:blip r:embed="rId2">
+          <a:blip r:embed="rId3">
             <a:extLst>
               <a:ext uri="{28A0092B-C50C-407E-A947-70E740481C1C}">
                 <a14:useLocalDpi xmlns:a14="http://schemas.microsoft.com/office/drawing/2010/main" val="0"/>
@@ -6316,6 +7134,18 @@
   <p:clrMapOvr>
     <a:masterClrMapping/>
   </p:clrMapOvr>
+  <mc:AlternateContent xmlns:mc="http://schemas.openxmlformats.org/markup-compatibility/2006">
+    <mc:Choice xmlns:p14="http://schemas.microsoft.com/office/powerpoint/2010/main" Requires="p14">
+      <p:transition p14:dur="150">
+        <p:fade/>
+      </p:transition>
+    </mc:Choice>
+    <mc:Fallback>
+      <p:transition>
+        <p:fade/>
+      </p:transition>
+    </mc:Fallback>
+  </mc:AlternateContent>
   <p:timing>
     <p:tnLst>
       <p:par>
@@ -6409,19 +7239,19 @@
           <a:lstStyle/>
           <a:p>
             <a:pPr lvl="1"/>
-            <a:endParaRPr lang="es-ES_tradnl" sz="3200" dirty="0" smtClean="0"/>
+            <a:endParaRPr lang="es-ES_tradnl" sz="3600" dirty="0" smtClean="0"/>
           </a:p>
           <a:p>
             <a:pPr lvl="1"/>
             <a:r>
-              <a:rPr lang="es-ES_tradnl" sz="3200" dirty="0" smtClean="0"/>
+              <a:rPr lang="es-ES_tradnl" sz="3600" dirty="0" smtClean="0"/>
               <a:t>Terminal: provee funcionalidades administrativas a funcionarios y personal médico, además de enviar notificaciones al mail.</a:t>
             </a:r>
           </a:p>
           <a:p>
             <a:pPr lvl="1"/>
             <a:r>
-              <a:rPr lang="es-ES_tradnl" sz="3200" dirty="0" smtClean="0"/>
+              <a:rPr lang="es-ES_tradnl" sz="3600" dirty="0" smtClean="0"/>
               <a:t>SeguroWS: web service que simula proveer funcionalidades de un endpoint de la empresa de seguros.</a:t>
             </a:r>
           </a:p>
@@ -6476,6 +7306,18 @@
   <p:clrMapOvr>
     <a:masterClrMapping/>
   </p:clrMapOvr>
+  <mc:AlternateContent xmlns:mc="http://schemas.openxmlformats.org/markup-compatibility/2006">
+    <mc:Choice xmlns:p14="http://schemas.microsoft.com/office/powerpoint/2010/main" Requires="p14">
+      <p:transition p14:dur="150">
+        <p:fade/>
+      </p:transition>
+    </mc:Choice>
+    <mc:Fallback>
+      <p:transition>
+        <p:fade/>
+      </p:transition>
+    </mc:Fallback>
+  </mc:AlternateContent>
   <p:timing>
     <p:tnLst>
       <p:par>
@@ -6569,16 +7411,40 @@
           <a:lstStyle/>
           <a:p>
             <a:pPr lvl="1"/>
+            <a:endParaRPr lang="es-ES_tradnl" sz="4000" dirty="0" smtClean="0"/>
+          </a:p>
+          <a:p>
+            <a:pPr lvl="1"/>
             <a:r>
               <a:rPr lang="es-ES_tradnl" sz="4000" dirty="0" smtClean="0"/>
-              <a:t>Web app: sitio web que provee las funcionalidades para los pacientes.</a:t>
+              <a:t>Web </a:t>
+            </a:r>
+            <a:r>
+              <a:rPr lang="es-ES_tradnl" sz="4000" dirty="0" smtClean="0"/>
+              <a:t>app: </a:t>
+            </a:r>
+            <a:r>
+              <a:rPr lang="es-ES_tradnl" sz="4000" dirty="0" smtClean="0"/>
+              <a:t>Sitio </a:t>
+            </a:r>
+            <a:r>
+              <a:rPr lang="es-ES_tradnl" sz="4000" dirty="0" smtClean="0"/>
+              <a:t>web que provee las funcionalidades para los pacientes.</a:t>
             </a:r>
           </a:p>
           <a:p>
             <a:pPr lvl="1"/>
             <a:r>
               <a:rPr lang="es-ES_tradnl" sz="4000" dirty="0" smtClean="0"/>
-              <a:t>Payment service: servicio automatizado de pagos de honorarios.</a:t>
+              <a:t>Payment service: </a:t>
+            </a:r>
+            <a:r>
+              <a:rPr lang="es-ES_tradnl" sz="4000" dirty="0" smtClean="0"/>
+              <a:t>Servicio </a:t>
+            </a:r>
+            <a:r>
+              <a:rPr lang="es-ES_tradnl" sz="4000" dirty="0" smtClean="0"/>
+              <a:t>automatizado de pagos de honorarios.</a:t>
             </a:r>
           </a:p>
         </p:txBody>
@@ -6632,6 +7498,18 @@
   <p:clrMapOvr>
     <a:masterClrMapping/>
   </p:clrMapOvr>
+  <mc:AlternateContent xmlns:mc="http://schemas.openxmlformats.org/markup-compatibility/2006">
+    <mc:Choice xmlns:p14="http://schemas.microsoft.com/office/powerpoint/2010/main" Requires="p14">
+      <p:transition p14:dur="150">
+        <p:fade/>
+      </p:transition>
+    </mc:Choice>
+    <mc:Fallback>
+      <p:transition>
+        <p:fade/>
+      </p:transition>
+    </mc:Fallback>
+  </mc:AlternateContent>
   <p:timing>
     <p:tnLst>
       <p:par>
@@ -6669,6 +7547,168 @@
             <p:ph type="title"/>
           </p:nvPr>
         </p:nvSpPr>
+        <p:spPr/>
+        <p:txBody>
+          <a:bodyPr/>
+          <a:lstStyle/>
+          <a:p>
+            <a:r>
+              <a:rPr lang="es-ES_tradnl" dirty="0" smtClean="0"/>
+              <a:t>Arquitectura</a:t>
+            </a:r>
+            <a:endParaRPr lang="es-ES_tradnl" dirty="0"/>
+          </a:p>
+        </p:txBody>
+      </p:sp>
+      <p:sp>
+        <p:nvSpPr>
+          <p:cNvPr id="4" name="Slide Number Placeholder 3"/>
+          <p:cNvSpPr>
+            <a:spLocks noGrp="1"/>
+          </p:cNvSpPr>
+          <p:nvPr>
+            <p:ph type="sldNum" sz="quarter" idx="12"/>
+          </p:nvPr>
+        </p:nvSpPr>
+        <p:spPr/>
+        <p:txBody>
+          <a:bodyPr>
+            <a:normAutofit lnSpcReduction="10000"/>
+          </a:bodyPr>
+          <a:lstStyle/>
+          <a:p>
+            <a:fld id="{66B77C49-310C-4D67-A641-7D2CCF3E3B8A}" type="slidenum">
+              <a:rPr lang="es-CL" smtClean="0"/>
+              <a:t>6</a:t>
+            </a:fld>
+            <a:endParaRPr lang="es-CL"/>
+          </a:p>
+        </p:txBody>
+      </p:sp>
+      <p:sp>
+        <p:nvSpPr>
+          <p:cNvPr id="3" name="Content Placeholder 2"/>
+          <p:cNvSpPr>
+            <a:spLocks noGrp="1"/>
+          </p:cNvSpPr>
+          <p:nvPr>
+            <p:ph idx="1"/>
+          </p:nvPr>
+        </p:nvSpPr>
+        <p:spPr/>
+        <p:txBody>
+          <a:bodyPr>
+            <a:noAutofit/>
+          </a:bodyPr>
+          <a:lstStyle/>
+          <a:p>
+            <a:pPr lvl="1"/>
+            <a:r>
+              <a:rPr lang="es-ES_tradnl" sz="4000" dirty="0" smtClean="0"/>
+              <a:t>Creación de documento RFC debido al cambio en la arquitectura.</a:t>
+            </a:r>
+            <a:endParaRPr lang="es-ES_tradnl" sz="4000" dirty="0" smtClean="0"/>
+          </a:p>
+        </p:txBody>
+      </p:sp>
+      <p:pic>
+        <p:nvPicPr>
+          <p:cNvPr id="5" name="Picture 2" descr="Resultado de imagen para duoc"/>
+          <p:cNvPicPr>
+            <a:picLocks noChangeAspect="1" noChangeArrowheads="1"/>
+          </p:cNvPicPr>
+          <p:nvPr/>
+        </p:nvPicPr>
+        <p:blipFill rotWithShape="1">
+          <a:blip r:embed="rId2">
+            <a:extLst>
+              <a:ext uri="{28A0092B-C50C-407E-A947-70E740481C1C}">
+                <a14:useLocalDpi xmlns:a14="http://schemas.microsoft.com/office/drawing/2010/main" val="0"/>
+              </a:ext>
+            </a:extLst>
+          </a:blip>
+          <a:srcRect t="13892" r="19022"/>
+          <a:stretch/>
+        </p:blipFill>
+        <p:spPr bwMode="auto">
+          <a:xfrm>
+            <a:off x="9023169" y="378822"/>
+            <a:ext cx="2001883" cy="524910"/>
+          </a:xfrm>
+          <a:prstGeom prst="rect">
+            <a:avLst/>
+          </a:prstGeom>
+          <a:noFill/>
+          <a:extLst>
+            <a:ext uri="{909E8E84-426E-40DD-AFC4-6F175D3DCCD1}">
+              <a14:hiddenFill xmlns:a14="http://schemas.microsoft.com/office/drawing/2010/main">
+                <a:solidFill>
+                  <a:srgbClr val="FFFFFF"/>
+                </a:solidFill>
+              </a14:hiddenFill>
+            </a:ext>
+          </a:extLst>
+        </p:spPr>
+      </p:pic>
+    </p:spTree>
+    <p:extLst>
+      <p:ext uri="{BB962C8B-B14F-4D97-AF65-F5344CB8AC3E}">
+        <p14:creationId xmlns:p14="http://schemas.microsoft.com/office/powerpoint/2010/main" val="2852182264"/>
+      </p:ext>
+    </p:extLst>
+  </p:cSld>
+  <p:clrMapOvr>
+    <a:masterClrMapping/>
+  </p:clrMapOvr>
+  <mc:AlternateContent xmlns:mc="http://schemas.openxmlformats.org/markup-compatibility/2006">
+    <mc:Choice xmlns:p14="http://schemas.microsoft.com/office/powerpoint/2010/main" Requires="p14">
+      <p:transition p14:dur="150">
+        <p:fade/>
+      </p:transition>
+    </mc:Choice>
+    <mc:Fallback>
+      <p:transition>
+        <p:fade/>
+      </p:transition>
+    </mc:Fallback>
+  </mc:AlternateContent>
+  <p:timing>
+    <p:tnLst>
+      <p:par>
+        <p:cTn id="1" dur="indefinite" restart="never" nodeType="tmRoot"/>
+      </p:par>
+    </p:tnLst>
+  </p:timing>
+</p:sld>
+</file>
+
+<file path=ppt/slides/slide8.xml><?xml version="1.0" encoding="utf-8"?>
+<p:sld xmlns:a="http://schemas.openxmlformats.org/drawingml/2006/main" xmlns:r="http://schemas.openxmlformats.org/officeDocument/2006/relationships" xmlns:p="http://schemas.openxmlformats.org/presentationml/2006/main">
+  <p:cSld>
+    <p:spTree>
+      <p:nvGrpSpPr>
+        <p:cNvPr id="1" name=""/>
+        <p:cNvGrpSpPr/>
+        <p:nvPr/>
+      </p:nvGrpSpPr>
+      <p:grpSpPr>
+        <a:xfrm>
+          <a:off x="0" y="0"/>
+          <a:ext cx="0" cy="0"/>
+          <a:chOff x="0" y="0"/>
+          <a:chExt cx="0" cy="0"/>
+        </a:xfrm>
+      </p:grpSpPr>
+      <p:sp>
+        <p:nvSpPr>
+          <p:cNvPr id="2" name="Title 1"/>
+          <p:cNvSpPr>
+            <a:spLocks noGrp="1"/>
+          </p:cNvSpPr>
+          <p:nvPr>
+            <p:ph type="title"/>
+          </p:nvPr>
+        </p:nvSpPr>
         <p:spPr>
           <a:xfrm>
             <a:off x="1924812" y="2292384"/>
@@ -6706,7 +7746,7 @@
           <a:p>
             <a:fld id="{66B77C49-310C-4D67-A641-7D2CCF3E3B8A}" type="slidenum">
               <a:rPr lang="es-CL" smtClean="0"/>
-              <a:t>6</a:t>
+              <a:t>7</a:t>
             </a:fld>
             <a:endParaRPr lang="es-CL"/>
           </a:p>
@@ -6761,6 +7801,18 @@
   <p:clrMapOvr>
     <a:masterClrMapping/>
   </p:clrMapOvr>
+  <mc:AlternateContent xmlns:mc="http://schemas.openxmlformats.org/markup-compatibility/2006">
+    <mc:Choice xmlns:p14="http://schemas.microsoft.com/office/powerpoint/2010/main" Requires="p14">
+      <p:transition p14:dur="150">
+        <p:fade/>
+      </p:transition>
+    </mc:Choice>
+    <mc:Fallback>
+      <p:transition>
+        <p:fade/>
+      </p:transition>
+    </mc:Fallback>
+  </mc:AlternateContent>
   <p:timing>
     <p:tnLst>
       <p:par>
@@ -6771,7 +7823,7 @@
 </p:sld>
 </file>
 
-<file path=ppt/slides/slide8.xml><?xml version="1.0" encoding="utf-8"?>
+<file path=ppt/slides/slide9.xml><?xml version="1.0" encoding="utf-8"?>
 <p:sld xmlns:a="http://schemas.openxmlformats.org/drawingml/2006/main" xmlns:r="http://schemas.openxmlformats.org/officeDocument/2006/relationships" xmlns:p="http://schemas.openxmlformats.org/presentationml/2006/main">
   <p:cSld>
     <p:spTree>
@@ -6859,7 +7911,7 @@
           <a:p>
             <a:fld id="{66B77C49-310C-4D67-A641-7D2CCF3E3B8A}" type="slidenum">
               <a:rPr lang="es-ES_tradnl" smtClean="0"/>
-              <a:t>7</a:t>
+              <a:t>8</a:t>
             </a:fld>
             <a:endParaRPr lang="es-ES_tradnl" dirty="0"/>
           </a:p>
@@ -6896,33 +7948,19 @@
             </a:br>
             <a:r>
               <a:rPr lang="es-ES_tradnl" sz="2800" dirty="0" smtClean="0"/>
-              <a:t>y no funcionales cubiertos por casos de </a:t>
-            </a:r>
+              <a:t>y no funcionales cubiertos por casos de uso.</a:t>
+            </a:r>
+          </a:p>
+          <a:p>
             <a:r>
               <a:rPr lang="es-ES_tradnl" sz="2800" dirty="0" smtClean="0"/>
-              <a:t>uso.</a:t>
-            </a:r>
-            <a:endParaRPr lang="es-ES_tradnl" sz="2800" dirty="0" smtClean="0"/>
+              <a:t>31 requerimientos funcionales.</a:t>
+            </a:r>
           </a:p>
           <a:p>
             <a:r>
               <a:rPr lang="es-ES_tradnl" sz="2800" dirty="0" smtClean="0"/>
-              <a:t>31 requerimientos </a:t>
-            </a:r>
-            <a:r>
-              <a:rPr lang="es-ES_tradnl" sz="2800" dirty="0" smtClean="0"/>
-              <a:t>funcionales.</a:t>
-            </a:r>
-            <a:endParaRPr lang="es-ES_tradnl" sz="2800" dirty="0" smtClean="0"/>
-          </a:p>
-          <a:p>
-            <a:r>
-              <a:rPr lang="es-ES_tradnl" sz="2800" dirty="0" smtClean="0"/>
-              <a:t>26 casos de </a:t>
-            </a:r>
-            <a:r>
-              <a:rPr lang="es-ES_tradnl" sz="2800" dirty="0" smtClean="0"/>
-              <a:t>uso.</a:t>
+              <a:t>26 casos de uso.</a:t>
             </a:r>
             <a:endParaRPr lang="es-ES_tradnl" sz="2800" dirty="0"/>
           </a:p>
@@ -6952,11 +7990,7 @@
           <a:p>
             <a:r>
               <a:rPr lang="es-ES_tradnl" dirty="0" smtClean="0"/>
-              <a:t>Fig.. 2: Matriz de requerimientos vs casos de </a:t>
-            </a:r>
-            <a:r>
-              <a:rPr lang="es-ES_tradnl" dirty="0" smtClean="0"/>
-              <a:t>uso.</a:t>
+              <a:t>Fig.. 2: Matriz de requerimientos vs casos de uso.</a:t>
             </a:r>
             <a:endParaRPr lang="es-ES_tradnl" dirty="0"/>
           </a:p>
@@ -7011,227 +8045,18 @@
   <p:clrMapOvr>
     <a:masterClrMapping/>
   </p:clrMapOvr>
-  <p:timing>
-    <p:tnLst>
-      <p:par>
-        <p:cTn id="1" dur="indefinite" restart="never" nodeType="tmRoot"/>
-      </p:par>
-    </p:tnLst>
-  </p:timing>
-</p:sld>
-</file>
-
-<file path=ppt/slides/slide9.xml><?xml version="1.0" encoding="utf-8"?>
-<p:sld xmlns:a="http://schemas.openxmlformats.org/drawingml/2006/main" xmlns:r="http://schemas.openxmlformats.org/officeDocument/2006/relationships" xmlns:p="http://schemas.openxmlformats.org/presentationml/2006/main">
-  <p:cSld>
-    <p:spTree>
-      <p:nvGrpSpPr>
-        <p:cNvPr id="1" name=""/>
-        <p:cNvGrpSpPr/>
-        <p:nvPr/>
-      </p:nvGrpSpPr>
-      <p:grpSpPr>
-        <a:xfrm>
-          <a:off x="0" y="0"/>
-          <a:ext cx="0" cy="0"/>
-          <a:chOff x="0" y="0"/>
-          <a:chExt cx="0" cy="0"/>
-        </a:xfrm>
-      </p:grpSpPr>
-      <p:sp>
-        <p:nvSpPr>
-          <p:cNvPr id="2" name="Title 1"/>
-          <p:cNvSpPr>
-            <a:spLocks noGrp="1"/>
-          </p:cNvSpPr>
-          <p:nvPr>
-            <p:ph type="title"/>
-          </p:nvPr>
-        </p:nvSpPr>
-        <p:spPr/>
-        <p:txBody>
-          <a:bodyPr/>
-          <a:lstStyle/>
-          <a:p>
-            <a:r>
-              <a:rPr lang="es-ES_tradnl" dirty="0" smtClean="0"/>
-              <a:t>Matriz: Requerimientos vs Clases</a:t>
-            </a:r>
-            <a:endParaRPr lang="es-ES_tradnl" dirty="0"/>
-          </a:p>
-        </p:txBody>
-      </p:sp>
-      <p:sp>
-        <p:nvSpPr>
-          <p:cNvPr id="4" name="Slide Number Placeholder 3"/>
-          <p:cNvSpPr>
-            <a:spLocks noGrp="1"/>
-          </p:cNvSpPr>
-          <p:nvPr>
-            <p:ph type="sldNum" sz="quarter" idx="12"/>
-          </p:nvPr>
-        </p:nvSpPr>
-        <p:spPr/>
-        <p:txBody>
-          <a:bodyPr>
-            <a:normAutofit lnSpcReduction="10000"/>
-          </a:bodyPr>
-          <a:lstStyle/>
-          <a:p>
-            <a:fld id="{66B77C49-310C-4D67-A641-7D2CCF3E3B8A}" type="slidenum">
-              <a:rPr lang="es-ES_tradnl" smtClean="0"/>
-              <a:t>8</a:t>
-            </a:fld>
-            <a:endParaRPr lang="es-ES_tradnl" dirty="0"/>
-          </a:p>
-        </p:txBody>
-      </p:sp>
-      <p:pic>
-        <p:nvPicPr>
-          <p:cNvPr id="5" name="Content Placeholder 4"/>
-          <p:cNvPicPr>
-            <a:picLocks noGrp="1" noChangeAspect="1"/>
-          </p:cNvPicPr>
-          <p:nvPr>
-            <p:ph idx="1"/>
-          </p:nvPr>
-        </p:nvPicPr>
-        <p:blipFill>
-          <a:blip r:embed="rId2" cstate="print">
-            <a:extLst>
-              <a:ext uri="{28A0092B-C50C-407E-A947-70E740481C1C}">
-                <a14:useLocalDpi xmlns:a14="http://schemas.microsoft.com/office/drawing/2010/main" val="0"/>
-              </a:ext>
-            </a:extLst>
-          </a:blip>
-          <a:stretch>
-            <a:fillRect/>
-          </a:stretch>
-        </p:blipFill>
-        <p:spPr>
-          <a:xfrm>
-            <a:off x="1261872" y="1882732"/>
-            <a:ext cx="6294150" cy="3660378"/>
-          </a:xfrm>
-        </p:spPr>
-      </p:pic>
-      <p:sp>
-        <p:nvSpPr>
-          <p:cNvPr id="7" name="TextBox 6"/>
-          <p:cNvSpPr txBox="1"/>
-          <p:nvPr/>
-        </p:nvSpPr>
-        <p:spPr>
-          <a:xfrm>
-            <a:off x="7765774" y="2279374"/>
-            <a:ext cx="3188738" cy="3046988"/>
-          </a:xfrm>
-          <a:prstGeom prst="rect">
-            <a:avLst/>
-          </a:prstGeom>
-          <a:noFill/>
-        </p:spPr>
-        <p:txBody>
-          <a:bodyPr wrap="square" rtlCol="0">
-            <a:spAutoFit/>
-          </a:bodyPr>
-          <a:lstStyle/>
-          <a:p>
-            <a:r>
-              <a:rPr lang="es-ES_tradnl" sz="2400" dirty="0" smtClean="0"/>
-              <a:t>100% de los requerimientos funcionales tienen al menos una clase asociada, responsable satisfacer sus necesidades </a:t>
-            </a:r>
-            <a:r>
-              <a:rPr lang="es-ES_tradnl" sz="2400" dirty="0" smtClean="0"/>
-              <a:t>lógicas.</a:t>
-            </a:r>
-            <a:endParaRPr lang="es-ES_tradnl" sz="2400" dirty="0" smtClean="0"/>
-          </a:p>
-        </p:txBody>
-      </p:sp>
-      <p:sp>
-        <p:nvSpPr>
-          <p:cNvPr id="9" name="TextBox 8"/>
-          <p:cNvSpPr txBox="1"/>
-          <p:nvPr/>
-        </p:nvSpPr>
-        <p:spPr>
-          <a:xfrm>
-            <a:off x="1259840" y="5770880"/>
-            <a:ext cx="5641288" cy="369332"/>
-          </a:xfrm>
-          <a:prstGeom prst="rect">
-            <a:avLst/>
-          </a:prstGeom>
-          <a:noFill/>
-        </p:spPr>
-        <p:txBody>
-          <a:bodyPr wrap="none" rtlCol="0">
-            <a:spAutoFit/>
-          </a:bodyPr>
-          <a:lstStyle/>
-          <a:p>
-            <a:r>
-              <a:rPr lang="es-ES_tradnl" dirty="0" smtClean="0"/>
-              <a:t>Fig. 3: matriz de requerimientos vs clases (parcial</a:t>
-            </a:r>
-            <a:r>
-              <a:rPr lang="es-ES_tradnl" dirty="0" smtClean="0"/>
-              <a:t>).</a:t>
-            </a:r>
-            <a:endParaRPr lang="es-ES_tradnl" dirty="0"/>
-          </a:p>
-        </p:txBody>
-      </p:sp>
-      <p:pic>
-        <p:nvPicPr>
-          <p:cNvPr id="8" name="Picture 2" descr="Resultado de imagen para duoc"/>
-          <p:cNvPicPr>
-            <a:picLocks noChangeAspect="1" noChangeArrowheads="1"/>
-          </p:cNvPicPr>
-          <p:nvPr/>
-        </p:nvPicPr>
-        <p:blipFill rotWithShape="1">
-          <a:blip r:embed="rId3">
-            <a:extLst>
-              <a:ext uri="{28A0092B-C50C-407E-A947-70E740481C1C}">
-                <a14:useLocalDpi xmlns:a14="http://schemas.microsoft.com/office/drawing/2010/main" val="0"/>
-              </a:ext>
-            </a:extLst>
-          </a:blip>
-          <a:srcRect t="13892" r="19022"/>
-          <a:stretch/>
-        </p:blipFill>
-        <p:spPr bwMode="auto">
-          <a:xfrm>
-            <a:off x="9023169" y="378822"/>
-            <a:ext cx="2001883" cy="524910"/>
-          </a:xfrm>
-          <a:prstGeom prst="rect">
-            <a:avLst/>
-          </a:prstGeom>
-          <a:noFill/>
-          <a:extLst>
-            <a:ext uri="{909E8E84-426E-40DD-AFC4-6F175D3DCCD1}">
-              <a14:hiddenFill xmlns:a14="http://schemas.microsoft.com/office/drawing/2010/main">
-                <a:solidFill>
-                  <a:srgbClr val="FFFFFF"/>
-                </a:solidFill>
-              </a14:hiddenFill>
-            </a:ext>
-          </a:extLst>
-        </p:spPr>
-      </p:pic>
-    </p:spTree>
-    <p:extLst>
-      <p:ext uri="{BB962C8B-B14F-4D97-AF65-F5344CB8AC3E}">
-        <p14:creationId xmlns:p14="http://schemas.microsoft.com/office/powerpoint/2010/main" val="1141032399"/>
-      </p:ext>
-    </p:extLst>
-  </p:cSld>
-  <p:clrMapOvr>
-    <a:masterClrMapping/>
-  </p:clrMapOvr>
+  <mc:AlternateContent xmlns:mc="http://schemas.openxmlformats.org/markup-compatibility/2006">
+    <mc:Choice xmlns:p14="http://schemas.microsoft.com/office/powerpoint/2010/main" Requires="p14">
+      <p:transition p14:dur="150">
+        <p:fade/>
+      </p:transition>
+    </mc:Choice>
+    <mc:Fallback>
+      <p:transition>
+        <p:fade/>
+      </p:transition>
+    </mc:Fallback>
+  </mc:AlternateContent>
   <p:timing>
     <p:tnLst>
       <p:par>

--- a/presentación lunes 24 octubre 2016.pptx
+++ b/presentación lunes 24 octubre 2016.pptx
@@ -952,13 +952,13 @@
   <p:clrMapOvr>
     <a:overrideClrMapping bg1="dk1" tx1="lt1" bg2="dk2" tx2="lt2" accent1="accent1" accent2="accent2" accent3="accent3" accent4="accent4" accent5="accent5" accent6="accent6" hlink="hlink" folHlink="folHlink"/>
   </p:clrMapOvr>
-  <mc:AlternateContent xmlns:mc="http://schemas.openxmlformats.org/markup-compatibility/2006">
-    <mc:Choice xmlns:p14="http://schemas.microsoft.com/office/powerpoint/2010/main" Requires="p14">
+  <mc:AlternateContent xmlns:mc="http://schemas.openxmlformats.org/markup-compatibility/2006" xmlns:p14="http://schemas.microsoft.com/office/powerpoint/2010/main">
+    <mc:Choice Requires="p14">
       <p:transition p14:dur="150">
         <p:fade/>
       </p:transition>
     </mc:Choice>
-    <mc:Fallback>
+    <mc:Fallback xmlns="">
       <p:transition>
         <p:fade/>
       </p:transition>
@@ -1175,13 +1175,13 @@
   <p:clrMapOvr>
     <a:masterClrMapping/>
   </p:clrMapOvr>
-  <mc:AlternateContent xmlns:mc="http://schemas.openxmlformats.org/markup-compatibility/2006">
-    <mc:Choice xmlns:p14="http://schemas.microsoft.com/office/powerpoint/2010/main" Requires="p14">
+  <mc:AlternateContent xmlns:mc="http://schemas.openxmlformats.org/markup-compatibility/2006" xmlns:p14="http://schemas.microsoft.com/office/powerpoint/2010/main">
+    <mc:Choice Requires="p14">
       <p:transition p14:dur="150">
         <p:fade/>
       </p:transition>
     </mc:Choice>
-    <mc:Fallback>
+    <mc:Fallback xmlns="">
       <p:transition>
         <p:fade/>
       </p:transition>
@@ -1408,13 +1408,13 @@
   <p:clrMapOvr>
     <a:masterClrMapping/>
   </p:clrMapOvr>
-  <mc:AlternateContent xmlns:mc="http://schemas.openxmlformats.org/markup-compatibility/2006">
-    <mc:Choice xmlns:p14="http://schemas.microsoft.com/office/powerpoint/2010/main" Requires="p14">
+  <mc:AlternateContent xmlns:mc="http://schemas.openxmlformats.org/markup-compatibility/2006" xmlns:p14="http://schemas.microsoft.com/office/powerpoint/2010/main">
+    <mc:Choice Requires="p14">
       <p:transition p14:dur="150">
         <p:fade/>
       </p:transition>
     </mc:Choice>
-    <mc:Fallback>
+    <mc:Fallback xmlns="">
       <p:transition>
         <p:fade/>
       </p:transition>
@@ -1631,13 +1631,13 @@
   <p:clrMapOvr>
     <a:masterClrMapping/>
   </p:clrMapOvr>
-  <mc:AlternateContent xmlns:mc="http://schemas.openxmlformats.org/markup-compatibility/2006">
-    <mc:Choice xmlns:p14="http://schemas.microsoft.com/office/powerpoint/2010/main" Requires="p14">
+  <mc:AlternateContent xmlns:mc="http://schemas.openxmlformats.org/markup-compatibility/2006" xmlns:p14="http://schemas.microsoft.com/office/powerpoint/2010/main">
+    <mc:Choice Requires="p14">
       <p:transition p14:dur="150">
         <p:fade/>
       </p:transition>
     </mc:Choice>
-    <mc:Fallback>
+    <mc:Fallback xmlns="">
       <p:transition>
         <p:fade/>
       </p:transition>
@@ -1938,13 +1938,13 @@
   <p:clrMapOvr>
     <a:masterClrMapping/>
   </p:clrMapOvr>
-  <mc:AlternateContent xmlns:mc="http://schemas.openxmlformats.org/markup-compatibility/2006">
-    <mc:Choice xmlns:p14="http://schemas.microsoft.com/office/powerpoint/2010/main" Requires="p14">
+  <mc:AlternateContent xmlns:mc="http://schemas.openxmlformats.org/markup-compatibility/2006" xmlns:p14="http://schemas.microsoft.com/office/powerpoint/2010/main">
+    <mc:Choice Requires="p14">
       <p:transition p14:dur="150">
         <p:fade/>
       </p:transition>
     </mc:Choice>
-    <mc:Fallback>
+    <mc:Fallback xmlns="">
       <p:transition>
         <p:fade/>
       </p:transition>
@@ -2279,13 +2279,13 @@
   <p:clrMapOvr>
     <a:masterClrMapping/>
   </p:clrMapOvr>
-  <mc:AlternateContent xmlns:mc="http://schemas.openxmlformats.org/markup-compatibility/2006">
-    <mc:Choice xmlns:p14="http://schemas.microsoft.com/office/powerpoint/2010/main" Requires="p14">
+  <mc:AlternateContent xmlns:mc="http://schemas.openxmlformats.org/markup-compatibility/2006" xmlns:p14="http://schemas.microsoft.com/office/powerpoint/2010/main">
+    <mc:Choice Requires="p14">
       <p:transition p14:dur="150">
         <p:fade/>
       </p:transition>
     </mc:Choice>
-    <mc:Fallback>
+    <mc:Fallback xmlns="">
       <p:transition>
         <p:fade/>
       </p:transition>
@@ -2783,13 +2783,13 @@
   <p:clrMapOvr>
     <a:masterClrMapping/>
   </p:clrMapOvr>
-  <mc:AlternateContent xmlns:mc="http://schemas.openxmlformats.org/markup-compatibility/2006">
-    <mc:Choice xmlns:p14="http://schemas.microsoft.com/office/powerpoint/2010/main" Requires="p14">
+  <mc:AlternateContent xmlns:mc="http://schemas.openxmlformats.org/markup-compatibility/2006" xmlns:p14="http://schemas.microsoft.com/office/powerpoint/2010/main">
+    <mc:Choice Requires="p14">
       <p:transition p14:dur="150">
         <p:fade/>
       </p:transition>
     </mc:Choice>
-    <mc:Fallback>
+    <mc:Fallback xmlns="">
       <p:transition>
         <p:fade/>
       </p:transition>
@@ -2954,13 +2954,13 @@
   <p:clrMapOvr>
     <a:masterClrMapping/>
   </p:clrMapOvr>
-  <mc:AlternateContent xmlns:mc="http://schemas.openxmlformats.org/markup-compatibility/2006">
-    <mc:Choice xmlns:p14="http://schemas.microsoft.com/office/powerpoint/2010/main" Requires="p14">
+  <mc:AlternateContent xmlns:mc="http://schemas.openxmlformats.org/markup-compatibility/2006" xmlns:p14="http://schemas.microsoft.com/office/powerpoint/2010/main">
+    <mc:Choice Requires="p14">
       <p:transition p14:dur="150">
         <p:fade/>
       </p:transition>
     </mc:Choice>
-    <mc:Fallback>
+    <mc:Fallback xmlns="">
       <p:transition>
         <p:fade/>
       </p:transition>
@@ -3102,13 +3102,13 @@
   <p:clrMapOvr>
     <a:masterClrMapping/>
   </p:clrMapOvr>
-  <mc:AlternateContent xmlns:mc="http://schemas.openxmlformats.org/markup-compatibility/2006">
-    <mc:Choice xmlns:p14="http://schemas.microsoft.com/office/powerpoint/2010/main" Requires="p14">
+  <mc:AlternateContent xmlns:mc="http://schemas.openxmlformats.org/markup-compatibility/2006" xmlns:p14="http://schemas.microsoft.com/office/powerpoint/2010/main">
+    <mc:Choice Requires="p14">
       <p:transition p14:dur="150">
         <p:fade/>
       </p:transition>
     </mc:Choice>
-    <mc:Fallback>
+    <mc:Fallback xmlns="">
       <p:transition>
         <p:fade/>
       </p:transition>
@@ -3401,13 +3401,13 @@
   <p:clrMapOvr>
     <a:masterClrMapping/>
   </p:clrMapOvr>
-  <mc:AlternateContent xmlns:mc="http://schemas.openxmlformats.org/markup-compatibility/2006">
-    <mc:Choice xmlns:p14="http://schemas.microsoft.com/office/powerpoint/2010/main" Requires="p14">
+  <mc:AlternateContent xmlns:mc="http://schemas.openxmlformats.org/markup-compatibility/2006" xmlns:p14="http://schemas.microsoft.com/office/powerpoint/2010/main">
+    <mc:Choice Requires="p14">
       <p:transition p14:dur="150">
         <p:fade/>
       </p:transition>
     </mc:Choice>
-    <mc:Fallback>
+    <mc:Fallback xmlns="">
       <p:transition>
         <p:fade/>
       </p:transition>
@@ -3728,13 +3728,13 @@
   <p:clrMapOvr>
     <a:masterClrMapping/>
   </p:clrMapOvr>
-  <mc:AlternateContent xmlns:mc="http://schemas.openxmlformats.org/markup-compatibility/2006">
-    <mc:Choice xmlns:p14="http://schemas.microsoft.com/office/powerpoint/2010/main" Requires="p14">
+  <mc:AlternateContent xmlns:mc="http://schemas.openxmlformats.org/markup-compatibility/2006" xmlns:p14="http://schemas.microsoft.com/office/powerpoint/2010/main">
+    <mc:Choice Requires="p14">
       <p:transition p14:dur="150">
         <p:fade/>
       </p:transition>
     </mc:Choice>
-    <mc:Fallback>
+    <mc:Fallback xmlns="">
       <p:transition>
         <p:fade/>
       </p:transition>
@@ -4044,13 +4044,13 @@
     <p:sldLayoutId id="2147483820" r:id="rId10"/>
     <p:sldLayoutId id="2147483821" r:id="rId11"/>
   </p:sldLayoutIdLst>
-  <mc:AlternateContent xmlns:mc="http://schemas.openxmlformats.org/markup-compatibility/2006">
-    <mc:Choice xmlns:p14="http://schemas.microsoft.com/office/powerpoint/2010/main" Requires="p14">
+  <mc:AlternateContent xmlns:mc="http://schemas.openxmlformats.org/markup-compatibility/2006" xmlns:p14="http://schemas.microsoft.com/office/powerpoint/2010/main">
+    <mc:Choice Requires="p14">
       <p:transition p14:dur="150">
         <p:fade/>
       </p:transition>
     </mc:Choice>
-    <mc:Fallback>
+    <mc:Fallback xmlns="">
       <p:transition>
         <p:fade/>
       </p:transition>
@@ -4606,13 +4606,13 @@
   <p:clrMapOvr>
     <a:masterClrMapping/>
   </p:clrMapOvr>
-  <mc:AlternateContent xmlns:mc="http://schemas.openxmlformats.org/markup-compatibility/2006">
-    <mc:Choice xmlns:p14="http://schemas.microsoft.com/office/powerpoint/2010/main" Requires="p14">
+  <mc:AlternateContent xmlns:mc="http://schemas.openxmlformats.org/markup-compatibility/2006" xmlns:p14="http://schemas.microsoft.com/office/powerpoint/2010/main">
+    <mc:Choice Requires="p14">
       <p:transition p14:dur="150">
         <p:fade/>
       </p:transition>
     </mc:Choice>
-    <mc:Fallback>
+    <mc:Fallback xmlns="">
       <p:transition>
         <p:fade/>
       </p:transition>
@@ -4717,7 +4717,7 @@
         </p:blipFill>
         <p:spPr>
           <a:xfrm>
-            <a:off x="1261872" y="1882732"/>
+            <a:off x="1261872" y="1929226"/>
             <a:ext cx="6294150" cy="3660378"/>
           </a:xfrm>
         </p:spPr>
@@ -4830,13 +4830,13 @@
   <p:clrMapOvr>
     <a:masterClrMapping/>
   </p:clrMapOvr>
-  <mc:AlternateContent xmlns:mc="http://schemas.openxmlformats.org/markup-compatibility/2006">
-    <mc:Choice xmlns:p14="http://schemas.microsoft.com/office/powerpoint/2010/main" Requires="p14">
+  <mc:AlternateContent xmlns:mc="http://schemas.openxmlformats.org/markup-compatibility/2006" xmlns:p14="http://schemas.microsoft.com/office/powerpoint/2010/main">
+    <mc:Choice Requires="p14">
       <p:transition p14:dur="150">
         <p:fade/>
       </p:transition>
     </mc:Choice>
-    <mc:Fallback>
+    <mc:Fallback xmlns="">
       <p:transition>
         <p:fade/>
       </p:transition>
@@ -4997,13 +4997,13 @@
   <p:clrMapOvr>
     <a:masterClrMapping/>
   </p:clrMapOvr>
-  <mc:AlternateContent xmlns:mc="http://schemas.openxmlformats.org/markup-compatibility/2006">
-    <mc:Choice xmlns:p14="http://schemas.microsoft.com/office/powerpoint/2010/main" Requires="p14">
+  <mc:AlternateContent xmlns:mc="http://schemas.openxmlformats.org/markup-compatibility/2006" xmlns:p14="http://schemas.microsoft.com/office/powerpoint/2010/main">
+    <mc:Choice Requires="p14">
       <p:transition p14:dur="150">
         <p:fade/>
       </p:transition>
     </mc:Choice>
-    <mc:Fallback>
+    <mc:Fallback xmlns="">
       <p:transition>
         <p:fade/>
       </p:transition>
@@ -5179,13 +5179,13 @@
   <p:clrMapOvr>
     <a:masterClrMapping/>
   </p:clrMapOvr>
-  <mc:AlternateContent xmlns:mc="http://schemas.openxmlformats.org/markup-compatibility/2006">
-    <mc:Choice xmlns:p14="http://schemas.microsoft.com/office/powerpoint/2010/main" Requires="p14">
+  <mc:AlternateContent xmlns:mc="http://schemas.openxmlformats.org/markup-compatibility/2006" xmlns:p14="http://schemas.microsoft.com/office/powerpoint/2010/main">
+    <mc:Choice Requires="p14">
       <p:transition p14:dur="150">
         <p:fade/>
       </p:transition>
     </mc:Choice>
-    <mc:Fallback>
+    <mc:Fallback xmlns="">
       <p:transition>
         <p:fade/>
       </p:transition>
@@ -5368,13 +5368,13 @@
   <p:clrMapOvr>
     <a:masterClrMapping/>
   </p:clrMapOvr>
-  <mc:AlternateContent xmlns:mc="http://schemas.openxmlformats.org/markup-compatibility/2006">
-    <mc:Choice xmlns:p14="http://schemas.microsoft.com/office/powerpoint/2010/main" Requires="p14">
+  <mc:AlternateContent xmlns:mc="http://schemas.openxmlformats.org/markup-compatibility/2006" xmlns:p14="http://schemas.microsoft.com/office/powerpoint/2010/main">
+    <mc:Choice Requires="p14">
       <p:transition p14:dur="150">
         <p:fade/>
       </p:transition>
     </mc:Choice>
-    <mc:Fallback>
+    <mc:Fallback xmlns="">
       <p:transition>
         <p:fade/>
       </p:transition>
@@ -5611,13 +5611,13 @@
   <p:clrMapOvr>
     <a:masterClrMapping/>
   </p:clrMapOvr>
-  <mc:AlternateContent xmlns:mc="http://schemas.openxmlformats.org/markup-compatibility/2006">
-    <mc:Choice xmlns:p14="http://schemas.microsoft.com/office/powerpoint/2010/main" Requires="p14">
+  <mc:AlternateContent xmlns:mc="http://schemas.openxmlformats.org/markup-compatibility/2006" xmlns:p14="http://schemas.microsoft.com/office/powerpoint/2010/main">
+    <mc:Choice Requires="p14">
       <p:transition p14:dur="150">
         <p:fade/>
       </p:transition>
     </mc:Choice>
-    <mc:Fallback>
+    <mc:Fallback xmlns="">
       <p:transition>
         <p:fade/>
       </p:transition>
@@ -5739,7 +5739,7 @@
         <p:spPr>
           <a:xfrm>
             <a:off x="3063988" y="6099730"/>
-            <a:ext cx="5402441" cy="369332"/>
+            <a:ext cx="3656770" cy="369332"/>
           </a:xfrm>
           <a:prstGeom prst="rect">
             <a:avLst/>
@@ -5754,7 +5754,23 @@
           <a:p>
             <a:r>
               <a:rPr lang="es-ES_tradnl" dirty="0" smtClean="0"/>
-              <a:t>Fig. 4: modelo de datos de la base de datos CMH.</a:t>
+              <a:t>Fig. 4: </a:t>
+            </a:r>
+            <a:r>
+              <a:rPr lang="es-ES_tradnl" dirty="0" smtClean="0"/>
+              <a:t>Modelo </a:t>
+            </a:r>
+            <a:r>
+              <a:rPr lang="es-ES_tradnl" dirty="0" smtClean="0"/>
+              <a:t>de datos </a:t>
+            </a:r>
+            <a:r>
+              <a:rPr lang="es-ES_tradnl" dirty="0" smtClean="0"/>
+              <a:t>de </a:t>
+            </a:r>
+            <a:r>
+              <a:rPr lang="es-ES_tradnl" dirty="0" smtClean="0"/>
+              <a:t>CMH.</a:t>
             </a:r>
           </a:p>
         </p:txBody>
@@ -5808,13 +5824,13 @@
   <p:clrMapOvr>
     <a:masterClrMapping/>
   </p:clrMapOvr>
-  <mc:AlternateContent xmlns:mc="http://schemas.openxmlformats.org/markup-compatibility/2006">
-    <mc:Choice xmlns:p14="http://schemas.microsoft.com/office/powerpoint/2010/main" Requires="p14">
+  <mc:AlternateContent xmlns:mc="http://schemas.openxmlformats.org/markup-compatibility/2006" xmlns:p14="http://schemas.microsoft.com/office/powerpoint/2010/main">
+    <mc:Choice Requires="p14">
       <p:transition p14:dur="150">
         <p:fade/>
       </p:transition>
     </mc:Choice>
-    <mc:Fallback>
+    <mc:Fallback xmlns="">
       <p:transition>
         <p:fade/>
       </p:transition>
@@ -6004,13 +6020,13 @@
   <p:clrMapOvr>
     <a:masterClrMapping/>
   </p:clrMapOvr>
-  <mc:AlternateContent xmlns:mc="http://schemas.openxmlformats.org/markup-compatibility/2006">
-    <mc:Choice xmlns:p14="http://schemas.microsoft.com/office/powerpoint/2010/main" Requires="p14">
+  <mc:AlternateContent xmlns:mc="http://schemas.openxmlformats.org/markup-compatibility/2006" xmlns:p14="http://schemas.microsoft.com/office/powerpoint/2010/main">
+    <mc:Choice Requires="p14">
       <p:transition p14:dur="150">
         <p:fade/>
       </p:transition>
     </mc:Choice>
-    <mc:Fallback>
+    <mc:Fallback xmlns="">
       <p:transition>
         <p:fade/>
       </p:transition>
@@ -6185,13 +6201,13 @@
   <p:clrMapOvr>
     <a:masterClrMapping/>
   </p:clrMapOvr>
-  <mc:AlternateContent xmlns:mc="http://schemas.openxmlformats.org/markup-compatibility/2006">
-    <mc:Choice xmlns:p14="http://schemas.microsoft.com/office/powerpoint/2010/main" Requires="p14">
+  <mc:AlternateContent xmlns:mc="http://schemas.openxmlformats.org/markup-compatibility/2006" xmlns:p14="http://schemas.microsoft.com/office/powerpoint/2010/main">
+    <mc:Choice Requires="p14">
       <p:transition p14:dur="150">
         <p:fade/>
       </p:transition>
     </mc:Choice>
-    <mc:Fallback>
+    <mc:Fallback xmlns="">
       <p:transition>
         <p:fade/>
       </p:transition>
@@ -6366,13 +6382,13 @@
   <p:clrMapOvr>
     <a:masterClrMapping/>
   </p:clrMapOvr>
-  <mc:AlternateContent xmlns:mc="http://schemas.openxmlformats.org/markup-compatibility/2006">
-    <mc:Choice xmlns:p14="http://schemas.microsoft.com/office/powerpoint/2010/main" Requires="p14">
+  <mc:AlternateContent xmlns:mc="http://schemas.openxmlformats.org/markup-compatibility/2006" xmlns:p14="http://schemas.microsoft.com/office/powerpoint/2010/main">
+    <mc:Choice Requires="p14">
       <p:transition p14:dur="150">
         <p:fade/>
       </p:transition>
     </mc:Choice>
-    <mc:Fallback>
+    <mc:Fallback xmlns="">
       <p:transition>
         <p:fade/>
       </p:transition>
@@ -6477,15 +6493,7 @@
           <a:p>
             <a:r>
               <a:rPr lang="es-ES_tradnl" dirty="0" smtClean="0"/>
-              <a:t>Fig. </a:t>
-            </a:r>
-            <a:r>
-              <a:rPr lang="es-ES_tradnl" dirty="0" smtClean="0"/>
-              <a:t>6: Tareas de la iteraci</a:t>
-            </a:r>
-            <a:r>
-              <a:rPr lang="es-ES_tradnl" dirty="0" smtClean="0"/>
-              <a:t>ón 2 basada en Gantt.</a:t>
+              <a:t>Fig. 6: Tareas de la iteración 2 basada en Gantt.</a:t>
             </a:r>
             <a:endParaRPr lang="es-ES_tradnl" dirty="0"/>
           </a:p>
@@ -6564,13 +6572,13 @@
   <p:clrMapOvr>
     <a:masterClrMapping/>
   </p:clrMapOvr>
-  <mc:AlternateContent xmlns:mc="http://schemas.openxmlformats.org/markup-compatibility/2006">
-    <mc:Choice xmlns:p14="http://schemas.microsoft.com/office/powerpoint/2010/main" Requires="p14">
+  <mc:AlternateContent xmlns:mc="http://schemas.openxmlformats.org/markup-compatibility/2006" xmlns:p14="http://schemas.microsoft.com/office/powerpoint/2010/main">
+    <mc:Choice Requires="p14">
       <p:transition p14:dur="150">
         <p:fade/>
       </p:transition>
     </mc:Choice>
-    <mc:Fallback>
+    <mc:Fallback xmlns="">
       <p:transition>
         <p:fade/>
       </p:transition>
@@ -6675,11 +6683,7 @@
           <a:p>
             <a:r>
               <a:rPr lang="es-ES_tradnl" sz="3200" dirty="0" smtClean="0"/>
-              <a:t>Capa de negocios terminal (en proceso</a:t>
-            </a:r>
-            <a:r>
-              <a:rPr lang="es-ES_tradnl" sz="3200" dirty="0" smtClean="0"/>
-              <a:t>)</a:t>
+              <a:t>Capa de negocios terminal (en proceso)</a:t>
             </a:r>
           </a:p>
           <a:p>
@@ -6765,13 +6769,13 @@
   <p:clrMapOvr>
     <a:masterClrMapping/>
   </p:clrMapOvr>
-  <mc:AlternateContent xmlns:mc="http://schemas.openxmlformats.org/markup-compatibility/2006">
-    <mc:Choice xmlns:p14="http://schemas.microsoft.com/office/powerpoint/2010/main" Requires="p14">
+  <mc:AlternateContent xmlns:mc="http://schemas.openxmlformats.org/markup-compatibility/2006" xmlns:p14="http://schemas.microsoft.com/office/powerpoint/2010/main">
+    <mc:Choice Requires="p14">
       <p:transition p14:dur="150">
         <p:fade/>
       </p:transition>
     </mc:Choice>
-    <mc:Fallback>
+    <mc:Fallback xmlns="">
       <p:transition>
         <p:fade/>
       </p:transition>
@@ -6960,13 +6964,13 @@
   <p:clrMapOvr>
     <a:masterClrMapping/>
   </p:clrMapOvr>
-  <mc:AlternateContent xmlns:mc="http://schemas.openxmlformats.org/markup-compatibility/2006">
-    <mc:Choice xmlns:p14="http://schemas.microsoft.com/office/powerpoint/2010/main" Requires="p14">
+  <mc:AlternateContent xmlns:mc="http://schemas.openxmlformats.org/markup-compatibility/2006" xmlns:p14="http://schemas.microsoft.com/office/powerpoint/2010/main">
+    <mc:Choice Requires="p14">
       <p:transition p14:dur="150">
         <p:fade/>
       </p:transition>
     </mc:Choice>
-    <mc:Fallback>
+    <mc:Fallback xmlns="">
       <p:transition>
         <p:fade/>
       </p:transition>
@@ -7134,13 +7138,13 @@
   <p:clrMapOvr>
     <a:masterClrMapping/>
   </p:clrMapOvr>
-  <mc:AlternateContent xmlns:mc="http://schemas.openxmlformats.org/markup-compatibility/2006">
-    <mc:Choice xmlns:p14="http://schemas.microsoft.com/office/powerpoint/2010/main" Requires="p14">
+  <mc:AlternateContent xmlns:mc="http://schemas.openxmlformats.org/markup-compatibility/2006" xmlns:p14="http://schemas.microsoft.com/office/powerpoint/2010/main">
+    <mc:Choice Requires="p14">
       <p:transition p14:dur="150">
         <p:fade/>
       </p:transition>
     </mc:Choice>
-    <mc:Fallback>
+    <mc:Fallback xmlns="">
       <p:transition>
         <p:fade/>
       </p:transition>
@@ -7306,13 +7310,13 @@
   <p:clrMapOvr>
     <a:masterClrMapping/>
   </p:clrMapOvr>
-  <mc:AlternateContent xmlns:mc="http://schemas.openxmlformats.org/markup-compatibility/2006">
-    <mc:Choice xmlns:p14="http://schemas.microsoft.com/office/powerpoint/2010/main" Requires="p14">
+  <mc:AlternateContent xmlns:mc="http://schemas.openxmlformats.org/markup-compatibility/2006" xmlns:p14="http://schemas.microsoft.com/office/powerpoint/2010/main">
+    <mc:Choice Requires="p14">
       <p:transition p14:dur="150">
         <p:fade/>
       </p:transition>
     </mc:Choice>
-    <mc:Fallback>
+    <mc:Fallback xmlns="">
       <p:transition>
         <p:fade/>
       </p:transition>
@@ -7417,34 +7421,14 @@
             <a:pPr lvl="1"/>
             <a:r>
               <a:rPr lang="es-ES_tradnl" sz="4000" dirty="0" smtClean="0"/>
-              <a:t>Web </a:t>
-            </a:r>
+              <a:t>Web app: Sitio web que provee las funcionalidades para los pacientes.</a:t>
+            </a:r>
+          </a:p>
+          <a:p>
+            <a:pPr lvl="1"/>
             <a:r>
               <a:rPr lang="es-ES_tradnl" sz="4000" dirty="0" smtClean="0"/>
-              <a:t>app: </a:t>
-            </a:r>
-            <a:r>
-              <a:rPr lang="es-ES_tradnl" sz="4000" dirty="0" smtClean="0"/>
-              <a:t>Sitio </a:t>
-            </a:r>
-            <a:r>
-              <a:rPr lang="es-ES_tradnl" sz="4000" dirty="0" smtClean="0"/>
-              <a:t>web que provee las funcionalidades para los pacientes.</a:t>
-            </a:r>
-          </a:p>
-          <a:p>
-            <a:pPr lvl="1"/>
-            <a:r>
-              <a:rPr lang="es-ES_tradnl" sz="4000" dirty="0" smtClean="0"/>
-              <a:t>Payment service: </a:t>
-            </a:r>
-            <a:r>
-              <a:rPr lang="es-ES_tradnl" sz="4000" dirty="0" smtClean="0"/>
-              <a:t>Servicio </a:t>
-            </a:r>
-            <a:r>
-              <a:rPr lang="es-ES_tradnl" sz="4000" dirty="0" smtClean="0"/>
-              <a:t>automatizado de pagos de honorarios.</a:t>
+              <a:t>Payment service: Servicio automatizado de pagos de honorarios.</a:t>
             </a:r>
           </a:p>
         </p:txBody>
@@ -7498,13 +7482,13 @@
   <p:clrMapOvr>
     <a:masterClrMapping/>
   </p:clrMapOvr>
-  <mc:AlternateContent xmlns:mc="http://schemas.openxmlformats.org/markup-compatibility/2006">
-    <mc:Choice xmlns:p14="http://schemas.microsoft.com/office/powerpoint/2010/main" Requires="p14">
+  <mc:AlternateContent xmlns:mc="http://schemas.openxmlformats.org/markup-compatibility/2006" xmlns:p14="http://schemas.microsoft.com/office/powerpoint/2010/main">
+    <mc:Choice Requires="p14">
       <p:transition p14:dur="150">
         <p:fade/>
       </p:transition>
     </mc:Choice>
-    <mc:Fallback>
+    <mc:Fallback xmlns="">
       <p:transition>
         <p:fade/>
       </p:transition>
@@ -7607,7 +7591,6 @@
               <a:rPr lang="es-ES_tradnl" sz="4000" dirty="0" smtClean="0"/>
               <a:t>Creación de documento RFC debido al cambio en la arquitectura.</a:t>
             </a:r>
-            <a:endParaRPr lang="es-ES_tradnl" sz="4000" dirty="0" smtClean="0"/>
           </a:p>
         </p:txBody>
       </p:sp>
@@ -7660,13 +7643,13 @@
   <p:clrMapOvr>
     <a:masterClrMapping/>
   </p:clrMapOvr>
-  <mc:AlternateContent xmlns:mc="http://schemas.openxmlformats.org/markup-compatibility/2006">
-    <mc:Choice xmlns:p14="http://schemas.microsoft.com/office/powerpoint/2010/main" Requires="p14">
+  <mc:AlternateContent xmlns:mc="http://schemas.openxmlformats.org/markup-compatibility/2006" xmlns:p14="http://schemas.microsoft.com/office/powerpoint/2010/main">
+    <mc:Choice Requires="p14">
       <p:transition p14:dur="150">
         <p:fade/>
       </p:transition>
     </mc:Choice>
-    <mc:Fallback>
+    <mc:Fallback xmlns="">
       <p:transition>
         <p:fade/>
       </p:transition>
@@ -7801,13 +7784,13 @@
   <p:clrMapOvr>
     <a:masterClrMapping/>
   </p:clrMapOvr>
-  <mc:AlternateContent xmlns:mc="http://schemas.openxmlformats.org/markup-compatibility/2006">
-    <mc:Choice xmlns:p14="http://schemas.microsoft.com/office/powerpoint/2010/main" Requires="p14">
+  <mc:AlternateContent xmlns:mc="http://schemas.openxmlformats.org/markup-compatibility/2006" xmlns:p14="http://schemas.microsoft.com/office/powerpoint/2010/main">
+    <mc:Choice Requires="p14">
       <p:transition p14:dur="150">
         <p:fade/>
       </p:transition>
     </mc:Choice>
-    <mc:Fallback>
+    <mc:Fallback xmlns="">
       <p:transition>
         <p:fade/>
       </p:transition>
@@ -8045,13 +8028,13 @@
   <p:clrMapOvr>
     <a:masterClrMapping/>
   </p:clrMapOvr>
-  <mc:AlternateContent xmlns:mc="http://schemas.openxmlformats.org/markup-compatibility/2006">
-    <mc:Choice xmlns:p14="http://schemas.microsoft.com/office/powerpoint/2010/main" Requires="p14">
+  <mc:AlternateContent xmlns:mc="http://schemas.openxmlformats.org/markup-compatibility/2006" xmlns:p14="http://schemas.microsoft.com/office/powerpoint/2010/main">
+    <mc:Choice Requires="p14">
       <p:transition p14:dur="150">
         <p:fade/>
       </p:transition>
     </mc:Choice>
-    <mc:Fallback>
+    <mc:Fallback xmlns="">
       <p:transition>
         <p:fade/>
       </p:transition>

--- a/presentación lunes 24 octubre 2016.pptx
+++ b/presentación lunes 24 octubre 2016.pptx
@@ -5,28 +5,25 @@
     <p:sldMasterId id="2147483810" r:id="rId1"/>
   </p:sldMasterIdLst>
   <p:notesMasterIdLst>
-    <p:notesMasterId r:id="rId21"/>
+    <p:notesMasterId r:id="rId18"/>
   </p:notesMasterIdLst>
   <p:sldIdLst>
     <p:sldId id="256" r:id="rId2"/>
     <p:sldId id="258" r:id="rId3"/>
-    <p:sldId id="259" r:id="rId4"/>
-    <p:sldId id="270" r:id="rId5"/>
-    <p:sldId id="271" r:id="rId6"/>
-    <p:sldId id="272" r:id="rId7"/>
-    <p:sldId id="275" r:id="rId8"/>
-    <p:sldId id="260" r:id="rId9"/>
-    <p:sldId id="266" r:id="rId10"/>
-    <p:sldId id="267" r:id="rId11"/>
-    <p:sldId id="261" r:id="rId12"/>
-    <p:sldId id="268" r:id="rId13"/>
-    <p:sldId id="269" r:id="rId14"/>
-    <p:sldId id="262" r:id="rId15"/>
-    <p:sldId id="273" r:id="rId16"/>
-    <p:sldId id="274" r:id="rId17"/>
-    <p:sldId id="264" r:id="rId18"/>
-    <p:sldId id="263" r:id="rId19"/>
-    <p:sldId id="276" r:id="rId20"/>
+    <p:sldId id="276" r:id="rId4"/>
+    <p:sldId id="275" r:id="rId5"/>
+    <p:sldId id="259" r:id="rId6"/>
+    <p:sldId id="262" r:id="rId7"/>
+    <p:sldId id="273" r:id="rId8"/>
+    <p:sldId id="274" r:id="rId9"/>
+    <p:sldId id="261" r:id="rId10"/>
+    <p:sldId id="268" r:id="rId11"/>
+    <p:sldId id="269" r:id="rId12"/>
+    <p:sldId id="264" r:id="rId13"/>
+    <p:sldId id="263" r:id="rId14"/>
+    <p:sldId id="266" r:id="rId15"/>
+    <p:sldId id="267" r:id="rId16"/>
+    <p:sldId id="277" r:id="rId17"/>
   </p:sldIdLst>
   <p:sldSz cx="12192000" cy="6858000"/>
   <p:notesSz cx="6858000" cy="9144000"/>
@@ -607,90 +604,6 @@
     <p:extLst>
       <p:ext uri="{BB962C8B-B14F-4D97-AF65-F5344CB8AC3E}">
         <p14:creationId xmlns:p14="http://schemas.microsoft.com/office/powerpoint/2010/main" val="1836014945"/>
-      </p:ext>
-    </p:extLst>
-  </p:cSld>
-  <p:clrMapOvr>
-    <a:masterClrMapping/>
-  </p:clrMapOvr>
-</p:notes>
-</file>
-
-<file path=ppt/notesSlides/notesSlide2.xml><?xml version="1.0" encoding="utf-8"?>
-<p:notes xmlns:a="http://schemas.openxmlformats.org/drawingml/2006/main" xmlns:r="http://schemas.openxmlformats.org/officeDocument/2006/relationships" xmlns:p="http://schemas.openxmlformats.org/presentationml/2006/main">
-  <p:cSld>
-    <p:spTree>
-      <p:nvGrpSpPr>
-        <p:cNvPr id="1" name=""/>
-        <p:cNvGrpSpPr/>
-        <p:nvPr/>
-      </p:nvGrpSpPr>
-      <p:grpSpPr>
-        <a:xfrm>
-          <a:off x="0" y="0"/>
-          <a:ext cx="0" cy="0"/>
-          <a:chOff x="0" y="0"/>
-          <a:chExt cx="0" cy="0"/>
-        </a:xfrm>
-      </p:grpSpPr>
-      <p:sp>
-        <p:nvSpPr>
-          <p:cNvPr id="2" name="Marcador de imagen de diapositiva 1"/>
-          <p:cNvSpPr>
-            <a:spLocks noGrp="1" noRot="1" noChangeAspect="1"/>
-          </p:cNvSpPr>
-          <p:nvPr>
-            <p:ph type="sldImg"/>
-          </p:nvPr>
-        </p:nvSpPr>
-        <p:spPr/>
-      </p:sp>
-      <p:sp>
-        <p:nvSpPr>
-          <p:cNvPr id="3" name="Marcador de notas 2"/>
-          <p:cNvSpPr>
-            <a:spLocks noGrp="1"/>
-          </p:cNvSpPr>
-          <p:nvPr>
-            <p:ph type="body" idx="1"/>
-          </p:nvPr>
-        </p:nvSpPr>
-        <p:spPr/>
-        <p:txBody>
-          <a:bodyPr/>
-          <a:lstStyle/>
-          <a:p>
-            <a:endParaRPr lang="es-CL" dirty="0"/>
-          </a:p>
-        </p:txBody>
-      </p:sp>
-      <p:sp>
-        <p:nvSpPr>
-          <p:cNvPr id="4" name="Marcador de número de diapositiva 3"/>
-          <p:cNvSpPr>
-            <a:spLocks noGrp="1"/>
-          </p:cNvSpPr>
-          <p:nvPr>
-            <p:ph type="sldNum" sz="quarter" idx="10"/>
-          </p:nvPr>
-        </p:nvSpPr>
-        <p:spPr/>
-        <p:txBody>
-          <a:bodyPr/>
-          <a:lstStyle/>
-          <a:p>
-            <a:fld id="{DF2599EA-3C95-46C0-99A8-B5EBCBCDB69B}" type="slidenum">
-              <a:rPr lang="es-CL" smtClean="0"/>
-              <a:t>3</a:t>
-            </a:fld>
-            <a:endParaRPr lang="es-CL"/>
-          </a:p>
-        </p:txBody>
-      </p:sp>
-    </p:spTree>
-    <p:extLst>
-      <p:ext uri="{BB962C8B-B14F-4D97-AF65-F5344CB8AC3E}">
-        <p14:creationId xmlns:p14="http://schemas.microsoft.com/office/powerpoint/2010/main" val="1143937319"/>
       </p:ext>
     </p:extLst>
   </p:cSld>
@@ -4662,9 +4575,55 @@
           <a:p>
             <a:r>
               <a:rPr lang="es-ES_tradnl" dirty="0" smtClean="0"/>
-              <a:t>Matriz: Requerimientos vs Clases</a:t>
+              <a:t>Modelo de clases</a:t>
             </a:r>
             <a:endParaRPr lang="es-ES_tradnl" dirty="0"/>
+          </a:p>
+        </p:txBody>
+      </p:sp>
+      <p:sp>
+        <p:nvSpPr>
+          <p:cNvPr id="3" name="Content Placeholder 2"/>
+          <p:cNvSpPr>
+            <a:spLocks noGrp="1"/>
+          </p:cNvSpPr>
+          <p:nvPr>
+            <p:ph idx="1"/>
+          </p:nvPr>
+        </p:nvSpPr>
+        <p:spPr/>
+        <p:txBody>
+          <a:bodyPr>
+            <a:normAutofit/>
+          </a:bodyPr>
+          <a:lstStyle/>
+          <a:p>
+            <a:r>
+              <a:rPr lang="es-ES_tradnl" sz="4400" dirty="0" smtClean="0"/>
+              <a:t>Paquetes Java:</a:t>
+            </a:r>
+          </a:p>
+          <a:p>
+            <a:pPr lvl="1"/>
+            <a:r>
+              <a:rPr lang="es-ES_tradnl" sz="4000" dirty="0" smtClean="0"/>
+              <a:t>cmh.lib.dal: Persistencia.</a:t>
+            </a:r>
+          </a:p>
+          <a:p>
+            <a:pPr lvl="1"/>
+            <a:r>
+              <a:rPr lang="es-ES_tradnl" sz="4000" dirty="0" smtClean="0"/>
+              <a:t>cmh.webapp.bl: Lógica de negocios.</a:t>
+            </a:r>
+          </a:p>
+          <a:p>
+            <a:pPr lvl="1"/>
+            <a:r>
+              <a:rPr lang="es-ES_tradnl" sz="4000" dirty="0" smtClean="0"/>
+              <a:t>cmh.servpago: Servicio de pago automático.</a:t>
+            </a:r>
+            <a:endParaRPr lang="es-ES_tradnl" sz="4000" dirty="0"/>
           </a:p>
         </p:txBody>
       </p:sp>
@@ -4688,6 +4647,941 @@
             <a:fld id="{66B77C49-310C-4D67-A641-7D2CCF3E3B8A}" type="slidenum">
               <a:rPr lang="es-ES_tradnl" smtClean="0"/>
               <a:t>9</a:t>
+            </a:fld>
+            <a:endParaRPr lang="es-ES_tradnl" dirty="0"/>
+          </a:p>
+        </p:txBody>
+      </p:sp>
+      <p:pic>
+        <p:nvPicPr>
+          <p:cNvPr id="5" name="Picture 2" descr="Resultado de imagen para duoc"/>
+          <p:cNvPicPr>
+            <a:picLocks noChangeAspect="1" noChangeArrowheads="1"/>
+          </p:cNvPicPr>
+          <p:nvPr/>
+        </p:nvPicPr>
+        <p:blipFill rotWithShape="1">
+          <a:blip r:embed="rId2">
+            <a:extLst>
+              <a:ext uri="{28A0092B-C50C-407E-A947-70E740481C1C}">
+                <a14:useLocalDpi xmlns:a14="http://schemas.microsoft.com/office/drawing/2010/main" val="0"/>
+              </a:ext>
+            </a:extLst>
+          </a:blip>
+          <a:srcRect t="13892" r="19022"/>
+          <a:stretch/>
+        </p:blipFill>
+        <p:spPr bwMode="auto">
+          <a:xfrm>
+            <a:off x="9023169" y="378822"/>
+            <a:ext cx="2001883" cy="524910"/>
+          </a:xfrm>
+          <a:prstGeom prst="rect">
+            <a:avLst/>
+          </a:prstGeom>
+          <a:noFill/>
+          <a:extLst>
+            <a:ext uri="{909E8E84-426E-40DD-AFC4-6F175D3DCCD1}">
+              <a14:hiddenFill xmlns:a14="http://schemas.microsoft.com/office/drawing/2010/main">
+                <a:solidFill>
+                  <a:srgbClr val="FFFFFF"/>
+                </a:solidFill>
+              </a14:hiddenFill>
+            </a:ext>
+          </a:extLst>
+        </p:spPr>
+      </p:pic>
+    </p:spTree>
+    <p:extLst>
+      <p:ext uri="{BB962C8B-B14F-4D97-AF65-F5344CB8AC3E}">
+        <p14:creationId xmlns:p14="http://schemas.microsoft.com/office/powerpoint/2010/main" val="823817472"/>
+      </p:ext>
+    </p:extLst>
+  </p:cSld>
+  <p:clrMapOvr>
+    <a:masterClrMapping/>
+  </p:clrMapOvr>
+  <mc:AlternateContent xmlns:mc="http://schemas.openxmlformats.org/markup-compatibility/2006" xmlns:p14="http://schemas.microsoft.com/office/powerpoint/2010/main">
+    <mc:Choice Requires="p14">
+      <p:transition p14:dur="150">
+        <p:fade/>
+      </p:transition>
+    </mc:Choice>
+    <mc:Fallback xmlns="">
+      <p:transition>
+        <p:fade/>
+      </p:transition>
+    </mc:Fallback>
+  </mc:AlternateContent>
+  <p:timing>
+    <p:tnLst>
+      <p:par>
+        <p:cTn id="1" dur="indefinite" restart="never" nodeType="tmRoot"/>
+      </p:par>
+    </p:tnLst>
+  </p:timing>
+</p:sld>
+</file>
+
+<file path=ppt/slides/slide11.xml><?xml version="1.0" encoding="utf-8"?>
+<p:sld xmlns:a="http://schemas.openxmlformats.org/drawingml/2006/main" xmlns:r="http://schemas.openxmlformats.org/officeDocument/2006/relationships" xmlns:p="http://schemas.openxmlformats.org/presentationml/2006/main">
+  <p:cSld>
+    <p:spTree>
+      <p:nvGrpSpPr>
+        <p:cNvPr id="1" name=""/>
+        <p:cNvGrpSpPr/>
+        <p:nvPr/>
+      </p:nvGrpSpPr>
+      <p:grpSpPr>
+        <a:xfrm>
+          <a:off x="0" y="0"/>
+          <a:ext cx="0" cy="0"/>
+          <a:chOff x="0" y="0"/>
+          <a:chExt cx="0" cy="0"/>
+        </a:xfrm>
+      </p:grpSpPr>
+      <p:sp>
+        <p:nvSpPr>
+          <p:cNvPr id="2" name="Title 1"/>
+          <p:cNvSpPr>
+            <a:spLocks noGrp="1"/>
+          </p:cNvSpPr>
+          <p:nvPr>
+            <p:ph type="title"/>
+          </p:nvPr>
+        </p:nvSpPr>
+        <p:spPr/>
+        <p:txBody>
+          <a:bodyPr/>
+          <a:lstStyle/>
+          <a:p>
+            <a:r>
+              <a:rPr lang="es-ES_tradnl" dirty="0" smtClean="0"/>
+              <a:t>Modelo de clases</a:t>
+            </a:r>
+            <a:endParaRPr lang="es-ES_tradnl" dirty="0"/>
+          </a:p>
+        </p:txBody>
+      </p:sp>
+      <p:sp>
+        <p:nvSpPr>
+          <p:cNvPr id="3" name="Content Placeholder 2"/>
+          <p:cNvSpPr>
+            <a:spLocks noGrp="1"/>
+          </p:cNvSpPr>
+          <p:nvPr>
+            <p:ph idx="1"/>
+          </p:nvPr>
+        </p:nvSpPr>
+        <p:spPr/>
+        <p:txBody>
+          <a:bodyPr>
+            <a:normAutofit/>
+          </a:bodyPr>
+          <a:lstStyle/>
+          <a:p>
+            <a:r>
+              <a:rPr lang="es-ES_tradnl" sz="4000" dirty="0" smtClean="0"/>
+              <a:t>Paquetes .NET:</a:t>
+            </a:r>
+          </a:p>
+          <a:p>
+            <a:pPr lvl="1"/>
+            <a:r>
+              <a:rPr lang="es-ES_tradnl" sz="3600" dirty="0" smtClean="0"/>
+              <a:t>CMH.Terminal.DAL: Persistencia </a:t>
+            </a:r>
+            <a:r>
+              <a:rPr lang="es-ES_tradnl" sz="3600" dirty="0" err="1" smtClean="0"/>
+              <a:t>Entity</a:t>
+            </a:r>
+            <a:r>
+              <a:rPr lang="es-ES_tradnl" sz="3600" dirty="0" smtClean="0"/>
+              <a:t> Framework.</a:t>
+            </a:r>
+          </a:p>
+          <a:p>
+            <a:pPr lvl="1"/>
+            <a:r>
+              <a:rPr lang="es-ES_tradnl" sz="3600" dirty="0" smtClean="0"/>
+              <a:t>CMH.Terminal.BL: Lógica de negocios del terminal.</a:t>
+            </a:r>
+          </a:p>
+          <a:p>
+            <a:pPr lvl="1"/>
+            <a:r>
+              <a:rPr lang="es-ES_tradnl" sz="3600" dirty="0" smtClean="0"/>
+              <a:t>CMH.Seguro: Persistencia, lógica de negocios e implementación de web service.</a:t>
+            </a:r>
+          </a:p>
+        </p:txBody>
+      </p:sp>
+      <p:sp>
+        <p:nvSpPr>
+          <p:cNvPr id="4" name="Slide Number Placeholder 3"/>
+          <p:cNvSpPr>
+            <a:spLocks noGrp="1"/>
+          </p:cNvSpPr>
+          <p:nvPr>
+            <p:ph type="sldNum" sz="quarter" idx="12"/>
+          </p:nvPr>
+        </p:nvSpPr>
+        <p:spPr/>
+        <p:txBody>
+          <a:bodyPr>
+            <a:normAutofit lnSpcReduction="10000"/>
+          </a:bodyPr>
+          <a:lstStyle/>
+          <a:p>
+            <a:fld id="{66B77C49-310C-4D67-A641-7D2CCF3E3B8A}" type="slidenum">
+              <a:rPr lang="es-ES_tradnl" smtClean="0"/>
+              <a:t>10</a:t>
+            </a:fld>
+            <a:endParaRPr lang="es-ES_tradnl" dirty="0"/>
+          </a:p>
+        </p:txBody>
+      </p:sp>
+      <p:pic>
+        <p:nvPicPr>
+          <p:cNvPr id="5" name="Picture 2" descr="Resultado de imagen para duoc"/>
+          <p:cNvPicPr>
+            <a:picLocks noChangeAspect="1" noChangeArrowheads="1"/>
+          </p:cNvPicPr>
+          <p:nvPr/>
+        </p:nvPicPr>
+        <p:blipFill rotWithShape="1">
+          <a:blip r:embed="rId2">
+            <a:extLst>
+              <a:ext uri="{28A0092B-C50C-407E-A947-70E740481C1C}">
+                <a14:useLocalDpi xmlns:a14="http://schemas.microsoft.com/office/drawing/2010/main" val="0"/>
+              </a:ext>
+            </a:extLst>
+          </a:blip>
+          <a:srcRect t="13892" r="19022"/>
+          <a:stretch/>
+        </p:blipFill>
+        <p:spPr bwMode="auto">
+          <a:xfrm>
+            <a:off x="9023169" y="378822"/>
+            <a:ext cx="2001883" cy="524910"/>
+          </a:xfrm>
+          <a:prstGeom prst="rect">
+            <a:avLst/>
+          </a:prstGeom>
+          <a:noFill/>
+          <a:extLst>
+            <a:ext uri="{909E8E84-426E-40DD-AFC4-6F175D3DCCD1}">
+              <a14:hiddenFill xmlns:a14="http://schemas.microsoft.com/office/drawing/2010/main">
+                <a:solidFill>
+                  <a:srgbClr val="FFFFFF"/>
+                </a:solidFill>
+              </a14:hiddenFill>
+            </a:ext>
+          </a:extLst>
+        </p:spPr>
+      </p:pic>
+    </p:spTree>
+    <p:extLst>
+      <p:ext uri="{BB962C8B-B14F-4D97-AF65-F5344CB8AC3E}">
+        <p14:creationId xmlns:p14="http://schemas.microsoft.com/office/powerpoint/2010/main" val="1756908367"/>
+      </p:ext>
+    </p:extLst>
+  </p:cSld>
+  <p:clrMapOvr>
+    <a:masterClrMapping/>
+  </p:clrMapOvr>
+  <mc:AlternateContent xmlns:mc="http://schemas.openxmlformats.org/markup-compatibility/2006" xmlns:p14="http://schemas.microsoft.com/office/powerpoint/2010/main">
+    <mc:Choice Requires="p14">
+      <p:transition p14:dur="150">
+        <p:fade/>
+      </p:transition>
+    </mc:Choice>
+    <mc:Fallback xmlns="">
+      <p:transition>
+        <p:fade/>
+      </p:transition>
+    </mc:Fallback>
+  </mc:AlternateContent>
+  <p:timing>
+    <p:tnLst>
+      <p:par>
+        <p:cTn id="1" dur="indefinite" restart="never" nodeType="tmRoot"/>
+      </p:par>
+    </p:tnLst>
+  </p:timing>
+</p:sld>
+</file>
+
+<file path=ppt/slides/slide12.xml><?xml version="1.0" encoding="utf-8"?>
+<p:sld xmlns:a="http://schemas.openxmlformats.org/drawingml/2006/main" xmlns:r="http://schemas.openxmlformats.org/officeDocument/2006/relationships" xmlns:p="http://schemas.openxmlformats.org/presentationml/2006/main">
+  <p:cSld>
+    <p:spTree>
+      <p:nvGrpSpPr>
+        <p:cNvPr id="1" name=""/>
+        <p:cNvGrpSpPr/>
+        <p:nvPr/>
+      </p:nvGrpSpPr>
+      <p:grpSpPr>
+        <a:xfrm>
+          <a:off x="0" y="0"/>
+          <a:ext cx="0" cy="0"/>
+          <a:chOff x="0" y="0"/>
+          <a:chExt cx="0" cy="0"/>
+        </a:xfrm>
+      </p:grpSpPr>
+      <p:sp>
+        <p:nvSpPr>
+          <p:cNvPr id="2" name="Title 1"/>
+          <p:cNvSpPr>
+            <a:spLocks noGrp="1"/>
+          </p:cNvSpPr>
+          <p:nvPr>
+            <p:ph type="title"/>
+          </p:nvPr>
+        </p:nvSpPr>
+        <p:spPr/>
+        <p:txBody>
+          <a:bodyPr/>
+          <a:lstStyle/>
+          <a:p>
+            <a:r>
+              <a:rPr lang="es-ES_tradnl" dirty="0" smtClean="0"/>
+              <a:t>Capa de negocio: terminal</a:t>
+            </a:r>
+            <a:endParaRPr lang="es-ES_tradnl" dirty="0"/>
+          </a:p>
+        </p:txBody>
+      </p:sp>
+      <p:sp>
+        <p:nvSpPr>
+          <p:cNvPr id="3" name="Content Placeholder 2"/>
+          <p:cNvSpPr>
+            <a:spLocks noGrp="1"/>
+          </p:cNvSpPr>
+          <p:nvPr>
+            <p:ph idx="1"/>
+          </p:nvPr>
+        </p:nvSpPr>
+        <p:spPr/>
+        <p:txBody>
+          <a:bodyPr>
+            <a:noAutofit/>
+          </a:bodyPr>
+          <a:lstStyle/>
+          <a:p>
+            <a:r>
+              <a:rPr lang="es-ES_tradnl" sz="3600" dirty="0" smtClean="0"/>
+              <a:t>Actualmente en proceso.</a:t>
+            </a:r>
+          </a:p>
+          <a:p>
+            <a:r>
+              <a:rPr lang="es-ES_tradnl" sz="3600" dirty="0" smtClean="0"/>
+              <a:t>50% de las funcionalidades implementadas.</a:t>
+            </a:r>
+          </a:p>
+          <a:p>
+            <a:r>
+              <a:rPr lang="es-ES_tradnl" sz="3600" dirty="0" smtClean="0"/>
+              <a:t>22 tests unitarios, con cobertura de 68% del código.</a:t>
+            </a:r>
+          </a:p>
+          <a:p>
+            <a:r>
+              <a:rPr lang="es-ES_tradnl" sz="3600" dirty="0" smtClean="0"/>
+              <a:t>El test unitario promedio tiene 2,5 casos de prueba.</a:t>
+            </a:r>
+          </a:p>
+          <a:p>
+            <a:endParaRPr lang="es-ES_tradnl" sz="3600" dirty="0"/>
+          </a:p>
+        </p:txBody>
+      </p:sp>
+      <p:sp>
+        <p:nvSpPr>
+          <p:cNvPr id="4" name="Slide Number Placeholder 3"/>
+          <p:cNvSpPr>
+            <a:spLocks noGrp="1"/>
+          </p:cNvSpPr>
+          <p:nvPr>
+            <p:ph type="sldNum" sz="quarter" idx="12"/>
+          </p:nvPr>
+        </p:nvSpPr>
+        <p:spPr/>
+        <p:txBody>
+          <a:bodyPr>
+            <a:normAutofit lnSpcReduction="10000"/>
+          </a:bodyPr>
+          <a:lstStyle/>
+          <a:p>
+            <a:fld id="{66B77C49-310C-4D67-A641-7D2CCF3E3B8A}" type="slidenum">
+              <a:rPr lang="es-ES_tradnl" smtClean="0"/>
+              <a:t>11</a:t>
+            </a:fld>
+            <a:endParaRPr lang="es-ES_tradnl" dirty="0"/>
+          </a:p>
+        </p:txBody>
+      </p:sp>
+      <p:pic>
+        <p:nvPicPr>
+          <p:cNvPr id="5" name="Picture 2" descr="Resultado de imagen para duoc"/>
+          <p:cNvPicPr>
+            <a:picLocks noChangeAspect="1" noChangeArrowheads="1"/>
+          </p:cNvPicPr>
+          <p:nvPr/>
+        </p:nvPicPr>
+        <p:blipFill rotWithShape="1">
+          <a:blip r:embed="rId2">
+            <a:extLst>
+              <a:ext uri="{28A0092B-C50C-407E-A947-70E740481C1C}">
+                <a14:useLocalDpi xmlns:a14="http://schemas.microsoft.com/office/drawing/2010/main" val="0"/>
+              </a:ext>
+            </a:extLst>
+          </a:blip>
+          <a:srcRect t="13892" r="19022"/>
+          <a:stretch/>
+        </p:blipFill>
+        <p:spPr bwMode="auto">
+          <a:xfrm>
+            <a:off x="9023169" y="378822"/>
+            <a:ext cx="2001883" cy="524910"/>
+          </a:xfrm>
+          <a:prstGeom prst="rect">
+            <a:avLst/>
+          </a:prstGeom>
+          <a:noFill/>
+          <a:extLst>
+            <a:ext uri="{909E8E84-426E-40DD-AFC4-6F175D3DCCD1}">
+              <a14:hiddenFill xmlns:a14="http://schemas.microsoft.com/office/drawing/2010/main">
+                <a:solidFill>
+                  <a:srgbClr val="FFFFFF"/>
+                </a:solidFill>
+              </a14:hiddenFill>
+            </a:ext>
+          </a:extLst>
+        </p:spPr>
+      </p:pic>
+    </p:spTree>
+    <p:extLst>
+      <p:ext uri="{BB962C8B-B14F-4D97-AF65-F5344CB8AC3E}">
+        <p14:creationId xmlns:p14="http://schemas.microsoft.com/office/powerpoint/2010/main" val="1990954893"/>
+      </p:ext>
+    </p:extLst>
+  </p:cSld>
+  <p:clrMapOvr>
+    <a:masterClrMapping/>
+  </p:clrMapOvr>
+  <mc:AlternateContent xmlns:mc="http://schemas.openxmlformats.org/markup-compatibility/2006" xmlns:p14="http://schemas.microsoft.com/office/powerpoint/2010/main">
+    <mc:Choice Requires="p14">
+      <p:transition p14:dur="150">
+        <p:fade/>
+      </p:transition>
+    </mc:Choice>
+    <mc:Fallback xmlns="">
+      <p:transition>
+        <p:fade/>
+      </p:transition>
+    </mc:Fallback>
+  </mc:AlternateContent>
+  <p:timing>
+    <p:tnLst>
+      <p:par>
+        <p:cTn id="1" dur="indefinite" restart="never" nodeType="tmRoot"/>
+      </p:par>
+    </p:tnLst>
+  </p:timing>
+</p:sld>
+</file>
+
+<file path=ppt/slides/slide13.xml><?xml version="1.0" encoding="utf-8"?>
+<p:sld xmlns:a="http://schemas.openxmlformats.org/drawingml/2006/main" xmlns:r="http://schemas.openxmlformats.org/officeDocument/2006/relationships" xmlns:p="http://schemas.openxmlformats.org/presentationml/2006/main">
+  <p:cSld>
+    <p:spTree>
+      <p:nvGrpSpPr>
+        <p:cNvPr id="1" name=""/>
+        <p:cNvGrpSpPr/>
+        <p:nvPr/>
+      </p:nvGrpSpPr>
+      <p:grpSpPr>
+        <a:xfrm>
+          <a:off x="0" y="0"/>
+          <a:ext cx="0" cy="0"/>
+          <a:chOff x="0" y="0"/>
+          <a:chExt cx="0" cy="0"/>
+        </a:xfrm>
+      </p:grpSpPr>
+      <p:sp>
+        <p:nvSpPr>
+          <p:cNvPr id="2" name="Title 1"/>
+          <p:cNvSpPr>
+            <a:spLocks noGrp="1"/>
+          </p:cNvSpPr>
+          <p:nvPr>
+            <p:ph type="title"/>
+          </p:nvPr>
+        </p:nvSpPr>
+        <p:spPr/>
+        <p:txBody>
+          <a:bodyPr/>
+          <a:lstStyle/>
+          <a:p>
+            <a:r>
+              <a:rPr lang="en-US" dirty="0" smtClean="0"/>
+              <a:t>Capa de negocio: web</a:t>
+            </a:r>
+            <a:endParaRPr lang="en-US" dirty="0"/>
+          </a:p>
+        </p:txBody>
+      </p:sp>
+      <p:sp>
+        <p:nvSpPr>
+          <p:cNvPr id="3" name="Content Placeholder 2"/>
+          <p:cNvSpPr>
+            <a:spLocks noGrp="1"/>
+          </p:cNvSpPr>
+          <p:nvPr>
+            <p:ph idx="1"/>
+          </p:nvPr>
+        </p:nvSpPr>
+        <p:spPr/>
+        <p:txBody>
+          <a:bodyPr>
+            <a:normAutofit/>
+          </a:bodyPr>
+          <a:lstStyle/>
+          <a:p>
+            <a:r>
+              <a:rPr lang="es-ES_tradnl" sz="4000" dirty="0" smtClean="0"/>
+              <a:t>3 clases.</a:t>
+            </a:r>
+          </a:p>
+          <a:p>
+            <a:r>
+              <a:rPr lang="es-ES_tradnl" sz="4000" dirty="0" smtClean="0"/>
+              <a:t>100% de los </a:t>
+            </a:r>
+            <a:r>
+              <a:rPr lang="es-ES_tradnl" sz="4000" dirty="0" err="1" smtClean="0"/>
+              <a:t>tests</a:t>
+            </a:r>
+            <a:r>
+              <a:rPr lang="es-ES_tradnl" sz="4000" dirty="0" smtClean="0"/>
+              <a:t> pasando.</a:t>
+            </a:r>
+          </a:p>
+          <a:p>
+            <a:r>
+              <a:rPr lang="es-ES_tradnl" sz="4000" dirty="0" smtClean="0"/>
+              <a:t>Promedio de 3 casos de prueba por test.</a:t>
+            </a:r>
+            <a:endParaRPr lang="es-ES_tradnl" sz="4000" dirty="0"/>
+          </a:p>
+        </p:txBody>
+      </p:sp>
+      <p:sp>
+        <p:nvSpPr>
+          <p:cNvPr id="4" name="Slide Number Placeholder 3"/>
+          <p:cNvSpPr>
+            <a:spLocks noGrp="1"/>
+          </p:cNvSpPr>
+          <p:nvPr>
+            <p:ph type="sldNum" sz="quarter" idx="12"/>
+          </p:nvPr>
+        </p:nvSpPr>
+        <p:spPr/>
+        <p:txBody>
+          <a:bodyPr>
+            <a:normAutofit lnSpcReduction="10000"/>
+          </a:bodyPr>
+          <a:lstStyle/>
+          <a:p>
+            <a:fld id="{66B77C49-310C-4D67-A641-7D2CCF3E3B8A}" type="slidenum">
+              <a:rPr lang="es-CL" smtClean="0"/>
+              <a:t>12</a:t>
+            </a:fld>
+            <a:endParaRPr lang="es-CL"/>
+          </a:p>
+        </p:txBody>
+      </p:sp>
+      <p:pic>
+        <p:nvPicPr>
+          <p:cNvPr id="5" name="Picture 2" descr="Resultado de imagen para duoc"/>
+          <p:cNvPicPr>
+            <a:picLocks noChangeAspect="1" noChangeArrowheads="1"/>
+          </p:cNvPicPr>
+          <p:nvPr/>
+        </p:nvPicPr>
+        <p:blipFill rotWithShape="1">
+          <a:blip r:embed="rId2">
+            <a:extLst>
+              <a:ext uri="{28A0092B-C50C-407E-A947-70E740481C1C}">
+                <a14:useLocalDpi xmlns:a14="http://schemas.microsoft.com/office/drawing/2010/main" val="0"/>
+              </a:ext>
+            </a:extLst>
+          </a:blip>
+          <a:srcRect t="13892" r="19022"/>
+          <a:stretch/>
+        </p:blipFill>
+        <p:spPr bwMode="auto">
+          <a:xfrm>
+            <a:off x="9023169" y="378822"/>
+            <a:ext cx="2001883" cy="524910"/>
+          </a:xfrm>
+          <a:prstGeom prst="rect">
+            <a:avLst/>
+          </a:prstGeom>
+          <a:noFill/>
+          <a:extLst>
+            <a:ext uri="{909E8E84-426E-40DD-AFC4-6F175D3DCCD1}">
+              <a14:hiddenFill xmlns:a14="http://schemas.microsoft.com/office/drawing/2010/main">
+                <a:solidFill>
+                  <a:srgbClr val="FFFFFF"/>
+                </a:solidFill>
+              </a14:hiddenFill>
+            </a:ext>
+          </a:extLst>
+        </p:spPr>
+      </p:pic>
+    </p:spTree>
+    <p:extLst>
+      <p:ext uri="{BB962C8B-B14F-4D97-AF65-F5344CB8AC3E}">
+        <p14:creationId xmlns:p14="http://schemas.microsoft.com/office/powerpoint/2010/main" val="1395784782"/>
+      </p:ext>
+    </p:extLst>
+  </p:cSld>
+  <p:clrMapOvr>
+    <a:masterClrMapping/>
+  </p:clrMapOvr>
+  <mc:AlternateContent xmlns:mc="http://schemas.openxmlformats.org/markup-compatibility/2006" xmlns:p14="http://schemas.microsoft.com/office/powerpoint/2010/main">
+    <mc:Choice Requires="p14">
+      <p:transition p14:dur="150">
+        <p:fade/>
+      </p:transition>
+    </mc:Choice>
+    <mc:Fallback xmlns="">
+      <p:transition>
+        <p:fade/>
+      </p:transition>
+    </mc:Fallback>
+  </mc:AlternateContent>
+  <p:timing>
+    <p:tnLst>
+      <p:par>
+        <p:cTn id="1" dur="indefinite" restart="never" nodeType="tmRoot"/>
+      </p:par>
+    </p:tnLst>
+  </p:timing>
+</p:sld>
+</file>
+
+<file path=ppt/slides/slide14.xml><?xml version="1.0" encoding="utf-8"?>
+<p:sld xmlns:a="http://schemas.openxmlformats.org/drawingml/2006/main" xmlns:r="http://schemas.openxmlformats.org/officeDocument/2006/relationships" xmlns:p="http://schemas.openxmlformats.org/presentationml/2006/main">
+  <p:cSld>
+    <p:spTree>
+      <p:nvGrpSpPr>
+        <p:cNvPr id="1" name=""/>
+        <p:cNvGrpSpPr/>
+        <p:nvPr/>
+      </p:nvGrpSpPr>
+      <p:grpSpPr>
+        <a:xfrm>
+          <a:off x="0" y="0"/>
+          <a:ext cx="0" cy="0"/>
+          <a:chOff x="0" y="0"/>
+          <a:chExt cx="0" cy="0"/>
+        </a:xfrm>
+      </p:grpSpPr>
+      <p:sp>
+        <p:nvSpPr>
+          <p:cNvPr id="2" name="Title 1"/>
+          <p:cNvSpPr>
+            <a:spLocks noGrp="1"/>
+          </p:cNvSpPr>
+          <p:nvPr>
+            <p:ph type="title"/>
+          </p:nvPr>
+        </p:nvSpPr>
+        <p:spPr/>
+        <p:txBody>
+          <a:bodyPr/>
+          <a:lstStyle/>
+          <a:p>
+            <a:r>
+              <a:rPr lang="es-ES_tradnl" dirty="0" smtClean="0"/>
+              <a:t>Matriz: Requerimientos vs Casos de uso</a:t>
+            </a:r>
+            <a:endParaRPr lang="es-ES_tradnl" dirty="0"/>
+          </a:p>
+        </p:txBody>
+      </p:sp>
+      <p:pic>
+        <p:nvPicPr>
+          <p:cNvPr id="5" name="Content Placeholder 4"/>
+          <p:cNvPicPr>
+            <a:picLocks noGrp="1" noChangeAspect="1"/>
+          </p:cNvPicPr>
+          <p:nvPr>
+            <p:ph idx="1"/>
+          </p:nvPr>
+        </p:nvPicPr>
+        <p:blipFill>
+          <a:blip r:embed="rId2" cstate="print">
+            <a:extLst>
+              <a:ext uri="{28A0092B-C50C-407E-A947-70E740481C1C}">
+                <a14:useLocalDpi xmlns:a14="http://schemas.microsoft.com/office/drawing/2010/main" val="0"/>
+              </a:ext>
+            </a:extLst>
+          </a:blip>
+          <a:stretch>
+            <a:fillRect/>
+          </a:stretch>
+        </p:blipFill>
+        <p:spPr>
+          <a:xfrm>
+            <a:off x="1261872" y="1691322"/>
+            <a:ext cx="3872353" cy="4351338"/>
+          </a:xfrm>
+        </p:spPr>
+      </p:pic>
+      <p:sp>
+        <p:nvSpPr>
+          <p:cNvPr id="4" name="Slide Number Placeholder 3"/>
+          <p:cNvSpPr>
+            <a:spLocks noGrp="1"/>
+          </p:cNvSpPr>
+          <p:nvPr>
+            <p:ph type="sldNum" sz="quarter" idx="12"/>
+          </p:nvPr>
+        </p:nvSpPr>
+        <p:spPr/>
+        <p:txBody>
+          <a:bodyPr>
+            <a:normAutofit lnSpcReduction="10000"/>
+          </a:bodyPr>
+          <a:lstStyle/>
+          <a:p>
+            <a:fld id="{66B77C49-310C-4D67-A641-7D2CCF3E3B8A}" type="slidenum">
+              <a:rPr lang="es-ES_tradnl" smtClean="0"/>
+              <a:t>13</a:t>
+            </a:fld>
+            <a:endParaRPr lang="es-ES_tradnl" dirty="0"/>
+          </a:p>
+        </p:txBody>
+      </p:sp>
+      <p:sp>
+        <p:nvSpPr>
+          <p:cNvPr id="6" name="TextBox 5"/>
+          <p:cNvSpPr txBox="1"/>
+          <p:nvPr/>
+        </p:nvSpPr>
+        <p:spPr>
+          <a:xfrm>
+            <a:off x="6004560" y="1910080"/>
+            <a:ext cx="4450080" cy="3539430"/>
+          </a:xfrm>
+          <a:prstGeom prst="rect">
+            <a:avLst/>
+          </a:prstGeom>
+          <a:noFill/>
+        </p:spPr>
+        <p:txBody>
+          <a:bodyPr wrap="square" rtlCol="0">
+            <a:spAutoFit/>
+          </a:bodyPr>
+          <a:lstStyle/>
+          <a:p>
+            <a:r>
+              <a:rPr lang="es-ES_tradnl" sz="2800" dirty="0" smtClean="0"/>
+              <a:t>100% de los requerimientos funcionales</a:t>
+            </a:r>
+            <a:br>
+              <a:rPr lang="es-ES_tradnl" sz="2800" dirty="0" smtClean="0"/>
+            </a:br>
+            <a:r>
+              <a:rPr lang="es-ES_tradnl" sz="2800" dirty="0" smtClean="0"/>
+              <a:t>y no funcionales cubiertos por casos de uso.</a:t>
+            </a:r>
+          </a:p>
+          <a:p>
+            <a:r>
+              <a:rPr lang="es-ES_tradnl" sz="2800" dirty="0" smtClean="0"/>
+              <a:t>31 requerimientos funcionales.</a:t>
+            </a:r>
+          </a:p>
+          <a:p>
+            <a:r>
+              <a:rPr lang="es-ES_tradnl" sz="2800" dirty="0" smtClean="0"/>
+              <a:t>26 casos de uso.</a:t>
+            </a:r>
+            <a:endParaRPr lang="es-ES_tradnl" sz="2800" dirty="0"/>
+          </a:p>
+        </p:txBody>
+      </p:sp>
+      <p:sp>
+        <p:nvSpPr>
+          <p:cNvPr id="3" name="TextBox 2"/>
+          <p:cNvSpPr txBox="1"/>
+          <p:nvPr/>
+        </p:nvSpPr>
+        <p:spPr>
+          <a:xfrm>
+            <a:off x="1261872" y="6284396"/>
+            <a:ext cx="5429692" cy="369332"/>
+          </a:xfrm>
+          <a:prstGeom prst="rect">
+            <a:avLst/>
+          </a:prstGeom>
+          <a:noFill/>
+        </p:spPr>
+        <p:txBody>
+          <a:bodyPr wrap="none" rtlCol="0">
+            <a:spAutoFit/>
+          </a:bodyPr>
+          <a:lstStyle/>
+          <a:p>
+            <a:r>
+              <a:rPr lang="es-ES_tradnl" dirty="0" smtClean="0"/>
+              <a:t>Fig. 6: </a:t>
+            </a:r>
+            <a:r>
+              <a:rPr lang="es-ES_tradnl" dirty="0" smtClean="0"/>
+              <a:t>Matriz de requerimientos vs casos de uso.</a:t>
+            </a:r>
+            <a:endParaRPr lang="es-ES_tradnl" dirty="0"/>
+          </a:p>
+        </p:txBody>
+      </p:sp>
+      <p:pic>
+        <p:nvPicPr>
+          <p:cNvPr id="7" name="Picture 2" descr="Resultado de imagen para duoc"/>
+          <p:cNvPicPr>
+            <a:picLocks noChangeAspect="1" noChangeArrowheads="1"/>
+          </p:cNvPicPr>
+          <p:nvPr/>
+        </p:nvPicPr>
+        <p:blipFill rotWithShape="1">
+          <a:blip r:embed="rId3">
+            <a:extLst>
+              <a:ext uri="{28A0092B-C50C-407E-A947-70E740481C1C}">
+                <a14:useLocalDpi xmlns:a14="http://schemas.microsoft.com/office/drawing/2010/main" val="0"/>
+              </a:ext>
+            </a:extLst>
+          </a:blip>
+          <a:srcRect t="13892" r="19022"/>
+          <a:stretch/>
+        </p:blipFill>
+        <p:spPr bwMode="auto">
+          <a:xfrm>
+            <a:off x="9290957" y="0"/>
+            <a:ext cx="2001883" cy="524910"/>
+          </a:xfrm>
+          <a:prstGeom prst="rect">
+            <a:avLst/>
+          </a:prstGeom>
+          <a:noFill/>
+          <a:extLst>
+            <a:ext uri="{909E8E84-426E-40DD-AFC4-6F175D3DCCD1}">
+              <a14:hiddenFill xmlns:a14="http://schemas.microsoft.com/office/drawing/2010/main">
+                <a:solidFill>
+                  <a:srgbClr val="FFFFFF"/>
+                </a:solidFill>
+              </a14:hiddenFill>
+            </a:ext>
+          </a:extLst>
+        </p:spPr>
+      </p:pic>
+    </p:spTree>
+    <p:extLst>
+      <p:ext uri="{BB962C8B-B14F-4D97-AF65-F5344CB8AC3E}">
+        <p14:creationId xmlns:p14="http://schemas.microsoft.com/office/powerpoint/2010/main" val="1210950647"/>
+      </p:ext>
+    </p:extLst>
+  </p:cSld>
+  <p:clrMapOvr>
+    <a:masterClrMapping/>
+  </p:clrMapOvr>
+  <mc:AlternateContent xmlns:mc="http://schemas.openxmlformats.org/markup-compatibility/2006" xmlns:p14="http://schemas.microsoft.com/office/powerpoint/2010/main">
+    <mc:Choice Requires="p14">
+      <p:transition p14:dur="150">
+        <p:fade/>
+      </p:transition>
+    </mc:Choice>
+    <mc:Fallback xmlns="">
+      <p:transition>
+        <p:fade/>
+      </p:transition>
+    </mc:Fallback>
+  </mc:AlternateContent>
+  <p:timing>
+    <p:tnLst>
+      <p:par>
+        <p:cTn id="1" dur="indefinite" restart="never" nodeType="tmRoot"/>
+      </p:par>
+    </p:tnLst>
+  </p:timing>
+</p:sld>
+</file>
+
+<file path=ppt/slides/slide15.xml><?xml version="1.0" encoding="utf-8"?>
+<p:sld xmlns:a="http://schemas.openxmlformats.org/drawingml/2006/main" xmlns:r="http://schemas.openxmlformats.org/officeDocument/2006/relationships" xmlns:p="http://schemas.openxmlformats.org/presentationml/2006/main">
+  <p:cSld>
+    <p:spTree>
+      <p:nvGrpSpPr>
+        <p:cNvPr id="1" name=""/>
+        <p:cNvGrpSpPr/>
+        <p:nvPr/>
+      </p:nvGrpSpPr>
+      <p:grpSpPr>
+        <a:xfrm>
+          <a:off x="0" y="0"/>
+          <a:ext cx="0" cy="0"/>
+          <a:chOff x="0" y="0"/>
+          <a:chExt cx="0" cy="0"/>
+        </a:xfrm>
+      </p:grpSpPr>
+      <p:sp>
+        <p:nvSpPr>
+          <p:cNvPr id="2" name="Title 1"/>
+          <p:cNvSpPr>
+            <a:spLocks noGrp="1"/>
+          </p:cNvSpPr>
+          <p:nvPr>
+            <p:ph type="title"/>
+          </p:nvPr>
+        </p:nvSpPr>
+        <p:spPr/>
+        <p:txBody>
+          <a:bodyPr/>
+          <a:lstStyle/>
+          <a:p>
+            <a:r>
+              <a:rPr lang="es-ES_tradnl" dirty="0" smtClean="0"/>
+              <a:t>Matriz: Requerimientos vs Clases</a:t>
+            </a:r>
+            <a:endParaRPr lang="es-ES_tradnl" dirty="0"/>
+          </a:p>
+        </p:txBody>
+      </p:sp>
+      <p:sp>
+        <p:nvSpPr>
+          <p:cNvPr id="4" name="Slide Number Placeholder 3"/>
+          <p:cNvSpPr>
+            <a:spLocks noGrp="1"/>
+          </p:cNvSpPr>
+          <p:nvPr>
+            <p:ph type="sldNum" sz="quarter" idx="12"/>
+          </p:nvPr>
+        </p:nvSpPr>
+        <p:spPr/>
+        <p:txBody>
+          <a:bodyPr>
+            <a:normAutofit lnSpcReduction="10000"/>
+          </a:bodyPr>
+          <a:lstStyle/>
+          <a:p>
+            <a:fld id="{66B77C49-310C-4D67-A641-7D2CCF3E3B8A}" type="slidenum">
+              <a:rPr lang="es-ES_tradnl" smtClean="0"/>
+              <a:t>14</a:t>
             </a:fld>
             <a:endParaRPr lang="es-ES_tradnl" dirty="0"/>
           </a:p>
@@ -4760,7 +5654,7 @@
         <p:spPr>
           <a:xfrm>
             <a:off x="1259840" y="5770880"/>
-            <a:ext cx="5641288" cy="369332"/>
+            <a:ext cx="5769528" cy="369332"/>
           </a:xfrm>
           <a:prstGeom prst="rect">
             <a:avLst/>
@@ -4775,7 +5669,15 @@
           <a:p>
             <a:r>
               <a:rPr lang="es-ES_tradnl" dirty="0" smtClean="0"/>
-              <a:t>Fig. 3: matriz de requerimientos vs clases (parcial).</a:t>
+              <a:t>Fig. </a:t>
+            </a:r>
+            <a:r>
+              <a:rPr lang="es-ES_tradnl" dirty="0" smtClean="0"/>
+              <a:t>7: </a:t>
+            </a:r>
+            <a:r>
+              <a:rPr lang="es-ES_tradnl" dirty="0" smtClean="0"/>
+              <a:t>matriz de requerimientos vs clases (parcial).</a:t>
             </a:r>
             <a:endParaRPr lang="es-ES_tradnl" dirty="0"/>
           </a:p>
@@ -4852,1000 +5754,6 @@
 </p:sld>
 </file>
 
-<file path=ppt/slides/slide11.xml><?xml version="1.0" encoding="utf-8"?>
-<p:sld xmlns:a="http://schemas.openxmlformats.org/drawingml/2006/main" xmlns:r="http://schemas.openxmlformats.org/officeDocument/2006/relationships" xmlns:p="http://schemas.openxmlformats.org/presentationml/2006/main">
-  <p:cSld>
-    <p:spTree>
-      <p:nvGrpSpPr>
-        <p:cNvPr id="1" name=""/>
-        <p:cNvGrpSpPr/>
-        <p:nvPr/>
-      </p:nvGrpSpPr>
-      <p:grpSpPr>
-        <a:xfrm>
-          <a:off x="0" y="0"/>
-          <a:ext cx="0" cy="0"/>
-          <a:chOff x="0" y="0"/>
-          <a:chExt cx="0" cy="0"/>
-        </a:xfrm>
-      </p:grpSpPr>
-      <p:sp>
-        <p:nvSpPr>
-          <p:cNvPr id="2" name="Title 1"/>
-          <p:cNvSpPr>
-            <a:spLocks noGrp="1"/>
-          </p:cNvSpPr>
-          <p:nvPr>
-            <p:ph type="title"/>
-          </p:nvPr>
-        </p:nvSpPr>
-        <p:spPr/>
-        <p:txBody>
-          <a:bodyPr/>
-          <a:lstStyle/>
-          <a:p>
-            <a:r>
-              <a:rPr lang="es-ES_tradnl" dirty="0" smtClean="0"/>
-              <a:t>Modelo de clases</a:t>
-            </a:r>
-            <a:endParaRPr lang="es-ES_tradnl" dirty="0"/>
-          </a:p>
-        </p:txBody>
-      </p:sp>
-      <p:sp>
-        <p:nvSpPr>
-          <p:cNvPr id="3" name="Content Placeholder 2"/>
-          <p:cNvSpPr>
-            <a:spLocks noGrp="1"/>
-          </p:cNvSpPr>
-          <p:nvPr>
-            <p:ph idx="1"/>
-          </p:nvPr>
-        </p:nvSpPr>
-        <p:spPr/>
-        <p:txBody>
-          <a:bodyPr>
-            <a:normAutofit/>
-          </a:bodyPr>
-          <a:lstStyle/>
-          <a:p>
-            <a:r>
-              <a:rPr lang="es-ES_tradnl" sz="6000" dirty="0" smtClean="0"/>
-              <a:t>3 paquetes Java</a:t>
-            </a:r>
-          </a:p>
-          <a:p>
-            <a:r>
-              <a:rPr lang="es-ES_tradnl" sz="6000" dirty="0" smtClean="0"/>
-              <a:t>3 paquetes .NET</a:t>
-            </a:r>
-            <a:endParaRPr lang="es-ES_tradnl" sz="6000" dirty="0"/>
-          </a:p>
-        </p:txBody>
-      </p:sp>
-      <p:sp>
-        <p:nvSpPr>
-          <p:cNvPr id="4" name="Slide Number Placeholder 3"/>
-          <p:cNvSpPr>
-            <a:spLocks noGrp="1"/>
-          </p:cNvSpPr>
-          <p:nvPr>
-            <p:ph type="sldNum" sz="quarter" idx="12"/>
-          </p:nvPr>
-        </p:nvSpPr>
-        <p:spPr/>
-        <p:txBody>
-          <a:bodyPr>
-            <a:normAutofit lnSpcReduction="10000"/>
-          </a:bodyPr>
-          <a:lstStyle/>
-          <a:p>
-            <a:fld id="{66B77C49-310C-4D67-A641-7D2CCF3E3B8A}" type="slidenum">
-              <a:rPr lang="es-ES_tradnl" smtClean="0"/>
-              <a:t>10</a:t>
-            </a:fld>
-            <a:endParaRPr lang="es-ES_tradnl" dirty="0"/>
-          </a:p>
-        </p:txBody>
-      </p:sp>
-      <p:pic>
-        <p:nvPicPr>
-          <p:cNvPr id="5" name="Picture 2" descr="Resultado de imagen para duoc"/>
-          <p:cNvPicPr>
-            <a:picLocks noChangeAspect="1" noChangeArrowheads="1"/>
-          </p:cNvPicPr>
-          <p:nvPr/>
-        </p:nvPicPr>
-        <p:blipFill rotWithShape="1">
-          <a:blip r:embed="rId2">
-            <a:extLst>
-              <a:ext uri="{28A0092B-C50C-407E-A947-70E740481C1C}">
-                <a14:useLocalDpi xmlns:a14="http://schemas.microsoft.com/office/drawing/2010/main" val="0"/>
-              </a:ext>
-            </a:extLst>
-          </a:blip>
-          <a:srcRect t="13892" r="19022"/>
-          <a:stretch/>
-        </p:blipFill>
-        <p:spPr bwMode="auto">
-          <a:xfrm>
-            <a:off x="9023169" y="378822"/>
-            <a:ext cx="2001883" cy="524910"/>
-          </a:xfrm>
-          <a:prstGeom prst="rect">
-            <a:avLst/>
-          </a:prstGeom>
-          <a:noFill/>
-          <a:extLst>
-            <a:ext uri="{909E8E84-426E-40DD-AFC4-6F175D3DCCD1}">
-              <a14:hiddenFill xmlns:a14="http://schemas.microsoft.com/office/drawing/2010/main">
-                <a:solidFill>
-                  <a:srgbClr val="FFFFFF"/>
-                </a:solidFill>
-              </a14:hiddenFill>
-            </a:ext>
-          </a:extLst>
-        </p:spPr>
-      </p:pic>
-    </p:spTree>
-    <p:extLst>
-      <p:ext uri="{BB962C8B-B14F-4D97-AF65-F5344CB8AC3E}">
-        <p14:creationId xmlns:p14="http://schemas.microsoft.com/office/powerpoint/2010/main" val="1819135733"/>
-      </p:ext>
-    </p:extLst>
-  </p:cSld>
-  <p:clrMapOvr>
-    <a:masterClrMapping/>
-  </p:clrMapOvr>
-  <mc:AlternateContent xmlns:mc="http://schemas.openxmlformats.org/markup-compatibility/2006" xmlns:p14="http://schemas.microsoft.com/office/powerpoint/2010/main">
-    <mc:Choice Requires="p14">
-      <p:transition p14:dur="150">
-        <p:fade/>
-      </p:transition>
-    </mc:Choice>
-    <mc:Fallback xmlns="">
-      <p:transition>
-        <p:fade/>
-      </p:transition>
-    </mc:Fallback>
-  </mc:AlternateContent>
-  <p:timing>
-    <p:tnLst>
-      <p:par>
-        <p:cTn id="1" dur="indefinite" restart="never" nodeType="tmRoot"/>
-      </p:par>
-    </p:tnLst>
-  </p:timing>
-</p:sld>
-</file>
-
-<file path=ppt/slides/slide12.xml><?xml version="1.0" encoding="utf-8"?>
-<p:sld xmlns:a="http://schemas.openxmlformats.org/drawingml/2006/main" xmlns:r="http://schemas.openxmlformats.org/officeDocument/2006/relationships" xmlns:p="http://schemas.openxmlformats.org/presentationml/2006/main">
-  <p:cSld>
-    <p:spTree>
-      <p:nvGrpSpPr>
-        <p:cNvPr id="1" name=""/>
-        <p:cNvGrpSpPr/>
-        <p:nvPr/>
-      </p:nvGrpSpPr>
-      <p:grpSpPr>
-        <a:xfrm>
-          <a:off x="0" y="0"/>
-          <a:ext cx="0" cy="0"/>
-          <a:chOff x="0" y="0"/>
-          <a:chExt cx="0" cy="0"/>
-        </a:xfrm>
-      </p:grpSpPr>
-      <p:sp>
-        <p:nvSpPr>
-          <p:cNvPr id="2" name="Title 1"/>
-          <p:cNvSpPr>
-            <a:spLocks noGrp="1"/>
-          </p:cNvSpPr>
-          <p:nvPr>
-            <p:ph type="title"/>
-          </p:nvPr>
-        </p:nvSpPr>
-        <p:spPr/>
-        <p:txBody>
-          <a:bodyPr/>
-          <a:lstStyle/>
-          <a:p>
-            <a:r>
-              <a:rPr lang="es-ES_tradnl" dirty="0" smtClean="0"/>
-              <a:t>Modelo de clases</a:t>
-            </a:r>
-            <a:endParaRPr lang="es-ES_tradnl" dirty="0"/>
-          </a:p>
-        </p:txBody>
-      </p:sp>
-      <p:sp>
-        <p:nvSpPr>
-          <p:cNvPr id="3" name="Content Placeholder 2"/>
-          <p:cNvSpPr>
-            <a:spLocks noGrp="1"/>
-          </p:cNvSpPr>
-          <p:nvPr>
-            <p:ph idx="1"/>
-          </p:nvPr>
-        </p:nvSpPr>
-        <p:spPr/>
-        <p:txBody>
-          <a:bodyPr>
-            <a:normAutofit/>
-          </a:bodyPr>
-          <a:lstStyle/>
-          <a:p>
-            <a:r>
-              <a:rPr lang="es-ES_tradnl" sz="4400" dirty="0" smtClean="0"/>
-              <a:t>Paquetes Java:</a:t>
-            </a:r>
-          </a:p>
-          <a:p>
-            <a:pPr lvl="1"/>
-            <a:r>
-              <a:rPr lang="es-ES_tradnl" sz="4000" dirty="0" smtClean="0"/>
-              <a:t>cmh.lib.dal: Persistencia.</a:t>
-            </a:r>
-          </a:p>
-          <a:p>
-            <a:pPr lvl="1"/>
-            <a:r>
-              <a:rPr lang="es-ES_tradnl" sz="4000" dirty="0" smtClean="0"/>
-              <a:t>cmh.webapp.bl: Lógica de negocios.</a:t>
-            </a:r>
-          </a:p>
-          <a:p>
-            <a:pPr lvl="1"/>
-            <a:r>
-              <a:rPr lang="es-ES_tradnl" sz="4000" dirty="0" smtClean="0"/>
-              <a:t>cmh.servpago: Servicio de pago automático.</a:t>
-            </a:r>
-            <a:endParaRPr lang="es-ES_tradnl" sz="4000" dirty="0"/>
-          </a:p>
-        </p:txBody>
-      </p:sp>
-      <p:sp>
-        <p:nvSpPr>
-          <p:cNvPr id="4" name="Slide Number Placeholder 3"/>
-          <p:cNvSpPr>
-            <a:spLocks noGrp="1"/>
-          </p:cNvSpPr>
-          <p:nvPr>
-            <p:ph type="sldNum" sz="quarter" idx="12"/>
-          </p:nvPr>
-        </p:nvSpPr>
-        <p:spPr/>
-        <p:txBody>
-          <a:bodyPr>
-            <a:normAutofit lnSpcReduction="10000"/>
-          </a:bodyPr>
-          <a:lstStyle/>
-          <a:p>
-            <a:fld id="{66B77C49-310C-4D67-A641-7D2CCF3E3B8A}" type="slidenum">
-              <a:rPr lang="es-ES_tradnl" smtClean="0"/>
-              <a:t>11</a:t>
-            </a:fld>
-            <a:endParaRPr lang="es-ES_tradnl" dirty="0"/>
-          </a:p>
-        </p:txBody>
-      </p:sp>
-      <p:pic>
-        <p:nvPicPr>
-          <p:cNvPr id="5" name="Picture 2" descr="Resultado de imagen para duoc"/>
-          <p:cNvPicPr>
-            <a:picLocks noChangeAspect="1" noChangeArrowheads="1"/>
-          </p:cNvPicPr>
-          <p:nvPr/>
-        </p:nvPicPr>
-        <p:blipFill rotWithShape="1">
-          <a:blip r:embed="rId2">
-            <a:extLst>
-              <a:ext uri="{28A0092B-C50C-407E-A947-70E740481C1C}">
-                <a14:useLocalDpi xmlns:a14="http://schemas.microsoft.com/office/drawing/2010/main" val="0"/>
-              </a:ext>
-            </a:extLst>
-          </a:blip>
-          <a:srcRect t="13892" r="19022"/>
-          <a:stretch/>
-        </p:blipFill>
-        <p:spPr bwMode="auto">
-          <a:xfrm>
-            <a:off x="9023169" y="378822"/>
-            <a:ext cx="2001883" cy="524910"/>
-          </a:xfrm>
-          <a:prstGeom prst="rect">
-            <a:avLst/>
-          </a:prstGeom>
-          <a:noFill/>
-          <a:extLst>
-            <a:ext uri="{909E8E84-426E-40DD-AFC4-6F175D3DCCD1}">
-              <a14:hiddenFill xmlns:a14="http://schemas.microsoft.com/office/drawing/2010/main">
-                <a:solidFill>
-                  <a:srgbClr val="FFFFFF"/>
-                </a:solidFill>
-              </a14:hiddenFill>
-            </a:ext>
-          </a:extLst>
-        </p:spPr>
-      </p:pic>
-    </p:spTree>
-    <p:extLst>
-      <p:ext uri="{BB962C8B-B14F-4D97-AF65-F5344CB8AC3E}">
-        <p14:creationId xmlns:p14="http://schemas.microsoft.com/office/powerpoint/2010/main" val="823817472"/>
-      </p:ext>
-    </p:extLst>
-  </p:cSld>
-  <p:clrMapOvr>
-    <a:masterClrMapping/>
-  </p:clrMapOvr>
-  <mc:AlternateContent xmlns:mc="http://schemas.openxmlformats.org/markup-compatibility/2006" xmlns:p14="http://schemas.microsoft.com/office/powerpoint/2010/main">
-    <mc:Choice Requires="p14">
-      <p:transition p14:dur="150">
-        <p:fade/>
-      </p:transition>
-    </mc:Choice>
-    <mc:Fallback xmlns="">
-      <p:transition>
-        <p:fade/>
-      </p:transition>
-    </mc:Fallback>
-  </mc:AlternateContent>
-  <p:timing>
-    <p:tnLst>
-      <p:par>
-        <p:cTn id="1" dur="indefinite" restart="never" nodeType="tmRoot"/>
-      </p:par>
-    </p:tnLst>
-  </p:timing>
-</p:sld>
-</file>
-
-<file path=ppt/slides/slide13.xml><?xml version="1.0" encoding="utf-8"?>
-<p:sld xmlns:a="http://schemas.openxmlformats.org/drawingml/2006/main" xmlns:r="http://schemas.openxmlformats.org/officeDocument/2006/relationships" xmlns:p="http://schemas.openxmlformats.org/presentationml/2006/main">
-  <p:cSld>
-    <p:spTree>
-      <p:nvGrpSpPr>
-        <p:cNvPr id="1" name=""/>
-        <p:cNvGrpSpPr/>
-        <p:nvPr/>
-      </p:nvGrpSpPr>
-      <p:grpSpPr>
-        <a:xfrm>
-          <a:off x="0" y="0"/>
-          <a:ext cx="0" cy="0"/>
-          <a:chOff x="0" y="0"/>
-          <a:chExt cx="0" cy="0"/>
-        </a:xfrm>
-      </p:grpSpPr>
-      <p:sp>
-        <p:nvSpPr>
-          <p:cNvPr id="2" name="Title 1"/>
-          <p:cNvSpPr>
-            <a:spLocks noGrp="1"/>
-          </p:cNvSpPr>
-          <p:nvPr>
-            <p:ph type="title"/>
-          </p:nvPr>
-        </p:nvSpPr>
-        <p:spPr/>
-        <p:txBody>
-          <a:bodyPr/>
-          <a:lstStyle/>
-          <a:p>
-            <a:r>
-              <a:rPr lang="es-ES_tradnl" dirty="0" smtClean="0"/>
-              <a:t>Modelo de clases</a:t>
-            </a:r>
-            <a:endParaRPr lang="es-ES_tradnl" dirty="0"/>
-          </a:p>
-        </p:txBody>
-      </p:sp>
-      <p:sp>
-        <p:nvSpPr>
-          <p:cNvPr id="3" name="Content Placeholder 2"/>
-          <p:cNvSpPr>
-            <a:spLocks noGrp="1"/>
-          </p:cNvSpPr>
-          <p:nvPr>
-            <p:ph idx="1"/>
-          </p:nvPr>
-        </p:nvSpPr>
-        <p:spPr/>
-        <p:txBody>
-          <a:bodyPr>
-            <a:normAutofit/>
-          </a:bodyPr>
-          <a:lstStyle/>
-          <a:p>
-            <a:r>
-              <a:rPr lang="es-ES_tradnl" sz="4000" dirty="0" smtClean="0"/>
-              <a:t>Paquetes .NET:</a:t>
-            </a:r>
-          </a:p>
-          <a:p>
-            <a:pPr lvl="1"/>
-            <a:r>
-              <a:rPr lang="es-ES_tradnl" sz="3600" dirty="0" smtClean="0"/>
-              <a:t>CMH.Terminal.DAL: Persistencia </a:t>
-            </a:r>
-            <a:r>
-              <a:rPr lang="es-ES_tradnl" sz="3600" dirty="0" err="1" smtClean="0"/>
-              <a:t>Entity</a:t>
-            </a:r>
-            <a:r>
-              <a:rPr lang="es-ES_tradnl" sz="3600" dirty="0" smtClean="0"/>
-              <a:t> Framework.</a:t>
-            </a:r>
-          </a:p>
-          <a:p>
-            <a:pPr lvl="1"/>
-            <a:r>
-              <a:rPr lang="es-ES_tradnl" sz="3600" dirty="0" smtClean="0"/>
-              <a:t>CMH.Terminal.BL: Lógica de negocios del terminal.</a:t>
-            </a:r>
-          </a:p>
-          <a:p>
-            <a:pPr lvl="1"/>
-            <a:r>
-              <a:rPr lang="es-ES_tradnl" sz="3600" dirty="0" smtClean="0"/>
-              <a:t>CMH.Seguro: Persistencia, lógica de negocios e implementación de web service.</a:t>
-            </a:r>
-          </a:p>
-        </p:txBody>
-      </p:sp>
-      <p:sp>
-        <p:nvSpPr>
-          <p:cNvPr id="4" name="Slide Number Placeholder 3"/>
-          <p:cNvSpPr>
-            <a:spLocks noGrp="1"/>
-          </p:cNvSpPr>
-          <p:nvPr>
-            <p:ph type="sldNum" sz="quarter" idx="12"/>
-          </p:nvPr>
-        </p:nvSpPr>
-        <p:spPr/>
-        <p:txBody>
-          <a:bodyPr>
-            <a:normAutofit lnSpcReduction="10000"/>
-          </a:bodyPr>
-          <a:lstStyle/>
-          <a:p>
-            <a:fld id="{66B77C49-310C-4D67-A641-7D2CCF3E3B8A}" type="slidenum">
-              <a:rPr lang="es-ES_tradnl" smtClean="0"/>
-              <a:t>12</a:t>
-            </a:fld>
-            <a:endParaRPr lang="es-ES_tradnl" dirty="0"/>
-          </a:p>
-        </p:txBody>
-      </p:sp>
-      <p:pic>
-        <p:nvPicPr>
-          <p:cNvPr id="5" name="Picture 2" descr="Resultado de imagen para duoc"/>
-          <p:cNvPicPr>
-            <a:picLocks noChangeAspect="1" noChangeArrowheads="1"/>
-          </p:cNvPicPr>
-          <p:nvPr/>
-        </p:nvPicPr>
-        <p:blipFill rotWithShape="1">
-          <a:blip r:embed="rId2">
-            <a:extLst>
-              <a:ext uri="{28A0092B-C50C-407E-A947-70E740481C1C}">
-                <a14:useLocalDpi xmlns:a14="http://schemas.microsoft.com/office/drawing/2010/main" val="0"/>
-              </a:ext>
-            </a:extLst>
-          </a:blip>
-          <a:srcRect t="13892" r="19022"/>
-          <a:stretch/>
-        </p:blipFill>
-        <p:spPr bwMode="auto">
-          <a:xfrm>
-            <a:off x="9023169" y="378822"/>
-            <a:ext cx="2001883" cy="524910"/>
-          </a:xfrm>
-          <a:prstGeom prst="rect">
-            <a:avLst/>
-          </a:prstGeom>
-          <a:noFill/>
-          <a:extLst>
-            <a:ext uri="{909E8E84-426E-40DD-AFC4-6F175D3DCCD1}">
-              <a14:hiddenFill xmlns:a14="http://schemas.microsoft.com/office/drawing/2010/main">
-                <a:solidFill>
-                  <a:srgbClr val="FFFFFF"/>
-                </a:solidFill>
-              </a14:hiddenFill>
-            </a:ext>
-          </a:extLst>
-        </p:spPr>
-      </p:pic>
-    </p:spTree>
-    <p:extLst>
-      <p:ext uri="{BB962C8B-B14F-4D97-AF65-F5344CB8AC3E}">
-        <p14:creationId xmlns:p14="http://schemas.microsoft.com/office/powerpoint/2010/main" val="1756908367"/>
-      </p:ext>
-    </p:extLst>
-  </p:cSld>
-  <p:clrMapOvr>
-    <a:masterClrMapping/>
-  </p:clrMapOvr>
-  <mc:AlternateContent xmlns:mc="http://schemas.openxmlformats.org/markup-compatibility/2006" xmlns:p14="http://schemas.microsoft.com/office/powerpoint/2010/main">
-    <mc:Choice Requires="p14">
-      <p:transition p14:dur="150">
-        <p:fade/>
-      </p:transition>
-    </mc:Choice>
-    <mc:Fallback xmlns="">
-      <p:transition>
-        <p:fade/>
-      </p:transition>
-    </mc:Fallback>
-  </mc:AlternateContent>
-  <p:timing>
-    <p:tnLst>
-      <p:par>
-        <p:cTn id="1" dur="indefinite" restart="never" nodeType="tmRoot"/>
-      </p:par>
-    </p:tnLst>
-  </p:timing>
-</p:sld>
-</file>
-
-<file path=ppt/slides/slide14.xml><?xml version="1.0" encoding="utf-8"?>
-<p:sld xmlns:a="http://schemas.openxmlformats.org/drawingml/2006/main" xmlns:r="http://schemas.openxmlformats.org/officeDocument/2006/relationships" xmlns:p="http://schemas.openxmlformats.org/presentationml/2006/main">
-  <p:cSld>
-    <p:spTree>
-      <p:nvGrpSpPr>
-        <p:cNvPr id="1" name=""/>
-        <p:cNvGrpSpPr/>
-        <p:nvPr/>
-      </p:nvGrpSpPr>
-      <p:grpSpPr>
-        <a:xfrm>
-          <a:off x="0" y="0"/>
-          <a:ext cx="0" cy="0"/>
-          <a:chOff x="0" y="0"/>
-          <a:chExt cx="0" cy="0"/>
-        </a:xfrm>
-      </p:grpSpPr>
-      <p:sp>
-        <p:nvSpPr>
-          <p:cNvPr id="2" name="Title 1"/>
-          <p:cNvSpPr>
-            <a:spLocks noGrp="1"/>
-          </p:cNvSpPr>
-          <p:nvPr>
-            <p:ph type="title"/>
-          </p:nvPr>
-        </p:nvSpPr>
-        <p:spPr/>
-        <p:txBody>
-          <a:bodyPr/>
-          <a:lstStyle/>
-          <a:p>
-            <a:r>
-              <a:rPr lang="es-ES_tradnl" dirty="0" smtClean="0"/>
-              <a:t>Modelo de datos</a:t>
-            </a:r>
-            <a:endParaRPr lang="es-ES_tradnl" dirty="0"/>
-          </a:p>
-        </p:txBody>
-      </p:sp>
-      <p:sp>
-        <p:nvSpPr>
-          <p:cNvPr id="3" name="Content Placeholder 2"/>
-          <p:cNvSpPr>
-            <a:spLocks noGrp="1"/>
-          </p:cNvSpPr>
-          <p:nvPr>
-            <p:ph idx="1"/>
-          </p:nvPr>
-        </p:nvSpPr>
-        <p:spPr/>
-        <p:txBody>
-          <a:bodyPr>
-            <a:normAutofit/>
-          </a:bodyPr>
-          <a:lstStyle/>
-          <a:p>
-            <a:pPr>
-              <a:lnSpc>
-                <a:spcPct val="100000"/>
-              </a:lnSpc>
-              <a:spcBef>
-                <a:spcPts val="0"/>
-              </a:spcBef>
-              <a:spcAft>
-                <a:spcPts val="0"/>
-              </a:spcAft>
-              <a:buClrTx/>
-              <a:buSzTx/>
-            </a:pPr>
-            <a:r>
-              <a:rPr lang="es-ES_tradnl" sz="4800" dirty="0" smtClean="0"/>
-              <a:t>2 bases de datos:</a:t>
-            </a:r>
-          </a:p>
-          <a:p>
-            <a:pPr lvl="1">
-              <a:lnSpc>
-                <a:spcPct val="100000"/>
-              </a:lnSpc>
-              <a:spcBef>
-                <a:spcPts val="0"/>
-              </a:spcBef>
-              <a:spcAft>
-                <a:spcPts val="0"/>
-              </a:spcAft>
-              <a:buClrTx/>
-            </a:pPr>
-            <a:r>
-              <a:rPr lang="es-ES_tradnl" sz="4400" dirty="0" smtClean="0"/>
-              <a:t>CMH – 27 tablas.</a:t>
-            </a:r>
-          </a:p>
-          <a:p>
-            <a:pPr lvl="1">
-              <a:lnSpc>
-                <a:spcPct val="100000"/>
-              </a:lnSpc>
-              <a:spcBef>
-                <a:spcPts val="0"/>
-              </a:spcBef>
-              <a:spcAft>
-                <a:spcPts val="0"/>
-              </a:spcAft>
-              <a:buClrTx/>
-            </a:pPr>
-            <a:r>
-              <a:rPr lang="es-ES_tradnl" sz="4400" dirty="0" smtClean="0"/>
-              <a:t>Seguros – 6 tablas.</a:t>
-            </a:r>
-          </a:p>
-          <a:p>
-            <a:pPr>
-              <a:lnSpc>
-                <a:spcPct val="100000"/>
-              </a:lnSpc>
-              <a:spcBef>
-                <a:spcPts val="0"/>
-              </a:spcBef>
-              <a:spcAft>
-                <a:spcPts val="0"/>
-              </a:spcAft>
-              <a:buClrTx/>
-            </a:pPr>
-            <a:endParaRPr lang="es-ES_tradnl" sz="4400" dirty="0" smtClean="0"/>
-          </a:p>
-          <a:p>
-            <a:pPr>
-              <a:lnSpc>
-                <a:spcPct val="100000"/>
-              </a:lnSpc>
-              <a:spcBef>
-                <a:spcPts val="0"/>
-              </a:spcBef>
-              <a:spcAft>
-                <a:spcPts val="0"/>
-              </a:spcAft>
-              <a:buClrTx/>
-            </a:pPr>
-            <a:r>
-              <a:rPr lang="es-ES_tradnl" sz="4400" dirty="0" smtClean="0"/>
-              <a:t>Cubren 100% de los casos de uso.</a:t>
-            </a:r>
-            <a:endParaRPr lang="es-ES_tradnl" sz="4400" dirty="0"/>
-          </a:p>
-        </p:txBody>
-      </p:sp>
-      <p:sp>
-        <p:nvSpPr>
-          <p:cNvPr id="4" name="Slide Number Placeholder 3"/>
-          <p:cNvSpPr>
-            <a:spLocks noGrp="1"/>
-          </p:cNvSpPr>
-          <p:nvPr>
-            <p:ph type="sldNum" sz="quarter" idx="12"/>
-          </p:nvPr>
-        </p:nvSpPr>
-        <p:spPr/>
-        <p:txBody>
-          <a:bodyPr>
-            <a:normAutofit lnSpcReduction="10000"/>
-          </a:bodyPr>
-          <a:lstStyle/>
-          <a:p>
-            <a:fld id="{66B77C49-310C-4D67-A641-7D2CCF3E3B8A}" type="slidenum">
-              <a:rPr lang="es-CL" smtClean="0"/>
-              <a:t>13</a:t>
-            </a:fld>
-            <a:endParaRPr lang="es-CL"/>
-          </a:p>
-        </p:txBody>
-      </p:sp>
-      <p:pic>
-        <p:nvPicPr>
-          <p:cNvPr id="5" name="Picture 2" descr="Resultado de imagen para duoc"/>
-          <p:cNvPicPr>
-            <a:picLocks noChangeAspect="1" noChangeArrowheads="1"/>
-          </p:cNvPicPr>
-          <p:nvPr/>
-        </p:nvPicPr>
-        <p:blipFill rotWithShape="1">
-          <a:blip r:embed="rId2">
-            <a:extLst>
-              <a:ext uri="{28A0092B-C50C-407E-A947-70E740481C1C}">
-                <a14:useLocalDpi xmlns:a14="http://schemas.microsoft.com/office/drawing/2010/main" val="0"/>
-              </a:ext>
-            </a:extLst>
-          </a:blip>
-          <a:srcRect t="13892" r="19022"/>
-          <a:stretch/>
-        </p:blipFill>
-        <p:spPr bwMode="auto">
-          <a:xfrm>
-            <a:off x="9023169" y="378822"/>
-            <a:ext cx="2001883" cy="524910"/>
-          </a:xfrm>
-          <a:prstGeom prst="rect">
-            <a:avLst/>
-          </a:prstGeom>
-          <a:noFill/>
-          <a:extLst>
-            <a:ext uri="{909E8E84-426E-40DD-AFC4-6F175D3DCCD1}">
-              <a14:hiddenFill xmlns:a14="http://schemas.microsoft.com/office/drawing/2010/main">
-                <a:solidFill>
-                  <a:srgbClr val="FFFFFF"/>
-                </a:solidFill>
-              </a14:hiddenFill>
-            </a:ext>
-          </a:extLst>
-        </p:spPr>
-      </p:pic>
-    </p:spTree>
-    <p:extLst>
-      <p:ext uri="{BB962C8B-B14F-4D97-AF65-F5344CB8AC3E}">
-        <p14:creationId xmlns:p14="http://schemas.microsoft.com/office/powerpoint/2010/main" val="489582192"/>
-      </p:ext>
-    </p:extLst>
-  </p:cSld>
-  <p:clrMapOvr>
-    <a:masterClrMapping/>
-  </p:clrMapOvr>
-  <mc:AlternateContent xmlns:mc="http://schemas.openxmlformats.org/markup-compatibility/2006" xmlns:p14="http://schemas.microsoft.com/office/powerpoint/2010/main">
-    <mc:Choice Requires="p14">
-      <p:transition p14:dur="150">
-        <p:fade/>
-      </p:transition>
-    </mc:Choice>
-    <mc:Fallback xmlns="">
-      <p:transition>
-        <p:fade/>
-      </p:transition>
-    </mc:Fallback>
-  </mc:AlternateContent>
-  <p:timing>
-    <p:tnLst>
-      <p:par>
-        <p:cTn id="1" dur="indefinite" restart="never" nodeType="tmRoot"/>
-      </p:par>
-    </p:tnLst>
-  </p:timing>
-</p:sld>
-</file>
-
-<file path=ppt/slides/slide15.xml><?xml version="1.0" encoding="utf-8"?>
-<p:sld xmlns:a="http://schemas.openxmlformats.org/drawingml/2006/main" xmlns:r="http://schemas.openxmlformats.org/officeDocument/2006/relationships" xmlns:p="http://schemas.openxmlformats.org/presentationml/2006/main">
-  <p:cSld>
-    <p:spTree>
-      <p:nvGrpSpPr>
-        <p:cNvPr id="1" name=""/>
-        <p:cNvGrpSpPr/>
-        <p:nvPr/>
-      </p:nvGrpSpPr>
-      <p:grpSpPr>
-        <a:xfrm>
-          <a:off x="0" y="0"/>
-          <a:ext cx="0" cy="0"/>
-          <a:chOff x="0" y="0"/>
-          <a:chExt cx="0" cy="0"/>
-        </a:xfrm>
-      </p:grpSpPr>
-      <p:sp>
-        <p:nvSpPr>
-          <p:cNvPr id="2" name="Title 1"/>
-          <p:cNvSpPr>
-            <a:spLocks noGrp="1"/>
-          </p:cNvSpPr>
-          <p:nvPr>
-            <p:ph type="title"/>
-          </p:nvPr>
-        </p:nvSpPr>
-        <p:spPr/>
-        <p:txBody>
-          <a:bodyPr/>
-          <a:lstStyle/>
-          <a:p>
-            <a:r>
-              <a:rPr lang="es-ES_tradnl" dirty="0" smtClean="0"/>
-              <a:t>Modelo de datos</a:t>
-            </a:r>
-            <a:br>
-              <a:rPr lang="es-ES_tradnl" dirty="0" smtClean="0"/>
-            </a:br>
-            <a:endParaRPr lang="es-ES_tradnl" dirty="0"/>
-          </a:p>
-        </p:txBody>
-      </p:sp>
-      <p:pic>
-        <p:nvPicPr>
-          <p:cNvPr id="5" name="Content Placeholder 4"/>
-          <p:cNvPicPr>
-            <a:picLocks noGrp="1" noChangeAspect="1"/>
-          </p:cNvPicPr>
-          <p:nvPr>
-            <p:ph idx="1"/>
-          </p:nvPr>
-        </p:nvPicPr>
-        <p:blipFill>
-          <a:blip r:embed="rId2" cstate="print">
-            <a:extLst>
-              <a:ext uri="{28A0092B-C50C-407E-A947-70E740481C1C}">
-                <a14:useLocalDpi xmlns:a14="http://schemas.microsoft.com/office/drawing/2010/main" val="0"/>
-              </a:ext>
-            </a:extLst>
-          </a:blip>
-          <a:stretch>
-            <a:fillRect/>
-          </a:stretch>
-        </p:blipFill>
-        <p:spPr>
-          <a:xfrm>
-            <a:off x="2530290" y="1214488"/>
-            <a:ext cx="6341598" cy="4790072"/>
-          </a:xfrm>
-        </p:spPr>
-      </p:pic>
-      <p:sp>
-        <p:nvSpPr>
-          <p:cNvPr id="4" name="Slide Number Placeholder 3"/>
-          <p:cNvSpPr>
-            <a:spLocks noGrp="1"/>
-          </p:cNvSpPr>
-          <p:nvPr>
-            <p:ph type="sldNum" sz="quarter" idx="12"/>
-          </p:nvPr>
-        </p:nvSpPr>
-        <p:spPr/>
-        <p:txBody>
-          <a:bodyPr>
-            <a:normAutofit lnSpcReduction="10000"/>
-          </a:bodyPr>
-          <a:lstStyle/>
-          <a:p>
-            <a:fld id="{66B77C49-310C-4D67-A641-7D2CCF3E3B8A}" type="slidenum">
-              <a:rPr lang="es-CL" smtClean="0"/>
-              <a:t>14</a:t>
-            </a:fld>
-            <a:endParaRPr lang="es-CL"/>
-          </a:p>
-        </p:txBody>
-      </p:sp>
-      <p:sp>
-        <p:nvSpPr>
-          <p:cNvPr id="7" name="TextBox 6"/>
-          <p:cNvSpPr txBox="1"/>
-          <p:nvPr/>
-        </p:nvSpPr>
-        <p:spPr>
-          <a:xfrm>
-            <a:off x="3063988" y="6099730"/>
-            <a:ext cx="3656770" cy="369332"/>
-          </a:xfrm>
-          <a:prstGeom prst="rect">
-            <a:avLst/>
-          </a:prstGeom>
-          <a:noFill/>
-        </p:spPr>
-        <p:txBody>
-          <a:bodyPr wrap="none" rtlCol="0">
-            <a:spAutoFit/>
-          </a:bodyPr>
-          <a:lstStyle/>
-          <a:p>
-            <a:r>
-              <a:rPr lang="es-ES_tradnl" dirty="0" smtClean="0"/>
-              <a:t>Fig. 4: </a:t>
-            </a:r>
-            <a:r>
-              <a:rPr lang="es-ES_tradnl" dirty="0" smtClean="0"/>
-              <a:t>Modelo </a:t>
-            </a:r>
-            <a:r>
-              <a:rPr lang="es-ES_tradnl" dirty="0" smtClean="0"/>
-              <a:t>de datos </a:t>
-            </a:r>
-            <a:r>
-              <a:rPr lang="es-ES_tradnl" dirty="0" smtClean="0"/>
-              <a:t>de </a:t>
-            </a:r>
-            <a:r>
-              <a:rPr lang="es-ES_tradnl" dirty="0" smtClean="0"/>
-              <a:t>CMH.</a:t>
-            </a:r>
-          </a:p>
-        </p:txBody>
-      </p:sp>
-      <p:pic>
-        <p:nvPicPr>
-          <p:cNvPr id="6" name="Picture 2" descr="Resultado de imagen para duoc"/>
-          <p:cNvPicPr>
-            <a:picLocks noChangeAspect="1" noChangeArrowheads="1"/>
-          </p:cNvPicPr>
-          <p:nvPr/>
-        </p:nvPicPr>
-        <p:blipFill rotWithShape="1">
-          <a:blip r:embed="rId3">
-            <a:extLst>
-              <a:ext uri="{28A0092B-C50C-407E-A947-70E740481C1C}">
-                <a14:useLocalDpi xmlns:a14="http://schemas.microsoft.com/office/drawing/2010/main" val="0"/>
-              </a:ext>
-            </a:extLst>
-          </a:blip>
-          <a:srcRect t="13892" r="19022"/>
-          <a:stretch/>
-        </p:blipFill>
-        <p:spPr bwMode="auto">
-          <a:xfrm>
-            <a:off x="9023169" y="378822"/>
-            <a:ext cx="2001883" cy="524910"/>
-          </a:xfrm>
-          <a:prstGeom prst="rect">
-            <a:avLst/>
-          </a:prstGeom>
-          <a:noFill/>
-          <a:extLst>
-            <a:ext uri="{909E8E84-426E-40DD-AFC4-6F175D3DCCD1}">
-              <a14:hiddenFill xmlns:a14="http://schemas.microsoft.com/office/drawing/2010/main">
-                <a:solidFill>
-                  <a:srgbClr val="FFFFFF"/>
-                </a:solidFill>
-              </a14:hiddenFill>
-            </a:ext>
-          </a:extLst>
-        </p:spPr>
-      </p:pic>
-    </p:spTree>
-    <p:extLst>
-      <p:ext uri="{BB962C8B-B14F-4D97-AF65-F5344CB8AC3E}">
-        <p14:creationId xmlns:p14="http://schemas.microsoft.com/office/powerpoint/2010/main" val="809618207"/>
-      </p:ext>
-    </p:extLst>
-  </p:cSld>
-  <p:clrMapOvr>
-    <a:masterClrMapping/>
-  </p:clrMapOvr>
-  <mc:AlternateContent xmlns:mc="http://schemas.openxmlformats.org/markup-compatibility/2006" xmlns:p14="http://schemas.microsoft.com/office/powerpoint/2010/main">
-    <mc:Choice Requires="p14">
-      <p:transition p14:dur="150">
-        <p:fade/>
-      </p:transition>
-    </mc:Choice>
-    <mc:Fallback xmlns="">
-      <p:transition>
-        <p:fade/>
-      </p:transition>
-    </mc:Fallback>
-  </mc:AlternateContent>
-  <p:timing>
-    <p:tnLst>
-      <p:par>
-        <p:cTn id="1" dur="indefinite" restart="never" nodeType="tmRoot"/>
-      </p:par>
-    </p:tnLst>
-  </p:timing>
-</p:sld>
-</file>
-
 <file path=ppt/slides/slide16.xml><?xml version="1.0" encoding="utf-8"?>
 <p:sld xmlns:a="http://schemas.openxmlformats.org/drawingml/2006/main" xmlns:r="http://schemas.openxmlformats.org/officeDocument/2006/relationships" xmlns:p="http://schemas.openxmlformats.org/presentationml/2006/main">
   <p:cSld>
@@ -5865,7 +5773,49 @@
       </p:grpSpPr>
       <p:sp>
         <p:nvSpPr>
-          <p:cNvPr id="4" name="Slide Number Placeholder 3"/>
+          <p:cNvPr id="2" name="Título 1"/>
+          <p:cNvSpPr>
+            <a:spLocks noGrp="1"/>
+          </p:cNvSpPr>
+          <p:nvPr>
+            <p:ph type="title"/>
+          </p:nvPr>
+        </p:nvSpPr>
+        <p:spPr/>
+        <p:txBody>
+          <a:bodyPr/>
+          <a:lstStyle/>
+          <a:p>
+            <a:r>
+              <a:rPr lang="es-ES" dirty="0" smtClean="0"/>
+              <a:t>¿Preguntas?</a:t>
+            </a:r>
+            <a:endParaRPr lang="es-CL" dirty="0"/>
+          </a:p>
+        </p:txBody>
+      </p:sp>
+      <p:sp>
+        <p:nvSpPr>
+          <p:cNvPr id="3" name="Marcador de contenido 2"/>
+          <p:cNvSpPr>
+            <a:spLocks noGrp="1"/>
+          </p:cNvSpPr>
+          <p:nvPr>
+            <p:ph idx="1"/>
+          </p:nvPr>
+        </p:nvSpPr>
+        <p:spPr/>
+        <p:txBody>
+          <a:bodyPr/>
+          <a:lstStyle/>
+          <a:p>
+            <a:endParaRPr lang="es-CL"/>
+          </a:p>
+        </p:txBody>
+      </p:sp>
+      <p:sp>
+        <p:nvSpPr>
+          <p:cNvPr id="4" name="Marcador de número de diapositiva 3"/>
           <p:cNvSpPr>
             <a:spLocks noGrp="1"/>
           </p:cNvSpPr>
@@ -5881,704 +5831,30 @@
           <a:lstStyle/>
           <a:p>
             <a:fld id="{66B77C49-310C-4D67-A641-7D2CCF3E3B8A}" type="slidenum">
-              <a:rPr lang="es-ES_tradnl" smtClean="0"/>
+              <a:rPr lang="es-CL" smtClean="0"/>
               <a:t>15</a:t>
             </a:fld>
-            <a:endParaRPr lang="es-ES_tradnl" dirty="0"/>
-          </a:p>
-        </p:txBody>
-      </p:sp>
-      <p:sp>
-        <p:nvSpPr>
-          <p:cNvPr id="7" name="Title 6"/>
-          <p:cNvSpPr>
-            <a:spLocks noGrp="1"/>
-          </p:cNvSpPr>
-          <p:nvPr>
-            <p:ph type="title"/>
-          </p:nvPr>
-        </p:nvSpPr>
-        <p:spPr/>
-        <p:txBody>
-          <a:bodyPr/>
-          <a:lstStyle/>
-          <a:p>
-            <a:r>
-              <a:rPr lang="es-ES_tradnl" dirty="0" smtClean="0"/>
-              <a:t>Modelo de datos</a:t>
-            </a:r>
-            <a:endParaRPr lang="es-ES_tradnl" dirty="0"/>
-          </a:p>
-        </p:txBody>
-      </p:sp>
-      <p:pic>
-        <p:nvPicPr>
-          <p:cNvPr id="8" name="Picture 7"/>
-          <p:cNvPicPr>
-            <a:picLocks noChangeAspect="1"/>
-          </p:cNvPicPr>
-          <p:nvPr/>
-        </p:nvPicPr>
-        <p:blipFill>
-          <a:blip r:embed="rId2">
-            <a:extLst>
-              <a:ext uri="{28A0092B-C50C-407E-A947-70E740481C1C}">
-                <a14:useLocalDpi xmlns:a14="http://schemas.microsoft.com/office/drawing/2010/main" val="0"/>
-              </a:ext>
-            </a:extLst>
-          </a:blip>
-          <a:stretch>
-            <a:fillRect/>
-          </a:stretch>
-        </p:blipFill>
-        <p:spPr>
-          <a:xfrm>
-            <a:off x="2326132" y="1909259"/>
-            <a:ext cx="7073900" cy="4019604"/>
-          </a:xfrm>
-          <a:prstGeom prst="rect">
-            <a:avLst/>
-          </a:prstGeom>
-        </p:spPr>
-      </p:pic>
-      <p:sp>
-        <p:nvSpPr>
-          <p:cNvPr id="2" name="TextBox 1"/>
-          <p:cNvSpPr txBox="1"/>
-          <p:nvPr/>
-        </p:nvSpPr>
-        <p:spPr>
-          <a:xfrm>
-            <a:off x="3119120" y="6099730"/>
-            <a:ext cx="5767926" cy="369332"/>
-          </a:xfrm>
-          <a:prstGeom prst="rect">
-            <a:avLst/>
-          </a:prstGeom>
-          <a:noFill/>
-        </p:spPr>
-        <p:txBody>
-          <a:bodyPr wrap="none" rtlCol="0">
-            <a:spAutoFit/>
-          </a:bodyPr>
-          <a:lstStyle/>
-          <a:p>
-            <a:r>
-              <a:rPr lang="es-ES_tradnl" dirty="0" smtClean="0"/>
-              <a:t>Fig. 5: Modelo de datos del web service aseguradora.</a:t>
-            </a:r>
-            <a:endParaRPr lang="es-ES_tradnl" dirty="0"/>
-          </a:p>
-        </p:txBody>
-      </p:sp>
-      <p:pic>
-        <p:nvPicPr>
-          <p:cNvPr id="6" name="Picture 2" descr="Resultado de imagen para duoc"/>
-          <p:cNvPicPr>
-            <a:picLocks noChangeAspect="1" noChangeArrowheads="1"/>
-          </p:cNvPicPr>
-          <p:nvPr/>
-        </p:nvPicPr>
-        <p:blipFill rotWithShape="1">
-          <a:blip r:embed="rId3">
-            <a:extLst>
-              <a:ext uri="{28A0092B-C50C-407E-A947-70E740481C1C}">
-                <a14:useLocalDpi xmlns:a14="http://schemas.microsoft.com/office/drawing/2010/main" val="0"/>
-              </a:ext>
-            </a:extLst>
-          </a:blip>
-          <a:srcRect t="13892" r="19022"/>
-          <a:stretch/>
-        </p:blipFill>
-        <p:spPr bwMode="auto">
-          <a:xfrm>
-            <a:off x="9023169" y="378822"/>
-            <a:ext cx="2001883" cy="524910"/>
-          </a:xfrm>
-          <a:prstGeom prst="rect">
-            <a:avLst/>
-          </a:prstGeom>
-          <a:noFill/>
-          <a:extLst>
-            <a:ext uri="{909E8E84-426E-40DD-AFC4-6F175D3DCCD1}">
-              <a14:hiddenFill xmlns:a14="http://schemas.microsoft.com/office/drawing/2010/main">
-                <a:solidFill>
-                  <a:srgbClr val="FFFFFF"/>
-                </a:solidFill>
-              </a14:hiddenFill>
-            </a:ext>
-          </a:extLst>
-        </p:spPr>
-      </p:pic>
+            <a:endParaRPr lang="es-CL"/>
+          </a:p>
+        </p:txBody>
+      </p:sp>
     </p:spTree>
     <p:extLst>
       <p:ext uri="{BB962C8B-B14F-4D97-AF65-F5344CB8AC3E}">
-        <p14:creationId xmlns:p14="http://schemas.microsoft.com/office/powerpoint/2010/main" val="1806307383"/>
+        <p14:creationId xmlns:p14="http://schemas.microsoft.com/office/powerpoint/2010/main" val="1815064936"/>
       </p:ext>
     </p:extLst>
   </p:cSld>
   <p:clrMapOvr>
     <a:masterClrMapping/>
   </p:clrMapOvr>
-  <mc:AlternateContent xmlns:mc="http://schemas.openxmlformats.org/markup-compatibility/2006" xmlns:p14="http://schemas.microsoft.com/office/powerpoint/2010/main">
-    <mc:Choice Requires="p14">
+  <mc:AlternateContent xmlns:mc="http://schemas.openxmlformats.org/markup-compatibility/2006">
+    <mc:Choice xmlns:p14="http://schemas.microsoft.com/office/powerpoint/2010/main" Requires="p14">
       <p:transition p14:dur="150">
         <p:fade/>
       </p:transition>
     </mc:Choice>
-    <mc:Fallback xmlns="">
-      <p:transition>
-        <p:fade/>
-      </p:transition>
-    </mc:Fallback>
-  </mc:AlternateContent>
-  <p:timing>
-    <p:tnLst>
-      <p:par>
-        <p:cTn id="1" dur="indefinite" restart="never" nodeType="tmRoot"/>
-      </p:par>
-    </p:tnLst>
-  </p:timing>
-</p:sld>
-</file>
-
-<file path=ppt/slides/slide17.xml><?xml version="1.0" encoding="utf-8"?>
-<p:sld xmlns:a="http://schemas.openxmlformats.org/drawingml/2006/main" xmlns:r="http://schemas.openxmlformats.org/officeDocument/2006/relationships" xmlns:p="http://schemas.openxmlformats.org/presentationml/2006/main">
-  <p:cSld>
-    <p:spTree>
-      <p:nvGrpSpPr>
-        <p:cNvPr id="1" name=""/>
-        <p:cNvGrpSpPr/>
-        <p:nvPr/>
-      </p:nvGrpSpPr>
-      <p:grpSpPr>
-        <a:xfrm>
-          <a:off x="0" y="0"/>
-          <a:ext cx="0" cy="0"/>
-          <a:chOff x="0" y="0"/>
-          <a:chExt cx="0" cy="0"/>
-        </a:xfrm>
-      </p:grpSpPr>
-      <p:sp>
-        <p:nvSpPr>
-          <p:cNvPr id="2" name="Title 1"/>
-          <p:cNvSpPr>
-            <a:spLocks noGrp="1"/>
-          </p:cNvSpPr>
-          <p:nvPr>
-            <p:ph type="title"/>
-          </p:nvPr>
-        </p:nvSpPr>
-        <p:spPr/>
-        <p:txBody>
-          <a:bodyPr/>
-          <a:lstStyle/>
-          <a:p>
-            <a:r>
-              <a:rPr lang="es-ES_tradnl" dirty="0" smtClean="0"/>
-              <a:t>Capa de negocio: terminal</a:t>
-            </a:r>
-            <a:endParaRPr lang="es-ES_tradnl" dirty="0"/>
-          </a:p>
-        </p:txBody>
-      </p:sp>
-      <p:sp>
-        <p:nvSpPr>
-          <p:cNvPr id="3" name="Content Placeholder 2"/>
-          <p:cNvSpPr>
-            <a:spLocks noGrp="1"/>
-          </p:cNvSpPr>
-          <p:nvPr>
-            <p:ph idx="1"/>
-          </p:nvPr>
-        </p:nvSpPr>
-        <p:spPr/>
-        <p:txBody>
-          <a:bodyPr>
-            <a:noAutofit/>
-          </a:bodyPr>
-          <a:lstStyle/>
-          <a:p>
-            <a:r>
-              <a:rPr lang="es-ES_tradnl" sz="3600" dirty="0" smtClean="0"/>
-              <a:t>Actualmente en proceso.</a:t>
-            </a:r>
-          </a:p>
-          <a:p>
-            <a:r>
-              <a:rPr lang="es-ES_tradnl" sz="3600" dirty="0" smtClean="0"/>
-              <a:t>50% de las funcionalidades implementadas.</a:t>
-            </a:r>
-          </a:p>
-          <a:p>
-            <a:r>
-              <a:rPr lang="es-ES_tradnl" sz="3600" dirty="0" smtClean="0"/>
-              <a:t>22 tests unitarios, con cobertura de 68% del código.</a:t>
-            </a:r>
-          </a:p>
-          <a:p>
-            <a:r>
-              <a:rPr lang="es-ES_tradnl" sz="3600" dirty="0" smtClean="0"/>
-              <a:t>El test unitario promedio tiene 2,5 casos de prueba.</a:t>
-            </a:r>
-          </a:p>
-          <a:p>
-            <a:endParaRPr lang="es-ES_tradnl" sz="3600" dirty="0"/>
-          </a:p>
-        </p:txBody>
-      </p:sp>
-      <p:sp>
-        <p:nvSpPr>
-          <p:cNvPr id="4" name="Slide Number Placeholder 3"/>
-          <p:cNvSpPr>
-            <a:spLocks noGrp="1"/>
-          </p:cNvSpPr>
-          <p:nvPr>
-            <p:ph type="sldNum" sz="quarter" idx="12"/>
-          </p:nvPr>
-        </p:nvSpPr>
-        <p:spPr/>
-        <p:txBody>
-          <a:bodyPr>
-            <a:normAutofit lnSpcReduction="10000"/>
-          </a:bodyPr>
-          <a:lstStyle/>
-          <a:p>
-            <a:fld id="{66B77C49-310C-4D67-A641-7D2CCF3E3B8A}" type="slidenum">
-              <a:rPr lang="es-ES_tradnl" smtClean="0"/>
-              <a:t>16</a:t>
-            </a:fld>
-            <a:endParaRPr lang="es-ES_tradnl" dirty="0"/>
-          </a:p>
-        </p:txBody>
-      </p:sp>
-      <p:pic>
-        <p:nvPicPr>
-          <p:cNvPr id="5" name="Picture 2" descr="Resultado de imagen para duoc"/>
-          <p:cNvPicPr>
-            <a:picLocks noChangeAspect="1" noChangeArrowheads="1"/>
-          </p:cNvPicPr>
-          <p:nvPr/>
-        </p:nvPicPr>
-        <p:blipFill rotWithShape="1">
-          <a:blip r:embed="rId2">
-            <a:extLst>
-              <a:ext uri="{28A0092B-C50C-407E-A947-70E740481C1C}">
-                <a14:useLocalDpi xmlns:a14="http://schemas.microsoft.com/office/drawing/2010/main" val="0"/>
-              </a:ext>
-            </a:extLst>
-          </a:blip>
-          <a:srcRect t="13892" r="19022"/>
-          <a:stretch/>
-        </p:blipFill>
-        <p:spPr bwMode="auto">
-          <a:xfrm>
-            <a:off x="9023169" y="378822"/>
-            <a:ext cx="2001883" cy="524910"/>
-          </a:xfrm>
-          <a:prstGeom prst="rect">
-            <a:avLst/>
-          </a:prstGeom>
-          <a:noFill/>
-          <a:extLst>
-            <a:ext uri="{909E8E84-426E-40DD-AFC4-6F175D3DCCD1}">
-              <a14:hiddenFill xmlns:a14="http://schemas.microsoft.com/office/drawing/2010/main">
-                <a:solidFill>
-                  <a:srgbClr val="FFFFFF"/>
-                </a:solidFill>
-              </a14:hiddenFill>
-            </a:ext>
-          </a:extLst>
-        </p:spPr>
-      </p:pic>
-    </p:spTree>
-    <p:extLst>
-      <p:ext uri="{BB962C8B-B14F-4D97-AF65-F5344CB8AC3E}">
-        <p14:creationId xmlns:p14="http://schemas.microsoft.com/office/powerpoint/2010/main" val="1990954893"/>
-      </p:ext>
-    </p:extLst>
-  </p:cSld>
-  <p:clrMapOvr>
-    <a:masterClrMapping/>
-  </p:clrMapOvr>
-  <mc:AlternateContent xmlns:mc="http://schemas.openxmlformats.org/markup-compatibility/2006" xmlns:p14="http://schemas.microsoft.com/office/powerpoint/2010/main">
-    <mc:Choice Requires="p14">
-      <p:transition p14:dur="150">
-        <p:fade/>
-      </p:transition>
-    </mc:Choice>
-    <mc:Fallback xmlns="">
-      <p:transition>
-        <p:fade/>
-      </p:transition>
-    </mc:Fallback>
-  </mc:AlternateContent>
-  <p:timing>
-    <p:tnLst>
-      <p:par>
-        <p:cTn id="1" dur="indefinite" restart="never" nodeType="tmRoot"/>
-      </p:par>
-    </p:tnLst>
-  </p:timing>
-</p:sld>
-</file>
-
-<file path=ppt/slides/slide18.xml><?xml version="1.0" encoding="utf-8"?>
-<p:sld xmlns:a="http://schemas.openxmlformats.org/drawingml/2006/main" xmlns:r="http://schemas.openxmlformats.org/officeDocument/2006/relationships" xmlns:p="http://schemas.openxmlformats.org/presentationml/2006/main">
-  <p:cSld>
-    <p:spTree>
-      <p:nvGrpSpPr>
-        <p:cNvPr id="1" name=""/>
-        <p:cNvGrpSpPr/>
-        <p:nvPr/>
-      </p:nvGrpSpPr>
-      <p:grpSpPr>
-        <a:xfrm>
-          <a:off x="0" y="0"/>
-          <a:ext cx="0" cy="0"/>
-          <a:chOff x="0" y="0"/>
-          <a:chExt cx="0" cy="0"/>
-        </a:xfrm>
-      </p:grpSpPr>
-      <p:sp>
-        <p:nvSpPr>
-          <p:cNvPr id="2" name="Title 1"/>
-          <p:cNvSpPr>
-            <a:spLocks noGrp="1"/>
-          </p:cNvSpPr>
-          <p:nvPr>
-            <p:ph type="title"/>
-          </p:nvPr>
-        </p:nvSpPr>
-        <p:spPr/>
-        <p:txBody>
-          <a:bodyPr/>
-          <a:lstStyle/>
-          <a:p>
-            <a:r>
-              <a:rPr lang="en-US" dirty="0" smtClean="0"/>
-              <a:t>Capa de negocio: web</a:t>
-            </a:r>
-            <a:endParaRPr lang="en-US" dirty="0"/>
-          </a:p>
-        </p:txBody>
-      </p:sp>
-      <p:sp>
-        <p:nvSpPr>
-          <p:cNvPr id="3" name="Content Placeholder 2"/>
-          <p:cNvSpPr>
-            <a:spLocks noGrp="1"/>
-          </p:cNvSpPr>
-          <p:nvPr>
-            <p:ph idx="1"/>
-          </p:nvPr>
-        </p:nvSpPr>
-        <p:spPr/>
-        <p:txBody>
-          <a:bodyPr>
-            <a:normAutofit/>
-          </a:bodyPr>
-          <a:lstStyle/>
-          <a:p>
-            <a:r>
-              <a:rPr lang="es-ES_tradnl" sz="4000" dirty="0" smtClean="0"/>
-              <a:t>3 clases.</a:t>
-            </a:r>
-          </a:p>
-          <a:p>
-            <a:r>
-              <a:rPr lang="es-ES_tradnl" sz="4000" dirty="0" smtClean="0"/>
-              <a:t>100% de los </a:t>
-            </a:r>
-            <a:r>
-              <a:rPr lang="es-ES_tradnl" sz="4000" dirty="0" err="1" smtClean="0"/>
-              <a:t>tests</a:t>
-            </a:r>
-            <a:r>
-              <a:rPr lang="es-ES_tradnl" sz="4000" dirty="0" smtClean="0"/>
-              <a:t> pasando.</a:t>
-            </a:r>
-          </a:p>
-          <a:p>
-            <a:r>
-              <a:rPr lang="es-ES_tradnl" sz="4000" dirty="0" smtClean="0"/>
-              <a:t>Promedio de 3 casos de prueba por test.</a:t>
-            </a:r>
-            <a:endParaRPr lang="es-ES_tradnl" sz="4000" dirty="0"/>
-          </a:p>
-        </p:txBody>
-      </p:sp>
-      <p:sp>
-        <p:nvSpPr>
-          <p:cNvPr id="4" name="Slide Number Placeholder 3"/>
-          <p:cNvSpPr>
-            <a:spLocks noGrp="1"/>
-          </p:cNvSpPr>
-          <p:nvPr>
-            <p:ph type="sldNum" sz="quarter" idx="12"/>
-          </p:nvPr>
-        </p:nvSpPr>
-        <p:spPr/>
-        <p:txBody>
-          <a:bodyPr>
-            <a:normAutofit lnSpcReduction="10000"/>
-          </a:bodyPr>
-          <a:lstStyle/>
-          <a:p>
-            <a:fld id="{66B77C49-310C-4D67-A641-7D2CCF3E3B8A}" type="slidenum">
-              <a:rPr lang="es-CL" smtClean="0"/>
-              <a:t>17</a:t>
-            </a:fld>
-            <a:endParaRPr lang="es-CL"/>
-          </a:p>
-        </p:txBody>
-      </p:sp>
-      <p:pic>
-        <p:nvPicPr>
-          <p:cNvPr id="5" name="Picture 2" descr="Resultado de imagen para duoc"/>
-          <p:cNvPicPr>
-            <a:picLocks noChangeAspect="1" noChangeArrowheads="1"/>
-          </p:cNvPicPr>
-          <p:nvPr/>
-        </p:nvPicPr>
-        <p:blipFill rotWithShape="1">
-          <a:blip r:embed="rId2">
-            <a:extLst>
-              <a:ext uri="{28A0092B-C50C-407E-A947-70E740481C1C}">
-                <a14:useLocalDpi xmlns:a14="http://schemas.microsoft.com/office/drawing/2010/main" val="0"/>
-              </a:ext>
-            </a:extLst>
-          </a:blip>
-          <a:srcRect t="13892" r="19022"/>
-          <a:stretch/>
-        </p:blipFill>
-        <p:spPr bwMode="auto">
-          <a:xfrm>
-            <a:off x="9023169" y="378822"/>
-            <a:ext cx="2001883" cy="524910"/>
-          </a:xfrm>
-          <a:prstGeom prst="rect">
-            <a:avLst/>
-          </a:prstGeom>
-          <a:noFill/>
-          <a:extLst>
-            <a:ext uri="{909E8E84-426E-40DD-AFC4-6F175D3DCCD1}">
-              <a14:hiddenFill xmlns:a14="http://schemas.microsoft.com/office/drawing/2010/main">
-                <a:solidFill>
-                  <a:srgbClr val="FFFFFF"/>
-                </a:solidFill>
-              </a14:hiddenFill>
-            </a:ext>
-          </a:extLst>
-        </p:spPr>
-      </p:pic>
-    </p:spTree>
-    <p:extLst>
-      <p:ext uri="{BB962C8B-B14F-4D97-AF65-F5344CB8AC3E}">
-        <p14:creationId xmlns:p14="http://schemas.microsoft.com/office/powerpoint/2010/main" val="1395784782"/>
-      </p:ext>
-    </p:extLst>
-  </p:cSld>
-  <p:clrMapOvr>
-    <a:masterClrMapping/>
-  </p:clrMapOvr>
-  <mc:AlternateContent xmlns:mc="http://schemas.openxmlformats.org/markup-compatibility/2006" xmlns:p14="http://schemas.microsoft.com/office/powerpoint/2010/main">
-    <mc:Choice Requires="p14">
-      <p:transition p14:dur="150">
-        <p:fade/>
-      </p:transition>
-    </mc:Choice>
-    <mc:Fallback xmlns="">
-      <p:transition>
-        <p:fade/>
-      </p:transition>
-    </mc:Fallback>
-  </mc:AlternateContent>
-  <p:timing>
-    <p:tnLst>
-      <p:par>
-        <p:cTn id="1" dur="indefinite" restart="never" nodeType="tmRoot"/>
-      </p:par>
-    </p:tnLst>
-  </p:timing>
-</p:sld>
-</file>
-
-<file path=ppt/slides/slide19.xml><?xml version="1.0" encoding="utf-8"?>
-<p:sld xmlns:a="http://schemas.openxmlformats.org/drawingml/2006/main" xmlns:r="http://schemas.openxmlformats.org/officeDocument/2006/relationships" xmlns:p="http://schemas.openxmlformats.org/presentationml/2006/main">
-  <p:cSld>
-    <p:spTree>
-      <p:nvGrpSpPr>
-        <p:cNvPr id="1" name=""/>
-        <p:cNvGrpSpPr/>
-        <p:nvPr/>
-      </p:nvGrpSpPr>
-      <p:grpSpPr>
-        <a:xfrm>
-          <a:off x="0" y="0"/>
-          <a:ext cx="0" cy="0"/>
-          <a:chOff x="0" y="0"/>
-          <a:chExt cx="0" cy="0"/>
-        </a:xfrm>
-      </p:grpSpPr>
-      <p:sp>
-        <p:nvSpPr>
-          <p:cNvPr id="4" name="Slide Number Placeholder 3"/>
-          <p:cNvSpPr>
-            <a:spLocks noGrp="1"/>
-          </p:cNvSpPr>
-          <p:nvPr>
-            <p:ph type="sldNum" sz="quarter" idx="12"/>
-          </p:nvPr>
-        </p:nvSpPr>
-        <p:spPr/>
-        <p:txBody>
-          <a:bodyPr>
-            <a:normAutofit lnSpcReduction="10000"/>
-          </a:bodyPr>
-          <a:lstStyle/>
-          <a:p>
-            <a:fld id="{66B77C49-310C-4D67-A641-7D2CCF3E3B8A}" type="slidenum">
-              <a:rPr lang="es-ES_tradnl" smtClean="0"/>
-              <a:t>18</a:t>
-            </a:fld>
-            <a:endParaRPr lang="es-ES_tradnl" dirty="0"/>
-          </a:p>
-        </p:txBody>
-      </p:sp>
-      <p:sp>
-        <p:nvSpPr>
-          <p:cNvPr id="7" name="Title 6"/>
-          <p:cNvSpPr>
-            <a:spLocks noGrp="1"/>
-          </p:cNvSpPr>
-          <p:nvPr>
-            <p:ph type="title"/>
-          </p:nvPr>
-        </p:nvSpPr>
-        <p:spPr/>
-        <p:txBody>
-          <a:bodyPr/>
-          <a:lstStyle/>
-          <a:p>
-            <a:r>
-              <a:rPr lang="es-ES_tradnl" dirty="0" smtClean="0"/>
-              <a:t>Carta Gantt</a:t>
-            </a:r>
-            <a:endParaRPr lang="es-ES_tradnl" dirty="0"/>
-          </a:p>
-        </p:txBody>
-      </p:sp>
-      <p:sp>
-        <p:nvSpPr>
-          <p:cNvPr id="2" name="TextBox 1"/>
-          <p:cNvSpPr txBox="1"/>
-          <p:nvPr/>
-        </p:nvSpPr>
-        <p:spPr>
-          <a:xfrm>
-            <a:off x="3119120" y="6099730"/>
-            <a:ext cx="5307992" cy="369332"/>
-          </a:xfrm>
-          <a:prstGeom prst="rect">
-            <a:avLst/>
-          </a:prstGeom>
-          <a:noFill/>
-        </p:spPr>
-        <p:txBody>
-          <a:bodyPr wrap="none" rtlCol="0">
-            <a:spAutoFit/>
-          </a:bodyPr>
-          <a:lstStyle/>
-          <a:p>
-            <a:r>
-              <a:rPr lang="es-ES_tradnl" dirty="0" smtClean="0"/>
-              <a:t>Fig. 6: Tareas de la iteración 2 basada en Gantt.</a:t>
-            </a:r>
-            <a:endParaRPr lang="es-ES_tradnl" dirty="0"/>
-          </a:p>
-        </p:txBody>
-      </p:sp>
-      <p:pic>
-        <p:nvPicPr>
-          <p:cNvPr id="6" name="Picture 2" descr="Resultado de imagen para duoc"/>
-          <p:cNvPicPr>
-            <a:picLocks noChangeAspect="1" noChangeArrowheads="1"/>
-          </p:cNvPicPr>
-          <p:nvPr/>
-        </p:nvPicPr>
-        <p:blipFill rotWithShape="1">
-          <a:blip r:embed="rId2">
-            <a:extLst>
-              <a:ext uri="{28A0092B-C50C-407E-A947-70E740481C1C}">
-                <a14:useLocalDpi xmlns:a14="http://schemas.microsoft.com/office/drawing/2010/main" val="0"/>
-              </a:ext>
-            </a:extLst>
-          </a:blip>
-          <a:srcRect t="13892" r="19022"/>
-          <a:stretch/>
-        </p:blipFill>
-        <p:spPr bwMode="auto">
-          <a:xfrm>
-            <a:off x="9023169" y="378822"/>
-            <a:ext cx="2001883" cy="524910"/>
-          </a:xfrm>
-          <a:prstGeom prst="rect">
-            <a:avLst/>
-          </a:prstGeom>
-          <a:noFill/>
-          <a:extLst>
-            <a:ext uri="{909E8E84-426E-40DD-AFC4-6F175D3DCCD1}">
-              <a14:hiddenFill xmlns:a14="http://schemas.microsoft.com/office/drawing/2010/main">
-                <a:solidFill>
-                  <a:srgbClr val="FFFFFF"/>
-                </a:solidFill>
-              </a14:hiddenFill>
-            </a:ext>
-          </a:extLst>
-        </p:spPr>
-      </p:pic>
-      <p:pic>
-        <p:nvPicPr>
-          <p:cNvPr id="5" name="Imagen 4"/>
-          <p:cNvPicPr>
-            <a:picLocks noChangeAspect="1"/>
-          </p:cNvPicPr>
-          <p:nvPr/>
-        </p:nvPicPr>
-        <p:blipFill>
-          <a:blip r:embed="rId3"/>
-          <a:stretch>
-            <a:fillRect/>
-          </a:stretch>
-        </p:blipFill>
-        <p:spPr>
-          <a:xfrm>
-            <a:off x="1014412" y="1756801"/>
-            <a:ext cx="10163175" cy="4305300"/>
-          </a:xfrm>
-          <a:prstGeom prst="rect">
-            <a:avLst/>
-          </a:prstGeom>
-        </p:spPr>
-      </p:pic>
-    </p:spTree>
-    <p:extLst>
-      <p:ext uri="{BB962C8B-B14F-4D97-AF65-F5344CB8AC3E}">
-        <p14:creationId xmlns:p14="http://schemas.microsoft.com/office/powerpoint/2010/main" val="1779633948"/>
-      </p:ext>
-    </p:extLst>
-  </p:cSld>
-  <p:clrMapOvr>
-    <a:masterClrMapping/>
-  </p:clrMapOvr>
-  <mc:AlternateContent xmlns:mc="http://schemas.openxmlformats.org/markup-compatibility/2006" xmlns:p14="http://schemas.microsoft.com/office/powerpoint/2010/main">
-    <mc:Choice Requires="p14">
-      <p:transition p14:dur="150">
-        <p:fade/>
-      </p:transition>
-    </mc:Choice>
-    <mc:Fallback xmlns="">
+    <mc:Fallback>
       <p:transition>
         <p:fade/>
       </p:transition>
@@ -6653,26 +5929,32 @@
           <a:p>
             <a:r>
               <a:rPr lang="es-ES_tradnl" sz="3200" dirty="0" smtClean="0"/>
+              <a:t>Carta Gantt</a:t>
+            </a:r>
+          </a:p>
+          <a:p>
+            <a:r>
+              <a:rPr lang="es-ES_tradnl" sz="3200" dirty="0" smtClean="0"/>
               <a:t>Arquitectura</a:t>
             </a:r>
           </a:p>
           <a:p>
             <a:r>
+              <a:rPr lang="es-ES_tradnl" sz="3200" dirty="0"/>
+              <a:t>Modelo de datos</a:t>
+            </a:r>
+            <a:endParaRPr lang="es-ES_tradnl" sz="3200" dirty="0" smtClean="0"/>
+          </a:p>
+          <a:p>
+            <a:r>
               <a:rPr lang="es-ES_tradnl" sz="3200" dirty="0" smtClean="0"/>
-              <a:t>Matrices de trazabilidad</a:t>
-            </a:r>
-          </a:p>
-          <a:p>
+              <a:t>Modelo de </a:t>
+            </a:r>
             <a:r>
               <a:rPr lang="es-ES_tradnl" sz="3200" dirty="0" smtClean="0"/>
-              <a:t>Modelo de clases</a:t>
-            </a:r>
-          </a:p>
-          <a:p>
-            <a:r>
-              <a:rPr lang="es-ES_tradnl" sz="3200" dirty="0" smtClean="0"/>
-              <a:t>Modelo de datos</a:t>
-            </a:r>
+              <a:t>clases</a:t>
+            </a:r>
+            <a:endParaRPr lang="es-ES_tradnl" sz="3200" dirty="0" smtClean="0"/>
           </a:p>
           <a:p>
             <a:r>
@@ -6688,8 +5970,12 @@
           </a:p>
           <a:p>
             <a:r>
+              <a:rPr lang="es-ES_tradnl" sz="3200" dirty="0"/>
+              <a:t>Matrices de </a:t>
+            </a:r>
+            <a:r>
               <a:rPr lang="es-ES_tradnl" sz="3200" dirty="0" smtClean="0"/>
-              <a:t>Carta Gantt</a:t>
+              <a:t>trazabilidad</a:t>
             </a:r>
             <a:endParaRPr lang="es-ES_tradnl" sz="3200" dirty="0"/>
           </a:p>
@@ -6810,6 +6096,374 @@
       </p:grpSpPr>
       <p:sp>
         <p:nvSpPr>
+          <p:cNvPr id="4" name="Slide Number Placeholder 3"/>
+          <p:cNvSpPr>
+            <a:spLocks noGrp="1"/>
+          </p:cNvSpPr>
+          <p:nvPr>
+            <p:ph type="sldNum" sz="quarter" idx="12"/>
+          </p:nvPr>
+        </p:nvSpPr>
+        <p:spPr/>
+        <p:txBody>
+          <a:bodyPr>
+            <a:normAutofit lnSpcReduction="10000"/>
+          </a:bodyPr>
+          <a:lstStyle/>
+          <a:p>
+            <a:fld id="{66B77C49-310C-4D67-A641-7D2CCF3E3B8A}" type="slidenum">
+              <a:rPr lang="es-ES_tradnl" smtClean="0"/>
+              <a:t>2</a:t>
+            </a:fld>
+            <a:endParaRPr lang="es-ES_tradnl" dirty="0"/>
+          </a:p>
+        </p:txBody>
+      </p:sp>
+      <p:sp>
+        <p:nvSpPr>
+          <p:cNvPr id="7" name="Title 6"/>
+          <p:cNvSpPr>
+            <a:spLocks noGrp="1"/>
+          </p:cNvSpPr>
+          <p:nvPr>
+            <p:ph type="title"/>
+          </p:nvPr>
+        </p:nvSpPr>
+        <p:spPr/>
+        <p:txBody>
+          <a:bodyPr/>
+          <a:lstStyle/>
+          <a:p>
+            <a:r>
+              <a:rPr lang="es-ES_tradnl" dirty="0" smtClean="0"/>
+              <a:t>Carta Gantt</a:t>
+            </a:r>
+            <a:endParaRPr lang="es-ES_tradnl" dirty="0"/>
+          </a:p>
+        </p:txBody>
+      </p:sp>
+      <p:sp>
+        <p:nvSpPr>
+          <p:cNvPr id="2" name="TextBox 1"/>
+          <p:cNvSpPr txBox="1"/>
+          <p:nvPr/>
+        </p:nvSpPr>
+        <p:spPr>
+          <a:xfrm>
+            <a:off x="3119120" y="6099730"/>
+            <a:ext cx="5307992" cy="369332"/>
+          </a:xfrm>
+          <a:prstGeom prst="rect">
+            <a:avLst/>
+          </a:prstGeom>
+          <a:noFill/>
+        </p:spPr>
+        <p:txBody>
+          <a:bodyPr wrap="none" rtlCol="0">
+            <a:spAutoFit/>
+          </a:bodyPr>
+          <a:lstStyle/>
+          <a:p>
+            <a:r>
+              <a:rPr lang="es-ES_tradnl" dirty="0" smtClean="0"/>
+              <a:t>Fig. </a:t>
+            </a:r>
+            <a:r>
+              <a:rPr lang="es-ES_tradnl" dirty="0" smtClean="0"/>
+              <a:t>1: </a:t>
+            </a:r>
+            <a:r>
+              <a:rPr lang="es-ES_tradnl" dirty="0" smtClean="0"/>
+              <a:t>Tareas de la iteración 2 basada en Gantt.</a:t>
+            </a:r>
+            <a:endParaRPr lang="es-ES_tradnl" dirty="0"/>
+          </a:p>
+        </p:txBody>
+      </p:sp>
+      <p:pic>
+        <p:nvPicPr>
+          <p:cNvPr id="6" name="Picture 2" descr="Resultado de imagen para duoc"/>
+          <p:cNvPicPr>
+            <a:picLocks noChangeAspect="1" noChangeArrowheads="1"/>
+          </p:cNvPicPr>
+          <p:nvPr/>
+        </p:nvPicPr>
+        <p:blipFill rotWithShape="1">
+          <a:blip r:embed="rId2">
+            <a:extLst>
+              <a:ext uri="{28A0092B-C50C-407E-A947-70E740481C1C}">
+                <a14:useLocalDpi xmlns:a14="http://schemas.microsoft.com/office/drawing/2010/main" val="0"/>
+              </a:ext>
+            </a:extLst>
+          </a:blip>
+          <a:srcRect t="13892" r="19022"/>
+          <a:stretch/>
+        </p:blipFill>
+        <p:spPr bwMode="auto">
+          <a:xfrm>
+            <a:off x="9023169" y="378822"/>
+            <a:ext cx="2001883" cy="524910"/>
+          </a:xfrm>
+          <a:prstGeom prst="rect">
+            <a:avLst/>
+          </a:prstGeom>
+          <a:noFill/>
+          <a:extLst>
+            <a:ext uri="{909E8E84-426E-40DD-AFC4-6F175D3DCCD1}">
+              <a14:hiddenFill xmlns:a14="http://schemas.microsoft.com/office/drawing/2010/main">
+                <a:solidFill>
+                  <a:srgbClr val="FFFFFF"/>
+                </a:solidFill>
+              </a14:hiddenFill>
+            </a:ext>
+          </a:extLst>
+        </p:spPr>
+      </p:pic>
+      <p:pic>
+        <p:nvPicPr>
+          <p:cNvPr id="5" name="Imagen 4"/>
+          <p:cNvPicPr>
+            <a:picLocks noChangeAspect="1"/>
+          </p:cNvPicPr>
+          <p:nvPr/>
+        </p:nvPicPr>
+        <p:blipFill rotWithShape="1">
+          <a:blip r:embed="rId3"/>
+          <a:srcRect t="7301"/>
+          <a:stretch/>
+        </p:blipFill>
+        <p:spPr>
+          <a:xfrm>
+            <a:off x="2321169" y="1927274"/>
+            <a:ext cx="6513342" cy="4058761"/>
+          </a:xfrm>
+          <a:prstGeom prst="rect">
+            <a:avLst/>
+          </a:prstGeom>
+          <a:ln>
+            <a:solidFill>
+              <a:schemeClr val="tx1"/>
+            </a:solidFill>
+          </a:ln>
+        </p:spPr>
+      </p:pic>
+    </p:spTree>
+    <p:extLst>
+      <p:ext uri="{BB962C8B-B14F-4D97-AF65-F5344CB8AC3E}">
+        <p14:creationId xmlns:p14="http://schemas.microsoft.com/office/powerpoint/2010/main" val="1779633948"/>
+      </p:ext>
+    </p:extLst>
+  </p:cSld>
+  <p:clrMapOvr>
+    <a:masterClrMapping/>
+  </p:clrMapOvr>
+  <mc:AlternateContent xmlns:mc="http://schemas.openxmlformats.org/markup-compatibility/2006" xmlns:p14="http://schemas.microsoft.com/office/powerpoint/2010/main">
+    <mc:Choice Requires="p14">
+      <p:transition p14:dur="150">
+        <p:fade/>
+      </p:transition>
+    </mc:Choice>
+    <mc:Fallback xmlns="">
+      <p:transition>
+        <p:fade/>
+      </p:transition>
+    </mc:Fallback>
+  </mc:AlternateContent>
+  <p:timing>
+    <p:tnLst>
+      <p:par>
+        <p:cTn id="1" dur="indefinite" restart="never" nodeType="tmRoot"/>
+      </p:par>
+    </p:tnLst>
+  </p:timing>
+</p:sld>
+</file>
+
+<file path=ppt/slides/slide4.xml><?xml version="1.0" encoding="utf-8"?>
+<p:sld xmlns:a="http://schemas.openxmlformats.org/drawingml/2006/main" xmlns:r="http://schemas.openxmlformats.org/officeDocument/2006/relationships" xmlns:p="http://schemas.openxmlformats.org/presentationml/2006/main">
+  <p:cSld>
+    <p:spTree>
+      <p:nvGrpSpPr>
+        <p:cNvPr id="1" name=""/>
+        <p:cNvGrpSpPr/>
+        <p:nvPr/>
+      </p:nvGrpSpPr>
+      <p:grpSpPr>
+        <a:xfrm>
+          <a:off x="0" y="0"/>
+          <a:ext cx="0" cy="0"/>
+          <a:chOff x="0" y="0"/>
+          <a:chExt cx="0" cy="0"/>
+        </a:xfrm>
+      </p:grpSpPr>
+      <p:sp>
+        <p:nvSpPr>
+          <p:cNvPr id="2" name="Title 1"/>
+          <p:cNvSpPr>
+            <a:spLocks noGrp="1"/>
+          </p:cNvSpPr>
+          <p:nvPr>
+            <p:ph type="title"/>
+          </p:nvPr>
+        </p:nvSpPr>
+        <p:spPr/>
+        <p:txBody>
+          <a:bodyPr/>
+          <a:lstStyle/>
+          <a:p>
+            <a:r>
+              <a:rPr lang="es-ES_tradnl" dirty="0" smtClean="0"/>
+              <a:t>Arquitectura</a:t>
+            </a:r>
+            <a:endParaRPr lang="es-ES_tradnl" dirty="0"/>
+          </a:p>
+        </p:txBody>
+      </p:sp>
+      <p:sp>
+        <p:nvSpPr>
+          <p:cNvPr id="4" name="Slide Number Placeholder 3"/>
+          <p:cNvSpPr>
+            <a:spLocks noGrp="1"/>
+          </p:cNvSpPr>
+          <p:nvPr>
+            <p:ph type="sldNum" sz="quarter" idx="12"/>
+          </p:nvPr>
+        </p:nvSpPr>
+        <p:spPr/>
+        <p:txBody>
+          <a:bodyPr>
+            <a:normAutofit lnSpcReduction="10000"/>
+          </a:bodyPr>
+          <a:lstStyle/>
+          <a:p>
+            <a:fld id="{66B77C49-310C-4D67-A641-7D2CCF3E3B8A}" type="slidenum">
+              <a:rPr lang="es-CL" smtClean="0"/>
+              <a:t>3</a:t>
+            </a:fld>
+            <a:endParaRPr lang="es-CL"/>
+          </a:p>
+        </p:txBody>
+      </p:sp>
+      <p:sp>
+        <p:nvSpPr>
+          <p:cNvPr id="3" name="Content Placeholder 2"/>
+          <p:cNvSpPr>
+            <a:spLocks noGrp="1"/>
+          </p:cNvSpPr>
+          <p:nvPr>
+            <p:ph idx="1"/>
+          </p:nvPr>
+        </p:nvSpPr>
+        <p:spPr>
+          <a:xfrm>
+            <a:off x="1261872" y="2715904"/>
+            <a:ext cx="8595360" cy="4351337"/>
+          </a:xfrm>
+        </p:spPr>
+        <p:txBody>
+          <a:bodyPr>
+            <a:noAutofit/>
+          </a:bodyPr>
+          <a:lstStyle/>
+          <a:p>
+            <a:pPr lvl="1"/>
+            <a:r>
+              <a:rPr lang="es-ES_tradnl" sz="4000" dirty="0" smtClean="0"/>
+              <a:t>Creación de documento RFC debido al cambio en la arquitectura.</a:t>
+            </a:r>
+          </a:p>
+        </p:txBody>
+      </p:sp>
+      <p:pic>
+        <p:nvPicPr>
+          <p:cNvPr id="5" name="Picture 2" descr="Resultado de imagen para duoc"/>
+          <p:cNvPicPr>
+            <a:picLocks noChangeAspect="1" noChangeArrowheads="1"/>
+          </p:cNvPicPr>
+          <p:nvPr/>
+        </p:nvPicPr>
+        <p:blipFill rotWithShape="1">
+          <a:blip r:embed="rId2">
+            <a:extLst>
+              <a:ext uri="{28A0092B-C50C-407E-A947-70E740481C1C}">
+                <a14:useLocalDpi xmlns:a14="http://schemas.microsoft.com/office/drawing/2010/main" val="0"/>
+              </a:ext>
+            </a:extLst>
+          </a:blip>
+          <a:srcRect t="13892" r="19022"/>
+          <a:stretch/>
+        </p:blipFill>
+        <p:spPr bwMode="auto">
+          <a:xfrm>
+            <a:off x="9023169" y="378822"/>
+            <a:ext cx="2001883" cy="524910"/>
+          </a:xfrm>
+          <a:prstGeom prst="rect">
+            <a:avLst/>
+          </a:prstGeom>
+          <a:noFill/>
+          <a:extLst>
+            <a:ext uri="{909E8E84-426E-40DD-AFC4-6F175D3DCCD1}">
+              <a14:hiddenFill xmlns:a14="http://schemas.microsoft.com/office/drawing/2010/main">
+                <a:solidFill>
+                  <a:srgbClr val="FFFFFF"/>
+                </a:solidFill>
+              </a14:hiddenFill>
+            </a:ext>
+          </a:extLst>
+        </p:spPr>
+      </p:pic>
+    </p:spTree>
+    <p:extLst>
+      <p:ext uri="{BB962C8B-B14F-4D97-AF65-F5344CB8AC3E}">
+        <p14:creationId xmlns:p14="http://schemas.microsoft.com/office/powerpoint/2010/main" val="2852182264"/>
+      </p:ext>
+    </p:extLst>
+  </p:cSld>
+  <p:clrMapOvr>
+    <a:masterClrMapping/>
+  </p:clrMapOvr>
+  <mc:AlternateContent xmlns:mc="http://schemas.openxmlformats.org/markup-compatibility/2006" xmlns:p14="http://schemas.microsoft.com/office/powerpoint/2010/main">
+    <mc:Choice Requires="p14">
+      <p:transition p14:dur="150">
+        <p:fade/>
+      </p:transition>
+    </mc:Choice>
+    <mc:Fallback xmlns="">
+      <p:transition>
+        <p:fade/>
+      </p:transition>
+    </mc:Fallback>
+  </mc:AlternateContent>
+  <p:timing>
+    <p:tnLst>
+      <p:par>
+        <p:cTn id="1" dur="indefinite" restart="never" nodeType="tmRoot"/>
+      </p:par>
+    </p:tnLst>
+  </p:timing>
+</p:sld>
+</file>
+
+<file path=ppt/slides/slide5.xml><?xml version="1.0" encoding="utf-8"?>
+<p:sld xmlns:a="http://schemas.openxmlformats.org/drawingml/2006/main" xmlns:r="http://schemas.openxmlformats.org/officeDocument/2006/relationships" xmlns:p="http://schemas.openxmlformats.org/presentationml/2006/main">
+  <p:cSld>
+    <p:spTree>
+      <p:nvGrpSpPr>
+        <p:cNvPr id="1" name=""/>
+        <p:cNvGrpSpPr/>
+        <p:nvPr/>
+      </p:nvGrpSpPr>
+      <p:grpSpPr>
+        <a:xfrm>
+          <a:off x="0" y="0"/>
+          <a:ext cx="0" cy="0"/>
+          <a:chOff x="0" y="0"/>
+          <a:chExt cx="0" cy="0"/>
+        </a:xfrm>
+      </p:grpSpPr>
+      <p:sp>
+        <p:nvSpPr>
           <p:cNvPr id="2" name="Title 1"/>
           <p:cNvSpPr>
             <a:spLocks noGrp="1"/>
@@ -6879,7 +6533,7 @@
           <a:p>
             <a:fld id="{66B77C49-310C-4D67-A641-7D2CCF3E3B8A}" type="slidenum">
               <a:rPr lang="es-ES_tradnl" smtClean="0"/>
-              <a:t>2</a:t>
+              <a:t>4</a:t>
             </a:fld>
             <a:endParaRPr lang="es-ES_tradnl" dirty="0"/>
           </a:p>
@@ -6909,7 +6563,15 @@
           <a:p>
             <a:r>
               <a:rPr lang="es-ES_tradnl" dirty="0" smtClean="0"/>
-              <a:t>Fig.. 1: Diagrama de despliegue de la solución.</a:t>
+              <a:t>Fig</a:t>
+            </a:r>
+            <a:r>
+              <a:rPr lang="es-ES_tradnl" dirty="0" smtClean="0"/>
+              <a:t>. 2: </a:t>
+            </a:r>
+            <a:r>
+              <a:rPr lang="es-ES_tradnl" dirty="0" smtClean="0"/>
+              <a:t>Diagrama de despliegue de la solución.</a:t>
             </a:r>
             <a:endParaRPr lang="es-ES_tradnl" dirty="0"/>
           </a:p>
@@ -6986,7 +6648,7 @@
 </p:sld>
 </file>
 
-<file path=ppt/slides/slide4.xml><?xml version="1.0" encoding="utf-8"?>
+<file path=ppt/slides/slide6.xml><?xml version="1.0" encoding="utf-8"?>
 <p:sld xmlns:a="http://schemas.openxmlformats.org/drawingml/2006/main" xmlns:r="http://schemas.openxmlformats.org/officeDocument/2006/relationships" xmlns:p="http://schemas.openxmlformats.org/presentationml/2006/main">
   <p:cSld>
     <p:spTree>
@@ -7020,9 +6682,116 @@
           <a:p>
             <a:r>
               <a:rPr lang="es-ES_tradnl" dirty="0" smtClean="0"/>
-              <a:t>Arquitectura</a:t>
+              <a:t>Modelo de datos</a:t>
             </a:r>
             <a:endParaRPr lang="es-ES_tradnl" dirty="0"/>
+          </a:p>
+        </p:txBody>
+      </p:sp>
+      <p:sp>
+        <p:nvSpPr>
+          <p:cNvPr id="3" name="Content Placeholder 2"/>
+          <p:cNvSpPr>
+            <a:spLocks noGrp="1"/>
+          </p:cNvSpPr>
+          <p:nvPr>
+            <p:ph idx="1"/>
+          </p:nvPr>
+        </p:nvSpPr>
+        <p:spPr/>
+        <p:txBody>
+          <a:bodyPr>
+            <a:normAutofit/>
+          </a:bodyPr>
+          <a:lstStyle/>
+          <a:p>
+            <a:pPr>
+              <a:lnSpc>
+                <a:spcPct val="100000"/>
+              </a:lnSpc>
+              <a:spcBef>
+                <a:spcPts val="0"/>
+              </a:spcBef>
+              <a:spcAft>
+                <a:spcPts val="0"/>
+              </a:spcAft>
+              <a:buClrTx/>
+              <a:buSzTx/>
+            </a:pPr>
+            <a:r>
+              <a:rPr lang="es-ES_tradnl" sz="4800" dirty="0" smtClean="0"/>
+              <a:t>2 bases de datos:</a:t>
+            </a:r>
+          </a:p>
+          <a:p>
+            <a:pPr lvl="1">
+              <a:lnSpc>
+                <a:spcPct val="100000"/>
+              </a:lnSpc>
+              <a:spcBef>
+                <a:spcPts val="0"/>
+              </a:spcBef>
+              <a:spcAft>
+                <a:spcPts val="0"/>
+              </a:spcAft>
+              <a:buClrTx/>
+            </a:pPr>
+            <a:r>
+              <a:rPr lang="es-ES_tradnl" sz="4400" dirty="0" smtClean="0"/>
+              <a:t>CMH – 27 tablas.</a:t>
+            </a:r>
+          </a:p>
+          <a:p>
+            <a:pPr lvl="1">
+              <a:lnSpc>
+                <a:spcPct val="100000"/>
+              </a:lnSpc>
+              <a:spcBef>
+                <a:spcPts val="0"/>
+              </a:spcBef>
+              <a:spcAft>
+                <a:spcPts val="0"/>
+              </a:spcAft>
+              <a:buClrTx/>
+            </a:pPr>
+            <a:r>
+              <a:rPr lang="es-ES_tradnl" sz="4400" dirty="0" smtClean="0"/>
+              <a:t>Seguros – 6 tablas.</a:t>
+            </a:r>
+          </a:p>
+          <a:p>
+            <a:pPr>
+              <a:lnSpc>
+                <a:spcPct val="100000"/>
+              </a:lnSpc>
+              <a:spcBef>
+                <a:spcPts val="0"/>
+              </a:spcBef>
+              <a:spcAft>
+                <a:spcPts val="0"/>
+              </a:spcAft>
+              <a:buClrTx/>
+            </a:pPr>
+            <a:endParaRPr lang="es-ES_tradnl" sz="4400" dirty="0" smtClean="0"/>
+          </a:p>
+          <a:p>
+            <a:pPr>
+              <a:lnSpc>
+                <a:spcPct val="100000"/>
+              </a:lnSpc>
+              <a:spcBef>
+                <a:spcPts val="0"/>
+              </a:spcBef>
+              <a:spcAft>
+                <a:spcPts val="0"/>
+              </a:spcAft>
+              <a:buClrTx/>
+            </a:pPr>
+            <a:r>
+              <a:rPr lang="es-ES_tradnl" sz="4400" dirty="0" smtClean="0"/>
+              <a:t>Cubren 100% de los casos de uso.</a:t>
+            </a:r>
+            <a:endParaRPr lang="es-ES_tradnl" sz="4400" dirty="0"/>
           </a:p>
         </p:txBody>
       </p:sp>
@@ -7045,219 +6814,9 @@
           <a:p>
             <a:fld id="{66B77C49-310C-4D67-A641-7D2CCF3E3B8A}" type="slidenum">
               <a:rPr lang="es-CL" smtClean="0"/>
-              <a:t>3</a:t>
+              <a:t>5</a:t>
             </a:fld>
             <a:endParaRPr lang="es-CL"/>
-          </a:p>
-        </p:txBody>
-      </p:sp>
-      <p:sp>
-        <p:nvSpPr>
-          <p:cNvPr id="3" name="Content Placeholder 2"/>
-          <p:cNvSpPr>
-            <a:spLocks noGrp="1"/>
-          </p:cNvSpPr>
-          <p:nvPr>
-            <p:ph idx="1"/>
-          </p:nvPr>
-        </p:nvSpPr>
-        <p:spPr/>
-        <p:txBody>
-          <a:bodyPr>
-            <a:normAutofit/>
-          </a:bodyPr>
-          <a:lstStyle/>
-          <a:p>
-            <a:r>
-              <a:rPr lang="es-ES_tradnl" sz="3600" dirty="0" smtClean="0"/>
-              <a:t>Bases de datos:</a:t>
-            </a:r>
-          </a:p>
-          <a:p>
-            <a:pPr lvl="1"/>
-            <a:r>
-              <a:rPr lang="es-ES_tradnl" sz="3600" dirty="0" smtClean="0"/>
-              <a:t>bd_cmh: Oracle, única base de datos del negocio.</a:t>
-            </a:r>
-          </a:p>
-          <a:p>
-            <a:pPr lvl="1"/>
-            <a:r>
-              <a:rPr lang="es-ES_tradnl" sz="3600" dirty="0" smtClean="0"/>
-              <a:t>bd_seguro: Oracle, simula base de datos de servicio de aseguradoras.</a:t>
-            </a:r>
-          </a:p>
-        </p:txBody>
-      </p:sp>
-      <p:pic>
-        <p:nvPicPr>
-          <p:cNvPr id="5" name="Picture 2" descr="Resultado de imagen para duoc"/>
-          <p:cNvPicPr>
-            <a:picLocks noChangeAspect="1" noChangeArrowheads="1"/>
-          </p:cNvPicPr>
-          <p:nvPr/>
-        </p:nvPicPr>
-        <p:blipFill rotWithShape="1">
-          <a:blip r:embed="rId3">
-            <a:extLst>
-              <a:ext uri="{28A0092B-C50C-407E-A947-70E740481C1C}">
-                <a14:useLocalDpi xmlns:a14="http://schemas.microsoft.com/office/drawing/2010/main" val="0"/>
-              </a:ext>
-            </a:extLst>
-          </a:blip>
-          <a:srcRect t="13892" r="19022"/>
-          <a:stretch/>
-        </p:blipFill>
-        <p:spPr bwMode="auto">
-          <a:xfrm>
-            <a:off x="9023169" y="378822"/>
-            <a:ext cx="2001883" cy="524910"/>
-          </a:xfrm>
-          <a:prstGeom prst="rect">
-            <a:avLst/>
-          </a:prstGeom>
-          <a:noFill/>
-          <a:extLst>
-            <a:ext uri="{909E8E84-426E-40DD-AFC4-6F175D3DCCD1}">
-              <a14:hiddenFill xmlns:a14="http://schemas.microsoft.com/office/drawing/2010/main">
-                <a:solidFill>
-                  <a:srgbClr val="FFFFFF"/>
-                </a:solidFill>
-              </a14:hiddenFill>
-            </a:ext>
-          </a:extLst>
-        </p:spPr>
-      </p:pic>
-    </p:spTree>
-    <p:extLst>
-      <p:ext uri="{BB962C8B-B14F-4D97-AF65-F5344CB8AC3E}">
-        <p14:creationId xmlns:p14="http://schemas.microsoft.com/office/powerpoint/2010/main" val="1878152279"/>
-      </p:ext>
-    </p:extLst>
-  </p:cSld>
-  <p:clrMapOvr>
-    <a:masterClrMapping/>
-  </p:clrMapOvr>
-  <mc:AlternateContent xmlns:mc="http://schemas.openxmlformats.org/markup-compatibility/2006" xmlns:p14="http://schemas.microsoft.com/office/powerpoint/2010/main">
-    <mc:Choice Requires="p14">
-      <p:transition p14:dur="150">
-        <p:fade/>
-      </p:transition>
-    </mc:Choice>
-    <mc:Fallback xmlns="">
-      <p:transition>
-        <p:fade/>
-      </p:transition>
-    </mc:Fallback>
-  </mc:AlternateContent>
-  <p:timing>
-    <p:tnLst>
-      <p:par>
-        <p:cTn id="1" dur="indefinite" restart="never" nodeType="tmRoot"/>
-      </p:par>
-    </p:tnLst>
-  </p:timing>
-</p:sld>
-</file>
-
-<file path=ppt/slides/slide5.xml><?xml version="1.0" encoding="utf-8"?>
-<p:sld xmlns:a="http://schemas.openxmlformats.org/drawingml/2006/main" xmlns:r="http://schemas.openxmlformats.org/officeDocument/2006/relationships" xmlns:p="http://schemas.openxmlformats.org/presentationml/2006/main">
-  <p:cSld>
-    <p:spTree>
-      <p:nvGrpSpPr>
-        <p:cNvPr id="1" name=""/>
-        <p:cNvGrpSpPr/>
-        <p:nvPr/>
-      </p:nvGrpSpPr>
-      <p:grpSpPr>
-        <a:xfrm>
-          <a:off x="0" y="0"/>
-          <a:ext cx="0" cy="0"/>
-          <a:chOff x="0" y="0"/>
-          <a:chExt cx="0" cy="0"/>
-        </a:xfrm>
-      </p:grpSpPr>
-      <p:sp>
-        <p:nvSpPr>
-          <p:cNvPr id="2" name="Title 1"/>
-          <p:cNvSpPr>
-            <a:spLocks noGrp="1"/>
-          </p:cNvSpPr>
-          <p:nvPr>
-            <p:ph type="title"/>
-          </p:nvPr>
-        </p:nvSpPr>
-        <p:spPr/>
-        <p:txBody>
-          <a:bodyPr/>
-          <a:lstStyle/>
-          <a:p>
-            <a:r>
-              <a:rPr lang="es-ES_tradnl" dirty="0" smtClean="0"/>
-              <a:t>Arquitectura</a:t>
-            </a:r>
-            <a:endParaRPr lang="es-ES_tradnl" dirty="0"/>
-          </a:p>
-        </p:txBody>
-      </p:sp>
-      <p:sp>
-        <p:nvSpPr>
-          <p:cNvPr id="4" name="Slide Number Placeholder 3"/>
-          <p:cNvSpPr>
-            <a:spLocks noGrp="1"/>
-          </p:cNvSpPr>
-          <p:nvPr>
-            <p:ph type="sldNum" sz="quarter" idx="12"/>
-          </p:nvPr>
-        </p:nvSpPr>
-        <p:spPr/>
-        <p:txBody>
-          <a:bodyPr>
-            <a:normAutofit lnSpcReduction="10000"/>
-          </a:bodyPr>
-          <a:lstStyle/>
-          <a:p>
-            <a:fld id="{66B77C49-310C-4D67-A641-7D2CCF3E3B8A}" type="slidenum">
-              <a:rPr lang="es-ES_tradnl" smtClean="0"/>
-              <a:t>4</a:t>
-            </a:fld>
-            <a:endParaRPr lang="es-ES_tradnl" dirty="0"/>
-          </a:p>
-        </p:txBody>
-      </p:sp>
-      <p:sp>
-        <p:nvSpPr>
-          <p:cNvPr id="3" name="Content Placeholder 2"/>
-          <p:cNvSpPr>
-            <a:spLocks noGrp="1"/>
-          </p:cNvSpPr>
-          <p:nvPr>
-            <p:ph idx="1"/>
-          </p:nvPr>
-        </p:nvSpPr>
-        <p:spPr/>
-        <p:txBody>
-          <a:bodyPr>
-            <a:normAutofit/>
-          </a:bodyPr>
-          <a:lstStyle/>
-          <a:p>
-            <a:pPr lvl="1"/>
-            <a:endParaRPr lang="es-ES_tradnl" sz="3600" dirty="0" smtClean="0"/>
-          </a:p>
-          <a:p>
-            <a:pPr lvl="1"/>
-            <a:r>
-              <a:rPr lang="es-ES_tradnl" sz="3600" dirty="0" smtClean="0"/>
-              <a:t>Terminal: provee funcionalidades administrativas a funcionarios y personal médico, además de enviar notificaciones al mail.</a:t>
-            </a:r>
-          </a:p>
-          <a:p>
-            <a:pPr lvl="1"/>
-            <a:r>
-              <a:rPr lang="es-ES_tradnl" sz="3600" dirty="0" smtClean="0"/>
-              <a:t>SeguroWS: web service que simula proveer funcionalidades de un endpoint de la empresa de seguros.</a:t>
-            </a:r>
           </a:p>
         </p:txBody>
       </p:sp>
@@ -7303,179 +6862,7 @@
     </p:spTree>
     <p:extLst>
       <p:ext uri="{BB962C8B-B14F-4D97-AF65-F5344CB8AC3E}">
-        <p14:creationId xmlns:p14="http://schemas.microsoft.com/office/powerpoint/2010/main" val="1454997639"/>
-      </p:ext>
-    </p:extLst>
-  </p:cSld>
-  <p:clrMapOvr>
-    <a:masterClrMapping/>
-  </p:clrMapOvr>
-  <mc:AlternateContent xmlns:mc="http://schemas.openxmlformats.org/markup-compatibility/2006" xmlns:p14="http://schemas.microsoft.com/office/powerpoint/2010/main">
-    <mc:Choice Requires="p14">
-      <p:transition p14:dur="150">
-        <p:fade/>
-      </p:transition>
-    </mc:Choice>
-    <mc:Fallback xmlns="">
-      <p:transition>
-        <p:fade/>
-      </p:transition>
-    </mc:Fallback>
-  </mc:AlternateContent>
-  <p:timing>
-    <p:tnLst>
-      <p:par>
-        <p:cTn id="1" dur="indefinite" restart="never" nodeType="tmRoot"/>
-      </p:par>
-    </p:tnLst>
-  </p:timing>
-</p:sld>
-</file>
-
-<file path=ppt/slides/slide6.xml><?xml version="1.0" encoding="utf-8"?>
-<p:sld xmlns:a="http://schemas.openxmlformats.org/drawingml/2006/main" xmlns:r="http://schemas.openxmlformats.org/officeDocument/2006/relationships" xmlns:p="http://schemas.openxmlformats.org/presentationml/2006/main">
-  <p:cSld>
-    <p:spTree>
-      <p:nvGrpSpPr>
-        <p:cNvPr id="1" name=""/>
-        <p:cNvGrpSpPr/>
-        <p:nvPr/>
-      </p:nvGrpSpPr>
-      <p:grpSpPr>
-        <a:xfrm>
-          <a:off x="0" y="0"/>
-          <a:ext cx="0" cy="0"/>
-          <a:chOff x="0" y="0"/>
-          <a:chExt cx="0" cy="0"/>
-        </a:xfrm>
-      </p:grpSpPr>
-      <p:sp>
-        <p:nvSpPr>
-          <p:cNvPr id="2" name="Title 1"/>
-          <p:cNvSpPr>
-            <a:spLocks noGrp="1"/>
-          </p:cNvSpPr>
-          <p:nvPr>
-            <p:ph type="title"/>
-          </p:nvPr>
-        </p:nvSpPr>
-        <p:spPr/>
-        <p:txBody>
-          <a:bodyPr/>
-          <a:lstStyle/>
-          <a:p>
-            <a:r>
-              <a:rPr lang="es-ES_tradnl" dirty="0" smtClean="0"/>
-              <a:t>Arquitectura</a:t>
-            </a:r>
-            <a:endParaRPr lang="es-ES_tradnl" dirty="0"/>
-          </a:p>
-        </p:txBody>
-      </p:sp>
-      <p:sp>
-        <p:nvSpPr>
-          <p:cNvPr id="4" name="Slide Number Placeholder 3"/>
-          <p:cNvSpPr>
-            <a:spLocks noGrp="1"/>
-          </p:cNvSpPr>
-          <p:nvPr>
-            <p:ph type="sldNum" sz="quarter" idx="12"/>
-          </p:nvPr>
-        </p:nvSpPr>
-        <p:spPr/>
-        <p:txBody>
-          <a:bodyPr>
-            <a:normAutofit lnSpcReduction="10000"/>
-          </a:bodyPr>
-          <a:lstStyle/>
-          <a:p>
-            <a:fld id="{66B77C49-310C-4D67-A641-7D2CCF3E3B8A}" type="slidenum">
-              <a:rPr lang="es-CL" smtClean="0"/>
-              <a:t>5</a:t>
-            </a:fld>
-            <a:endParaRPr lang="es-CL"/>
-          </a:p>
-        </p:txBody>
-      </p:sp>
-      <p:sp>
-        <p:nvSpPr>
-          <p:cNvPr id="3" name="Content Placeholder 2"/>
-          <p:cNvSpPr>
-            <a:spLocks noGrp="1"/>
-          </p:cNvSpPr>
-          <p:nvPr>
-            <p:ph idx="1"/>
-          </p:nvPr>
-        </p:nvSpPr>
-        <p:spPr/>
-        <p:txBody>
-          <a:bodyPr>
-            <a:noAutofit/>
-          </a:bodyPr>
-          <a:lstStyle/>
-          <a:p>
-            <a:pPr lvl="1"/>
-            <a:endParaRPr lang="es-ES_tradnl" sz="4000" dirty="0" smtClean="0"/>
-          </a:p>
-          <a:p>
-            <a:pPr lvl="1"/>
-            <a:r>
-              <a:rPr lang="es-ES_tradnl" sz="4000" dirty="0" smtClean="0"/>
-              <a:t>Web app: Sitio web que provee las funcionalidades para los pacientes.</a:t>
-            </a:r>
-          </a:p>
-          <a:p>
-            <a:pPr lvl="1"/>
-            <a:r>
-              <a:rPr lang="es-ES_tradnl" sz="4000" dirty="0" smtClean="0"/>
-              <a:t>Payment service: Servicio automatizado de pagos de honorarios.</a:t>
-            </a:r>
-          </a:p>
-        </p:txBody>
-      </p:sp>
-      <p:pic>
-        <p:nvPicPr>
-          <p:cNvPr id="5" name="Picture 2" descr="Resultado de imagen para duoc"/>
-          <p:cNvPicPr>
-            <a:picLocks noChangeAspect="1" noChangeArrowheads="1"/>
-          </p:cNvPicPr>
-          <p:nvPr/>
-        </p:nvPicPr>
-        <p:blipFill rotWithShape="1">
-          <a:blip r:embed="rId2">
-            <a:extLst>
-              <a:ext uri="{28A0092B-C50C-407E-A947-70E740481C1C}">
-                <a14:useLocalDpi xmlns:a14="http://schemas.microsoft.com/office/drawing/2010/main" val="0"/>
-              </a:ext>
-            </a:extLst>
-          </a:blip>
-          <a:srcRect t="13892" r="19022"/>
-          <a:stretch/>
-        </p:blipFill>
-        <p:spPr bwMode="auto">
-          <a:xfrm>
-            <a:off x="9023169" y="378822"/>
-            <a:ext cx="2001883" cy="524910"/>
-          </a:xfrm>
-          <a:prstGeom prst="rect">
-            <a:avLst/>
-          </a:prstGeom>
-          <a:noFill/>
-          <a:extLst>
-            <a:ext uri="{909E8E84-426E-40DD-AFC4-6F175D3DCCD1}">
-              <a14:hiddenFill xmlns:a14="http://schemas.microsoft.com/office/drawing/2010/main">
-                <a:solidFill>
-                  <a:srgbClr val="FFFFFF"/>
-                </a:solidFill>
-              </a14:hiddenFill>
-            </a:ext>
-          </a:extLst>
-        </p:spPr>
-      </p:pic>
-    </p:spTree>
-    <p:extLst>
-      <p:ext uri="{BB962C8B-B14F-4D97-AF65-F5344CB8AC3E}">
-        <p14:creationId xmlns:p14="http://schemas.microsoft.com/office/powerpoint/2010/main" val="1176443811"/>
+        <p14:creationId xmlns:p14="http://schemas.microsoft.com/office/powerpoint/2010/main" val="489582192"/>
       </p:ext>
     </p:extLst>
   </p:cSld>
@@ -7538,12 +6925,44 @@
           <a:p>
             <a:r>
               <a:rPr lang="es-ES_tradnl" dirty="0" smtClean="0"/>
-              <a:t>Arquitectura</a:t>
-            </a:r>
+              <a:t>Modelo de datos</a:t>
+            </a:r>
+            <a:br>
+              <a:rPr lang="es-ES_tradnl" dirty="0" smtClean="0"/>
+            </a:br>
             <a:endParaRPr lang="es-ES_tradnl" dirty="0"/>
           </a:p>
         </p:txBody>
       </p:sp>
+      <p:pic>
+        <p:nvPicPr>
+          <p:cNvPr id="5" name="Content Placeholder 4"/>
+          <p:cNvPicPr>
+            <a:picLocks noGrp="1" noChangeAspect="1"/>
+          </p:cNvPicPr>
+          <p:nvPr>
+            <p:ph idx="1"/>
+          </p:nvPr>
+        </p:nvPicPr>
+        <p:blipFill>
+          <a:blip r:embed="rId2" cstate="print">
+            <a:extLst>
+              <a:ext uri="{28A0092B-C50C-407E-A947-70E740481C1C}">
+                <a14:useLocalDpi xmlns:a14="http://schemas.microsoft.com/office/drawing/2010/main" val="0"/>
+              </a:ext>
+            </a:extLst>
+          </a:blip>
+          <a:stretch>
+            <a:fillRect/>
+          </a:stretch>
+        </p:blipFill>
+        <p:spPr>
+          <a:xfrm>
+            <a:off x="2530290" y="1214488"/>
+            <a:ext cx="6341598" cy="4790072"/>
+          </a:xfrm>
+        </p:spPr>
+      </p:pic>
       <p:sp>
         <p:nvSpPr>
           <p:cNvPr id="4" name="Slide Number Placeholder 3"/>
@@ -7571,39 +6990,51 @@
       </p:sp>
       <p:sp>
         <p:nvSpPr>
-          <p:cNvPr id="3" name="Content Placeholder 2"/>
-          <p:cNvSpPr>
-            <a:spLocks noGrp="1"/>
-          </p:cNvSpPr>
-          <p:nvPr>
-            <p:ph idx="1"/>
-          </p:nvPr>
-        </p:nvSpPr>
-        <p:spPr/>
-        <p:txBody>
-          <a:bodyPr>
-            <a:noAutofit/>
+          <p:cNvPr id="7" name="TextBox 6"/>
+          <p:cNvSpPr txBox="1"/>
+          <p:nvPr/>
+        </p:nvSpPr>
+        <p:spPr>
+          <a:xfrm>
+            <a:off x="3063988" y="6099730"/>
+            <a:ext cx="3656770" cy="369332"/>
+          </a:xfrm>
+          <a:prstGeom prst="rect">
+            <a:avLst/>
+          </a:prstGeom>
+          <a:noFill/>
+        </p:spPr>
+        <p:txBody>
+          <a:bodyPr wrap="none" rtlCol="0">
+            <a:spAutoFit/>
           </a:bodyPr>
           <a:lstStyle/>
           <a:p>
-            <a:pPr lvl="1"/>
-            <a:r>
-              <a:rPr lang="es-ES_tradnl" sz="4000" dirty="0" smtClean="0"/>
-              <a:t>Creación de documento RFC debido al cambio en la arquitectura.</a:t>
+            <a:r>
+              <a:rPr lang="es-ES_tradnl" dirty="0" smtClean="0"/>
+              <a:t>Fig. </a:t>
+            </a:r>
+            <a:r>
+              <a:rPr lang="es-ES_tradnl" dirty="0" smtClean="0"/>
+              <a:t>3: </a:t>
+            </a:r>
+            <a:r>
+              <a:rPr lang="es-ES_tradnl" dirty="0" smtClean="0"/>
+              <a:t>Modelo de datos de CMH.</a:t>
             </a:r>
           </a:p>
         </p:txBody>
       </p:sp>
       <p:pic>
         <p:nvPicPr>
-          <p:cNvPr id="5" name="Picture 2" descr="Resultado de imagen para duoc"/>
+          <p:cNvPr id="6" name="Picture 2" descr="Resultado de imagen para duoc"/>
           <p:cNvPicPr>
             <a:picLocks noChangeAspect="1" noChangeArrowheads="1"/>
           </p:cNvPicPr>
           <p:nvPr/>
         </p:nvPicPr>
         <p:blipFill rotWithShape="1">
-          <a:blip r:embed="rId2">
+          <a:blip r:embed="rId3">
             <a:extLst>
               <a:ext uri="{28A0092B-C50C-407E-A947-70E740481C1C}">
                 <a14:useLocalDpi xmlns:a14="http://schemas.microsoft.com/office/drawing/2010/main" val="0"/>
@@ -7636,7 +7067,7 @@
     </p:spTree>
     <p:extLst>
       <p:ext uri="{BB962C8B-B14F-4D97-AF65-F5344CB8AC3E}">
-        <p14:creationId xmlns:p14="http://schemas.microsoft.com/office/powerpoint/2010/main" val="2852182264"/>
+        <p14:creationId xmlns:p14="http://schemas.microsoft.com/office/powerpoint/2010/main" val="809618207"/>
       </p:ext>
     </p:extLst>
   </p:cSld>
@@ -7684,34 +7115,6 @@
       </p:grpSpPr>
       <p:sp>
         <p:nvSpPr>
-          <p:cNvPr id="2" name="Title 1"/>
-          <p:cNvSpPr>
-            <a:spLocks noGrp="1"/>
-          </p:cNvSpPr>
-          <p:nvPr>
-            <p:ph type="title"/>
-          </p:nvPr>
-        </p:nvSpPr>
-        <p:spPr>
-          <a:xfrm>
-            <a:off x="1924812" y="2292384"/>
-            <a:ext cx="7211568" cy="1397124"/>
-          </a:xfrm>
-        </p:spPr>
-        <p:txBody>
-          <a:bodyPr/>
-          <a:lstStyle/>
-          <a:p>
-            <a:r>
-              <a:rPr lang="es-ES_tradnl" dirty="0" smtClean="0"/>
-              <a:t>Matrices de trazabilidad</a:t>
-            </a:r>
-            <a:endParaRPr lang="es-ES_tradnl" dirty="0"/>
-          </a:p>
-        </p:txBody>
-      </p:sp>
-      <p:sp>
-        <p:nvSpPr>
           <p:cNvPr id="4" name="Slide Number Placeholder 3"/>
           <p:cNvSpPr>
             <a:spLocks noGrp="1"/>
@@ -7728,23 +7131,114 @@
           <a:lstStyle/>
           <a:p>
             <a:fld id="{66B77C49-310C-4D67-A641-7D2CCF3E3B8A}" type="slidenum">
-              <a:rPr lang="es-CL" smtClean="0"/>
+              <a:rPr lang="es-ES_tradnl" smtClean="0"/>
               <a:t>7</a:t>
             </a:fld>
-            <a:endParaRPr lang="es-CL"/>
+            <a:endParaRPr lang="es-ES_tradnl" dirty="0"/>
+          </a:p>
+        </p:txBody>
+      </p:sp>
+      <p:sp>
+        <p:nvSpPr>
+          <p:cNvPr id="7" name="Title 6"/>
+          <p:cNvSpPr>
+            <a:spLocks noGrp="1"/>
+          </p:cNvSpPr>
+          <p:nvPr>
+            <p:ph type="title"/>
+          </p:nvPr>
+        </p:nvSpPr>
+        <p:spPr/>
+        <p:txBody>
+          <a:bodyPr/>
+          <a:lstStyle/>
+          <a:p>
+            <a:r>
+              <a:rPr lang="es-ES_tradnl" dirty="0" smtClean="0"/>
+              <a:t>Modelo de datos</a:t>
+            </a:r>
+            <a:endParaRPr lang="es-ES_tradnl" dirty="0"/>
           </a:p>
         </p:txBody>
       </p:sp>
       <p:pic>
         <p:nvPicPr>
-          <p:cNvPr id="5" name="Picture 2" descr="Resultado de imagen para duoc"/>
+          <p:cNvPr id="8" name="Picture 7"/>
+          <p:cNvPicPr>
+            <a:picLocks noChangeAspect="1"/>
+          </p:cNvPicPr>
+          <p:nvPr/>
+        </p:nvPicPr>
+        <p:blipFill>
+          <a:blip r:embed="rId2">
+            <a:extLst>
+              <a:ext uri="{28A0092B-C50C-407E-A947-70E740481C1C}">
+                <a14:useLocalDpi xmlns:a14="http://schemas.microsoft.com/office/drawing/2010/main" val="0"/>
+              </a:ext>
+            </a:extLst>
+          </a:blip>
+          <a:stretch>
+            <a:fillRect/>
+          </a:stretch>
+        </p:blipFill>
+        <p:spPr>
+          <a:xfrm>
+            <a:off x="2326132" y="1909259"/>
+            <a:ext cx="7073900" cy="4019604"/>
+          </a:xfrm>
+          <a:prstGeom prst="rect">
+            <a:avLst/>
+          </a:prstGeom>
+        </p:spPr>
+      </p:pic>
+      <p:sp>
+        <p:nvSpPr>
+          <p:cNvPr id="2" name="TextBox 1"/>
+          <p:cNvSpPr txBox="1"/>
+          <p:nvPr/>
+        </p:nvSpPr>
+        <p:spPr>
+          <a:xfrm>
+            <a:off x="3119120" y="6099730"/>
+            <a:ext cx="5767926" cy="369332"/>
+          </a:xfrm>
+          <a:prstGeom prst="rect">
+            <a:avLst/>
+          </a:prstGeom>
+          <a:noFill/>
+        </p:spPr>
+        <p:txBody>
+          <a:bodyPr wrap="none" rtlCol="0">
+            <a:spAutoFit/>
+          </a:bodyPr>
+          <a:lstStyle/>
+          <a:p>
+            <a:r>
+              <a:rPr lang="es-ES_tradnl" dirty="0" smtClean="0"/>
+              <a:t>Fig. </a:t>
+            </a:r>
+            <a:r>
+              <a:rPr lang="es-ES_tradnl" dirty="0" smtClean="0"/>
+              <a:t>4: </a:t>
+            </a:r>
+            <a:r>
+              <a:rPr lang="es-ES_tradnl" dirty="0" smtClean="0"/>
+              <a:t>Modelo de datos del web service aseguradora.</a:t>
+            </a:r>
+            <a:endParaRPr lang="es-ES_tradnl" dirty="0"/>
+          </a:p>
+        </p:txBody>
+      </p:sp>
+      <p:pic>
+        <p:nvPicPr>
+          <p:cNvPr id="6" name="Picture 2" descr="Resultado de imagen para duoc"/>
           <p:cNvPicPr>
             <a:picLocks noChangeAspect="1" noChangeArrowheads="1"/>
           </p:cNvPicPr>
           <p:nvPr/>
         </p:nvPicPr>
         <p:blipFill rotWithShape="1">
-          <a:blip r:embed="rId2">
+          <a:blip r:embed="rId3">
             <a:extLst>
               <a:ext uri="{28A0092B-C50C-407E-A947-70E740481C1C}">
                 <a14:useLocalDpi xmlns:a14="http://schemas.microsoft.com/office/drawing/2010/main" val="0"/>
@@ -7777,7 +7271,7 @@
     </p:spTree>
     <p:extLst>
       <p:ext uri="{BB962C8B-B14F-4D97-AF65-F5344CB8AC3E}">
-        <p14:creationId xmlns:p14="http://schemas.microsoft.com/office/powerpoint/2010/main" val="1513198101"/>
+        <p14:creationId xmlns:p14="http://schemas.microsoft.com/office/powerpoint/2010/main" val="1806307383"/>
       </p:ext>
     </p:extLst>
   </p:cSld>
@@ -7840,41 +7334,12 @@
           <a:p>
             <a:r>
               <a:rPr lang="es-ES_tradnl" dirty="0" smtClean="0"/>
-              <a:t>Matriz: Requerimientos vs Casos de uso</a:t>
+              <a:t>Modelo de clases</a:t>
             </a:r>
             <a:endParaRPr lang="es-ES_tradnl" dirty="0"/>
           </a:p>
         </p:txBody>
       </p:sp>
-      <p:pic>
-        <p:nvPicPr>
-          <p:cNvPr id="5" name="Content Placeholder 4"/>
-          <p:cNvPicPr>
-            <a:picLocks noGrp="1" noChangeAspect="1"/>
-          </p:cNvPicPr>
-          <p:nvPr>
-            <p:ph idx="1"/>
-          </p:nvPr>
-        </p:nvPicPr>
-        <p:blipFill>
-          <a:blip r:embed="rId2" cstate="print">
-            <a:extLst>
-              <a:ext uri="{28A0092B-C50C-407E-A947-70E740481C1C}">
-                <a14:useLocalDpi xmlns:a14="http://schemas.microsoft.com/office/drawing/2010/main" val="0"/>
-              </a:ext>
-            </a:extLst>
-          </a:blip>
-          <a:stretch>
-            <a:fillRect/>
-          </a:stretch>
-        </p:blipFill>
-        <p:spPr>
-          <a:xfrm>
-            <a:off x="1261872" y="1691322"/>
-            <a:ext cx="3872353" cy="4351338"/>
-          </a:xfrm>
-        </p:spPr>
-      </p:pic>
       <p:sp>
         <p:nvSpPr>
           <p:cNvPr id="4" name="Slide Number Placeholder 3"/>
@@ -7900,95 +7365,16 @@
           </a:p>
         </p:txBody>
       </p:sp>
-      <p:sp>
-        <p:nvSpPr>
-          <p:cNvPr id="6" name="TextBox 5"/>
-          <p:cNvSpPr txBox="1"/>
-          <p:nvPr/>
-        </p:nvSpPr>
-        <p:spPr>
-          <a:xfrm>
-            <a:off x="6004560" y="1910080"/>
-            <a:ext cx="4450080" cy="3539430"/>
-          </a:xfrm>
-          <a:prstGeom prst="rect">
-            <a:avLst/>
-          </a:prstGeom>
-          <a:noFill/>
-        </p:spPr>
-        <p:txBody>
-          <a:bodyPr wrap="square" rtlCol="0">
-            <a:spAutoFit/>
-          </a:bodyPr>
-          <a:lstStyle/>
-          <a:p>
-            <a:r>
-              <a:rPr lang="es-ES_tradnl" sz="2800" dirty="0" smtClean="0"/>
-              <a:t>100% de los requerimientos funcionales</a:t>
-            </a:r>
-            <a:br>
-              <a:rPr lang="es-ES_tradnl" sz="2800" dirty="0" smtClean="0"/>
-            </a:br>
-            <a:r>
-              <a:rPr lang="es-ES_tradnl" sz="2800" dirty="0" smtClean="0"/>
-              <a:t>y no funcionales cubiertos por casos de uso.</a:t>
-            </a:r>
-          </a:p>
-          <a:p>
-            <a:r>
-              <a:rPr lang="es-ES_tradnl" sz="2800" dirty="0" smtClean="0"/>
-              <a:t>31 requerimientos funcionales.</a:t>
-            </a:r>
-          </a:p>
-          <a:p>
-            <a:r>
-              <a:rPr lang="es-ES_tradnl" sz="2800" dirty="0" smtClean="0"/>
-              <a:t>26 casos de uso.</a:t>
-            </a:r>
-            <a:endParaRPr lang="es-ES_tradnl" sz="2800" dirty="0"/>
-          </a:p>
-        </p:txBody>
-      </p:sp>
-      <p:sp>
-        <p:nvSpPr>
-          <p:cNvPr id="3" name="TextBox 2"/>
-          <p:cNvSpPr txBox="1"/>
-          <p:nvPr/>
-        </p:nvSpPr>
-        <p:spPr>
-          <a:xfrm>
-            <a:off x="1261872" y="6284396"/>
-            <a:ext cx="5429692" cy="369332"/>
-          </a:xfrm>
-          <a:prstGeom prst="rect">
-            <a:avLst/>
-          </a:prstGeom>
-          <a:noFill/>
-        </p:spPr>
-        <p:txBody>
-          <a:bodyPr wrap="none" rtlCol="0">
-            <a:spAutoFit/>
-          </a:bodyPr>
-          <a:lstStyle/>
-          <a:p>
-            <a:r>
-              <a:rPr lang="es-ES_tradnl" dirty="0" smtClean="0"/>
-              <a:t>Fig.. 2: Matriz de requerimientos vs casos de uso.</a:t>
-            </a:r>
-            <a:endParaRPr lang="es-ES_tradnl" dirty="0"/>
-          </a:p>
-        </p:txBody>
-      </p:sp>
       <p:pic>
         <p:nvPicPr>
-          <p:cNvPr id="7" name="Picture 2" descr="Resultado de imagen para duoc"/>
+          <p:cNvPr id="5" name="Picture 2" descr="Resultado de imagen para duoc"/>
           <p:cNvPicPr>
             <a:picLocks noChangeAspect="1" noChangeArrowheads="1"/>
           </p:cNvPicPr>
           <p:nvPr/>
         </p:nvPicPr>
         <p:blipFill rotWithShape="1">
-          <a:blip r:embed="rId3">
+          <a:blip r:embed="rId2">
             <a:extLst>
               <a:ext uri="{28A0092B-C50C-407E-A947-70E740481C1C}">
                 <a14:useLocalDpi xmlns:a14="http://schemas.microsoft.com/office/drawing/2010/main" val="0"/>
@@ -8018,10 +7404,69 @@
           </a:extLst>
         </p:spPr>
       </p:pic>
+      <p:pic>
+        <p:nvPicPr>
+          <p:cNvPr id="6" name="Imagen 5"/>
+          <p:cNvPicPr>
+            <a:picLocks noChangeAspect="1"/>
+          </p:cNvPicPr>
+          <p:nvPr/>
+        </p:nvPicPr>
+        <p:blipFill rotWithShape="1">
+          <a:blip r:embed="rId3">
+            <a:extLst>
+              <a:ext uri="{28A0092B-C50C-407E-A947-70E740481C1C}">
+                <a14:useLocalDpi xmlns:a14="http://schemas.microsoft.com/office/drawing/2010/main" val="0"/>
+              </a:ext>
+            </a:extLst>
+          </a:blip>
+          <a:srcRect l="23752" t="16252" r="20360" b="14533"/>
+          <a:stretch/>
+        </p:blipFill>
+        <p:spPr>
+          <a:xfrm>
+            <a:off x="1883390" y="2067647"/>
+            <a:ext cx="2729553" cy="3380449"/>
+          </a:xfrm>
+          <a:prstGeom prst="rect">
+            <a:avLst/>
+          </a:prstGeom>
+        </p:spPr>
+      </p:pic>
+      <p:pic>
+        <p:nvPicPr>
+          <p:cNvPr id="7" name="Imagen 6"/>
+          <p:cNvPicPr>
+            <a:picLocks noChangeAspect="1"/>
+          </p:cNvPicPr>
+          <p:nvPr/>
+        </p:nvPicPr>
+        <p:blipFill>
+          <a:blip r:embed="rId4" cstate="print">
+            <a:extLst>
+              <a:ext uri="{28A0092B-C50C-407E-A947-70E740481C1C}">
+                <a14:useLocalDpi xmlns:a14="http://schemas.microsoft.com/office/drawing/2010/main" val="0"/>
+              </a:ext>
+            </a:extLst>
+          </a:blip>
+          <a:stretch>
+            <a:fillRect/>
+          </a:stretch>
+        </p:blipFill>
+        <p:spPr>
+          <a:xfrm>
+            <a:off x="6919620" y="2322772"/>
+            <a:ext cx="3013151" cy="2870201"/>
+          </a:xfrm>
+          <a:prstGeom prst="rect">
+            <a:avLst/>
+          </a:prstGeom>
+        </p:spPr>
+      </p:pic>
     </p:spTree>
     <p:extLst>
       <p:ext uri="{BB962C8B-B14F-4D97-AF65-F5344CB8AC3E}">
-        <p14:creationId xmlns:p14="http://schemas.microsoft.com/office/powerpoint/2010/main" val="1210950647"/>
+        <p14:creationId xmlns:p14="http://schemas.microsoft.com/office/powerpoint/2010/main" val="1819135733"/>
       </p:ext>
     </p:extLst>
   </p:cSld>

--- a/presentación lunes 24 octubre 2016.pptx
+++ b/presentación lunes 24 octubre 2016.pptx
@@ -1,6 +1,6 @@
 
 <file path=ppt/presentation.xml><?xml version="1.0" encoding="utf-8"?>
-<p:presentation xmlns:a="http://schemas.openxmlformats.org/drawingml/2006/main" xmlns:r="http://schemas.openxmlformats.org/officeDocument/2006/relationships" xmlns:p="http://schemas.openxmlformats.org/presentationml/2006/main" firstSlideNum="0" showSpecialPlsOnTitleSld="0" saveSubsetFonts="1">
+<p:presentation xmlns:a="http://schemas.openxmlformats.org/drawingml/2006/main" xmlns:r="http://schemas.openxmlformats.org/officeDocument/2006/relationships" xmlns:p="http://schemas.openxmlformats.org/presentationml/2006/main" firstSlideNum="0" showSpecialPlsOnTitleSld="0" saveSubsetFonts="1" bookmarkIdSeed="3">
   <p:sldMasterIdLst>
     <p:sldMasterId id="2147483810" r:id="rId1"/>
   </p:sldMasterIdLst>
@@ -10,19 +10,19 @@
   <p:sldIdLst>
     <p:sldId id="256" r:id="rId2"/>
     <p:sldId id="258" r:id="rId3"/>
-    <p:sldId id="276" r:id="rId4"/>
-    <p:sldId id="275" r:id="rId5"/>
-    <p:sldId id="259" r:id="rId6"/>
-    <p:sldId id="262" r:id="rId7"/>
-    <p:sldId id="273" r:id="rId8"/>
-    <p:sldId id="274" r:id="rId9"/>
-    <p:sldId id="261" r:id="rId10"/>
-    <p:sldId id="268" r:id="rId11"/>
-    <p:sldId id="269" r:id="rId12"/>
-    <p:sldId id="264" r:id="rId13"/>
-    <p:sldId id="263" r:id="rId14"/>
-    <p:sldId id="266" r:id="rId15"/>
-    <p:sldId id="267" r:id="rId16"/>
+    <p:sldId id="279" r:id="rId4"/>
+    <p:sldId id="280" r:id="rId5"/>
+    <p:sldId id="281" r:id="rId6"/>
+    <p:sldId id="282" r:id="rId7"/>
+    <p:sldId id="276" r:id="rId8"/>
+    <p:sldId id="259" r:id="rId9"/>
+    <p:sldId id="262" r:id="rId10"/>
+    <p:sldId id="273" r:id="rId11"/>
+    <p:sldId id="274" r:id="rId12"/>
+    <p:sldId id="261" r:id="rId13"/>
+    <p:sldId id="268" r:id="rId14"/>
+    <p:sldId id="269" r:id="rId15"/>
+    <p:sldId id="264" r:id="rId16"/>
     <p:sldId id="277" r:id="rId17"/>
   </p:sldIdLst>
   <p:sldSz cx="12192000" cy="6858000"/>
@@ -212,7 +212,7 @@
           <a:p>
             <a:fld id="{5F5A3C90-08A7-4C4F-9765-25EF2ADA2C26}" type="datetimeFigureOut">
               <a:rPr lang="es-CL" smtClean="0"/>
-              <a:t>21-10-2016</a:t>
+              <a:t>03-11-2016</a:t>
             </a:fld>
             <a:endParaRPr lang="es-CL"/>
           </a:p>
@@ -525,6 +525,117 @@
           <a:lstStyle/>
           <a:p>
             <a:r>
+              <a:rPr lang="es-CL" dirty="0" smtClean="0"/>
+              <a:t>Quienes</a:t>
+            </a:r>
+            <a:r>
+              <a:rPr lang="es-CL" baseline="0" dirty="0" smtClean="0"/>
+              <a:t> somos</a:t>
+            </a:r>
+          </a:p>
+          <a:p>
+            <a:pPr marL="171450" indent="-171450">
+              <a:buFont typeface="Arial" panose="020B0604020202020204" pitchFamily="34" charset="0"/>
+              <a:buChar char="•"/>
+            </a:pPr>
+            <a:r>
+              <a:rPr lang="es-CL" baseline="0" dirty="0" smtClean="0"/>
+              <a:t>S</a:t>
+            </a:r>
+          </a:p>
+          <a:p>
+            <a:endParaRPr lang="es-CL" baseline="0" dirty="0" smtClean="0"/>
+          </a:p>
+          <a:p>
+            <a:r>
+              <a:rPr lang="es-CL" baseline="0" dirty="0" smtClean="0"/>
+              <a:t>Qué hacemos</a:t>
+            </a:r>
+            <a:endParaRPr lang="es-CL" dirty="0"/>
+          </a:p>
+        </p:txBody>
+      </p:sp>
+      <p:sp>
+        <p:nvSpPr>
+          <p:cNvPr id="4" name="Marcador de número de diapositiva 3"/>
+          <p:cNvSpPr>
+            <a:spLocks noGrp="1"/>
+          </p:cNvSpPr>
+          <p:nvPr>
+            <p:ph type="sldNum" sz="quarter" idx="10"/>
+          </p:nvPr>
+        </p:nvSpPr>
+        <p:spPr/>
+        <p:txBody>
+          <a:bodyPr/>
+          <a:lstStyle/>
+          <a:p>
+            <a:fld id="{DF2599EA-3C95-46C0-99A8-B5EBCBCDB69B}" type="slidenum">
+              <a:rPr lang="es-CL" smtClean="0"/>
+              <a:t>0</a:t>
+            </a:fld>
+            <a:endParaRPr lang="es-CL"/>
+          </a:p>
+        </p:txBody>
+      </p:sp>
+    </p:spTree>
+    <p:extLst>
+      <p:ext uri="{BB962C8B-B14F-4D97-AF65-F5344CB8AC3E}">
+        <p14:creationId xmlns:p14="http://schemas.microsoft.com/office/powerpoint/2010/main" val="2685992792"/>
+      </p:ext>
+    </p:extLst>
+  </p:cSld>
+  <p:clrMapOvr>
+    <a:masterClrMapping/>
+  </p:clrMapOvr>
+</p:notes>
+</file>
+
+<file path=ppt/notesSlides/notesSlide2.xml><?xml version="1.0" encoding="utf-8"?>
+<p:notes xmlns:a="http://schemas.openxmlformats.org/drawingml/2006/main" xmlns:r="http://schemas.openxmlformats.org/officeDocument/2006/relationships" xmlns:p="http://schemas.openxmlformats.org/presentationml/2006/main">
+  <p:cSld>
+    <p:spTree>
+      <p:nvGrpSpPr>
+        <p:cNvPr id="1" name=""/>
+        <p:cNvGrpSpPr/>
+        <p:nvPr/>
+      </p:nvGrpSpPr>
+      <p:grpSpPr>
+        <a:xfrm>
+          <a:off x="0" y="0"/>
+          <a:ext cx="0" cy="0"/>
+          <a:chOff x="0" y="0"/>
+          <a:chExt cx="0" cy="0"/>
+        </a:xfrm>
+      </p:grpSpPr>
+      <p:sp>
+        <p:nvSpPr>
+          <p:cNvPr id="2" name="Marcador de imagen de diapositiva 1"/>
+          <p:cNvSpPr>
+            <a:spLocks noGrp="1" noRot="1" noChangeAspect="1"/>
+          </p:cNvSpPr>
+          <p:nvPr>
+            <p:ph type="sldImg"/>
+          </p:nvPr>
+        </p:nvSpPr>
+        <p:spPr/>
+      </p:sp>
+      <p:sp>
+        <p:nvSpPr>
+          <p:cNvPr id="3" name="Marcador de notas 2"/>
+          <p:cNvSpPr>
+            <a:spLocks noGrp="1"/>
+          </p:cNvSpPr>
+          <p:nvPr>
+            <p:ph type="body" idx="1"/>
+          </p:nvPr>
+        </p:nvSpPr>
+        <p:spPr/>
+        <p:txBody>
+          <a:bodyPr/>
+          <a:lstStyle/>
+          <a:p>
+            <a:r>
               <a:rPr lang="es-ES_tradnl" sz="1200" dirty="0" smtClean="0"/>
               <a:t>Arquitectura: Pablo de la Sotta</a:t>
             </a:r>
@@ -548,31 +659,12 @@
             </a:r>
             <a:r>
               <a:rPr lang="es-ES_tradnl" sz="1200" baseline="0" dirty="0" smtClean="0"/>
-              <a:t> López</a:t>
-            </a:r>
-            <a:endParaRPr lang="es-ES_tradnl" sz="1200" dirty="0" smtClean="0"/>
-          </a:p>
-          <a:p>
-            <a:r>
-              <a:rPr lang="es-ES_tradnl" sz="1200" dirty="0" smtClean="0"/>
-              <a:t>Capa de negocios </a:t>
-            </a:r>
-            <a:r>
-              <a:rPr lang="es-ES_tradnl" sz="1200" dirty="0" err="1" smtClean="0"/>
-              <a:t>app</a:t>
-            </a:r>
-            <a:r>
-              <a:rPr lang="es-ES_tradnl" sz="1200" dirty="0" smtClean="0"/>
-              <a:t> web: Tomás Muñiz</a:t>
-            </a:r>
-          </a:p>
-          <a:p>
-            <a:r>
-              <a:rPr lang="es-ES_tradnl" sz="1200" dirty="0" smtClean="0"/>
-              <a:t>Capa de negocios terminal (en proceso): Fabián Jaque</a:t>
-            </a:r>
-          </a:p>
-          <a:p>
+              <a:t> </a:t>
+            </a:r>
+            <a:r>
+              <a:rPr lang="es-ES_tradnl" sz="1200" baseline="0" dirty="0" smtClean="0"/>
+              <a:t>López</a:t>
+            </a:r>
             <a:endParaRPr lang="es-CL" dirty="0"/>
           </a:p>
         </p:txBody>
@@ -604,6 +696,392 @@
     <p:extLst>
       <p:ext uri="{BB962C8B-B14F-4D97-AF65-F5344CB8AC3E}">
         <p14:creationId xmlns:p14="http://schemas.microsoft.com/office/powerpoint/2010/main" val="1836014945"/>
+      </p:ext>
+    </p:extLst>
+  </p:cSld>
+  <p:clrMapOvr>
+    <a:masterClrMapping/>
+  </p:clrMapOvr>
+</p:notes>
+</file>
+
+<file path=ppt/notesSlides/notesSlide3.xml><?xml version="1.0" encoding="utf-8"?>
+<p:notes xmlns:a="http://schemas.openxmlformats.org/drawingml/2006/main" xmlns:r="http://schemas.openxmlformats.org/officeDocument/2006/relationships" xmlns:p="http://schemas.openxmlformats.org/presentationml/2006/main">
+  <p:cSld>
+    <p:spTree>
+      <p:nvGrpSpPr>
+        <p:cNvPr id="1" name=""/>
+        <p:cNvGrpSpPr/>
+        <p:nvPr/>
+      </p:nvGrpSpPr>
+      <p:grpSpPr>
+        <a:xfrm>
+          <a:off x="0" y="0"/>
+          <a:ext cx="0" cy="0"/>
+          <a:chOff x="0" y="0"/>
+          <a:chExt cx="0" cy="0"/>
+        </a:xfrm>
+      </p:grpSpPr>
+      <p:sp>
+        <p:nvSpPr>
+          <p:cNvPr id="2" name="Marcador de imagen de diapositiva 1"/>
+          <p:cNvSpPr>
+            <a:spLocks noGrp="1" noRot="1" noChangeAspect="1"/>
+          </p:cNvSpPr>
+          <p:nvPr>
+            <p:ph type="sldImg"/>
+          </p:nvPr>
+        </p:nvSpPr>
+        <p:spPr/>
+      </p:sp>
+      <p:sp>
+        <p:nvSpPr>
+          <p:cNvPr id="3" name="Marcador de notas 2"/>
+          <p:cNvSpPr>
+            <a:spLocks noGrp="1"/>
+          </p:cNvSpPr>
+          <p:nvPr>
+            <p:ph type="body" idx="1"/>
+          </p:nvPr>
+        </p:nvSpPr>
+        <p:spPr/>
+        <p:txBody>
+          <a:bodyPr/>
+          <a:lstStyle/>
+          <a:p>
+            <a:r>
+              <a:rPr lang="es-ES_tradnl" sz="3200" dirty="0" smtClean="0"/>
+              <a:t>El cliente, centro médico Hipócrates es una institución dedicada a servicios de salud.</a:t>
+            </a:r>
+          </a:p>
+          <a:p>
+            <a:r>
+              <a:rPr lang="es-ES_tradnl" sz="3200" dirty="0" smtClean="0"/>
+              <a:t>Provee servicios como</a:t>
+            </a:r>
+          </a:p>
+          <a:p>
+            <a:pPr marL="457200" indent="-457200">
+              <a:buFont typeface="Arial" panose="020B0604020202020204" pitchFamily="34" charset="0"/>
+              <a:buChar char="•"/>
+            </a:pPr>
+            <a:r>
+              <a:rPr lang="es-ES_tradnl" sz="3000" dirty="0" smtClean="0"/>
+              <a:t>Procedimientos médicos</a:t>
+            </a:r>
+          </a:p>
+          <a:p>
+            <a:pPr marL="457200" indent="-457200">
+              <a:buFont typeface="Arial" panose="020B0604020202020204" pitchFamily="34" charset="0"/>
+              <a:buChar char="•"/>
+            </a:pPr>
+            <a:r>
+              <a:rPr lang="es-ES_tradnl" sz="3000" dirty="0" smtClean="0"/>
+              <a:t>Consultas médicas</a:t>
+            </a:r>
+          </a:p>
+          <a:p>
+            <a:pPr marL="457200" indent="-457200">
+              <a:buFont typeface="Arial" panose="020B0604020202020204" pitchFamily="34" charset="0"/>
+              <a:buChar char="•"/>
+            </a:pPr>
+            <a:r>
+              <a:rPr lang="es-ES_tradnl" sz="3000" dirty="0" smtClean="0"/>
+              <a:t>Exámenes</a:t>
+            </a:r>
+          </a:p>
+          <a:p>
+            <a:pPr marL="457200" indent="-457200">
+              <a:buFont typeface="Arial" panose="020B0604020202020204" pitchFamily="34" charset="0"/>
+              <a:buChar char="•"/>
+            </a:pPr>
+            <a:r>
+              <a:rPr lang="es-ES_tradnl" sz="3000" dirty="0" err="1" smtClean="0"/>
+              <a:t>Imagenología</a:t>
+            </a:r>
+            <a:endParaRPr lang="es-ES_tradnl" sz="3000" dirty="0" smtClean="0"/>
+          </a:p>
+        </p:txBody>
+      </p:sp>
+      <p:sp>
+        <p:nvSpPr>
+          <p:cNvPr id="4" name="Marcador de número de diapositiva 3"/>
+          <p:cNvSpPr>
+            <a:spLocks noGrp="1"/>
+          </p:cNvSpPr>
+          <p:nvPr>
+            <p:ph type="sldNum" sz="quarter" idx="10"/>
+          </p:nvPr>
+        </p:nvSpPr>
+        <p:spPr/>
+        <p:txBody>
+          <a:bodyPr/>
+          <a:lstStyle/>
+          <a:p>
+            <a:fld id="{DF2599EA-3C95-46C0-99A8-B5EBCBCDB69B}" type="slidenum">
+              <a:rPr lang="es-CL" smtClean="0"/>
+              <a:t>2</a:t>
+            </a:fld>
+            <a:endParaRPr lang="es-CL"/>
+          </a:p>
+        </p:txBody>
+      </p:sp>
+    </p:spTree>
+    <p:extLst>
+      <p:ext uri="{BB962C8B-B14F-4D97-AF65-F5344CB8AC3E}">
+        <p14:creationId xmlns:p14="http://schemas.microsoft.com/office/powerpoint/2010/main" val="1797816076"/>
+      </p:ext>
+    </p:extLst>
+  </p:cSld>
+  <p:clrMapOvr>
+    <a:masterClrMapping/>
+  </p:clrMapOvr>
+</p:notes>
+</file>
+
+<file path=ppt/notesSlides/notesSlide4.xml><?xml version="1.0" encoding="utf-8"?>
+<p:notes xmlns:a="http://schemas.openxmlformats.org/drawingml/2006/main" xmlns:r="http://schemas.openxmlformats.org/officeDocument/2006/relationships" xmlns:p="http://schemas.openxmlformats.org/presentationml/2006/main">
+  <p:cSld>
+    <p:spTree>
+      <p:nvGrpSpPr>
+        <p:cNvPr id="1" name=""/>
+        <p:cNvGrpSpPr/>
+        <p:nvPr/>
+      </p:nvGrpSpPr>
+      <p:grpSpPr>
+        <a:xfrm>
+          <a:off x="0" y="0"/>
+          <a:ext cx="0" cy="0"/>
+          <a:chOff x="0" y="0"/>
+          <a:chExt cx="0" cy="0"/>
+        </a:xfrm>
+      </p:grpSpPr>
+      <p:sp>
+        <p:nvSpPr>
+          <p:cNvPr id="2" name="Marcador de imagen de diapositiva 1"/>
+          <p:cNvSpPr>
+            <a:spLocks noGrp="1" noRot="1" noChangeAspect="1"/>
+          </p:cNvSpPr>
+          <p:nvPr>
+            <p:ph type="sldImg"/>
+          </p:nvPr>
+        </p:nvSpPr>
+        <p:spPr/>
+      </p:sp>
+      <p:sp>
+        <p:nvSpPr>
+          <p:cNvPr id="3" name="Marcador de notas 2"/>
+          <p:cNvSpPr>
+            <a:spLocks noGrp="1"/>
+          </p:cNvSpPr>
+          <p:nvPr>
+            <p:ph type="body" idx="1"/>
+          </p:nvPr>
+        </p:nvSpPr>
+        <p:spPr/>
+        <p:txBody>
+          <a:bodyPr/>
+          <a:lstStyle/>
+          <a:p>
+            <a:endParaRPr lang="es-CL" dirty="0"/>
+          </a:p>
+        </p:txBody>
+      </p:sp>
+      <p:sp>
+        <p:nvSpPr>
+          <p:cNvPr id="4" name="Marcador de número de diapositiva 3"/>
+          <p:cNvSpPr>
+            <a:spLocks noGrp="1"/>
+          </p:cNvSpPr>
+          <p:nvPr>
+            <p:ph type="sldNum" sz="quarter" idx="10"/>
+          </p:nvPr>
+        </p:nvSpPr>
+        <p:spPr/>
+        <p:txBody>
+          <a:bodyPr/>
+          <a:lstStyle/>
+          <a:p>
+            <a:fld id="{DF2599EA-3C95-46C0-99A8-B5EBCBCDB69B}" type="slidenum">
+              <a:rPr lang="es-CL" smtClean="0"/>
+              <a:t>3</a:t>
+            </a:fld>
+            <a:endParaRPr lang="es-CL"/>
+          </a:p>
+        </p:txBody>
+      </p:sp>
+    </p:spTree>
+    <p:extLst>
+      <p:ext uri="{BB962C8B-B14F-4D97-AF65-F5344CB8AC3E}">
+        <p14:creationId xmlns:p14="http://schemas.microsoft.com/office/powerpoint/2010/main" val="1864642653"/>
+      </p:ext>
+    </p:extLst>
+  </p:cSld>
+  <p:clrMapOvr>
+    <a:masterClrMapping/>
+  </p:clrMapOvr>
+</p:notes>
+</file>
+
+<file path=ppt/notesSlides/notesSlide5.xml><?xml version="1.0" encoding="utf-8"?>
+<p:notes xmlns:a="http://schemas.openxmlformats.org/drawingml/2006/main" xmlns:r="http://schemas.openxmlformats.org/officeDocument/2006/relationships" xmlns:p="http://schemas.openxmlformats.org/presentationml/2006/main">
+  <p:cSld>
+    <p:spTree>
+      <p:nvGrpSpPr>
+        <p:cNvPr id="1" name=""/>
+        <p:cNvGrpSpPr/>
+        <p:nvPr/>
+      </p:nvGrpSpPr>
+      <p:grpSpPr>
+        <a:xfrm>
+          <a:off x="0" y="0"/>
+          <a:ext cx="0" cy="0"/>
+          <a:chOff x="0" y="0"/>
+          <a:chExt cx="0" cy="0"/>
+        </a:xfrm>
+      </p:grpSpPr>
+      <p:sp>
+        <p:nvSpPr>
+          <p:cNvPr id="2" name="Marcador de imagen de diapositiva 1"/>
+          <p:cNvSpPr>
+            <a:spLocks noGrp="1" noRot="1" noChangeAspect="1"/>
+          </p:cNvSpPr>
+          <p:nvPr>
+            <p:ph type="sldImg"/>
+          </p:nvPr>
+        </p:nvSpPr>
+        <p:spPr/>
+      </p:sp>
+      <p:sp>
+        <p:nvSpPr>
+          <p:cNvPr id="3" name="Marcador de notas 2"/>
+          <p:cNvSpPr>
+            <a:spLocks noGrp="1"/>
+          </p:cNvSpPr>
+          <p:nvPr>
+            <p:ph type="body" idx="1"/>
+          </p:nvPr>
+        </p:nvSpPr>
+        <p:spPr/>
+        <p:txBody>
+          <a:bodyPr/>
+          <a:lstStyle/>
+          <a:p>
+            <a:endParaRPr lang="es-CL" dirty="0"/>
+          </a:p>
+        </p:txBody>
+      </p:sp>
+      <p:sp>
+        <p:nvSpPr>
+          <p:cNvPr id="4" name="Marcador de número de diapositiva 3"/>
+          <p:cNvSpPr>
+            <a:spLocks noGrp="1"/>
+          </p:cNvSpPr>
+          <p:nvPr>
+            <p:ph type="sldNum" sz="quarter" idx="10"/>
+          </p:nvPr>
+        </p:nvSpPr>
+        <p:spPr/>
+        <p:txBody>
+          <a:bodyPr/>
+          <a:lstStyle/>
+          <a:p>
+            <a:fld id="{DF2599EA-3C95-46C0-99A8-B5EBCBCDB69B}" type="slidenum">
+              <a:rPr lang="es-CL" smtClean="0"/>
+              <a:t>4</a:t>
+            </a:fld>
+            <a:endParaRPr lang="es-CL"/>
+          </a:p>
+        </p:txBody>
+      </p:sp>
+    </p:spTree>
+    <p:extLst>
+      <p:ext uri="{BB962C8B-B14F-4D97-AF65-F5344CB8AC3E}">
+        <p14:creationId xmlns:p14="http://schemas.microsoft.com/office/powerpoint/2010/main" val="3271002026"/>
+      </p:ext>
+    </p:extLst>
+  </p:cSld>
+  <p:clrMapOvr>
+    <a:masterClrMapping/>
+  </p:clrMapOvr>
+</p:notes>
+</file>
+
+<file path=ppt/notesSlides/notesSlide6.xml><?xml version="1.0" encoding="utf-8"?>
+<p:notes xmlns:a="http://schemas.openxmlformats.org/drawingml/2006/main" xmlns:r="http://schemas.openxmlformats.org/officeDocument/2006/relationships" xmlns:p="http://schemas.openxmlformats.org/presentationml/2006/main">
+  <p:cSld>
+    <p:spTree>
+      <p:nvGrpSpPr>
+        <p:cNvPr id="1" name=""/>
+        <p:cNvGrpSpPr/>
+        <p:nvPr/>
+      </p:nvGrpSpPr>
+      <p:grpSpPr>
+        <a:xfrm>
+          <a:off x="0" y="0"/>
+          <a:ext cx="0" cy="0"/>
+          <a:chOff x="0" y="0"/>
+          <a:chExt cx="0" cy="0"/>
+        </a:xfrm>
+      </p:grpSpPr>
+      <p:sp>
+        <p:nvSpPr>
+          <p:cNvPr id="2" name="Marcador de imagen de diapositiva 1"/>
+          <p:cNvSpPr>
+            <a:spLocks noGrp="1" noRot="1" noChangeAspect="1"/>
+          </p:cNvSpPr>
+          <p:nvPr>
+            <p:ph type="sldImg"/>
+          </p:nvPr>
+        </p:nvSpPr>
+        <p:spPr/>
+      </p:sp>
+      <p:sp>
+        <p:nvSpPr>
+          <p:cNvPr id="3" name="Marcador de notas 2"/>
+          <p:cNvSpPr>
+            <a:spLocks noGrp="1"/>
+          </p:cNvSpPr>
+          <p:nvPr>
+            <p:ph type="body" idx="1"/>
+          </p:nvPr>
+        </p:nvSpPr>
+        <p:spPr/>
+        <p:txBody>
+          <a:bodyPr/>
+          <a:lstStyle/>
+          <a:p>
+            <a:endParaRPr lang="es-CL" dirty="0"/>
+          </a:p>
+        </p:txBody>
+      </p:sp>
+      <p:sp>
+        <p:nvSpPr>
+          <p:cNvPr id="4" name="Marcador de número de diapositiva 3"/>
+          <p:cNvSpPr>
+            <a:spLocks noGrp="1"/>
+          </p:cNvSpPr>
+          <p:nvPr>
+            <p:ph type="sldNum" sz="quarter" idx="10"/>
+          </p:nvPr>
+        </p:nvSpPr>
+        <p:spPr/>
+        <p:txBody>
+          <a:bodyPr/>
+          <a:lstStyle/>
+          <a:p>
+            <a:fld id="{DF2599EA-3C95-46C0-99A8-B5EBCBCDB69B}" type="slidenum">
+              <a:rPr lang="es-CL" smtClean="0"/>
+              <a:t>5</a:t>
+            </a:fld>
+            <a:endParaRPr lang="es-CL"/>
+          </a:p>
+        </p:txBody>
+      </p:sp>
+    </p:spTree>
+    <p:extLst>
+      <p:ext uri="{BB962C8B-B14F-4D97-AF65-F5344CB8AC3E}">
+        <p14:creationId xmlns:p14="http://schemas.microsoft.com/office/powerpoint/2010/main" val="1932151283"/>
       </p:ext>
     </p:extLst>
   </p:cSld>
@@ -807,7 +1285,7 @@
           <a:p>
             <a:fld id="{89E5C9D5-1059-417C-933B-079D684B6386}" type="datetime1">
               <a:rPr lang="es-CL" smtClean="0"/>
-              <a:t>21-10-2016</a:t>
+              <a:t>03-11-2016</a:t>
             </a:fld>
             <a:endParaRPr lang="es-CL"/>
           </a:p>
@@ -989,7 +1467,7 @@
           <a:p>
             <a:fld id="{A8720E4C-398C-460E-BAB2-2CA54AE1728D}" type="datetime1">
               <a:rPr lang="es-CL" smtClean="0"/>
-              <a:t>21-10-2016</a:t>
+              <a:t>03-11-2016</a:t>
             </a:fld>
             <a:endParaRPr lang="es-CL"/>
           </a:p>
@@ -1222,7 +1700,7 @@
           <a:p>
             <a:fld id="{43E203C6-1909-4781-971E-116AFD440A10}" type="datetime1">
               <a:rPr lang="es-CL" smtClean="0"/>
-              <a:t>21-10-2016</a:t>
+              <a:t>03-11-2016</a:t>
             </a:fld>
             <a:endParaRPr lang="es-CL"/>
           </a:p>
@@ -1445,7 +1923,7 @@
           <a:p>
             <a:fld id="{154DED30-8343-49F5-A66D-C88BB0DF3F98}" type="datetime1">
               <a:rPr lang="es-CL" smtClean="0"/>
-              <a:t>21-10-2016</a:t>
+              <a:t>03-11-2016</a:t>
             </a:fld>
             <a:endParaRPr lang="es-CL"/>
           </a:p>
@@ -1752,7 +2230,7 @@
           <a:p>
             <a:fld id="{008ECD7B-FFF3-4FF8-AAE9-DF516B8429F0}" type="datetime1">
               <a:rPr lang="es-CL" smtClean="0"/>
-              <a:t>21-10-2016</a:t>
+              <a:t>03-11-2016</a:t>
             </a:fld>
             <a:endParaRPr lang="es-CL"/>
           </a:p>
@@ -2093,7 +2571,7 @@
           <a:p>
             <a:fld id="{BE1B6FD1-7923-4D70-9EDC-F33CED2E88B0}" type="datetime1">
               <a:rPr lang="es-CL" smtClean="0"/>
-              <a:t>21-10-2016</a:t>
+              <a:t>03-11-2016</a:t>
             </a:fld>
             <a:endParaRPr lang="es-CL"/>
           </a:p>
@@ -2597,7 +3075,7 @@
           <a:p>
             <a:fld id="{A0456DFA-3945-4E01-A82F-05D34E7C69EF}" type="datetime1">
               <a:rPr lang="es-CL" smtClean="0"/>
-              <a:t>21-10-2016</a:t>
+              <a:t>03-11-2016</a:t>
             </a:fld>
             <a:endParaRPr lang="es-CL"/>
           </a:p>
@@ -2768,7 +3246,7 @@
           <a:p>
             <a:fld id="{557C4F69-2838-42FA-8DBD-EC78C746AC4D}" type="datetime1">
               <a:rPr lang="es-CL" smtClean="0"/>
-              <a:t>21-10-2016</a:t>
+              <a:t>03-11-2016</a:t>
             </a:fld>
             <a:endParaRPr lang="es-CL"/>
           </a:p>
@@ -2916,7 +3394,7 @@
           <a:p>
             <a:fld id="{07EEB1EE-80D2-40B9-84CD-27545A9BFEA4}" type="datetime1">
               <a:rPr lang="es-CL" smtClean="0"/>
-              <a:t>21-10-2016</a:t>
+              <a:t>03-11-2016</a:t>
             </a:fld>
             <a:endParaRPr lang="es-CL"/>
           </a:p>
@@ -3256,7 +3734,7 @@
           <a:p>
             <a:fld id="{D8391AB1-5E7F-4428-BF74-71643B6F22AD}" type="datetime1">
               <a:rPr lang="es-CL" smtClean="0"/>
-              <a:t>21-10-2016</a:t>
+              <a:t>03-11-2016</a:t>
             </a:fld>
             <a:endParaRPr lang="es-CL"/>
           </a:p>
@@ -3583,7 +4061,7 @@
           <a:p>
             <a:fld id="{8E766E1C-99D9-459A-8191-EBC25BE06DF5}" type="datetime1">
               <a:rPr lang="es-CL" smtClean="0"/>
-              <a:t>21-10-2016</a:t>
+              <a:t>03-11-2016</a:t>
             </a:fld>
             <a:endParaRPr lang="es-CL"/>
           </a:p>
@@ -3847,7 +4325,7 @@
           <a:p>
             <a:fld id="{9FB8A2EC-9F2E-49B3-BC1D-41B8951AFF83}" type="datetime1">
               <a:rPr lang="es-CL" smtClean="0"/>
-              <a:t>21-10-2016</a:t>
+              <a:t>03-11-2016</a:t>
             </a:fld>
             <a:endParaRPr lang="es-CL"/>
           </a:p>
@@ -4370,7 +4848,7 @@
         </p:spPr>
         <p:txBody>
           <a:bodyPr>
-            <a:normAutofit/>
+            <a:normAutofit fontScale="90000"/>
           </a:bodyPr>
           <a:lstStyle/>
           <a:p>
@@ -4479,7 +4957,7 @@
           <p:nvPr/>
         </p:nvPicPr>
         <p:blipFill rotWithShape="1">
-          <a:blip r:embed="rId2">
+          <a:blip r:embed="rId3">
             <a:extLst>
               <a:ext uri="{28A0092B-C50C-407E-A947-70E740481C1C}">
                 <a14:useLocalDpi xmlns:a14="http://schemas.microsoft.com/office/drawing/2010/main" val="0"/>
@@ -4575,2356 +5053,6 @@
           <a:p>
             <a:r>
               <a:rPr lang="es-ES_tradnl" dirty="0" smtClean="0"/>
-              <a:t>Modelo de clases</a:t>
-            </a:r>
-            <a:endParaRPr lang="es-ES_tradnl" dirty="0"/>
-          </a:p>
-        </p:txBody>
-      </p:sp>
-      <p:sp>
-        <p:nvSpPr>
-          <p:cNvPr id="3" name="Content Placeholder 2"/>
-          <p:cNvSpPr>
-            <a:spLocks noGrp="1"/>
-          </p:cNvSpPr>
-          <p:nvPr>
-            <p:ph idx="1"/>
-          </p:nvPr>
-        </p:nvSpPr>
-        <p:spPr/>
-        <p:txBody>
-          <a:bodyPr>
-            <a:normAutofit/>
-          </a:bodyPr>
-          <a:lstStyle/>
-          <a:p>
-            <a:r>
-              <a:rPr lang="es-ES_tradnl" sz="4400" dirty="0" smtClean="0"/>
-              <a:t>Paquetes Java:</a:t>
-            </a:r>
-          </a:p>
-          <a:p>
-            <a:pPr lvl="1"/>
-            <a:r>
-              <a:rPr lang="es-ES_tradnl" sz="4000" dirty="0" smtClean="0"/>
-              <a:t>cmh.lib.dal: Persistencia.</a:t>
-            </a:r>
-          </a:p>
-          <a:p>
-            <a:pPr lvl="1"/>
-            <a:r>
-              <a:rPr lang="es-ES_tradnl" sz="4000" dirty="0" smtClean="0"/>
-              <a:t>cmh.webapp.bl: Lógica de negocios.</a:t>
-            </a:r>
-          </a:p>
-          <a:p>
-            <a:pPr lvl="1"/>
-            <a:r>
-              <a:rPr lang="es-ES_tradnl" sz="4000" dirty="0" smtClean="0"/>
-              <a:t>cmh.servpago: Servicio de pago automático.</a:t>
-            </a:r>
-            <a:endParaRPr lang="es-ES_tradnl" sz="4000" dirty="0"/>
-          </a:p>
-        </p:txBody>
-      </p:sp>
-      <p:sp>
-        <p:nvSpPr>
-          <p:cNvPr id="4" name="Slide Number Placeholder 3"/>
-          <p:cNvSpPr>
-            <a:spLocks noGrp="1"/>
-          </p:cNvSpPr>
-          <p:nvPr>
-            <p:ph type="sldNum" sz="quarter" idx="12"/>
-          </p:nvPr>
-        </p:nvSpPr>
-        <p:spPr/>
-        <p:txBody>
-          <a:bodyPr>
-            <a:normAutofit lnSpcReduction="10000"/>
-          </a:bodyPr>
-          <a:lstStyle/>
-          <a:p>
-            <a:fld id="{66B77C49-310C-4D67-A641-7D2CCF3E3B8A}" type="slidenum">
-              <a:rPr lang="es-ES_tradnl" smtClean="0"/>
-              <a:t>9</a:t>
-            </a:fld>
-            <a:endParaRPr lang="es-ES_tradnl" dirty="0"/>
-          </a:p>
-        </p:txBody>
-      </p:sp>
-      <p:pic>
-        <p:nvPicPr>
-          <p:cNvPr id="5" name="Picture 2" descr="Resultado de imagen para duoc"/>
-          <p:cNvPicPr>
-            <a:picLocks noChangeAspect="1" noChangeArrowheads="1"/>
-          </p:cNvPicPr>
-          <p:nvPr/>
-        </p:nvPicPr>
-        <p:blipFill rotWithShape="1">
-          <a:blip r:embed="rId2">
-            <a:extLst>
-              <a:ext uri="{28A0092B-C50C-407E-A947-70E740481C1C}">
-                <a14:useLocalDpi xmlns:a14="http://schemas.microsoft.com/office/drawing/2010/main" val="0"/>
-              </a:ext>
-            </a:extLst>
-          </a:blip>
-          <a:srcRect t="13892" r="19022"/>
-          <a:stretch/>
-        </p:blipFill>
-        <p:spPr bwMode="auto">
-          <a:xfrm>
-            <a:off x="9023169" y="378822"/>
-            <a:ext cx="2001883" cy="524910"/>
-          </a:xfrm>
-          <a:prstGeom prst="rect">
-            <a:avLst/>
-          </a:prstGeom>
-          <a:noFill/>
-          <a:extLst>
-            <a:ext uri="{909E8E84-426E-40DD-AFC4-6F175D3DCCD1}">
-              <a14:hiddenFill xmlns:a14="http://schemas.microsoft.com/office/drawing/2010/main">
-                <a:solidFill>
-                  <a:srgbClr val="FFFFFF"/>
-                </a:solidFill>
-              </a14:hiddenFill>
-            </a:ext>
-          </a:extLst>
-        </p:spPr>
-      </p:pic>
-    </p:spTree>
-    <p:extLst>
-      <p:ext uri="{BB962C8B-B14F-4D97-AF65-F5344CB8AC3E}">
-        <p14:creationId xmlns:p14="http://schemas.microsoft.com/office/powerpoint/2010/main" val="823817472"/>
-      </p:ext>
-    </p:extLst>
-  </p:cSld>
-  <p:clrMapOvr>
-    <a:masterClrMapping/>
-  </p:clrMapOvr>
-  <mc:AlternateContent xmlns:mc="http://schemas.openxmlformats.org/markup-compatibility/2006" xmlns:p14="http://schemas.microsoft.com/office/powerpoint/2010/main">
-    <mc:Choice Requires="p14">
-      <p:transition p14:dur="150">
-        <p:fade/>
-      </p:transition>
-    </mc:Choice>
-    <mc:Fallback xmlns="">
-      <p:transition>
-        <p:fade/>
-      </p:transition>
-    </mc:Fallback>
-  </mc:AlternateContent>
-  <p:timing>
-    <p:tnLst>
-      <p:par>
-        <p:cTn id="1" dur="indefinite" restart="never" nodeType="tmRoot"/>
-      </p:par>
-    </p:tnLst>
-  </p:timing>
-</p:sld>
-</file>
-
-<file path=ppt/slides/slide11.xml><?xml version="1.0" encoding="utf-8"?>
-<p:sld xmlns:a="http://schemas.openxmlformats.org/drawingml/2006/main" xmlns:r="http://schemas.openxmlformats.org/officeDocument/2006/relationships" xmlns:p="http://schemas.openxmlformats.org/presentationml/2006/main">
-  <p:cSld>
-    <p:spTree>
-      <p:nvGrpSpPr>
-        <p:cNvPr id="1" name=""/>
-        <p:cNvGrpSpPr/>
-        <p:nvPr/>
-      </p:nvGrpSpPr>
-      <p:grpSpPr>
-        <a:xfrm>
-          <a:off x="0" y="0"/>
-          <a:ext cx="0" cy="0"/>
-          <a:chOff x="0" y="0"/>
-          <a:chExt cx="0" cy="0"/>
-        </a:xfrm>
-      </p:grpSpPr>
-      <p:sp>
-        <p:nvSpPr>
-          <p:cNvPr id="2" name="Title 1"/>
-          <p:cNvSpPr>
-            <a:spLocks noGrp="1"/>
-          </p:cNvSpPr>
-          <p:nvPr>
-            <p:ph type="title"/>
-          </p:nvPr>
-        </p:nvSpPr>
-        <p:spPr/>
-        <p:txBody>
-          <a:bodyPr/>
-          <a:lstStyle/>
-          <a:p>
-            <a:r>
-              <a:rPr lang="es-ES_tradnl" dirty="0" smtClean="0"/>
-              <a:t>Modelo de clases</a:t>
-            </a:r>
-            <a:endParaRPr lang="es-ES_tradnl" dirty="0"/>
-          </a:p>
-        </p:txBody>
-      </p:sp>
-      <p:sp>
-        <p:nvSpPr>
-          <p:cNvPr id="3" name="Content Placeholder 2"/>
-          <p:cNvSpPr>
-            <a:spLocks noGrp="1"/>
-          </p:cNvSpPr>
-          <p:nvPr>
-            <p:ph idx="1"/>
-          </p:nvPr>
-        </p:nvSpPr>
-        <p:spPr/>
-        <p:txBody>
-          <a:bodyPr>
-            <a:normAutofit/>
-          </a:bodyPr>
-          <a:lstStyle/>
-          <a:p>
-            <a:r>
-              <a:rPr lang="es-ES_tradnl" sz="4000" dirty="0" smtClean="0"/>
-              <a:t>Paquetes .NET:</a:t>
-            </a:r>
-          </a:p>
-          <a:p>
-            <a:pPr lvl="1"/>
-            <a:r>
-              <a:rPr lang="es-ES_tradnl" sz="3600" dirty="0" smtClean="0"/>
-              <a:t>CMH.Terminal.DAL: Persistencia </a:t>
-            </a:r>
-            <a:r>
-              <a:rPr lang="es-ES_tradnl" sz="3600" dirty="0" err="1" smtClean="0"/>
-              <a:t>Entity</a:t>
-            </a:r>
-            <a:r>
-              <a:rPr lang="es-ES_tradnl" sz="3600" dirty="0" smtClean="0"/>
-              <a:t> Framework.</a:t>
-            </a:r>
-          </a:p>
-          <a:p>
-            <a:pPr lvl="1"/>
-            <a:r>
-              <a:rPr lang="es-ES_tradnl" sz="3600" dirty="0" smtClean="0"/>
-              <a:t>CMH.Terminal.BL: Lógica de negocios del terminal.</a:t>
-            </a:r>
-          </a:p>
-          <a:p>
-            <a:pPr lvl="1"/>
-            <a:r>
-              <a:rPr lang="es-ES_tradnl" sz="3600" dirty="0" smtClean="0"/>
-              <a:t>CMH.Seguro: Persistencia, lógica de negocios e implementación de web service.</a:t>
-            </a:r>
-          </a:p>
-        </p:txBody>
-      </p:sp>
-      <p:sp>
-        <p:nvSpPr>
-          <p:cNvPr id="4" name="Slide Number Placeholder 3"/>
-          <p:cNvSpPr>
-            <a:spLocks noGrp="1"/>
-          </p:cNvSpPr>
-          <p:nvPr>
-            <p:ph type="sldNum" sz="quarter" idx="12"/>
-          </p:nvPr>
-        </p:nvSpPr>
-        <p:spPr/>
-        <p:txBody>
-          <a:bodyPr>
-            <a:normAutofit lnSpcReduction="10000"/>
-          </a:bodyPr>
-          <a:lstStyle/>
-          <a:p>
-            <a:fld id="{66B77C49-310C-4D67-A641-7D2CCF3E3B8A}" type="slidenum">
-              <a:rPr lang="es-ES_tradnl" smtClean="0"/>
-              <a:t>10</a:t>
-            </a:fld>
-            <a:endParaRPr lang="es-ES_tradnl" dirty="0"/>
-          </a:p>
-        </p:txBody>
-      </p:sp>
-      <p:pic>
-        <p:nvPicPr>
-          <p:cNvPr id="5" name="Picture 2" descr="Resultado de imagen para duoc"/>
-          <p:cNvPicPr>
-            <a:picLocks noChangeAspect="1" noChangeArrowheads="1"/>
-          </p:cNvPicPr>
-          <p:nvPr/>
-        </p:nvPicPr>
-        <p:blipFill rotWithShape="1">
-          <a:blip r:embed="rId2">
-            <a:extLst>
-              <a:ext uri="{28A0092B-C50C-407E-A947-70E740481C1C}">
-                <a14:useLocalDpi xmlns:a14="http://schemas.microsoft.com/office/drawing/2010/main" val="0"/>
-              </a:ext>
-            </a:extLst>
-          </a:blip>
-          <a:srcRect t="13892" r="19022"/>
-          <a:stretch/>
-        </p:blipFill>
-        <p:spPr bwMode="auto">
-          <a:xfrm>
-            <a:off x="9023169" y="378822"/>
-            <a:ext cx="2001883" cy="524910"/>
-          </a:xfrm>
-          <a:prstGeom prst="rect">
-            <a:avLst/>
-          </a:prstGeom>
-          <a:noFill/>
-          <a:extLst>
-            <a:ext uri="{909E8E84-426E-40DD-AFC4-6F175D3DCCD1}">
-              <a14:hiddenFill xmlns:a14="http://schemas.microsoft.com/office/drawing/2010/main">
-                <a:solidFill>
-                  <a:srgbClr val="FFFFFF"/>
-                </a:solidFill>
-              </a14:hiddenFill>
-            </a:ext>
-          </a:extLst>
-        </p:spPr>
-      </p:pic>
-    </p:spTree>
-    <p:extLst>
-      <p:ext uri="{BB962C8B-B14F-4D97-AF65-F5344CB8AC3E}">
-        <p14:creationId xmlns:p14="http://schemas.microsoft.com/office/powerpoint/2010/main" val="1756908367"/>
-      </p:ext>
-    </p:extLst>
-  </p:cSld>
-  <p:clrMapOvr>
-    <a:masterClrMapping/>
-  </p:clrMapOvr>
-  <mc:AlternateContent xmlns:mc="http://schemas.openxmlformats.org/markup-compatibility/2006" xmlns:p14="http://schemas.microsoft.com/office/powerpoint/2010/main">
-    <mc:Choice Requires="p14">
-      <p:transition p14:dur="150">
-        <p:fade/>
-      </p:transition>
-    </mc:Choice>
-    <mc:Fallback xmlns="">
-      <p:transition>
-        <p:fade/>
-      </p:transition>
-    </mc:Fallback>
-  </mc:AlternateContent>
-  <p:timing>
-    <p:tnLst>
-      <p:par>
-        <p:cTn id="1" dur="indefinite" restart="never" nodeType="tmRoot"/>
-      </p:par>
-    </p:tnLst>
-  </p:timing>
-</p:sld>
-</file>
-
-<file path=ppt/slides/slide12.xml><?xml version="1.0" encoding="utf-8"?>
-<p:sld xmlns:a="http://schemas.openxmlformats.org/drawingml/2006/main" xmlns:r="http://schemas.openxmlformats.org/officeDocument/2006/relationships" xmlns:p="http://schemas.openxmlformats.org/presentationml/2006/main">
-  <p:cSld>
-    <p:spTree>
-      <p:nvGrpSpPr>
-        <p:cNvPr id="1" name=""/>
-        <p:cNvGrpSpPr/>
-        <p:nvPr/>
-      </p:nvGrpSpPr>
-      <p:grpSpPr>
-        <a:xfrm>
-          <a:off x="0" y="0"/>
-          <a:ext cx="0" cy="0"/>
-          <a:chOff x="0" y="0"/>
-          <a:chExt cx="0" cy="0"/>
-        </a:xfrm>
-      </p:grpSpPr>
-      <p:sp>
-        <p:nvSpPr>
-          <p:cNvPr id="2" name="Title 1"/>
-          <p:cNvSpPr>
-            <a:spLocks noGrp="1"/>
-          </p:cNvSpPr>
-          <p:nvPr>
-            <p:ph type="title"/>
-          </p:nvPr>
-        </p:nvSpPr>
-        <p:spPr/>
-        <p:txBody>
-          <a:bodyPr/>
-          <a:lstStyle/>
-          <a:p>
-            <a:r>
-              <a:rPr lang="es-ES_tradnl" dirty="0" smtClean="0"/>
-              <a:t>Capa de negocio: terminal</a:t>
-            </a:r>
-            <a:endParaRPr lang="es-ES_tradnl" dirty="0"/>
-          </a:p>
-        </p:txBody>
-      </p:sp>
-      <p:sp>
-        <p:nvSpPr>
-          <p:cNvPr id="3" name="Content Placeholder 2"/>
-          <p:cNvSpPr>
-            <a:spLocks noGrp="1"/>
-          </p:cNvSpPr>
-          <p:nvPr>
-            <p:ph idx="1"/>
-          </p:nvPr>
-        </p:nvSpPr>
-        <p:spPr/>
-        <p:txBody>
-          <a:bodyPr>
-            <a:noAutofit/>
-          </a:bodyPr>
-          <a:lstStyle/>
-          <a:p>
-            <a:r>
-              <a:rPr lang="es-ES_tradnl" sz="3600" dirty="0" smtClean="0"/>
-              <a:t>Actualmente en proceso.</a:t>
-            </a:r>
-          </a:p>
-          <a:p>
-            <a:r>
-              <a:rPr lang="es-ES_tradnl" sz="3600" dirty="0" smtClean="0"/>
-              <a:t>50% de las funcionalidades implementadas.</a:t>
-            </a:r>
-          </a:p>
-          <a:p>
-            <a:r>
-              <a:rPr lang="es-ES_tradnl" sz="3600" dirty="0" smtClean="0"/>
-              <a:t>22 tests unitarios, con cobertura de 68% del código.</a:t>
-            </a:r>
-          </a:p>
-          <a:p>
-            <a:r>
-              <a:rPr lang="es-ES_tradnl" sz="3600" dirty="0" smtClean="0"/>
-              <a:t>El test unitario promedio tiene 2,5 casos de prueba.</a:t>
-            </a:r>
-          </a:p>
-          <a:p>
-            <a:endParaRPr lang="es-ES_tradnl" sz="3600" dirty="0"/>
-          </a:p>
-        </p:txBody>
-      </p:sp>
-      <p:sp>
-        <p:nvSpPr>
-          <p:cNvPr id="4" name="Slide Number Placeholder 3"/>
-          <p:cNvSpPr>
-            <a:spLocks noGrp="1"/>
-          </p:cNvSpPr>
-          <p:nvPr>
-            <p:ph type="sldNum" sz="quarter" idx="12"/>
-          </p:nvPr>
-        </p:nvSpPr>
-        <p:spPr/>
-        <p:txBody>
-          <a:bodyPr>
-            <a:normAutofit lnSpcReduction="10000"/>
-          </a:bodyPr>
-          <a:lstStyle/>
-          <a:p>
-            <a:fld id="{66B77C49-310C-4D67-A641-7D2CCF3E3B8A}" type="slidenum">
-              <a:rPr lang="es-ES_tradnl" smtClean="0"/>
-              <a:t>11</a:t>
-            </a:fld>
-            <a:endParaRPr lang="es-ES_tradnl" dirty="0"/>
-          </a:p>
-        </p:txBody>
-      </p:sp>
-      <p:pic>
-        <p:nvPicPr>
-          <p:cNvPr id="5" name="Picture 2" descr="Resultado de imagen para duoc"/>
-          <p:cNvPicPr>
-            <a:picLocks noChangeAspect="1" noChangeArrowheads="1"/>
-          </p:cNvPicPr>
-          <p:nvPr/>
-        </p:nvPicPr>
-        <p:blipFill rotWithShape="1">
-          <a:blip r:embed="rId2">
-            <a:extLst>
-              <a:ext uri="{28A0092B-C50C-407E-A947-70E740481C1C}">
-                <a14:useLocalDpi xmlns:a14="http://schemas.microsoft.com/office/drawing/2010/main" val="0"/>
-              </a:ext>
-            </a:extLst>
-          </a:blip>
-          <a:srcRect t="13892" r="19022"/>
-          <a:stretch/>
-        </p:blipFill>
-        <p:spPr bwMode="auto">
-          <a:xfrm>
-            <a:off x="9023169" y="378822"/>
-            <a:ext cx="2001883" cy="524910"/>
-          </a:xfrm>
-          <a:prstGeom prst="rect">
-            <a:avLst/>
-          </a:prstGeom>
-          <a:noFill/>
-          <a:extLst>
-            <a:ext uri="{909E8E84-426E-40DD-AFC4-6F175D3DCCD1}">
-              <a14:hiddenFill xmlns:a14="http://schemas.microsoft.com/office/drawing/2010/main">
-                <a:solidFill>
-                  <a:srgbClr val="FFFFFF"/>
-                </a:solidFill>
-              </a14:hiddenFill>
-            </a:ext>
-          </a:extLst>
-        </p:spPr>
-      </p:pic>
-    </p:spTree>
-    <p:extLst>
-      <p:ext uri="{BB962C8B-B14F-4D97-AF65-F5344CB8AC3E}">
-        <p14:creationId xmlns:p14="http://schemas.microsoft.com/office/powerpoint/2010/main" val="1990954893"/>
-      </p:ext>
-    </p:extLst>
-  </p:cSld>
-  <p:clrMapOvr>
-    <a:masterClrMapping/>
-  </p:clrMapOvr>
-  <mc:AlternateContent xmlns:mc="http://schemas.openxmlformats.org/markup-compatibility/2006" xmlns:p14="http://schemas.microsoft.com/office/powerpoint/2010/main">
-    <mc:Choice Requires="p14">
-      <p:transition p14:dur="150">
-        <p:fade/>
-      </p:transition>
-    </mc:Choice>
-    <mc:Fallback xmlns="">
-      <p:transition>
-        <p:fade/>
-      </p:transition>
-    </mc:Fallback>
-  </mc:AlternateContent>
-  <p:timing>
-    <p:tnLst>
-      <p:par>
-        <p:cTn id="1" dur="indefinite" restart="never" nodeType="tmRoot"/>
-      </p:par>
-    </p:tnLst>
-  </p:timing>
-</p:sld>
-</file>
-
-<file path=ppt/slides/slide13.xml><?xml version="1.0" encoding="utf-8"?>
-<p:sld xmlns:a="http://schemas.openxmlformats.org/drawingml/2006/main" xmlns:r="http://schemas.openxmlformats.org/officeDocument/2006/relationships" xmlns:p="http://schemas.openxmlformats.org/presentationml/2006/main">
-  <p:cSld>
-    <p:spTree>
-      <p:nvGrpSpPr>
-        <p:cNvPr id="1" name=""/>
-        <p:cNvGrpSpPr/>
-        <p:nvPr/>
-      </p:nvGrpSpPr>
-      <p:grpSpPr>
-        <a:xfrm>
-          <a:off x="0" y="0"/>
-          <a:ext cx="0" cy="0"/>
-          <a:chOff x="0" y="0"/>
-          <a:chExt cx="0" cy="0"/>
-        </a:xfrm>
-      </p:grpSpPr>
-      <p:sp>
-        <p:nvSpPr>
-          <p:cNvPr id="2" name="Title 1"/>
-          <p:cNvSpPr>
-            <a:spLocks noGrp="1"/>
-          </p:cNvSpPr>
-          <p:nvPr>
-            <p:ph type="title"/>
-          </p:nvPr>
-        </p:nvSpPr>
-        <p:spPr/>
-        <p:txBody>
-          <a:bodyPr/>
-          <a:lstStyle/>
-          <a:p>
-            <a:r>
-              <a:rPr lang="en-US" dirty="0" smtClean="0"/>
-              <a:t>Capa de negocio: web</a:t>
-            </a:r>
-            <a:endParaRPr lang="en-US" dirty="0"/>
-          </a:p>
-        </p:txBody>
-      </p:sp>
-      <p:sp>
-        <p:nvSpPr>
-          <p:cNvPr id="3" name="Content Placeholder 2"/>
-          <p:cNvSpPr>
-            <a:spLocks noGrp="1"/>
-          </p:cNvSpPr>
-          <p:nvPr>
-            <p:ph idx="1"/>
-          </p:nvPr>
-        </p:nvSpPr>
-        <p:spPr/>
-        <p:txBody>
-          <a:bodyPr>
-            <a:normAutofit/>
-          </a:bodyPr>
-          <a:lstStyle/>
-          <a:p>
-            <a:r>
-              <a:rPr lang="es-ES_tradnl" sz="4000" dirty="0" smtClean="0"/>
-              <a:t>3 clases.</a:t>
-            </a:r>
-          </a:p>
-          <a:p>
-            <a:r>
-              <a:rPr lang="es-ES_tradnl" sz="4000" dirty="0" smtClean="0"/>
-              <a:t>100% de los </a:t>
-            </a:r>
-            <a:r>
-              <a:rPr lang="es-ES_tradnl" sz="4000" dirty="0" err="1" smtClean="0"/>
-              <a:t>tests</a:t>
-            </a:r>
-            <a:r>
-              <a:rPr lang="es-ES_tradnl" sz="4000" dirty="0" smtClean="0"/>
-              <a:t> pasando.</a:t>
-            </a:r>
-          </a:p>
-          <a:p>
-            <a:r>
-              <a:rPr lang="es-ES_tradnl" sz="4000" dirty="0" smtClean="0"/>
-              <a:t>Promedio de 3 casos de prueba por test.</a:t>
-            </a:r>
-            <a:endParaRPr lang="es-ES_tradnl" sz="4000" dirty="0"/>
-          </a:p>
-        </p:txBody>
-      </p:sp>
-      <p:sp>
-        <p:nvSpPr>
-          <p:cNvPr id="4" name="Slide Number Placeholder 3"/>
-          <p:cNvSpPr>
-            <a:spLocks noGrp="1"/>
-          </p:cNvSpPr>
-          <p:nvPr>
-            <p:ph type="sldNum" sz="quarter" idx="12"/>
-          </p:nvPr>
-        </p:nvSpPr>
-        <p:spPr/>
-        <p:txBody>
-          <a:bodyPr>
-            <a:normAutofit lnSpcReduction="10000"/>
-          </a:bodyPr>
-          <a:lstStyle/>
-          <a:p>
-            <a:fld id="{66B77C49-310C-4D67-A641-7D2CCF3E3B8A}" type="slidenum">
-              <a:rPr lang="es-CL" smtClean="0"/>
-              <a:t>12</a:t>
-            </a:fld>
-            <a:endParaRPr lang="es-CL"/>
-          </a:p>
-        </p:txBody>
-      </p:sp>
-      <p:pic>
-        <p:nvPicPr>
-          <p:cNvPr id="5" name="Picture 2" descr="Resultado de imagen para duoc"/>
-          <p:cNvPicPr>
-            <a:picLocks noChangeAspect="1" noChangeArrowheads="1"/>
-          </p:cNvPicPr>
-          <p:nvPr/>
-        </p:nvPicPr>
-        <p:blipFill rotWithShape="1">
-          <a:blip r:embed="rId2">
-            <a:extLst>
-              <a:ext uri="{28A0092B-C50C-407E-A947-70E740481C1C}">
-                <a14:useLocalDpi xmlns:a14="http://schemas.microsoft.com/office/drawing/2010/main" val="0"/>
-              </a:ext>
-            </a:extLst>
-          </a:blip>
-          <a:srcRect t="13892" r="19022"/>
-          <a:stretch/>
-        </p:blipFill>
-        <p:spPr bwMode="auto">
-          <a:xfrm>
-            <a:off x="9023169" y="378822"/>
-            <a:ext cx="2001883" cy="524910"/>
-          </a:xfrm>
-          <a:prstGeom prst="rect">
-            <a:avLst/>
-          </a:prstGeom>
-          <a:noFill/>
-          <a:extLst>
-            <a:ext uri="{909E8E84-426E-40DD-AFC4-6F175D3DCCD1}">
-              <a14:hiddenFill xmlns:a14="http://schemas.microsoft.com/office/drawing/2010/main">
-                <a:solidFill>
-                  <a:srgbClr val="FFFFFF"/>
-                </a:solidFill>
-              </a14:hiddenFill>
-            </a:ext>
-          </a:extLst>
-        </p:spPr>
-      </p:pic>
-    </p:spTree>
-    <p:extLst>
-      <p:ext uri="{BB962C8B-B14F-4D97-AF65-F5344CB8AC3E}">
-        <p14:creationId xmlns:p14="http://schemas.microsoft.com/office/powerpoint/2010/main" val="1395784782"/>
-      </p:ext>
-    </p:extLst>
-  </p:cSld>
-  <p:clrMapOvr>
-    <a:masterClrMapping/>
-  </p:clrMapOvr>
-  <mc:AlternateContent xmlns:mc="http://schemas.openxmlformats.org/markup-compatibility/2006" xmlns:p14="http://schemas.microsoft.com/office/powerpoint/2010/main">
-    <mc:Choice Requires="p14">
-      <p:transition p14:dur="150">
-        <p:fade/>
-      </p:transition>
-    </mc:Choice>
-    <mc:Fallback xmlns="">
-      <p:transition>
-        <p:fade/>
-      </p:transition>
-    </mc:Fallback>
-  </mc:AlternateContent>
-  <p:timing>
-    <p:tnLst>
-      <p:par>
-        <p:cTn id="1" dur="indefinite" restart="never" nodeType="tmRoot"/>
-      </p:par>
-    </p:tnLst>
-  </p:timing>
-</p:sld>
-</file>
-
-<file path=ppt/slides/slide14.xml><?xml version="1.0" encoding="utf-8"?>
-<p:sld xmlns:a="http://schemas.openxmlformats.org/drawingml/2006/main" xmlns:r="http://schemas.openxmlformats.org/officeDocument/2006/relationships" xmlns:p="http://schemas.openxmlformats.org/presentationml/2006/main">
-  <p:cSld>
-    <p:spTree>
-      <p:nvGrpSpPr>
-        <p:cNvPr id="1" name=""/>
-        <p:cNvGrpSpPr/>
-        <p:nvPr/>
-      </p:nvGrpSpPr>
-      <p:grpSpPr>
-        <a:xfrm>
-          <a:off x="0" y="0"/>
-          <a:ext cx="0" cy="0"/>
-          <a:chOff x="0" y="0"/>
-          <a:chExt cx="0" cy="0"/>
-        </a:xfrm>
-      </p:grpSpPr>
-      <p:sp>
-        <p:nvSpPr>
-          <p:cNvPr id="2" name="Title 1"/>
-          <p:cNvSpPr>
-            <a:spLocks noGrp="1"/>
-          </p:cNvSpPr>
-          <p:nvPr>
-            <p:ph type="title"/>
-          </p:nvPr>
-        </p:nvSpPr>
-        <p:spPr/>
-        <p:txBody>
-          <a:bodyPr/>
-          <a:lstStyle/>
-          <a:p>
-            <a:r>
-              <a:rPr lang="es-ES_tradnl" dirty="0" smtClean="0"/>
-              <a:t>Matriz: Requerimientos vs Casos de uso</a:t>
-            </a:r>
-            <a:endParaRPr lang="es-ES_tradnl" dirty="0"/>
-          </a:p>
-        </p:txBody>
-      </p:sp>
-      <p:pic>
-        <p:nvPicPr>
-          <p:cNvPr id="5" name="Content Placeholder 4"/>
-          <p:cNvPicPr>
-            <a:picLocks noGrp="1" noChangeAspect="1"/>
-          </p:cNvPicPr>
-          <p:nvPr>
-            <p:ph idx="1"/>
-          </p:nvPr>
-        </p:nvPicPr>
-        <p:blipFill>
-          <a:blip r:embed="rId2" cstate="print">
-            <a:extLst>
-              <a:ext uri="{28A0092B-C50C-407E-A947-70E740481C1C}">
-                <a14:useLocalDpi xmlns:a14="http://schemas.microsoft.com/office/drawing/2010/main" val="0"/>
-              </a:ext>
-            </a:extLst>
-          </a:blip>
-          <a:stretch>
-            <a:fillRect/>
-          </a:stretch>
-        </p:blipFill>
-        <p:spPr>
-          <a:xfrm>
-            <a:off x="1261872" y="1691322"/>
-            <a:ext cx="3872353" cy="4351338"/>
-          </a:xfrm>
-        </p:spPr>
-      </p:pic>
-      <p:sp>
-        <p:nvSpPr>
-          <p:cNvPr id="4" name="Slide Number Placeholder 3"/>
-          <p:cNvSpPr>
-            <a:spLocks noGrp="1"/>
-          </p:cNvSpPr>
-          <p:nvPr>
-            <p:ph type="sldNum" sz="quarter" idx="12"/>
-          </p:nvPr>
-        </p:nvSpPr>
-        <p:spPr/>
-        <p:txBody>
-          <a:bodyPr>
-            <a:normAutofit lnSpcReduction="10000"/>
-          </a:bodyPr>
-          <a:lstStyle/>
-          <a:p>
-            <a:fld id="{66B77C49-310C-4D67-A641-7D2CCF3E3B8A}" type="slidenum">
-              <a:rPr lang="es-ES_tradnl" smtClean="0"/>
-              <a:t>13</a:t>
-            </a:fld>
-            <a:endParaRPr lang="es-ES_tradnl" dirty="0"/>
-          </a:p>
-        </p:txBody>
-      </p:sp>
-      <p:sp>
-        <p:nvSpPr>
-          <p:cNvPr id="6" name="TextBox 5"/>
-          <p:cNvSpPr txBox="1"/>
-          <p:nvPr/>
-        </p:nvSpPr>
-        <p:spPr>
-          <a:xfrm>
-            <a:off x="6004560" y="1910080"/>
-            <a:ext cx="4450080" cy="3539430"/>
-          </a:xfrm>
-          <a:prstGeom prst="rect">
-            <a:avLst/>
-          </a:prstGeom>
-          <a:noFill/>
-        </p:spPr>
-        <p:txBody>
-          <a:bodyPr wrap="square" rtlCol="0">
-            <a:spAutoFit/>
-          </a:bodyPr>
-          <a:lstStyle/>
-          <a:p>
-            <a:r>
-              <a:rPr lang="es-ES_tradnl" sz="2800" dirty="0" smtClean="0"/>
-              <a:t>100% de los requerimientos funcionales</a:t>
-            </a:r>
-            <a:br>
-              <a:rPr lang="es-ES_tradnl" sz="2800" dirty="0" smtClean="0"/>
-            </a:br>
-            <a:r>
-              <a:rPr lang="es-ES_tradnl" sz="2800" dirty="0" smtClean="0"/>
-              <a:t>y no funcionales cubiertos por casos de uso.</a:t>
-            </a:r>
-          </a:p>
-          <a:p>
-            <a:r>
-              <a:rPr lang="es-ES_tradnl" sz="2800" dirty="0" smtClean="0"/>
-              <a:t>31 requerimientos funcionales.</a:t>
-            </a:r>
-          </a:p>
-          <a:p>
-            <a:r>
-              <a:rPr lang="es-ES_tradnl" sz="2800" dirty="0" smtClean="0"/>
-              <a:t>26 casos de uso.</a:t>
-            </a:r>
-            <a:endParaRPr lang="es-ES_tradnl" sz="2800" dirty="0"/>
-          </a:p>
-        </p:txBody>
-      </p:sp>
-      <p:sp>
-        <p:nvSpPr>
-          <p:cNvPr id="3" name="TextBox 2"/>
-          <p:cNvSpPr txBox="1"/>
-          <p:nvPr/>
-        </p:nvSpPr>
-        <p:spPr>
-          <a:xfrm>
-            <a:off x="1261872" y="6284396"/>
-            <a:ext cx="5429692" cy="369332"/>
-          </a:xfrm>
-          <a:prstGeom prst="rect">
-            <a:avLst/>
-          </a:prstGeom>
-          <a:noFill/>
-        </p:spPr>
-        <p:txBody>
-          <a:bodyPr wrap="none" rtlCol="0">
-            <a:spAutoFit/>
-          </a:bodyPr>
-          <a:lstStyle/>
-          <a:p>
-            <a:r>
-              <a:rPr lang="es-ES_tradnl" dirty="0" smtClean="0"/>
-              <a:t>Fig. 6: </a:t>
-            </a:r>
-            <a:r>
-              <a:rPr lang="es-ES_tradnl" dirty="0" smtClean="0"/>
-              <a:t>Matriz de requerimientos vs casos de uso.</a:t>
-            </a:r>
-            <a:endParaRPr lang="es-ES_tradnl" dirty="0"/>
-          </a:p>
-        </p:txBody>
-      </p:sp>
-      <p:pic>
-        <p:nvPicPr>
-          <p:cNvPr id="7" name="Picture 2" descr="Resultado de imagen para duoc"/>
-          <p:cNvPicPr>
-            <a:picLocks noChangeAspect="1" noChangeArrowheads="1"/>
-          </p:cNvPicPr>
-          <p:nvPr/>
-        </p:nvPicPr>
-        <p:blipFill rotWithShape="1">
-          <a:blip r:embed="rId3">
-            <a:extLst>
-              <a:ext uri="{28A0092B-C50C-407E-A947-70E740481C1C}">
-                <a14:useLocalDpi xmlns:a14="http://schemas.microsoft.com/office/drawing/2010/main" val="0"/>
-              </a:ext>
-            </a:extLst>
-          </a:blip>
-          <a:srcRect t="13892" r="19022"/>
-          <a:stretch/>
-        </p:blipFill>
-        <p:spPr bwMode="auto">
-          <a:xfrm>
-            <a:off x="9290957" y="0"/>
-            <a:ext cx="2001883" cy="524910"/>
-          </a:xfrm>
-          <a:prstGeom prst="rect">
-            <a:avLst/>
-          </a:prstGeom>
-          <a:noFill/>
-          <a:extLst>
-            <a:ext uri="{909E8E84-426E-40DD-AFC4-6F175D3DCCD1}">
-              <a14:hiddenFill xmlns:a14="http://schemas.microsoft.com/office/drawing/2010/main">
-                <a:solidFill>
-                  <a:srgbClr val="FFFFFF"/>
-                </a:solidFill>
-              </a14:hiddenFill>
-            </a:ext>
-          </a:extLst>
-        </p:spPr>
-      </p:pic>
-    </p:spTree>
-    <p:extLst>
-      <p:ext uri="{BB962C8B-B14F-4D97-AF65-F5344CB8AC3E}">
-        <p14:creationId xmlns:p14="http://schemas.microsoft.com/office/powerpoint/2010/main" val="1210950647"/>
-      </p:ext>
-    </p:extLst>
-  </p:cSld>
-  <p:clrMapOvr>
-    <a:masterClrMapping/>
-  </p:clrMapOvr>
-  <mc:AlternateContent xmlns:mc="http://schemas.openxmlformats.org/markup-compatibility/2006" xmlns:p14="http://schemas.microsoft.com/office/powerpoint/2010/main">
-    <mc:Choice Requires="p14">
-      <p:transition p14:dur="150">
-        <p:fade/>
-      </p:transition>
-    </mc:Choice>
-    <mc:Fallback xmlns="">
-      <p:transition>
-        <p:fade/>
-      </p:transition>
-    </mc:Fallback>
-  </mc:AlternateContent>
-  <p:timing>
-    <p:tnLst>
-      <p:par>
-        <p:cTn id="1" dur="indefinite" restart="never" nodeType="tmRoot"/>
-      </p:par>
-    </p:tnLst>
-  </p:timing>
-</p:sld>
-</file>
-
-<file path=ppt/slides/slide15.xml><?xml version="1.0" encoding="utf-8"?>
-<p:sld xmlns:a="http://schemas.openxmlformats.org/drawingml/2006/main" xmlns:r="http://schemas.openxmlformats.org/officeDocument/2006/relationships" xmlns:p="http://schemas.openxmlformats.org/presentationml/2006/main">
-  <p:cSld>
-    <p:spTree>
-      <p:nvGrpSpPr>
-        <p:cNvPr id="1" name=""/>
-        <p:cNvGrpSpPr/>
-        <p:nvPr/>
-      </p:nvGrpSpPr>
-      <p:grpSpPr>
-        <a:xfrm>
-          <a:off x="0" y="0"/>
-          <a:ext cx="0" cy="0"/>
-          <a:chOff x="0" y="0"/>
-          <a:chExt cx="0" cy="0"/>
-        </a:xfrm>
-      </p:grpSpPr>
-      <p:sp>
-        <p:nvSpPr>
-          <p:cNvPr id="2" name="Title 1"/>
-          <p:cNvSpPr>
-            <a:spLocks noGrp="1"/>
-          </p:cNvSpPr>
-          <p:nvPr>
-            <p:ph type="title"/>
-          </p:nvPr>
-        </p:nvSpPr>
-        <p:spPr/>
-        <p:txBody>
-          <a:bodyPr/>
-          <a:lstStyle/>
-          <a:p>
-            <a:r>
-              <a:rPr lang="es-ES_tradnl" dirty="0" smtClean="0"/>
-              <a:t>Matriz: Requerimientos vs Clases</a:t>
-            </a:r>
-            <a:endParaRPr lang="es-ES_tradnl" dirty="0"/>
-          </a:p>
-        </p:txBody>
-      </p:sp>
-      <p:sp>
-        <p:nvSpPr>
-          <p:cNvPr id="4" name="Slide Number Placeholder 3"/>
-          <p:cNvSpPr>
-            <a:spLocks noGrp="1"/>
-          </p:cNvSpPr>
-          <p:nvPr>
-            <p:ph type="sldNum" sz="quarter" idx="12"/>
-          </p:nvPr>
-        </p:nvSpPr>
-        <p:spPr/>
-        <p:txBody>
-          <a:bodyPr>
-            <a:normAutofit lnSpcReduction="10000"/>
-          </a:bodyPr>
-          <a:lstStyle/>
-          <a:p>
-            <a:fld id="{66B77C49-310C-4D67-A641-7D2CCF3E3B8A}" type="slidenum">
-              <a:rPr lang="es-ES_tradnl" smtClean="0"/>
-              <a:t>14</a:t>
-            </a:fld>
-            <a:endParaRPr lang="es-ES_tradnl" dirty="0"/>
-          </a:p>
-        </p:txBody>
-      </p:sp>
-      <p:pic>
-        <p:nvPicPr>
-          <p:cNvPr id="5" name="Content Placeholder 4"/>
-          <p:cNvPicPr>
-            <a:picLocks noGrp="1" noChangeAspect="1"/>
-          </p:cNvPicPr>
-          <p:nvPr>
-            <p:ph idx="1"/>
-          </p:nvPr>
-        </p:nvPicPr>
-        <p:blipFill>
-          <a:blip r:embed="rId2" cstate="print">
-            <a:extLst>
-              <a:ext uri="{28A0092B-C50C-407E-A947-70E740481C1C}">
-                <a14:useLocalDpi xmlns:a14="http://schemas.microsoft.com/office/drawing/2010/main" val="0"/>
-              </a:ext>
-            </a:extLst>
-          </a:blip>
-          <a:stretch>
-            <a:fillRect/>
-          </a:stretch>
-        </p:blipFill>
-        <p:spPr>
-          <a:xfrm>
-            <a:off x="1261872" y="1929226"/>
-            <a:ext cx="6294150" cy="3660378"/>
-          </a:xfrm>
-        </p:spPr>
-      </p:pic>
-      <p:sp>
-        <p:nvSpPr>
-          <p:cNvPr id="7" name="TextBox 6"/>
-          <p:cNvSpPr txBox="1"/>
-          <p:nvPr/>
-        </p:nvSpPr>
-        <p:spPr>
-          <a:xfrm>
-            <a:off x="7765774" y="2279374"/>
-            <a:ext cx="3188738" cy="3046988"/>
-          </a:xfrm>
-          <a:prstGeom prst="rect">
-            <a:avLst/>
-          </a:prstGeom>
-          <a:noFill/>
-        </p:spPr>
-        <p:txBody>
-          <a:bodyPr wrap="square" rtlCol="0">
-            <a:spAutoFit/>
-          </a:bodyPr>
-          <a:lstStyle/>
-          <a:p>
-            <a:r>
-              <a:rPr lang="es-ES_tradnl" sz="2400" dirty="0" smtClean="0"/>
-              <a:t>100% de los requerimientos funcionales tienen al menos una clase asociada, responsable satisfacer sus necesidades lógicas.</a:t>
-            </a:r>
-          </a:p>
-        </p:txBody>
-      </p:sp>
-      <p:sp>
-        <p:nvSpPr>
-          <p:cNvPr id="9" name="TextBox 8"/>
-          <p:cNvSpPr txBox="1"/>
-          <p:nvPr/>
-        </p:nvSpPr>
-        <p:spPr>
-          <a:xfrm>
-            <a:off x="1259840" y="5770880"/>
-            <a:ext cx="5769528" cy="369332"/>
-          </a:xfrm>
-          <a:prstGeom prst="rect">
-            <a:avLst/>
-          </a:prstGeom>
-          <a:noFill/>
-        </p:spPr>
-        <p:txBody>
-          <a:bodyPr wrap="none" rtlCol="0">
-            <a:spAutoFit/>
-          </a:bodyPr>
-          <a:lstStyle/>
-          <a:p>
-            <a:r>
-              <a:rPr lang="es-ES_tradnl" dirty="0" smtClean="0"/>
-              <a:t>Fig. </a:t>
-            </a:r>
-            <a:r>
-              <a:rPr lang="es-ES_tradnl" dirty="0" smtClean="0"/>
-              <a:t>7: </a:t>
-            </a:r>
-            <a:r>
-              <a:rPr lang="es-ES_tradnl" dirty="0" smtClean="0"/>
-              <a:t>matriz de requerimientos vs clases (parcial).</a:t>
-            </a:r>
-            <a:endParaRPr lang="es-ES_tradnl" dirty="0"/>
-          </a:p>
-        </p:txBody>
-      </p:sp>
-      <p:pic>
-        <p:nvPicPr>
-          <p:cNvPr id="8" name="Picture 2" descr="Resultado de imagen para duoc"/>
-          <p:cNvPicPr>
-            <a:picLocks noChangeAspect="1" noChangeArrowheads="1"/>
-          </p:cNvPicPr>
-          <p:nvPr/>
-        </p:nvPicPr>
-        <p:blipFill rotWithShape="1">
-          <a:blip r:embed="rId3">
-            <a:extLst>
-              <a:ext uri="{28A0092B-C50C-407E-A947-70E740481C1C}">
-                <a14:useLocalDpi xmlns:a14="http://schemas.microsoft.com/office/drawing/2010/main" val="0"/>
-              </a:ext>
-            </a:extLst>
-          </a:blip>
-          <a:srcRect t="13892" r="19022"/>
-          <a:stretch/>
-        </p:blipFill>
-        <p:spPr bwMode="auto">
-          <a:xfrm>
-            <a:off x="9023169" y="378822"/>
-            <a:ext cx="2001883" cy="524910"/>
-          </a:xfrm>
-          <a:prstGeom prst="rect">
-            <a:avLst/>
-          </a:prstGeom>
-          <a:noFill/>
-          <a:extLst>
-            <a:ext uri="{909E8E84-426E-40DD-AFC4-6F175D3DCCD1}">
-              <a14:hiddenFill xmlns:a14="http://schemas.microsoft.com/office/drawing/2010/main">
-                <a:solidFill>
-                  <a:srgbClr val="FFFFFF"/>
-                </a:solidFill>
-              </a14:hiddenFill>
-            </a:ext>
-          </a:extLst>
-        </p:spPr>
-      </p:pic>
-    </p:spTree>
-    <p:extLst>
-      <p:ext uri="{BB962C8B-B14F-4D97-AF65-F5344CB8AC3E}">
-        <p14:creationId xmlns:p14="http://schemas.microsoft.com/office/powerpoint/2010/main" val="1141032399"/>
-      </p:ext>
-    </p:extLst>
-  </p:cSld>
-  <p:clrMapOvr>
-    <a:masterClrMapping/>
-  </p:clrMapOvr>
-  <mc:AlternateContent xmlns:mc="http://schemas.openxmlformats.org/markup-compatibility/2006" xmlns:p14="http://schemas.microsoft.com/office/powerpoint/2010/main">
-    <mc:Choice Requires="p14">
-      <p:transition p14:dur="150">
-        <p:fade/>
-      </p:transition>
-    </mc:Choice>
-    <mc:Fallback xmlns="">
-      <p:transition>
-        <p:fade/>
-      </p:transition>
-    </mc:Fallback>
-  </mc:AlternateContent>
-  <p:timing>
-    <p:tnLst>
-      <p:par>
-        <p:cTn id="1" dur="indefinite" restart="never" nodeType="tmRoot"/>
-      </p:par>
-    </p:tnLst>
-  </p:timing>
-</p:sld>
-</file>
-
-<file path=ppt/slides/slide16.xml><?xml version="1.0" encoding="utf-8"?>
-<p:sld xmlns:a="http://schemas.openxmlformats.org/drawingml/2006/main" xmlns:r="http://schemas.openxmlformats.org/officeDocument/2006/relationships" xmlns:p="http://schemas.openxmlformats.org/presentationml/2006/main">
-  <p:cSld>
-    <p:spTree>
-      <p:nvGrpSpPr>
-        <p:cNvPr id="1" name=""/>
-        <p:cNvGrpSpPr/>
-        <p:nvPr/>
-      </p:nvGrpSpPr>
-      <p:grpSpPr>
-        <a:xfrm>
-          <a:off x="0" y="0"/>
-          <a:ext cx="0" cy="0"/>
-          <a:chOff x="0" y="0"/>
-          <a:chExt cx="0" cy="0"/>
-        </a:xfrm>
-      </p:grpSpPr>
-      <p:sp>
-        <p:nvSpPr>
-          <p:cNvPr id="2" name="Título 1"/>
-          <p:cNvSpPr>
-            <a:spLocks noGrp="1"/>
-          </p:cNvSpPr>
-          <p:nvPr>
-            <p:ph type="title"/>
-          </p:nvPr>
-        </p:nvSpPr>
-        <p:spPr/>
-        <p:txBody>
-          <a:bodyPr/>
-          <a:lstStyle/>
-          <a:p>
-            <a:r>
-              <a:rPr lang="es-ES" dirty="0" smtClean="0"/>
-              <a:t>¿Preguntas?</a:t>
-            </a:r>
-            <a:endParaRPr lang="es-CL" dirty="0"/>
-          </a:p>
-        </p:txBody>
-      </p:sp>
-      <p:sp>
-        <p:nvSpPr>
-          <p:cNvPr id="3" name="Marcador de contenido 2"/>
-          <p:cNvSpPr>
-            <a:spLocks noGrp="1"/>
-          </p:cNvSpPr>
-          <p:nvPr>
-            <p:ph idx="1"/>
-          </p:nvPr>
-        </p:nvSpPr>
-        <p:spPr/>
-        <p:txBody>
-          <a:bodyPr/>
-          <a:lstStyle/>
-          <a:p>
-            <a:endParaRPr lang="es-CL"/>
-          </a:p>
-        </p:txBody>
-      </p:sp>
-      <p:sp>
-        <p:nvSpPr>
-          <p:cNvPr id="4" name="Marcador de número de diapositiva 3"/>
-          <p:cNvSpPr>
-            <a:spLocks noGrp="1"/>
-          </p:cNvSpPr>
-          <p:nvPr>
-            <p:ph type="sldNum" sz="quarter" idx="12"/>
-          </p:nvPr>
-        </p:nvSpPr>
-        <p:spPr/>
-        <p:txBody>
-          <a:bodyPr>
-            <a:normAutofit lnSpcReduction="10000"/>
-          </a:bodyPr>
-          <a:lstStyle/>
-          <a:p>
-            <a:fld id="{66B77C49-310C-4D67-A641-7D2CCF3E3B8A}" type="slidenum">
-              <a:rPr lang="es-CL" smtClean="0"/>
-              <a:t>15</a:t>
-            </a:fld>
-            <a:endParaRPr lang="es-CL"/>
-          </a:p>
-        </p:txBody>
-      </p:sp>
-    </p:spTree>
-    <p:extLst>
-      <p:ext uri="{BB962C8B-B14F-4D97-AF65-F5344CB8AC3E}">
-        <p14:creationId xmlns:p14="http://schemas.microsoft.com/office/powerpoint/2010/main" val="1815064936"/>
-      </p:ext>
-    </p:extLst>
-  </p:cSld>
-  <p:clrMapOvr>
-    <a:masterClrMapping/>
-  </p:clrMapOvr>
-  <mc:AlternateContent xmlns:mc="http://schemas.openxmlformats.org/markup-compatibility/2006">
-    <mc:Choice xmlns:p14="http://schemas.microsoft.com/office/powerpoint/2010/main" Requires="p14">
-      <p:transition p14:dur="150">
-        <p:fade/>
-      </p:transition>
-    </mc:Choice>
-    <mc:Fallback>
-      <p:transition>
-        <p:fade/>
-      </p:transition>
-    </mc:Fallback>
-  </mc:AlternateContent>
-  <p:timing>
-    <p:tnLst>
-      <p:par>
-        <p:cTn id="1" dur="indefinite" restart="never" nodeType="tmRoot"/>
-      </p:par>
-    </p:tnLst>
-  </p:timing>
-</p:sld>
-</file>
-
-<file path=ppt/slides/slide2.xml><?xml version="1.0" encoding="utf-8"?>
-<p:sld xmlns:a="http://schemas.openxmlformats.org/drawingml/2006/main" xmlns:r="http://schemas.openxmlformats.org/officeDocument/2006/relationships" xmlns:p="http://schemas.openxmlformats.org/presentationml/2006/main">
-  <p:cSld>
-    <p:spTree>
-      <p:nvGrpSpPr>
-        <p:cNvPr id="1" name=""/>
-        <p:cNvGrpSpPr/>
-        <p:nvPr/>
-      </p:nvGrpSpPr>
-      <p:grpSpPr>
-        <a:xfrm>
-          <a:off x="0" y="0"/>
-          <a:ext cx="0" cy="0"/>
-          <a:chOff x="0" y="0"/>
-          <a:chExt cx="0" cy="0"/>
-        </a:xfrm>
-      </p:grpSpPr>
-      <p:sp>
-        <p:nvSpPr>
-          <p:cNvPr id="2" name="Title 1"/>
-          <p:cNvSpPr>
-            <a:spLocks noGrp="1"/>
-          </p:cNvSpPr>
-          <p:nvPr>
-            <p:ph type="title"/>
-          </p:nvPr>
-        </p:nvSpPr>
-        <p:spPr/>
-        <p:txBody>
-          <a:bodyPr/>
-          <a:lstStyle/>
-          <a:p>
-            <a:r>
-              <a:rPr lang="en-US" dirty="0" smtClean="0"/>
-              <a:t>Agenda</a:t>
-            </a:r>
-            <a:endParaRPr lang="en-US" dirty="0"/>
-          </a:p>
-        </p:txBody>
-      </p:sp>
-      <p:sp>
-        <p:nvSpPr>
-          <p:cNvPr id="3" name="Content Placeholder 2"/>
-          <p:cNvSpPr>
-            <a:spLocks noGrp="1"/>
-          </p:cNvSpPr>
-          <p:nvPr>
-            <p:ph idx="1"/>
-          </p:nvPr>
-        </p:nvSpPr>
-        <p:spPr/>
-        <p:txBody>
-          <a:bodyPr>
-            <a:normAutofit lnSpcReduction="10000"/>
-          </a:bodyPr>
-          <a:lstStyle/>
-          <a:p>
-            <a:r>
-              <a:rPr lang="es-ES_tradnl" sz="3200" dirty="0" smtClean="0"/>
-              <a:t>Carta Gantt</a:t>
-            </a:r>
-          </a:p>
-          <a:p>
-            <a:r>
-              <a:rPr lang="es-ES_tradnl" sz="3200" dirty="0" smtClean="0"/>
-              <a:t>Arquitectura</a:t>
-            </a:r>
-          </a:p>
-          <a:p>
-            <a:r>
-              <a:rPr lang="es-ES_tradnl" sz="3200" dirty="0"/>
-              <a:t>Modelo de datos</a:t>
-            </a:r>
-            <a:endParaRPr lang="es-ES_tradnl" sz="3200" dirty="0" smtClean="0"/>
-          </a:p>
-          <a:p>
-            <a:r>
-              <a:rPr lang="es-ES_tradnl" sz="3200" dirty="0" smtClean="0"/>
-              <a:t>Modelo de </a:t>
-            </a:r>
-            <a:r>
-              <a:rPr lang="es-ES_tradnl" sz="3200" dirty="0" smtClean="0"/>
-              <a:t>clases</a:t>
-            </a:r>
-            <a:endParaRPr lang="es-ES_tradnl" sz="3200" dirty="0" smtClean="0"/>
-          </a:p>
-          <a:p>
-            <a:r>
-              <a:rPr lang="es-ES_tradnl" sz="3200" dirty="0" smtClean="0"/>
-              <a:t>Capa de negocios app web</a:t>
-            </a:r>
-          </a:p>
-          <a:p>
-            <a:r>
-              <a:rPr lang="es-ES_tradnl" sz="3200" dirty="0" smtClean="0"/>
-              <a:t>Capa de negocios terminal (en proceso)</a:t>
-            </a:r>
-          </a:p>
-          <a:p>
-            <a:r>
-              <a:rPr lang="es-ES_tradnl" sz="3200" dirty="0"/>
-              <a:t>Matrices de </a:t>
-            </a:r>
-            <a:r>
-              <a:rPr lang="es-ES_tradnl" sz="3200" dirty="0" smtClean="0"/>
-              <a:t>trazabilidad</a:t>
-            </a:r>
-            <a:endParaRPr lang="es-ES_tradnl" sz="3200" dirty="0"/>
-          </a:p>
-        </p:txBody>
-      </p:sp>
-      <p:sp>
-        <p:nvSpPr>
-          <p:cNvPr id="4" name="Slide Number Placeholder 3"/>
-          <p:cNvSpPr>
-            <a:spLocks noGrp="1"/>
-          </p:cNvSpPr>
-          <p:nvPr>
-            <p:ph type="sldNum" sz="quarter" idx="12"/>
-          </p:nvPr>
-        </p:nvSpPr>
-        <p:spPr/>
-        <p:txBody>
-          <a:bodyPr>
-            <a:normAutofit lnSpcReduction="10000"/>
-          </a:bodyPr>
-          <a:lstStyle/>
-          <a:p>
-            <a:fld id="{66B77C49-310C-4D67-A641-7D2CCF3E3B8A}" type="slidenum">
-              <a:rPr lang="es-CL" smtClean="0"/>
-              <a:t>1</a:t>
-            </a:fld>
-            <a:endParaRPr lang="es-CL"/>
-          </a:p>
-        </p:txBody>
-      </p:sp>
-      <p:pic>
-        <p:nvPicPr>
-          <p:cNvPr id="5" name="Picture 2" descr="Resultado de imagen para duoc"/>
-          <p:cNvPicPr>
-            <a:picLocks noChangeAspect="1" noChangeArrowheads="1"/>
-          </p:cNvPicPr>
-          <p:nvPr/>
-        </p:nvPicPr>
-        <p:blipFill rotWithShape="1">
-          <a:blip r:embed="rId3">
-            <a:extLst>
-              <a:ext uri="{28A0092B-C50C-407E-A947-70E740481C1C}">
-                <a14:useLocalDpi xmlns:a14="http://schemas.microsoft.com/office/drawing/2010/main" val="0"/>
-              </a:ext>
-            </a:extLst>
-          </a:blip>
-          <a:srcRect t="13892" r="19022"/>
-          <a:stretch/>
-        </p:blipFill>
-        <p:spPr bwMode="auto">
-          <a:xfrm>
-            <a:off x="9023169" y="378822"/>
-            <a:ext cx="2001883" cy="524910"/>
-          </a:xfrm>
-          <a:prstGeom prst="rect">
-            <a:avLst/>
-          </a:prstGeom>
-          <a:noFill/>
-          <a:extLst>
-            <a:ext uri="{909E8E84-426E-40DD-AFC4-6F175D3DCCD1}">
-              <a14:hiddenFill xmlns:a14="http://schemas.microsoft.com/office/drawing/2010/main">
-                <a:solidFill>
-                  <a:srgbClr val="FFFFFF"/>
-                </a:solidFill>
-              </a14:hiddenFill>
-            </a:ext>
-          </a:extLst>
-        </p:spPr>
-      </p:pic>
-    </p:spTree>
-    <p:extLst>
-      <p:ext uri="{BB962C8B-B14F-4D97-AF65-F5344CB8AC3E}">
-        <p14:creationId xmlns:p14="http://schemas.microsoft.com/office/powerpoint/2010/main" val="1313367284"/>
-      </p:ext>
-    </p:extLst>
-  </p:cSld>
-  <p:clrMapOvr>
-    <a:masterClrMapping/>
-  </p:clrMapOvr>
-  <mc:AlternateContent xmlns:mc="http://schemas.openxmlformats.org/markup-compatibility/2006" xmlns:p14="http://schemas.microsoft.com/office/powerpoint/2010/main">
-    <mc:Choice Requires="p14">
-      <p:transition p14:dur="150">
-        <p:fade/>
-      </p:transition>
-    </mc:Choice>
-    <mc:Fallback xmlns="">
-      <p:transition>
-        <p:fade/>
-      </p:transition>
-    </mc:Fallback>
-  </mc:AlternateContent>
-  <p:timing>
-    <p:tnLst>
-      <p:par>
-        <p:cTn id="1" dur="indefinite" restart="never" nodeType="tmRoot"/>
-      </p:par>
-    </p:tnLst>
-  </p:timing>
-</p:sld>
-</file>
-
-<file path=ppt/slides/slide3.xml><?xml version="1.0" encoding="utf-8"?>
-<p:sld xmlns:a="http://schemas.openxmlformats.org/drawingml/2006/main" xmlns:r="http://schemas.openxmlformats.org/officeDocument/2006/relationships" xmlns:p="http://schemas.openxmlformats.org/presentationml/2006/main">
-  <p:cSld>
-    <p:spTree>
-      <p:nvGrpSpPr>
-        <p:cNvPr id="1" name=""/>
-        <p:cNvGrpSpPr/>
-        <p:nvPr/>
-      </p:nvGrpSpPr>
-      <p:grpSpPr>
-        <a:xfrm>
-          <a:off x="0" y="0"/>
-          <a:ext cx="0" cy="0"/>
-          <a:chOff x="0" y="0"/>
-          <a:chExt cx="0" cy="0"/>
-        </a:xfrm>
-      </p:grpSpPr>
-      <p:sp>
-        <p:nvSpPr>
-          <p:cNvPr id="4" name="Slide Number Placeholder 3"/>
-          <p:cNvSpPr>
-            <a:spLocks noGrp="1"/>
-          </p:cNvSpPr>
-          <p:nvPr>
-            <p:ph type="sldNum" sz="quarter" idx="12"/>
-          </p:nvPr>
-        </p:nvSpPr>
-        <p:spPr/>
-        <p:txBody>
-          <a:bodyPr>
-            <a:normAutofit lnSpcReduction="10000"/>
-          </a:bodyPr>
-          <a:lstStyle/>
-          <a:p>
-            <a:fld id="{66B77C49-310C-4D67-A641-7D2CCF3E3B8A}" type="slidenum">
-              <a:rPr lang="es-ES_tradnl" smtClean="0"/>
-              <a:t>2</a:t>
-            </a:fld>
-            <a:endParaRPr lang="es-ES_tradnl" dirty="0"/>
-          </a:p>
-        </p:txBody>
-      </p:sp>
-      <p:sp>
-        <p:nvSpPr>
-          <p:cNvPr id="7" name="Title 6"/>
-          <p:cNvSpPr>
-            <a:spLocks noGrp="1"/>
-          </p:cNvSpPr>
-          <p:nvPr>
-            <p:ph type="title"/>
-          </p:nvPr>
-        </p:nvSpPr>
-        <p:spPr/>
-        <p:txBody>
-          <a:bodyPr/>
-          <a:lstStyle/>
-          <a:p>
-            <a:r>
-              <a:rPr lang="es-ES_tradnl" dirty="0" smtClean="0"/>
-              <a:t>Carta Gantt</a:t>
-            </a:r>
-            <a:endParaRPr lang="es-ES_tradnl" dirty="0"/>
-          </a:p>
-        </p:txBody>
-      </p:sp>
-      <p:sp>
-        <p:nvSpPr>
-          <p:cNvPr id="2" name="TextBox 1"/>
-          <p:cNvSpPr txBox="1"/>
-          <p:nvPr/>
-        </p:nvSpPr>
-        <p:spPr>
-          <a:xfrm>
-            <a:off x="3119120" y="6099730"/>
-            <a:ext cx="5307992" cy="369332"/>
-          </a:xfrm>
-          <a:prstGeom prst="rect">
-            <a:avLst/>
-          </a:prstGeom>
-          <a:noFill/>
-        </p:spPr>
-        <p:txBody>
-          <a:bodyPr wrap="none" rtlCol="0">
-            <a:spAutoFit/>
-          </a:bodyPr>
-          <a:lstStyle/>
-          <a:p>
-            <a:r>
-              <a:rPr lang="es-ES_tradnl" dirty="0" smtClean="0"/>
-              <a:t>Fig. </a:t>
-            </a:r>
-            <a:r>
-              <a:rPr lang="es-ES_tradnl" dirty="0" smtClean="0"/>
-              <a:t>1: </a:t>
-            </a:r>
-            <a:r>
-              <a:rPr lang="es-ES_tradnl" dirty="0" smtClean="0"/>
-              <a:t>Tareas de la iteración 2 basada en Gantt.</a:t>
-            </a:r>
-            <a:endParaRPr lang="es-ES_tradnl" dirty="0"/>
-          </a:p>
-        </p:txBody>
-      </p:sp>
-      <p:pic>
-        <p:nvPicPr>
-          <p:cNvPr id="6" name="Picture 2" descr="Resultado de imagen para duoc"/>
-          <p:cNvPicPr>
-            <a:picLocks noChangeAspect="1" noChangeArrowheads="1"/>
-          </p:cNvPicPr>
-          <p:nvPr/>
-        </p:nvPicPr>
-        <p:blipFill rotWithShape="1">
-          <a:blip r:embed="rId2">
-            <a:extLst>
-              <a:ext uri="{28A0092B-C50C-407E-A947-70E740481C1C}">
-                <a14:useLocalDpi xmlns:a14="http://schemas.microsoft.com/office/drawing/2010/main" val="0"/>
-              </a:ext>
-            </a:extLst>
-          </a:blip>
-          <a:srcRect t="13892" r="19022"/>
-          <a:stretch/>
-        </p:blipFill>
-        <p:spPr bwMode="auto">
-          <a:xfrm>
-            <a:off x="9023169" y="378822"/>
-            <a:ext cx="2001883" cy="524910"/>
-          </a:xfrm>
-          <a:prstGeom prst="rect">
-            <a:avLst/>
-          </a:prstGeom>
-          <a:noFill/>
-          <a:extLst>
-            <a:ext uri="{909E8E84-426E-40DD-AFC4-6F175D3DCCD1}">
-              <a14:hiddenFill xmlns:a14="http://schemas.microsoft.com/office/drawing/2010/main">
-                <a:solidFill>
-                  <a:srgbClr val="FFFFFF"/>
-                </a:solidFill>
-              </a14:hiddenFill>
-            </a:ext>
-          </a:extLst>
-        </p:spPr>
-      </p:pic>
-      <p:pic>
-        <p:nvPicPr>
-          <p:cNvPr id="5" name="Imagen 4"/>
-          <p:cNvPicPr>
-            <a:picLocks noChangeAspect="1"/>
-          </p:cNvPicPr>
-          <p:nvPr/>
-        </p:nvPicPr>
-        <p:blipFill rotWithShape="1">
-          <a:blip r:embed="rId3"/>
-          <a:srcRect t="7301"/>
-          <a:stretch/>
-        </p:blipFill>
-        <p:spPr>
-          <a:xfrm>
-            <a:off x="2321169" y="1927274"/>
-            <a:ext cx="6513342" cy="4058761"/>
-          </a:xfrm>
-          <a:prstGeom prst="rect">
-            <a:avLst/>
-          </a:prstGeom>
-          <a:ln>
-            <a:solidFill>
-              <a:schemeClr val="tx1"/>
-            </a:solidFill>
-          </a:ln>
-        </p:spPr>
-      </p:pic>
-    </p:spTree>
-    <p:extLst>
-      <p:ext uri="{BB962C8B-B14F-4D97-AF65-F5344CB8AC3E}">
-        <p14:creationId xmlns:p14="http://schemas.microsoft.com/office/powerpoint/2010/main" val="1779633948"/>
-      </p:ext>
-    </p:extLst>
-  </p:cSld>
-  <p:clrMapOvr>
-    <a:masterClrMapping/>
-  </p:clrMapOvr>
-  <mc:AlternateContent xmlns:mc="http://schemas.openxmlformats.org/markup-compatibility/2006" xmlns:p14="http://schemas.microsoft.com/office/powerpoint/2010/main">
-    <mc:Choice Requires="p14">
-      <p:transition p14:dur="150">
-        <p:fade/>
-      </p:transition>
-    </mc:Choice>
-    <mc:Fallback xmlns="">
-      <p:transition>
-        <p:fade/>
-      </p:transition>
-    </mc:Fallback>
-  </mc:AlternateContent>
-  <p:timing>
-    <p:tnLst>
-      <p:par>
-        <p:cTn id="1" dur="indefinite" restart="never" nodeType="tmRoot"/>
-      </p:par>
-    </p:tnLst>
-  </p:timing>
-</p:sld>
-</file>
-
-<file path=ppt/slides/slide4.xml><?xml version="1.0" encoding="utf-8"?>
-<p:sld xmlns:a="http://schemas.openxmlformats.org/drawingml/2006/main" xmlns:r="http://schemas.openxmlformats.org/officeDocument/2006/relationships" xmlns:p="http://schemas.openxmlformats.org/presentationml/2006/main">
-  <p:cSld>
-    <p:spTree>
-      <p:nvGrpSpPr>
-        <p:cNvPr id="1" name=""/>
-        <p:cNvGrpSpPr/>
-        <p:nvPr/>
-      </p:nvGrpSpPr>
-      <p:grpSpPr>
-        <a:xfrm>
-          <a:off x="0" y="0"/>
-          <a:ext cx="0" cy="0"/>
-          <a:chOff x="0" y="0"/>
-          <a:chExt cx="0" cy="0"/>
-        </a:xfrm>
-      </p:grpSpPr>
-      <p:sp>
-        <p:nvSpPr>
-          <p:cNvPr id="2" name="Title 1"/>
-          <p:cNvSpPr>
-            <a:spLocks noGrp="1"/>
-          </p:cNvSpPr>
-          <p:nvPr>
-            <p:ph type="title"/>
-          </p:nvPr>
-        </p:nvSpPr>
-        <p:spPr/>
-        <p:txBody>
-          <a:bodyPr/>
-          <a:lstStyle/>
-          <a:p>
-            <a:r>
-              <a:rPr lang="es-ES_tradnl" dirty="0" smtClean="0"/>
-              <a:t>Arquitectura</a:t>
-            </a:r>
-            <a:endParaRPr lang="es-ES_tradnl" dirty="0"/>
-          </a:p>
-        </p:txBody>
-      </p:sp>
-      <p:sp>
-        <p:nvSpPr>
-          <p:cNvPr id="4" name="Slide Number Placeholder 3"/>
-          <p:cNvSpPr>
-            <a:spLocks noGrp="1"/>
-          </p:cNvSpPr>
-          <p:nvPr>
-            <p:ph type="sldNum" sz="quarter" idx="12"/>
-          </p:nvPr>
-        </p:nvSpPr>
-        <p:spPr/>
-        <p:txBody>
-          <a:bodyPr>
-            <a:normAutofit lnSpcReduction="10000"/>
-          </a:bodyPr>
-          <a:lstStyle/>
-          <a:p>
-            <a:fld id="{66B77C49-310C-4D67-A641-7D2CCF3E3B8A}" type="slidenum">
-              <a:rPr lang="es-CL" smtClean="0"/>
-              <a:t>3</a:t>
-            </a:fld>
-            <a:endParaRPr lang="es-CL"/>
-          </a:p>
-        </p:txBody>
-      </p:sp>
-      <p:sp>
-        <p:nvSpPr>
-          <p:cNvPr id="3" name="Content Placeholder 2"/>
-          <p:cNvSpPr>
-            <a:spLocks noGrp="1"/>
-          </p:cNvSpPr>
-          <p:nvPr>
-            <p:ph idx="1"/>
-          </p:nvPr>
-        </p:nvSpPr>
-        <p:spPr>
-          <a:xfrm>
-            <a:off x="1261872" y="2715904"/>
-            <a:ext cx="8595360" cy="4351337"/>
-          </a:xfrm>
-        </p:spPr>
-        <p:txBody>
-          <a:bodyPr>
-            <a:noAutofit/>
-          </a:bodyPr>
-          <a:lstStyle/>
-          <a:p>
-            <a:pPr lvl="1"/>
-            <a:r>
-              <a:rPr lang="es-ES_tradnl" sz="4000" dirty="0" smtClean="0"/>
-              <a:t>Creación de documento RFC debido al cambio en la arquitectura.</a:t>
-            </a:r>
-          </a:p>
-        </p:txBody>
-      </p:sp>
-      <p:pic>
-        <p:nvPicPr>
-          <p:cNvPr id="5" name="Picture 2" descr="Resultado de imagen para duoc"/>
-          <p:cNvPicPr>
-            <a:picLocks noChangeAspect="1" noChangeArrowheads="1"/>
-          </p:cNvPicPr>
-          <p:nvPr/>
-        </p:nvPicPr>
-        <p:blipFill rotWithShape="1">
-          <a:blip r:embed="rId2">
-            <a:extLst>
-              <a:ext uri="{28A0092B-C50C-407E-A947-70E740481C1C}">
-                <a14:useLocalDpi xmlns:a14="http://schemas.microsoft.com/office/drawing/2010/main" val="0"/>
-              </a:ext>
-            </a:extLst>
-          </a:blip>
-          <a:srcRect t="13892" r="19022"/>
-          <a:stretch/>
-        </p:blipFill>
-        <p:spPr bwMode="auto">
-          <a:xfrm>
-            <a:off x="9023169" y="378822"/>
-            <a:ext cx="2001883" cy="524910"/>
-          </a:xfrm>
-          <a:prstGeom prst="rect">
-            <a:avLst/>
-          </a:prstGeom>
-          <a:noFill/>
-          <a:extLst>
-            <a:ext uri="{909E8E84-426E-40DD-AFC4-6F175D3DCCD1}">
-              <a14:hiddenFill xmlns:a14="http://schemas.microsoft.com/office/drawing/2010/main">
-                <a:solidFill>
-                  <a:srgbClr val="FFFFFF"/>
-                </a:solidFill>
-              </a14:hiddenFill>
-            </a:ext>
-          </a:extLst>
-        </p:spPr>
-      </p:pic>
-    </p:spTree>
-    <p:extLst>
-      <p:ext uri="{BB962C8B-B14F-4D97-AF65-F5344CB8AC3E}">
-        <p14:creationId xmlns:p14="http://schemas.microsoft.com/office/powerpoint/2010/main" val="2852182264"/>
-      </p:ext>
-    </p:extLst>
-  </p:cSld>
-  <p:clrMapOvr>
-    <a:masterClrMapping/>
-  </p:clrMapOvr>
-  <mc:AlternateContent xmlns:mc="http://schemas.openxmlformats.org/markup-compatibility/2006" xmlns:p14="http://schemas.microsoft.com/office/powerpoint/2010/main">
-    <mc:Choice Requires="p14">
-      <p:transition p14:dur="150">
-        <p:fade/>
-      </p:transition>
-    </mc:Choice>
-    <mc:Fallback xmlns="">
-      <p:transition>
-        <p:fade/>
-      </p:transition>
-    </mc:Fallback>
-  </mc:AlternateContent>
-  <p:timing>
-    <p:tnLst>
-      <p:par>
-        <p:cTn id="1" dur="indefinite" restart="never" nodeType="tmRoot"/>
-      </p:par>
-    </p:tnLst>
-  </p:timing>
-</p:sld>
-</file>
-
-<file path=ppt/slides/slide5.xml><?xml version="1.0" encoding="utf-8"?>
-<p:sld xmlns:a="http://schemas.openxmlformats.org/drawingml/2006/main" xmlns:r="http://schemas.openxmlformats.org/officeDocument/2006/relationships" xmlns:p="http://schemas.openxmlformats.org/presentationml/2006/main">
-  <p:cSld>
-    <p:spTree>
-      <p:nvGrpSpPr>
-        <p:cNvPr id="1" name=""/>
-        <p:cNvGrpSpPr/>
-        <p:nvPr/>
-      </p:nvGrpSpPr>
-      <p:grpSpPr>
-        <a:xfrm>
-          <a:off x="0" y="0"/>
-          <a:ext cx="0" cy="0"/>
-          <a:chOff x="0" y="0"/>
-          <a:chExt cx="0" cy="0"/>
-        </a:xfrm>
-      </p:grpSpPr>
-      <p:sp>
-        <p:nvSpPr>
-          <p:cNvPr id="2" name="Title 1"/>
-          <p:cNvSpPr>
-            <a:spLocks noGrp="1"/>
-          </p:cNvSpPr>
-          <p:nvPr>
-            <p:ph type="title"/>
-          </p:nvPr>
-        </p:nvSpPr>
-        <p:spPr/>
-        <p:txBody>
-          <a:bodyPr/>
-          <a:lstStyle/>
-          <a:p>
-            <a:r>
-              <a:rPr lang="es-ES_tradnl" dirty="0" smtClean="0"/>
-              <a:t>Arquitectura</a:t>
-            </a:r>
-            <a:endParaRPr lang="es-ES_tradnl" dirty="0"/>
-          </a:p>
-        </p:txBody>
-      </p:sp>
-      <p:pic>
-        <p:nvPicPr>
-          <p:cNvPr id="5" name="Content Placeholder 4"/>
-          <p:cNvPicPr>
-            <a:picLocks noGrp="1" noChangeAspect="1"/>
-          </p:cNvPicPr>
-          <p:nvPr>
-            <p:ph idx="1"/>
-          </p:nvPr>
-        </p:nvPicPr>
-        <p:blipFill>
-          <a:blip r:embed="rId2">
-            <a:extLst>
-              <a:ext uri="{28A0092B-C50C-407E-A947-70E740481C1C}">
-                <a14:useLocalDpi xmlns:a14="http://schemas.microsoft.com/office/drawing/2010/main" val="0"/>
-              </a:ext>
-            </a:extLst>
-          </a:blip>
-          <a:stretch>
-            <a:fillRect/>
-          </a:stretch>
-        </p:blipFill>
-        <p:spPr>
-          <a:xfrm>
-            <a:off x="2428875" y="2004219"/>
-            <a:ext cx="6261100" cy="4000500"/>
-          </a:xfrm>
-        </p:spPr>
-      </p:pic>
-      <p:sp>
-        <p:nvSpPr>
-          <p:cNvPr id="4" name="Slide Number Placeholder 3"/>
-          <p:cNvSpPr>
-            <a:spLocks noGrp="1"/>
-          </p:cNvSpPr>
-          <p:nvPr>
-            <p:ph type="sldNum" sz="quarter" idx="12"/>
-          </p:nvPr>
-        </p:nvSpPr>
-        <p:spPr/>
-        <p:txBody>
-          <a:bodyPr>
-            <a:normAutofit lnSpcReduction="10000"/>
-          </a:bodyPr>
-          <a:lstStyle/>
-          <a:p>
-            <a:fld id="{66B77C49-310C-4D67-A641-7D2CCF3E3B8A}" type="slidenum">
-              <a:rPr lang="es-ES_tradnl" smtClean="0"/>
-              <a:t>4</a:t>
-            </a:fld>
-            <a:endParaRPr lang="es-ES_tradnl" dirty="0"/>
-          </a:p>
-        </p:txBody>
-      </p:sp>
-      <p:sp>
-        <p:nvSpPr>
-          <p:cNvPr id="3" name="TextBox 2"/>
-          <p:cNvSpPr txBox="1"/>
-          <p:nvPr/>
-        </p:nvSpPr>
-        <p:spPr>
-          <a:xfrm>
-            <a:off x="2631440" y="6156960"/>
-            <a:ext cx="5128327" cy="369332"/>
-          </a:xfrm>
-          <a:prstGeom prst="rect">
-            <a:avLst/>
-          </a:prstGeom>
-          <a:noFill/>
-        </p:spPr>
-        <p:txBody>
-          <a:bodyPr wrap="none" rtlCol="0">
-            <a:spAutoFit/>
-          </a:bodyPr>
-          <a:lstStyle/>
-          <a:p>
-            <a:r>
-              <a:rPr lang="es-ES_tradnl" dirty="0" smtClean="0"/>
-              <a:t>Fig</a:t>
-            </a:r>
-            <a:r>
-              <a:rPr lang="es-ES_tradnl" dirty="0" smtClean="0"/>
-              <a:t>. 2: </a:t>
-            </a:r>
-            <a:r>
-              <a:rPr lang="es-ES_tradnl" dirty="0" smtClean="0"/>
-              <a:t>Diagrama de despliegue de la solución.</a:t>
-            </a:r>
-            <a:endParaRPr lang="es-ES_tradnl" dirty="0"/>
-          </a:p>
-        </p:txBody>
-      </p:sp>
-      <p:pic>
-        <p:nvPicPr>
-          <p:cNvPr id="6" name="Picture 2" descr="Resultado de imagen para duoc"/>
-          <p:cNvPicPr>
-            <a:picLocks noChangeAspect="1" noChangeArrowheads="1"/>
-          </p:cNvPicPr>
-          <p:nvPr/>
-        </p:nvPicPr>
-        <p:blipFill rotWithShape="1">
-          <a:blip r:embed="rId3">
-            <a:extLst>
-              <a:ext uri="{28A0092B-C50C-407E-A947-70E740481C1C}">
-                <a14:useLocalDpi xmlns:a14="http://schemas.microsoft.com/office/drawing/2010/main" val="0"/>
-              </a:ext>
-            </a:extLst>
-          </a:blip>
-          <a:srcRect t="13892" r="19022"/>
-          <a:stretch/>
-        </p:blipFill>
-        <p:spPr bwMode="auto">
-          <a:xfrm>
-            <a:off x="9023169" y="378822"/>
-            <a:ext cx="2001883" cy="524910"/>
-          </a:xfrm>
-          <a:prstGeom prst="rect">
-            <a:avLst/>
-          </a:prstGeom>
-          <a:noFill/>
-          <a:extLst>
-            <a:ext uri="{909E8E84-426E-40DD-AFC4-6F175D3DCCD1}">
-              <a14:hiddenFill xmlns:a14="http://schemas.microsoft.com/office/drawing/2010/main">
-                <a:solidFill>
-                  <a:srgbClr val="FFFFFF"/>
-                </a:solidFill>
-              </a14:hiddenFill>
-            </a:ext>
-          </a:extLst>
-        </p:spPr>
-      </p:pic>
-    </p:spTree>
-    <p:extLst>
-      <p:ext uri="{BB962C8B-B14F-4D97-AF65-F5344CB8AC3E}">
-        <p14:creationId xmlns:p14="http://schemas.microsoft.com/office/powerpoint/2010/main" val="1927018322"/>
-      </p:ext>
-    </p:extLst>
-  </p:cSld>
-  <p:clrMapOvr>
-    <a:masterClrMapping/>
-  </p:clrMapOvr>
-  <mc:AlternateContent xmlns:mc="http://schemas.openxmlformats.org/markup-compatibility/2006" xmlns:p14="http://schemas.microsoft.com/office/powerpoint/2010/main">
-    <mc:Choice Requires="p14">
-      <p:transition p14:dur="150">
-        <p:fade/>
-      </p:transition>
-    </mc:Choice>
-    <mc:Fallback xmlns="">
-      <p:transition>
-        <p:fade/>
-      </p:transition>
-    </mc:Fallback>
-  </mc:AlternateContent>
-  <p:timing>
-    <p:tnLst>
-      <p:par>
-        <p:cTn id="1" dur="indefinite" restart="never" nodeType="tmRoot"/>
-      </p:par>
-    </p:tnLst>
-  </p:timing>
-</p:sld>
-</file>
-
-<file path=ppt/slides/slide6.xml><?xml version="1.0" encoding="utf-8"?>
-<p:sld xmlns:a="http://schemas.openxmlformats.org/drawingml/2006/main" xmlns:r="http://schemas.openxmlformats.org/officeDocument/2006/relationships" xmlns:p="http://schemas.openxmlformats.org/presentationml/2006/main">
-  <p:cSld>
-    <p:spTree>
-      <p:nvGrpSpPr>
-        <p:cNvPr id="1" name=""/>
-        <p:cNvGrpSpPr/>
-        <p:nvPr/>
-      </p:nvGrpSpPr>
-      <p:grpSpPr>
-        <a:xfrm>
-          <a:off x="0" y="0"/>
-          <a:ext cx="0" cy="0"/>
-          <a:chOff x="0" y="0"/>
-          <a:chExt cx="0" cy="0"/>
-        </a:xfrm>
-      </p:grpSpPr>
-      <p:sp>
-        <p:nvSpPr>
-          <p:cNvPr id="2" name="Title 1"/>
-          <p:cNvSpPr>
-            <a:spLocks noGrp="1"/>
-          </p:cNvSpPr>
-          <p:nvPr>
-            <p:ph type="title"/>
-          </p:nvPr>
-        </p:nvSpPr>
-        <p:spPr/>
-        <p:txBody>
-          <a:bodyPr/>
-          <a:lstStyle/>
-          <a:p>
-            <a:r>
-              <a:rPr lang="es-ES_tradnl" dirty="0" smtClean="0"/>
-              <a:t>Modelo de datos</a:t>
-            </a:r>
-            <a:endParaRPr lang="es-ES_tradnl" dirty="0"/>
-          </a:p>
-        </p:txBody>
-      </p:sp>
-      <p:sp>
-        <p:nvSpPr>
-          <p:cNvPr id="3" name="Content Placeholder 2"/>
-          <p:cNvSpPr>
-            <a:spLocks noGrp="1"/>
-          </p:cNvSpPr>
-          <p:nvPr>
-            <p:ph idx="1"/>
-          </p:nvPr>
-        </p:nvSpPr>
-        <p:spPr/>
-        <p:txBody>
-          <a:bodyPr>
-            <a:normAutofit/>
-          </a:bodyPr>
-          <a:lstStyle/>
-          <a:p>
-            <a:pPr>
-              <a:lnSpc>
-                <a:spcPct val="100000"/>
-              </a:lnSpc>
-              <a:spcBef>
-                <a:spcPts val="0"/>
-              </a:spcBef>
-              <a:spcAft>
-                <a:spcPts val="0"/>
-              </a:spcAft>
-              <a:buClrTx/>
-              <a:buSzTx/>
-            </a:pPr>
-            <a:r>
-              <a:rPr lang="es-ES_tradnl" sz="4800" dirty="0" smtClean="0"/>
-              <a:t>2 bases de datos:</a:t>
-            </a:r>
-          </a:p>
-          <a:p>
-            <a:pPr lvl="1">
-              <a:lnSpc>
-                <a:spcPct val="100000"/>
-              </a:lnSpc>
-              <a:spcBef>
-                <a:spcPts val="0"/>
-              </a:spcBef>
-              <a:spcAft>
-                <a:spcPts val="0"/>
-              </a:spcAft>
-              <a:buClrTx/>
-            </a:pPr>
-            <a:r>
-              <a:rPr lang="es-ES_tradnl" sz="4400" dirty="0" smtClean="0"/>
-              <a:t>CMH – 27 tablas.</a:t>
-            </a:r>
-          </a:p>
-          <a:p>
-            <a:pPr lvl="1">
-              <a:lnSpc>
-                <a:spcPct val="100000"/>
-              </a:lnSpc>
-              <a:spcBef>
-                <a:spcPts val="0"/>
-              </a:spcBef>
-              <a:spcAft>
-                <a:spcPts val="0"/>
-              </a:spcAft>
-              <a:buClrTx/>
-            </a:pPr>
-            <a:r>
-              <a:rPr lang="es-ES_tradnl" sz="4400" dirty="0" smtClean="0"/>
-              <a:t>Seguros – 6 tablas.</a:t>
-            </a:r>
-          </a:p>
-          <a:p>
-            <a:pPr>
-              <a:lnSpc>
-                <a:spcPct val="100000"/>
-              </a:lnSpc>
-              <a:spcBef>
-                <a:spcPts val="0"/>
-              </a:spcBef>
-              <a:spcAft>
-                <a:spcPts val="0"/>
-              </a:spcAft>
-              <a:buClrTx/>
-            </a:pPr>
-            <a:endParaRPr lang="es-ES_tradnl" sz="4400" dirty="0" smtClean="0"/>
-          </a:p>
-          <a:p>
-            <a:pPr>
-              <a:lnSpc>
-                <a:spcPct val="100000"/>
-              </a:lnSpc>
-              <a:spcBef>
-                <a:spcPts val="0"/>
-              </a:spcBef>
-              <a:spcAft>
-                <a:spcPts val="0"/>
-              </a:spcAft>
-              <a:buClrTx/>
-            </a:pPr>
-            <a:r>
-              <a:rPr lang="es-ES_tradnl" sz="4400" dirty="0" smtClean="0"/>
-              <a:t>Cubren 100% de los casos de uso.</a:t>
-            </a:r>
-            <a:endParaRPr lang="es-ES_tradnl" sz="4400" dirty="0"/>
-          </a:p>
-        </p:txBody>
-      </p:sp>
-      <p:sp>
-        <p:nvSpPr>
-          <p:cNvPr id="4" name="Slide Number Placeholder 3"/>
-          <p:cNvSpPr>
-            <a:spLocks noGrp="1"/>
-          </p:cNvSpPr>
-          <p:nvPr>
-            <p:ph type="sldNum" sz="quarter" idx="12"/>
-          </p:nvPr>
-        </p:nvSpPr>
-        <p:spPr/>
-        <p:txBody>
-          <a:bodyPr>
-            <a:normAutofit lnSpcReduction="10000"/>
-          </a:bodyPr>
-          <a:lstStyle/>
-          <a:p>
-            <a:fld id="{66B77C49-310C-4D67-A641-7D2CCF3E3B8A}" type="slidenum">
-              <a:rPr lang="es-CL" smtClean="0"/>
-              <a:t>5</a:t>
-            </a:fld>
-            <a:endParaRPr lang="es-CL"/>
-          </a:p>
-        </p:txBody>
-      </p:sp>
-      <p:pic>
-        <p:nvPicPr>
-          <p:cNvPr id="5" name="Picture 2" descr="Resultado de imagen para duoc"/>
-          <p:cNvPicPr>
-            <a:picLocks noChangeAspect="1" noChangeArrowheads="1"/>
-          </p:cNvPicPr>
-          <p:nvPr/>
-        </p:nvPicPr>
-        <p:blipFill rotWithShape="1">
-          <a:blip r:embed="rId2">
-            <a:extLst>
-              <a:ext uri="{28A0092B-C50C-407E-A947-70E740481C1C}">
-                <a14:useLocalDpi xmlns:a14="http://schemas.microsoft.com/office/drawing/2010/main" val="0"/>
-              </a:ext>
-            </a:extLst>
-          </a:blip>
-          <a:srcRect t="13892" r="19022"/>
-          <a:stretch/>
-        </p:blipFill>
-        <p:spPr bwMode="auto">
-          <a:xfrm>
-            <a:off x="9023169" y="378822"/>
-            <a:ext cx="2001883" cy="524910"/>
-          </a:xfrm>
-          <a:prstGeom prst="rect">
-            <a:avLst/>
-          </a:prstGeom>
-          <a:noFill/>
-          <a:extLst>
-            <a:ext uri="{909E8E84-426E-40DD-AFC4-6F175D3DCCD1}">
-              <a14:hiddenFill xmlns:a14="http://schemas.microsoft.com/office/drawing/2010/main">
-                <a:solidFill>
-                  <a:srgbClr val="FFFFFF"/>
-                </a:solidFill>
-              </a14:hiddenFill>
-            </a:ext>
-          </a:extLst>
-        </p:spPr>
-      </p:pic>
-    </p:spTree>
-    <p:extLst>
-      <p:ext uri="{BB962C8B-B14F-4D97-AF65-F5344CB8AC3E}">
-        <p14:creationId xmlns:p14="http://schemas.microsoft.com/office/powerpoint/2010/main" val="489582192"/>
-      </p:ext>
-    </p:extLst>
-  </p:cSld>
-  <p:clrMapOvr>
-    <a:masterClrMapping/>
-  </p:clrMapOvr>
-  <mc:AlternateContent xmlns:mc="http://schemas.openxmlformats.org/markup-compatibility/2006" xmlns:p14="http://schemas.microsoft.com/office/powerpoint/2010/main">
-    <mc:Choice Requires="p14">
-      <p:transition p14:dur="150">
-        <p:fade/>
-      </p:transition>
-    </mc:Choice>
-    <mc:Fallback xmlns="">
-      <p:transition>
-        <p:fade/>
-      </p:transition>
-    </mc:Fallback>
-  </mc:AlternateContent>
-  <p:timing>
-    <p:tnLst>
-      <p:par>
-        <p:cTn id="1" dur="indefinite" restart="never" nodeType="tmRoot"/>
-      </p:par>
-    </p:tnLst>
-  </p:timing>
-</p:sld>
-</file>
-
-<file path=ppt/slides/slide7.xml><?xml version="1.0" encoding="utf-8"?>
-<p:sld xmlns:a="http://schemas.openxmlformats.org/drawingml/2006/main" xmlns:r="http://schemas.openxmlformats.org/officeDocument/2006/relationships" xmlns:p="http://schemas.openxmlformats.org/presentationml/2006/main">
-  <p:cSld>
-    <p:spTree>
-      <p:nvGrpSpPr>
-        <p:cNvPr id="1" name=""/>
-        <p:cNvGrpSpPr/>
-        <p:nvPr/>
-      </p:nvGrpSpPr>
-      <p:grpSpPr>
-        <a:xfrm>
-          <a:off x="0" y="0"/>
-          <a:ext cx="0" cy="0"/>
-          <a:chOff x="0" y="0"/>
-          <a:chExt cx="0" cy="0"/>
-        </a:xfrm>
-      </p:grpSpPr>
-      <p:sp>
-        <p:nvSpPr>
-          <p:cNvPr id="2" name="Title 1"/>
-          <p:cNvSpPr>
-            <a:spLocks noGrp="1"/>
-          </p:cNvSpPr>
-          <p:nvPr>
-            <p:ph type="title"/>
-          </p:nvPr>
-        </p:nvSpPr>
-        <p:spPr/>
-        <p:txBody>
-          <a:bodyPr/>
-          <a:lstStyle/>
-          <a:p>
-            <a:r>
-              <a:rPr lang="es-ES_tradnl" dirty="0" smtClean="0"/>
               <a:t>Modelo de datos</a:t>
             </a:r>
             <a:br>
@@ -6982,7 +5110,7 @@
           <a:p>
             <a:fld id="{66B77C49-310C-4D67-A641-7D2CCF3E3B8A}" type="slidenum">
               <a:rPr lang="es-CL" smtClean="0"/>
-              <a:t>6</a:t>
+              <a:t>9</a:t>
             </a:fld>
             <a:endParaRPr lang="es-CL"/>
           </a:p>
@@ -7012,15 +5140,7 @@
           <a:p>
             <a:r>
               <a:rPr lang="es-ES_tradnl" dirty="0" smtClean="0"/>
-              <a:t>Fig. </a:t>
-            </a:r>
-            <a:r>
-              <a:rPr lang="es-ES_tradnl" dirty="0" smtClean="0"/>
-              <a:t>3: </a:t>
-            </a:r>
-            <a:r>
-              <a:rPr lang="es-ES_tradnl" dirty="0" smtClean="0"/>
-              <a:t>Modelo de datos de CMH.</a:t>
+              <a:t>Fig. 3: Modelo de datos de CMH.</a:t>
             </a:r>
           </a:p>
         </p:txBody>
@@ -7096,7 +5216,7 @@
 </p:sld>
 </file>
 
-<file path=ppt/slides/slide8.xml><?xml version="1.0" encoding="utf-8"?>
+<file path=ppt/slides/slide11.xml><?xml version="1.0" encoding="utf-8"?>
 <p:sld xmlns:a="http://schemas.openxmlformats.org/drawingml/2006/main" xmlns:r="http://schemas.openxmlformats.org/officeDocument/2006/relationships" xmlns:p="http://schemas.openxmlformats.org/presentationml/2006/main">
   <p:cSld>
     <p:spTree>
@@ -7132,7 +5252,7 @@
           <a:p>
             <a:fld id="{66B77C49-310C-4D67-A641-7D2CCF3E3B8A}" type="slidenum">
               <a:rPr lang="es-ES_tradnl" smtClean="0"/>
-              <a:t>7</a:t>
+              <a:t>10</a:t>
             </a:fld>
             <a:endParaRPr lang="es-ES_tradnl" dirty="0"/>
           </a:p>
@@ -7215,15 +5335,7 @@
           <a:p>
             <a:r>
               <a:rPr lang="es-ES_tradnl" dirty="0" smtClean="0"/>
-              <a:t>Fig. </a:t>
-            </a:r>
-            <a:r>
-              <a:rPr lang="es-ES_tradnl" dirty="0" smtClean="0"/>
-              <a:t>4: </a:t>
-            </a:r>
-            <a:r>
-              <a:rPr lang="es-ES_tradnl" dirty="0" smtClean="0"/>
-              <a:t>Modelo de datos del web service aseguradora.</a:t>
+              <a:t>Fig. 4: Modelo de datos del web service aseguradora.</a:t>
             </a:r>
             <a:endParaRPr lang="es-ES_tradnl" dirty="0"/>
           </a:p>
@@ -7300,7 +5412,7 @@
 </p:sld>
 </file>
 
-<file path=ppt/slides/slide9.xml><?xml version="1.0" encoding="utf-8"?>
+<file path=ppt/slides/slide12.xml><?xml version="1.0" encoding="utf-8"?>
 <p:sld xmlns:a="http://schemas.openxmlformats.org/drawingml/2006/main" xmlns:r="http://schemas.openxmlformats.org/officeDocument/2006/relationships" xmlns:p="http://schemas.openxmlformats.org/presentationml/2006/main">
   <p:cSld>
     <p:spTree>
@@ -7359,7 +5471,7 @@
           <a:p>
             <a:fld id="{66B77C49-310C-4D67-A641-7D2CCF3E3B8A}" type="slidenum">
               <a:rPr lang="es-ES_tradnl" smtClean="0"/>
-              <a:t>8</a:t>
+              <a:t>11</a:t>
             </a:fld>
             <a:endParaRPr lang="es-ES_tradnl" dirty="0"/>
           </a:p>
@@ -7467,6 +5579,2324 @@
     <p:extLst>
       <p:ext uri="{BB962C8B-B14F-4D97-AF65-F5344CB8AC3E}">
         <p14:creationId xmlns:p14="http://schemas.microsoft.com/office/powerpoint/2010/main" val="1819135733"/>
+      </p:ext>
+    </p:extLst>
+  </p:cSld>
+  <p:clrMapOvr>
+    <a:masterClrMapping/>
+  </p:clrMapOvr>
+  <mc:AlternateContent xmlns:mc="http://schemas.openxmlformats.org/markup-compatibility/2006" xmlns:p14="http://schemas.microsoft.com/office/powerpoint/2010/main">
+    <mc:Choice Requires="p14">
+      <p:transition p14:dur="150">
+        <p:fade/>
+      </p:transition>
+    </mc:Choice>
+    <mc:Fallback xmlns="">
+      <p:transition>
+        <p:fade/>
+      </p:transition>
+    </mc:Fallback>
+  </mc:AlternateContent>
+  <p:timing>
+    <p:tnLst>
+      <p:par>
+        <p:cTn id="1" dur="indefinite" restart="never" nodeType="tmRoot"/>
+      </p:par>
+    </p:tnLst>
+  </p:timing>
+</p:sld>
+</file>
+
+<file path=ppt/slides/slide13.xml><?xml version="1.0" encoding="utf-8"?>
+<p:sld xmlns:a="http://schemas.openxmlformats.org/drawingml/2006/main" xmlns:r="http://schemas.openxmlformats.org/officeDocument/2006/relationships" xmlns:p="http://schemas.openxmlformats.org/presentationml/2006/main">
+  <p:cSld>
+    <p:spTree>
+      <p:nvGrpSpPr>
+        <p:cNvPr id="1" name=""/>
+        <p:cNvGrpSpPr/>
+        <p:nvPr/>
+      </p:nvGrpSpPr>
+      <p:grpSpPr>
+        <a:xfrm>
+          <a:off x="0" y="0"/>
+          <a:ext cx="0" cy="0"/>
+          <a:chOff x="0" y="0"/>
+          <a:chExt cx="0" cy="0"/>
+        </a:xfrm>
+      </p:grpSpPr>
+      <p:sp>
+        <p:nvSpPr>
+          <p:cNvPr id="2" name="Title 1"/>
+          <p:cNvSpPr>
+            <a:spLocks noGrp="1"/>
+          </p:cNvSpPr>
+          <p:nvPr>
+            <p:ph type="title"/>
+          </p:nvPr>
+        </p:nvSpPr>
+        <p:spPr/>
+        <p:txBody>
+          <a:bodyPr/>
+          <a:lstStyle/>
+          <a:p>
+            <a:r>
+              <a:rPr lang="es-ES_tradnl" dirty="0" smtClean="0"/>
+              <a:t>Modelo de clases</a:t>
+            </a:r>
+            <a:endParaRPr lang="es-ES_tradnl" dirty="0"/>
+          </a:p>
+        </p:txBody>
+      </p:sp>
+      <p:sp>
+        <p:nvSpPr>
+          <p:cNvPr id="3" name="Content Placeholder 2"/>
+          <p:cNvSpPr>
+            <a:spLocks noGrp="1"/>
+          </p:cNvSpPr>
+          <p:nvPr>
+            <p:ph idx="1"/>
+          </p:nvPr>
+        </p:nvSpPr>
+        <p:spPr/>
+        <p:txBody>
+          <a:bodyPr>
+            <a:normAutofit/>
+          </a:bodyPr>
+          <a:lstStyle/>
+          <a:p>
+            <a:r>
+              <a:rPr lang="es-ES_tradnl" sz="4400" dirty="0" smtClean="0"/>
+              <a:t>Paquetes Java:</a:t>
+            </a:r>
+          </a:p>
+          <a:p>
+            <a:pPr lvl="1"/>
+            <a:r>
+              <a:rPr lang="es-ES_tradnl" sz="4000" dirty="0" smtClean="0"/>
+              <a:t>cmh.lib.dal: Persistencia.</a:t>
+            </a:r>
+          </a:p>
+          <a:p>
+            <a:pPr lvl="1"/>
+            <a:r>
+              <a:rPr lang="es-ES_tradnl" sz="4000" dirty="0" smtClean="0"/>
+              <a:t>cmh.webapp.bl: Lógica de negocios.</a:t>
+            </a:r>
+          </a:p>
+          <a:p>
+            <a:pPr lvl="1"/>
+            <a:r>
+              <a:rPr lang="es-ES_tradnl" sz="4000" dirty="0" smtClean="0"/>
+              <a:t>cmh.servpago: Servicio de pago automático.</a:t>
+            </a:r>
+            <a:endParaRPr lang="es-ES_tradnl" sz="4000" dirty="0"/>
+          </a:p>
+        </p:txBody>
+      </p:sp>
+      <p:sp>
+        <p:nvSpPr>
+          <p:cNvPr id="4" name="Slide Number Placeholder 3"/>
+          <p:cNvSpPr>
+            <a:spLocks noGrp="1"/>
+          </p:cNvSpPr>
+          <p:nvPr>
+            <p:ph type="sldNum" sz="quarter" idx="12"/>
+          </p:nvPr>
+        </p:nvSpPr>
+        <p:spPr/>
+        <p:txBody>
+          <a:bodyPr>
+            <a:normAutofit lnSpcReduction="10000"/>
+          </a:bodyPr>
+          <a:lstStyle/>
+          <a:p>
+            <a:fld id="{66B77C49-310C-4D67-A641-7D2CCF3E3B8A}" type="slidenum">
+              <a:rPr lang="es-ES_tradnl" smtClean="0"/>
+              <a:t>12</a:t>
+            </a:fld>
+            <a:endParaRPr lang="es-ES_tradnl" dirty="0"/>
+          </a:p>
+        </p:txBody>
+      </p:sp>
+      <p:pic>
+        <p:nvPicPr>
+          <p:cNvPr id="5" name="Picture 2" descr="Resultado de imagen para duoc"/>
+          <p:cNvPicPr>
+            <a:picLocks noChangeAspect="1" noChangeArrowheads="1"/>
+          </p:cNvPicPr>
+          <p:nvPr/>
+        </p:nvPicPr>
+        <p:blipFill rotWithShape="1">
+          <a:blip r:embed="rId2">
+            <a:extLst>
+              <a:ext uri="{28A0092B-C50C-407E-A947-70E740481C1C}">
+                <a14:useLocalDpi xmlns:a14="http://schemas.microsoft.com/office/drawing/2010/main" val="0"/>
+              </a:ext>
+            </a:extLst>
+          </a:blip>
+          <a:srcRect t="13892" r="19022"/>
+          <a:stretch/>
+        </p:blipFill>
+        <p:spPr bwMode="auto">
+          <a:xfrm>
+            <a:off x="9023169" y="378822"/>
+            <a:ext cx="2001883" cy="524910"/>
+          </a:xfrm>
+          <a:prstGeom prst="rect">
+            <a:avLst/>
+          </a:prstGeom>
+          <a:noFill/>
+          <a:extLst>
+            <a:ext uri="{909E8E84-426E-40DD-AFC4-6F175D3DCCD1}">
+              <a14:hiddenFill xmlns:a14="http://schemas.microsoft.com/office/drawing/2010/main">
+                <a:solidFill>
+                  <a:srgbClr val="FFFFFF"/>
+                </a:solidFill>
+              </a14:hiddenFill>
+            </a:ext>
+          </a:extLst>
+        </p:spPr>
+      </p:pic>
+    </p:spTree>
+    <p:extLst>
+      <p:ext uri="{BB962C8B-B14F-4D97-AF65-F5344CB8AC3E}">
+        <p14:creationId xmlns:p14="http://schemas.microsoft.com/office/powerpoint/2010/main" val="823817472"/>
+      </p:ext>
+    </p:extLst>
+  </p:cSld>
+  <p:clrMapOvr>
+    <a:masterClrMapping/>
+  </p:clrMapOvr>
+  <mc:AlternateContent xmlns:mc="http://schemas.openxmlformats.org/markup-compatibility/2006" xmlns:p14="http://schemas.microsoft.com/office/powerpoint/2010/main">
+    <mc:Choice Requires="p14">
+      <p:transition p14:dur="150">
+        <p:fade/>
+      </p:transition>
+    </mc:Choice>
+    <mc:Fallback xmlns="">
+      <p:transition>
+        <p:fade/>
+      </p:transition>
+    </mc:Fallback>
+  </mc:AlternateContent>
+  <p:timing>
+    <p:tnLst>
+      <p:par>
+        <p:cTn id="1" dur="indefinite" restart="never" nodeType="tmRoot"/>
+      </p:par>
+    </p:tnLst>
+  </p:timing>
+</p:sld>
+</file>
+
+<file path=ppt/slides/slide14.xml><?xml version="1.0" encoding="utf-8"?>
+<p:sld xmlns:a="http://schemas.openxmlformats.org/drawingml/2006/main" xmlns:r="http://schemas.openxmlformats.org/officeDocument/2006/relationships" xmlns:p="http://schemas.openxmlformats.org/presentationml/2006/main">
+  <p:cSld>
+    <p:spTree>
+      <p:nvGrpSpPr>
+        <p:cNvPr id="1" name=""/>
+        <p:cNvGrpSpPr/>
+        <p:nvPr/>
+      </p:nvGrpSpPr>
+      <p:grpSpPr>
+        <a:xfrm>
+          <a:off x="0" y="0"/>
+          <a:ext cx="0" cy="0"/>
+          <a:chOff x="0" y="0"/>
+          <a:chExt cx="0" cy="0"/>
+        </a:xfrm>
+      </p:grpSpPr>
+      <p:sp>
+        <p:nvSpPr>
+          <p:cNvPr id="2" name="Title 1"/>
+          <p:cNvSpPr>
+            <a:spLocks noGrp="1"/>
+          </p:cNvSpPr>
+          <p:nvPr>
+            <p:ph type="title"/>
+          </p:nvPr>
+        </p:nvSpPr>
+        <p:spPr/>
+        <p:txBody>
+          <a:bodyPr/>
+          <a:lstStyle/>
+          <a:p>
+            <a:r>
+              <a:rPr lang="es-ES_tradnl" dirty="0" smtClean="0"/>
+              <a:t>Modelo de clases</a:t>
+            </a:r>
+            <a:endParaRPr lang="es-ES_tradnl" dirty="0"/>
+          </a:p>
+        </p:txBody>
+      </p:sp>
+      <p:sp>
+        <p:nvSpPr>
+          <p:cNvPr id="3" name="Content Placeholder 2"/>
+          <p:cNvSpPr>
+            <a:spLocks noGrp="1"/>
+          </p:cNvSpPr>
+          <p:nvPr>
+            <p:ph idx="1"/>
+          </p:nvPr>
+        </p:nvSpPr>
+        <p:spPr/>
+        <p:txBody>
+          <a:bodyPr>
+            <a:normAutofit/>
+          </a:bodyPr>
+          <a:lstStyle/>
+          <a:p>
+            <a:r>
+              <a:rPr lang="es-ES_tradnl" sz="4000" dirty="0" smtClean="0"/>
+              <a:t>Paquetes .NET:</a:t>
+            </a:r>
+          </a:p>
+          <a:p>
+            <a:pPr lvl="1"/>
+            <a:r>
+              <a:rPr lang="es-ES_tradnl" sz="3600" dirty="0" smtClean="0"/>
+              <a:t>CMH.Terminal.DAL: Persistencia </a:t>
+            </a:r>
+            <a:r>
+              <a:rPr lang="es-ES_tradnl" sz="3600" dirty="0" err="1" smtClean="0"/>
+              <a:t>Entity</a:t>
+            </a:r>
+            <a:r>
+              <a:rPr lang="es-ES_tradnl" sz="3600" dirty="0" smtClean="0"/>
+              <a:t> Framework.</a:t>
+            </a:r>
+          </a:p>
+          <a:p>
+            <a:pPr lvl="1"/>
+            <a:r>
+              <a:rPr lang="es-ES_tradnl" sz="3600" dirty="0" smtClean="0"/>
+              <a:t>CMH.Terminal.BL: Lógica de negocios del terminal.</a:t>
+            </a:r>
+          </a:p>
+          <a:p>
+            <a:pPr lvl="1"/>
+            <a:r>
+              <a:rPr lang="es-ES_tradnl" sz="3600" dirty="0" smtClean="0"/>
+              <a:t>CMH.Seguro: Persistencia, lógica de negocios e implementación de web service.</a:t>
+            </a:r>
+          </a:p>
+        </p:txBody>
+      </p:sp>
+      <p:sp>
+        <p:nvSpPr>
+          <p:cNvPr id="4" name="Slide Number Placeholder 3"/>
+          <p:cNvSpPr>
+            <a:spLocks noGrp="1"/>
+          </p:cNvSpPr>
+          <p:nvPr>
+            <p:ph type="sldNum" sz="quarter" idx="12"/>
+          </p:nvPr>
+        </p:nvSpPr>
+        <p:spPr/>
+        <p:txBody>
+          <a:bodyPr>
+            <a:normAutofit lnSpcReduction="10000"/>
+          </a:bodyPr>
+          <a:lstStyle/>
+          <a:p>
+            <a:fld id="{66B77C49-310C-4D67-A641-7D2CCF3E3B8A}" type="slidenum">
+              <a:rPr lang="es-ES_tradnl" smtClean="0"/>
+              <a:t>13</a:t>
+            </a:fld>
+            <a:endParaRPr lang="es-ES_tradnl" dirty="0"/>
+          </a:p>
+        </p:txBody>
+      </p:sp>
+      <p:pic>
+        <p:nvPicPr>
+          <p:cNvPr id="5" name="Picture 2" descr="Resultado de imagen para duoc"/>
+          <p:cNvPicPr>
+            <a:picLocks noChangeAspect="1" noChangeArrowheads="1"/>
+          </p:cNvPicPr>
+          <p:nvPr/>
+        </p:nvPicPr>
+        <p:blipFill rotWithShape="1">
+          <a:blip r:embed="rId2">
+            <a:extLst>
+              <a:ext uri="{28A0092B-C50C-407E-A947-70E740481C1C}">
+                <a14:useLocalDpi xmlns:a14="http://schemas.microsoft.com/office/drawing/2010/main" val="0"/>
+              </a:ext>
+            </a:extLst>
+          </a:blip>
+          <a:srcRect t="13892" r="19022"/>
+          <a:stretch/>
+        </p:blipFill>
+        <p:spPr bwMode="auto">
+          <a:xfrm>
+            <a:off x="9023169" y="378822"/>
+            <a:ext cx="2001883" cy="524910"/>
+          </a:xfrm>
+          <a:prstGeom prst="rect">
+            <a:avLst/>
+          </a:prstGeom>
+          <a:noFill/>
+          <a:extLst>
+            <a:ext uri="{909E8E84-426E-40DD-AFC4-6F175D3DCCD1}">
+              <a14:hiddenFill xmlns:a14="http://schemas.microsoft.com/office/drawing/2010/main">
+                <a:solidFill>
+                  <a:srgbClr val="FFFFFF"/>
+                </a:solidFill>
+              </a14:hiddenFill>
+            </a:ext>
+          </a:extLst>
+        </p:spPr>
+      </p:pic>
+    </p:spTree>
+    <p:extLst>
+      <p:ext uri="{BB962C8B-B14F-4D97-AF65-F5344CB8AC3E}">
+        <p14:creationId xmlns:p14="http://schemas.microsoft.com/office/powerpoint/2010/main" val="1756908367"/>
+      </p:ext>
+    </p:extLst>
+  </p:cSld>
+  <p:clrMapOvr>
+    <a:masterClrMapping/>
+  </p:clrMapOvr>
+  <mc:AlternateContent xmlns:mc="http://schemas.openxmlformats.org/markup-compatibility/2006" xmlns:p14="http://schemas.microsoft.com/office/powerpoint/2010/main">
+    <mc:Choice Requires="p14">
+      <p:transition p14:dur="150">
+        <p:fade/>
+      </p:transition>
+    </mc:Choice>
+    <mc:Fallback xmlns="">
+      <p:transition>
+        <p:fade/>
+      </p:transition>
+    </mc:Fallback>
+  </mc:AlternateContent>
+  <p:timing>
+    <p:tnLst>
+      <p:par>
+        <p:cTn id="1" dur="indefinite" restart="never" nodeType="tmRoot"/>
+      </p:par>
+    </p:tnLst>
+  </p:timing>
+</p:sld>
+</file>
+
+<file path=ppt/slides/slide15.xml><?xml version="1.0" encoding="utf-8"?>
+<p:sld xmlns:a="http://schemas.openxmlformats.org/drawingml/2006/main" xmlns:r="http://schemas.openxmlformats.org/officeDocument/2006/relationships" xmlns:p="http://schemas.openxmlformats.org/presentationml/2006/main">
+  <p:cSld>
+    <p:spTree>
+      <p:nvGrpSpPr>
+        <p:cNvPr id="1" name=""/>
+        <p:cNvGrpSpPr/>
+        <p:nvPr/>
+      </p:nvGrpSpPr>
+      <p:grpSpPr>
+        <a:xfrm>
+          <a:off x="0" y="0"/>
+          <a:ext cx="0" cy="0"/>
+          <a:chOff x="0" y="0"/>
+          <a:chExt cx="0" cy="0"/>
+        </a:xfrm>
+      </p:grpSpPr>
+      <p:sp>
+        <p:nvSpPr>
+          <p:cNvPr id="2" name="Title 1"/>
+          <p:cNvSpPr>
+            <a:spLocks noGrp="1"/>
+          </p:cNvSpPr>
+          <p:nvPr>
+            <p:ph type="title"/>
+          </p:nvPr>
+        </p:nvSpPr>
+        <p:spPr/>
+        <p:txBody>
+          <a:bodyPr/>
+          <a:lstStyle/>
+          <a:p>
+            <a:r>
+              <a:rPr lang="es-ES_tradnl" dirty="0" smtClean="0"/>
+              <a:t>Capa de negocio: terminal</a:t>
+            </a:r>
+            <a:endParaRPr lang="es-ES_tradnl" dirty="0"/>
+          </a:p>
+        </p:txBody>
+      </p:sp>
+      <p:sp>
+        <p:nvSpPr>
+          <p:cNvPr id="3" name="Content Placeholder 2"/>
+          <p:cNvSpPr>
+            <a:spLocks noGrp="1"/>
+          </p:cNvSpPr>
+          <p:nvPr>
+            <p:ph idx="1"/>
+          </p:nvPr>
+        </p:nvSpPr>
+        <p:spPr/>
+        <p:txBody>
+          <a:bodyPr>
+            <a:noAutofit/>
+          </a:bodyPr>
+          <a:lstStyle/>
+          <a:p>
+            <a:r>
+              <a:rPr lang="es-ES_tradnl" sz="3600" dirty="0" smtClean="0"/>
+              <a:t>Actualmente en proceso.</a:t>
+            </a:r>
+          </a:p>
+          <a:p>
+            <a:r>
+              <a:rPr lang="es-ES_tradnl" sz="3600" dirty="0" smtClean="0"/>
+              <a:t>50% de las funcionalidades implementadas.</a:t>
+            </a:r>
+          </a:p>
+          <a:p>
+            <a:r>
+              <a:rPr lang="es-ES_tradnl" sz="3600" dirty="0" smtClean="0"/>
+              <a:t>22 tests unitarios, con cobertura de 68% del código.</a:t>
+            </a:r>
+          </a:p>
+          <a:p>
+            <a:r>
+              <a:rPr lang="es-ES_tradnl" sz="3600" dirty="0" smtClean="0"/>
+              <a:t>El test unitario promedio tiene 2,5 casos de prueba.</a:t>
+            </a:r>
+          </a:p>
+          <a:p>
+            <a:endParaRPr lang="es-ES_tradnl" sz="3600" dirty="0"/>
+          </a:p>
+        </p:txBody>
+      </p:sp>
+      <p:sp>
+        <p:nvSpPr>
+          <p:cNvPr id="4" name="Slide Number Placeholder 3"/>
+          <p:cNvSpPr>
+            <a:spLocks noGrp="1"/>
+          </p:cNvSpPr>
+          <p:nvPr>
+            <p:ph type="sldNum" sz="quarter" idx="12"/>
+          </p:nvPr>
+        </p:nvSpPr>
+        <p:spPr/>
+        <p:txBody>
+          <a:bodyPr>
+            <a:normAutofit lnSpcReduction="10000"/>
+          </a:bodyPr>
+          <a:lstStyle/>
+          <a:p>
+            <a:fld id="{66B77C49-310C-4D67-A641-7D2CCF3E3B8A}" type="slidenum">
+              <a:rPr lang="es-ES_tradnl" smtClean="0"/>
+              <a:t>14</a:t>
+            </a:fld>
+            <a:endParaRPr lang="es-ES_tradnl" dirty="0"/>
+          </a:p>
+        </p:txBody>
+      </p:sp>
+      <p:pic>
+        <p:nvPicPr>
+          <p:cNvPr id="5" name="Picture 2" descr="Resultado de imagen para duoc"/>
+          <p:cNvPicPr>
+            <a:picLocks noChangeAspect="1" noChangeArrowheads="1"/>
+          </p:cNvPicPr>
+          <p:nvPr/>
+        </p:nvPicPr>
+        <p:blipFill rotWithShape="1">
+          <a:blip r:embed="rId2">
+            <a:extLst>
+              <a:ext uri="{28A0092B-C50C-407E-A947-70E740481C1C}">
+                <a14:useLocalDpi xmlns:a14="http://schemas.microsoft.com/office/drawing/2010/main" val="0"/>
+              </a:ext>
+            </a:extLst>
+          </a:blip>
+          <a:srcRect t="13892" r="19022"/>
+          <a:stretch/>
+        </p:blipFill>
+        <p:spPr bwMode="auto">
+          <a:xfrm>
+            <a:off x="9023169" y="378822"/>
+            <a:ext cx="2001883" cy="524910"/>
+          </a:xfrm>
+          <a:prstGeom prst="rect">
+            <a:avLst/>
+          </a:prstGeom>
+          <a:noFill/>
+          <a:extLst>
+            <a:ext uri="{909E8E84-426E-40DD-AFC4-6F175D3DCCD1}">
+              <a14:hiddenFill xmlns:a14="http://schemas.microsoft.com/office/drawing/2010/main">
+                <a:solidFill>
+                  <a:srgbClr val="FFFFFF"/>
+                </a:solidFill>
+              </a14:hiddenFill>
+            </a:ext>
+          </a:extLst>
+        </p:spPr>
+      </p:pic>
+    </p:spTree>
+    <p:extLst>
+      <p:ext uri="{BB962C8B-B14F-4D97-AF65-F5344CB8AC3E}">
+        <p14:creationId xmlns:p14="http://schemas.microsoft.com/office/powerpoint/2010/main" val="1990954893"/>
+      </p:ext>
+    </p:extLst>
+  </p:cSld>
+  <p:clrMapOvr>
+    <a:masterClrMapping/>
+  </p:clrMapOvr>
+  <mc:AlternateContent xmlns:mc="http://schemas.openxmlformats.org/markup-compatibility/2006" xmlns:p14="http://schemas.microsoft.com/office/powerpoint/2010/main">
+    <mc:Choice Requires="p14">
+      <p:transition p14:dur="150">
+        <p:fade/>
+      </p:transition>
+    </mc:Choice>
+    <mc:Fallback xmlns="">
+      <p:transition>
+        <p:fade/>
+      </p:transition>
+    </mc:Fallback>
+  </mc:AlternateContent>
+  <p:timing>
+    <p:tnLst>
+      <p:par>
+        <p:cTn id="1" dur="indefinite" restart="never" nodeType="tmRoot"/>
+      </p:par>
+    </p:tnLst>
+  </p:timing>
+</p:sld>
+</file>
+
+<file path=ppt/slides/slide16.xml><?xml version="1.0" encoding="utf-8"?>
+<p:sld xmlns:a="http://schemas.openxmlformats.org/drawingml/2006/main" xmlns:r="http://schemas.openxmlformats.org/officeDocument/2006/relationships" xmlns:p="http://schemas.openxmlformats.org/presentationml/2006/main">
+  <p:cSld>
+    <p:spTree>
+      <p:nvGrpSpPr>
+        <p:cNvPr id="1" name=""/>
+        <p:cNvGrpSpPr/>
+        <p:nvPr/>
+      </p:nvGrpSpPr>
+      <p:grpSpPr>
+        <a:xfrm>
+          <a:off x="0" y="0"/>
+          <a:ext cx="0" cy="0"/>
+          <a:chOff x="0" y="0"/>
+          <a:chExt cx="0" cy="0"/>
+        </a:xfrm>
+      </p:grpSpPr>
+      <p:sp>
+        <p:nvSpPr>
+          <p:cNvPr id="2" name="Título 1"/>
+          <p:cNvSpPr>
+            <a:spLocks noGrp="1"/>
+          </p:cNvSpPr>
+          <p:nvPr>
+            <p:ph type="title"/>
+          </p:nvPr>
+        </p:nvSpPr>
+        <p:spPr/>
+        <p:txBody>
+          <a:bodyPr/>
+          <a:lstStyle/>
+          <a:p>
+            <a:r>
+              <a:rPr lang="es-ES" dirty="0" smtClean="0"/>
+              <a:t>¿Preguntas?</a:t>
+            </a:r>
+            <a:endParaRPr lang="es-CL" dirty="0"/>
+          </a:p>
+        </p:txBody>
+      </p:sp>
+      <p:sp>
+        <p:nvSpPr>
+          <p:cNvPr id="3" name="Marcador de contenido 2"/>
+          <p:cNvSpPr>
+            <a:spLocks noGrp="1"/>
+          </p:cNvSpPr>
+          <p:nvPr>
+            <p:ph idx="1"/>
+          </p:nvPr>
+        </p:nvSpPr>
+        <p:spPr/>
+        <p:txBody>
+          <a:bodyPr/>
+          <a:lstStyle/>
+          <a:p>
+            <a:endParaRPr lang="es-CL"/>
+          </a:p>
+        </p:txBody>
+      </p:sp>
+      <p:sp>
+        <p:nvSpPr>
+          <p:cNvPr id="4" name="Marcador de número de diapositiva 3"/>
+          <p:cNvSpPr>
+            <a:spLocks noGrp="1"/>
+          </p:cNvSpPr>
+          <p:nvPr>
+            <p:ph type="sldNum" sz="quarter" idx="12"/>
+          </p:nvPr>
+        </p:nvSpPr>
+        <p:spPr/>
+        <p:txBody>
+          <a:bodyPr>
+            <a:normAutofit lnSpcReduction="10000"/>
+          </a:bodyPr>
+          <a:lstStyle/>
+          <a:p>
+            <a:fld id="{66B77C49-310C-4D67-A641-7D2CCF3E3B8A}" type="slidenum">
+              <a:rPr lang="es-CL" smtClean="0"/>
+              <a:t>15</a:t>
+            </a:fld>
+            <a:endParaRPr lang="es-CL"/>
+          </a:p>
+        </p:txBody>
+      </p:sp>
+    </p:spTree>
+    <p:extLst>
+      <p:ext uri="{BB962C8B-B14F-4D97-AF65-F5344CB8AC3E}">
+        <p14:creationId xmlns:p14="http://schemas.microsoft.com/office/powerpoint/2010/main" val="1815064936"/>
+      </p:ext>
+    </p:extLst>
+  </p:cSld>
+  <p:clrMapOvr>
+    <a:masterClrMapping/>
+  </p:clrMapOvr>
+  <mc:AlternateContent xmlns:mc="http://schemas.openxmlformats.org/markup-compatibility/2006" xmlns:p14="http://schemas.microsoft.com/office/powerpoint/2010/main">
+    <mc:Choice Requires="p14">
+      <p:transition p14:dur="150">
+        <p:fade/>
+      </p:transition>
+    </mc:Choice>
+    <mc:Fallback xmlns="">
+      <p:transition>
+        <p:fade/>
+      </p:transition>
+    </mc:Fallback>
+  </mc:AlternateContent>
+  <p:timing>
+    <p:tnLst>
+      <p:par>
+        <p:cTn id="1" dur="indefinite" restart="never" nodeType="tmRoot"/>
+      </p:par>
+    </p:tnLst>
+  </p:timing>
+</p:sld>
+</file>
+
+<file path=ppt/slides/slide2.xml><?xml version="1.0" encoding="utf-8"?>
+<p:sld xmlns:a="http://schemas.openxmlformats.org/drawingml/2006/main" xmlns:r="http://schemas.openxmlformats.org/officeDocument/2006/relationships" xmlns:p="http://schemas.openxmlformats.org/presentationml/2006/main">
+  <p:cSld>
+    <p:spTree>
+      <p:nvGrpSpPr>
+        <p:cNvPr id="1" name=""/>
+        <p:cNvGrpSpPr/>
+        <p:nvPr/>
+      </p:nvGrpSpPr>
+      <p:grpSpPr>
+        <a:xfrm>
+          <a:off x="0" y="0"/>
+          <a:ext cx="0" cy="0"/>
+          <a:chOff x="0" y="0"/>
+          <a:chExt cx="0" cy="0"/>
+        </a:xfrm>
+      </p:grpSpPr>
+      <p:sp>
+        <p:nvSpPr>
+          <p:cNvPr id="2" name="Title 1"/>
+          <p:cNvSpPr>
+            <a:spLocks noGrp="1"/>
+          </p:cNvSpPr>
+          <p:nvPr>
+            <p:ph type="title"/>
+          </p:nvPr>
+        </p:nvSpPr>
+        <p:spPr/>
+        <p:txBody>
+          <a:bodyPr/>
+          <a:lstStyle/>
+          <a:p>
+            <a:r>
+              <a:rPr lang="en-US" dirty="0" smtClean="0"/>
+              <a:t>Agenda</a:t>
+            </a:r>
+            <a:endParaRPr lang="en-US" dirty="0"/>
+          </a:p>
+        </p:txBody>
+      </p:sp>
+      <p:sp>
+        <p:nvSpPr>
+          <p:cNvPr id="3" name="Content Placeholder 2"/>
+          <p:cNvSpPr>
+            <a:spLocks noGrp="1"/>
+          </p:cNvSpPr>
+          <p:nvPr>
+            <p:ph idx="1"/>
+          </p:nvPr>
+        </p:nvSpPr>
+        <p:spPr/>
+        <p:txBody>
+          <a:bodyPr>
+            <a:normAutofit/>
+          </a:bodyPr>
+          <a:lstStyle/>
+          <a:p>
+            <a:r>
+              <a:rPr lang="es-ES_tradnl" sz="3200" dirty="0" smtClean="0"/>
+              <a:t>Descripción del caso</a:t>
+            </a:r>
+          </a:p>
+          <a:p>
+            <a:r>
+              <a:rPr lang="es-ES_tradnl" sz="3200" dirty="0" smtClean="0"/>
+              <a:t>Alcance</a:t>
+            </a:r>
+            <a:endParaRPr lang="es-ES_tradnl" sz="3200" dirty="0" smtClean="0"/>
+          </a:p>
+          <a:p>
+            <a:r>
+              <a:rPr lang="es-ES_tradnl" sz="3200" dirty="0" smtClean="0"/>
+              <a:t>Planificación</a:t>
+            </a:r>
+            <a:endParaRPr lang="es-ES_tradnl" sz="3200" dirty="0" smtClean="0"/>
+          </a:p>
+          <a:p>
+            <a:r>
+              <a:rPr lang="es-ES_tradnl" sz="3200" dirty="0" smtClean="0"/>
+              <a:t>Arquitectura</a:t>
+            </a:r>
+          </a:p>
+          <a:p>
+            <a:r>
+              <a:rPr lang="es-ES_tradnl" sz="3200" dirty="0"/>
+              <a:t>Modelo de datos</a:t>
+            </a:r>
+            <a:endParaRPr lang="es-ES_tradnl" sz="3200" dirty="0" smtClean="0"/>
+          </a:p>
+          <a:p>
+            <a:r>
+              <a:rPr lang="es-ES_tradnl" sz="3200" dirty="0" smtClean="0"/>
+              <a:t>Modelo de </a:t>
+            </a:r>
+            <a:r>
+              <a:rPr lang="es-ES_tradnl" sz="3200" dirty="0" smtClean="0"/>
+              <a:t>clases</a:t>
+            </a:r>
+            <a:endParaRPr lang="es-ES_tradnl" sz="3200" dirty="0" smtClean="0"/>
+          </a:p>
+        </p:txBody>
+      </p:sp>
+      <p:sp>
+        <p:nvSpPr>
+          <p:cNvPr id="4" name="Slide Number Placeholder 3"/>
+          <p:cNvSpPr>
+            <a:spLocks noGrp="1"/>
+          </p:cNvSpPr>
+          <p:nvPr>
+            <p:ph type="sldNum" sz="quarter" idx="12"/>
+          </p:nvPr>
+        </p:nvSpPr>
+        <p:spPr/>
+        <p:txBody>
+          <a:bodyPr>
+            <a:normAutofit lnSpcReduction="10000"/>
+          </a:bodyPr>
+          <a:lstStyle/>
+          <a:p>
+            <a:fld id="{66B77C49-310C-4D67-A641-7D2CCF3E3B8A}" type="slidenum">
+              <a:rPr lang="es-CL" smtClean="0"/>
+              <a:t>1</a:t>
+            </a:fld>
+            <a:endParaRPr lang="es-CL"/>
+          </a:p>
+        </p:txBody>
+      </p:sp>
+      <p:pic>
+        <p:nvPicPr>
+          <p:cNvPr id="5" name="Picture 2" descr="Resultado de imagen para duoc"/>
+          <p:cNvPicPr>
+            <a:picLocks noChangeAspect="1" noChangeArrowheads="1"/>
+          </p:cNvPicPr>
+          <p:nvPr/>
+        </p:nvPicPr>
+        <p:blipFill rotWithShape="1">
+          <a:blip r:embed="rId3">
+            <a:extLst>
+              <a:ext uri="{28A0092B-C50C-407E-A947-70E740481C1C}">
+                <a14:useLocalDpi xmlns:a14="http://schemas.microsoft.com/office/drawing/2010/main" val="0"/>
+              </a:ext>
+            </a:extLst>
+          </a:blip>
+          <a:srcRect t="13892" r="19022"/>
+          <a:stretch/>
+        </p:blipFill>
+        <p:spPr bwMode="auto">
+          <a:xfrm>
+            <a:off x="9023169" y="378822"/>
+            <a:ext cx="2001883" cy="524910"/>
+          </a:xfrm>
+          <a:prstGeom prst="rect">
+            <a:avLst/>
+          </a:prstGeom>
+          <a:noFill/>
+          <a:extLst>
+            <a:ext uri="{909E8E84-426E-40DD-AFC4-6F175D3DCCD1}">
+              <a14:hiddenFill xmlns:a14="http://schemas.microsoft.com/office/drawing/2010/main">
+                <a:solidFill>
+                  <a:srgbClr val="FFFFFF"/>
+                </a:solidFill>
+              </a14:hiddenFill>
+            </a:ext>
+          </a:extLst>
+        </p:spPr>
+      </p:pic>
+    </p:spTree>
+    <p:extLst>
+      <p:ext uri="{BB962C8B-B14F-4D97-AF65-F5344CB8AC3E}">
+        <p14:creationId xmlns:p14="http://schemas.microsoft.com/office/powerpoint/2010/main" val="1313367284"/>
+      </p:ext>
+    </p:extLst>
+  </p:cSld>
+  <p:clrMapOvr>
+    <a:masterClrMapping/>
+  </p:clrMapOvr>
+  <mc:AlternateContent xmlns:mc="http://schemas.openxmlformats.org/markup-compatibility/2006" xmlns:p14="http://schemas.microsoft.com/office/powerpoint/2010/main">
+    <mc:Choice Requires="p14">
+      <p:transition p14:dur="150">
+        <p:fade/>
+      </p:transition>
+    </mc:Choice>
+    <mc:Fallback xmlns="">
+      <p:transition>
+        <p:fade/>
+      </p:transition>
+    </mc:Fallback>
+  </mc:AlternateContent>
+  <p:timing>
+    <p:tnLst>
+      <p:par>
+        <p:cTn id="1" dur="indefinite" restart="never" nodeType="tmRoot"/>
+      </p:par>
+    </p:tnLst>
+  </p:timing>
+</p:sld>
+</file>
+
+<file path=ppt/slides/slide3.xml><?xml version="1.0" encoding="utf-8"?>
+<p:sld xmlns:a="http://schemas.openxmlformats.org/drawingml/2006/main" xmlns:r="http://schemas.openxmlformats.org/officeDocument/2006/relationships" xmlns:p="http://schemas.openxmlformats.org/presentationml/2006/main">
+  <p:cSld>
+    <p:spTree>
+      <p:nvGrpSpPr>
+        <p:cNvPr id="1" name=""/>
+        <p:cNvGrpSpPr/>
+        <p:nvPr/>
+      </p:nvGrpSpPr>
+      <p:grpSpPr>
+        <a:xfrm>
+          <a:off x="0" y="0"/>
+          <a:ext cx="0" cy="0"/>
+          <a:chOff x="0" y="0"/>
+          <a:chExt cx="0" cy="0"/>
+        </a:xfrm>
+      </p:grpSpPr>
+      <p:sp>
+        <p:nvSpPr>
+          <p:cNvPr id="2" name="Title 1"/>
+          <p:cNvSpPr>
+            <a:spLocks noGrp="1"/>
+          </p:cNvSpPr>
+          <p:nvPr>
+            <p:ph type="title"/>
+          </p:nvPr>
+        </p:nvSpPr>
+        <p:spPr/>
+        <p:txBody>
+          <a:bodyPr/>
+          <a:lstStyle/>
+          <a:p>
+            <a:r>
+              <a:rPr lang="es-CL" dirty="0" smtClean="0"/>
+              <a:t>Descripción</a:t>
+            </a:r>
+            <a:r>
+              <a:rPr lang="en-US" dirty="0" smtClean="0"/>
+              <a:t> del </a:t>
+            </a:r>
+            <a:r>
+              <a:rPr lang="es-CL" dirty="0" smtClean="0"/>
+              <a:t>caso</a:t>
+            </a:r>
+            <a:endParaRPr lang="es-CL" dirty="0"/>
+          </a:p>
+        </p:txBody>
+      </p:sp>
+      <p:pic>
+        <p:nvPicPr>
+          <p:cNvPr id="6" name="Marcador de contenido 5"/>
+          <p:cNvPicPr>
+            <a:picLocks noGrp="1" noChangeAspect="1"/>
+          </p:cNvPicPr>
+          <p:nvPr>
+            <p:ph idx="1"/>
+          </p:nvPr>
+        </p:nvPicPr>
+        <p:blipFill>
+          <a:blip r:embed="rId3">
+            <a:extLst>
+              <a:ext uri="{28A0092B-C50C-407E-A947-70E740481C1C}">
+                <a14:useLocalDpi xmlns:a14="http://schemas.microsoft.com/office/drawing/2010/main" val="0"/>
+              </a:ext>
+            </a:extLst>
+          </a:blip>
+          <a:stretch>
+            <a:fillRect/>
+          </a:stretch>
+        </p:blipFill>
+        <p:spPr>
+          <a:xfrm>
+            <a:off x="1691569" y="1828800"/>
+            <a:ext cx="7735712" cy="4351338"/>
+          </a:xfrm>
+        </p:spPr>
+      </p:pic>
+      <p:sp>
+        <p:nvSpPr>
+          <p:cNvPr id="4" name="Slide Number Placeholder 3"/>
+          <p:cNvSpPr>
+            <a:spLocks noGrp="1"/>
+          </p:cNvSpPr>
+          <p:nvPr>
+            <p:ph type="sldNum" sz="quarter" idx="12"/>
+          </p:nvPr>
+        </p:nvSpPr>
+        <p:spPr/>
+        <p:txBody>
+          <a:bodyPr>
+            <a:normAutofit lnSpcReduction="10000"/>
+          </a:bodyPr>
+          <a:lstStyle/>
+          <a:p>
+            <a:fld id="{66B77C49-310C-4D67-A641-7D2CCF3E3B8A}" type="slidenum">
+              <a:rPr lang="es-CL" smtClean="0"/>
+              <a:t>2</a:t>
+            </a:fld>
+            <a:endParaRPr lang="es-CL"/>
+          </a:p>
+        </p:txBody>
+      </p:sp>
+      <p:pic>
+        <p:nvPicPr>
+          <p:cNvPr id="5" name="Picture 2" descr="Resultado de imagen para duoc"/>
+          <p:cNvPicPr>
+            <a:picLocks noChangeAspect="1" noChangeArrowheads="1"/>
+          </p:cNvPicPr>
+          <p:nvPr/>
+        </p:nvPicPr>
+        <p:blipFill rotWithShape="1">
+          <a:blip r:embed="rId4">
+            <a:extLst>
+              <a:ext uri="{28A0092B-C50C-407E-A947-70E740481C1C}">
+                <a14:useLocalDpi xmlns:a14="http://schemas.microsoft.com/office/drawing/2010/main" val="0"/>
+              </a:ext>
+            </a:extLst>
+          </a:blip>
+          <a:srcRect t="13892" r="19022"/>
+          <a:stretch/>
+        </p:blipFill>
+        <p:spPr bwMode="auto">
+          <a:xfrm>
+            <a:off x="9023169" y="378822"/>
+            <a:ext cx="2001883" cy="524910"/>
+          </a:xfrm>
+          <a:prstGeom prst="rect">
+            <a:avLst/>
+          </a:prstGeom>
+          <a:noFill/>
+          <a:extLst>
+            <a:ext uri="{909E8E84-426E-40DD-AFC4-6F175D3DCCD1}">
+              <a14:hiddenFill xmlns:a14="http://schemas.microsoft.com/office/drawing/2010/main">
+                <a:solidFill>
+                  <a:srgbClr val="FFFFFF"/>
+                </a:solidFill>
+              </a14:hiddenFill>
+            </a:ext>
+          </a:extLst>
+        </p:spPr>
+      </p:pic>
+    </p:spTree>
+    <p:extLst>
+      <p:ext uri="{BB962C8B-B14F-4D97-AF65-F5344CB8AC3E}">
+        <p14:creationId xmlns:p14="http://schemas.microsoft.com/office/powerpoint/2010/main" val="659843998"/>
+      </p:ext>
+    </p:extLst>
+  </p:cSld>
+  <p:clrMapOvr>
+    <a:masterClrMapping/>
+  </p:clrMapOvr>
+  <mc:AlternateContent xmlns:mc="http://schemas.openxmlformats.org/markup-compatibility/2006" xmlns:p14="http://schemas.microsoft.com/office/powerpoint/2010/main">
+    <mc:Choice Requires="p14">
+      <p:transition p14:dur="150">
+        <p:fade/>
+      </p:transition>
+    </mc:Choice>
+    <mc:Fallback xmlns="">
+      <p:transition>
+        <p:fade/>
+      </p:transition>
+    </mc:Fallback>
+  </mc:AlternateContent>
+  <p:timing>
+    <p:tnLst>
+      <p:par>
+        <p:cTn id="1" dur="indefinite" restart="never" nodeType="tmRoot"/>
+      </p:par>
+    </p:tnLst>
+  </p:timing>
+</p:sld>
+</file>
+
+<file path=ppt/slides/slide4.xml><?xml version="1.0" encoding="utf-8"?>
+<p:sld xmlns:a="http://schemas.openxmlformats.org/drawingml/2006/main" xmlns:r="http://schemas.openxmlformats.org/officeDocument/2006/relationships" xmlns:p="http://schemas.openxmlformats.org/presentationml/2006/main">
+  <p:cSld>
+    <p:spTree>
+      <p:nvGrpSpPr>
+        <p:cNvPr id="1" name=""/>
+        <p:cNvGrpSpPr/>
+        <p:nvPr/>
+      </p:nvGrpSpPr>
+      <p:grpSpPr>
+        <a:xfrm>
+          <a:off x="0" y="0"/>
+          <a:ext cx="0" cy="0"/>
+          <a:chOff x="0" y="0"/>
+          <a:chExt cx="0" cy="0"/>
+        </a:xfrm>
+      </p:grpSpPr>
+      <p:sp>
+        <p:nvSpPr>
+          <p:cNvPr id="2" name="Title 1"/>
+          <p:cNvSpPr>
+            <a:spLocks noGrp="1"/>
+          </p:cNvSpPr>
+          <p:nvPr>
+            <p:ph type="title"/>
+          </p:nvPr>
+        </p:nvSpPr>
+        <p:spPr/>
+        <p:txBody>
+          <a:bodyPr/>
+          <a:lstStyle/>
+          <a:p>
+            <a:r>
+              <a:rPr lang="es-CL" dirty="0" smtClean="0"/>
+              <a:t>Problemática</a:t>
+            </a:r>
+            <a:endParaRPr lang="en-US" dirty="0"/>
+          </a:p>
+        </p:txBody>
+      </p:sp>
+      <p:sp>
+        <p:nvSpPr>
+          <p:cNvPr id="3" name="Content Placeholder 2"/>
+          <p:cNvSpPr>
+            <a:spLocks noGrp="1"/>
+          </p:cNvSpPr>
+          <p:nvPr>
+            <p:ph idx="1"/>
+          </p:nvPr>
+        </p:nvSpPr>
+        <p:spPr/>
+        <p:txBody>
+          <a:bodyPr>
+            <a:normAutofit/>
+          </a:bodyPr>
+          <a:lstStyle/>
+          <a:p>
+            <a:pPr marL="0" indent="0">
+              <a:buNone/>
+            </a:pPr>
+            <a:endParaRPr lang="es-ES_tradnl" sz="3200" dirty="0" smtClean="0"/>
+          </a:p>
+          <a:p>
+            <a:endParaRPr lang="es-ES_tradnl" sz="3200" dirty="0" smtClean="0"/>
+          </a:p>
+        </p:txBody>
+      </p:sp>
+      <p:sp>
+        <p:nvSpPr>
+          <p:cNvPr id="4" name="Slide Number Placeholder 3"/>
+          <p:cNvSpPr>
+            <a:spLocks noGrp="1"/>
+          </p:cNvSpPr>
+          <p:nvPr>
+            <p:ph type="sldNum" sz="quarter" idx="12"/>
+          </p:nvPr>
+        </p:nvSpPr>
+        <p:spPr/>
+        <p:txBody>
+          <a:bodyPr>
+            <a:normAutofit lnSpcReduction="10000"/>
+          </a:bodyPr>
+          <a:lstStyle/>
+          <a:p>
+            <a:fld id="{66B77C49-310C-4D67-A641-7D2CCF3E3B8A}" type="slidenum">
+              <a:rPr lang="es-CL" smtClean="0"/>
+              <a:t>3</a:t>
+            </a:fld>
+            <a:endParaRPr lang="es-CL"/>
+          </a:p>
+        </p:txBody>
+      </p:sp>
+      <p:pic>
+        <p:nvPicPr>
+          <p:cNvPr id="5" name="Picture 2" descr="Resultado de imagen para duoc"/>
+          <p:cNvPicPr>
+            <a:picLocks noChangeAspect="1" noChangeArrowheads="1"/>
+          </p:cNvPicPr>
+          <p:nvPr/>
+        </p:nvPicPr>
+        <p:blipFill rotWithShape="1">
+          <a:blip r:embed="rId3">
+            <a:extLst>
+              <a:ext uri="{28A0092B-C50C-407E-A947-70E740481C1C}">
+                <a14:useLocalDpi xmlns:a14="http://schemas.microsoft.com/office/drawing/2010/main" val="0"/>
+              </a:ext>
+            </a:extLst>
+          </a:blip>
+          <a:srcRect t="13892" r="19022"/>
+          <a:stretch/>
+        </p:blipFill>
+        <p:spPr bwMode="auto">
+          <a:xfrm>
+            <a:off x="9023169" y="378822"/>
+            <a:ext cx="2001883" cy="524910"/>
+          </a:xfrm>
+          <a:prstGeom prst="rect">
+            <a:avLst/>
+          </a:prstGeom>
+          <a:noFill/>
+          <a:extLst>
+            <a:ext uri="{909E8E84-426E-40DD-AFC4-6F175D3DCCD1}">
+              <a14:hiddenFill xmlns:a14="http://schemas.microsoft.com/office/drawing/2010/main">
+                <a:solidFill>
+                  <a:srgbClr val="FFFFFF"/>
+                </a:solidFill>
+              </a14:hiddenFill>
+            </a:ext>
+          </a:extLst>
+        </p:spPr>
+      </p:pic>
+      <p:sp>
+        <p:nvSpPr>
+          <p:cNvPr id="38" name="TextBox 2"/>
+          <p:cNvSpPr txBox="1"/>
+          <p:nvPr/>
+        </p:nvSpPr>
+        <p:spPr>
+          <a:xfrm>
+            <a:off x="3458889" y="6180137"/>
+            <a:ext cx="3350597" cy="369332"/>
+          </a:xfrm>
+          <a:prstGeom prst="rect">
+            <a:avLst/>
+          </a:prstGeom>
+          <a:noFill/>
+        </p:spPr>
+        <p:txBody>
+          <a:bodyPr wrap="none" rtlCol="0">
+            <a:spAutoFit/>
+          </a:bodyPr>
+          <a:lstStyle/>
+          <a:p>
+            <a:r>
+              <a:rPr lang="es-ES_tradnl" dirty="0" smtClean="0"/>
+              <a:t>Fig. </a:t>
+            </a:r>
+            <a:r>
+              <a:rPr lang="es-ES_tradnl" dirty="0" smtClean="0"/>
+              <a:t>1: </a:t>
+            </a:r>
+            <a:r>
+              <a:rPr lang="es-ES_tradnl" dirty="0" smtClean="0"/>
+              <a:t>Diagrama de </a:t>
+            </a:r>
+            <a:r>
+              <a:rPr lang="es-ES_tradnl" dirty="0" smtClean="0"/>
+              <a:t>Ishikawa</a:t>
+            </a:r>
+            <a:endParaRPr lang="es-ES_tradnl" dirty="0"/>
+          </a:p>
+        </p:txBody>
+      </p:sp>
+      <p:pic>
+        <p:nvPicPr>
+          <p:cNvPr id="39" name="Imagen 38"/>
+          <p:cNvPicPr>
+            <a:picLocks noChangeAspect="1"/>
+          </p:cNvPicPr>
+          <p:nvPr/>
+        </p:nvPicPr>
+        <p:blipFill>
+          <a:blip r:embed="rId4">
+            <a:extLst>
+              <a:ext uri="{28A0092B-C50C-407E-A947-70E740481C1C}">
+                <a14:useLocalDpi xmlns:a14="http://schemas.microsoft.com/office/drawing/2010/main" val="0"/>
+              </a:ext>
+            </a:extLst>
+          </a:blip>
+          <a:stretch>
+            <a:fillRect/>
+          </a:stretch>
+        </p:blipFill>
+        <p:spPr>
+          <a:xfrm>
+            <a:off x="1763309" y="1588446"/>
+            <a:ext cx="7592485" cy="4591691"/>
+          </a:xfrm>
+          <a:prstGeom prst="rect">
+            <a:avLst/>
+          </a:prstGeom>
+        </p:spPr>
+      </p:pic>
+    </p:spTree>
+    <p:extLst>
+      <p:ext uri="{BB962C8B-B14F-4D97-AF65-F5344CB8AC3E}">
+        <p14:creationId xmlns:p14="http://schemas.microsoft.com/office/powerpoint/2010/main" val="2364903873"/>
+      </p:ext>
+    </p:extLst>
+  </p:cSld>
+  <p:clrMapOvr>
+    <a:masterClrMapping/>
+  </p:clrMapOvr>
+  <mc:AlternateContent xmlns:mc="http://schemas.openxmlformats.org/markup-compatibility/2006" xmlns:p14="http://schemas.microsoft.com/office/powerpoint/2010/main">
+    <mc:Choice Requires="p14">
+      <p:transition p14:dur="150">
+        <p:fade/>
+      </p:transition>
+    </mc:Choice>
+    <mc:Fallback xmlns="">
+      <p:transition>
+        <p:fade/>
+      </p:transition>
+    </mc:Fallback>
+  </mc:AlternateContent>
+  <p:timing>
+    <p:tnLst>
+      <p:par>
+        <p:cTn id="1" dur="indefinite" restart="never" nodeType="tmRoot"/>
+      </p:par>
+    </p:tnLst>
+  </p:timing>
+</p:sld>
+</file>
+
+<file path=ppt/slides/slide5.xml><?xml version="1.0" encoding="utf-8"?>
+<p:sld xmlns:a="http://schemas.openxmlformats.org/drawingml/2006/main" xmlns:r="http://schemas.openxmlformats.org/officeDocument/2006/relationships" xmlns:p="http://schemas.openxmlformats.org/presentationml/2006/main">
+  <p:cSld>
+    <p:spTree>
+      <p:nvGrpSpPr>
+        <p:cNvPr id="1" name=""/>
+        <p:cNvGrpSpPr/>
+        <p:nvPr/>
+      </p:nvGrpSpPr>
+      <p:grpSpPr>
+        <a:xfrm>
+          <a:off x="0" y="0"/>
+          <a:ext cx="0" cy="0"/>
+          <a:chOff x="0" y="0"/>
+          <a:chExt cx="0" cy="0"/>
+        </a:xfrm>
+      </p:grpSpPr>
+      <p:sp>
+        <p:nvSpPr>
+          <p:cNvPr id="2" name="Title 1"/>
+          <p:cNvSpPr>
+            <a:spLocks noGrp="1"/>
+          </p:cNvSpPr>
+          <p:nvPr>
+            <p:ph type="title"/>
+          </p:nvPr>
+        </p:nvSpPr>
+        <p:spPr/>
+        <p:txBody>
+          <a:bodyPr/>
+          <a:lstStyle/>
+          <a:p>
+            <a:r>
+              <a:rPr lang="es-CL" dirty="0" smtClean="0"/>
+              <a:t>Objetivo general</a:t>
+            </a:r>
+            <a:endParaRPr lang="en-US" dirty="0"/>
+          </a:p>
+        </p:txBody>
+      </p:sp>
+      <p:sp>
+        <p:nvSpPr>
+          <p:cNvPr id="3" name="Content Placeholder 2"/>
+          <p:cNvSpPr>
+            <a:spLocks noGrp="1"/>
+          </p:cNvSpPr>
+          <p:nvPr>
+            <p:ph idx="1"/>
+          </p:nvPr>
+        </p:nvSpPr>
+        <p:spPr/>
+        <p:txBody>
+          <a:bodyPr>
+            <a:normAutofit/>
+          </a:bodyPr>
+          <a:lstStyle/>
+          <a:p>
+            <a:r>
+              <a:rPr lang="es-ES_tradnl" sz="3200" dirty="0">
+                <a:latin typeface="Calibri" panose="020F0502020204030204" pitchFamily="34" charset="0"/>
+              </a:rPr>
+              <a:t>Mejorar los resultados de los procesos del centro médico Hipócrates mediante una solución integrada de software.</a:t>
+            </a:r>
+            <a:endParaRPr lang="es-CL" sz="3200" dirty="0">
+              <a:latin typeface="Calibri" panose="020F0502020204030204" pitchFamily="34" charset="0"/>
+            </a:endParaRPr>
+          </a:p>
+        </p:txBody>
+      </p:sp>
+      <p:sp>
+        <p:nvSpPr>
+          <p:cNvPr id="4" name="Slide Number Placeholder 3"/>
+          <p:cNvSpPr>
+            <a:spLocks noGrp="1"/>
+          </p:cNvSpPr>
+          <p:nvPr>
+            <p:ph type="sldNum" sz="quarter" idx="12"/>
+          </p:nvPr>
+        </p:nvSpPr>
+        <p:spPr/>
+        <p:txBody>
+          <a:bodyPr>
+            <a:normAutofit lnSpcReduction="10000"/>
+          </a:bodyPr>
+          <a:lstStyle/>
+          <a:p>
+            <a:fld id="{66B77C49-310C-4D67-A641-7D2CCF3E3B8A}" type="slidenum">
+              <a:rPr lang="es-CL" smtClean="0"/>
+              <a:t>4</a:t>
+            </a:fld>
+            <a:endParaRPr lang="es-CL"/>
+          </a:p>
+        </p:txBody>
+      </p:sp>
+      <p:pic>
+        <p:nvPicPr>
+          <p:cNvPr id="5" name="Picture 2" descr="Resultado de imagen para duoc"/>
+          <p:cNvPicPr>
+            <a:picLocks noChangeAspect="1" noChangeArrowheads="1"/>
+          </p:cNvPicPr>
+          <p:nvPr/>
+        </p:nvPicPr>
+        <p:blipFill rotWithShape="1">
+          <a:blip r:embed="rId3">
+            <a:extLst>
+              <a:ext uri="{28A0092B-C50C-407E-A947-70E740481C1C}">
+                <a14:useLocalDpi xmlns:a14="http://schemas.microsoft.com/office/drawing/2010/main" val="0"/>
+              </a:ext>
+            </a:extLst>
+          </a:blip>
+          <a:srcRect t="13892" r="19022"/>
+          <a:stretch/>
+        </p:blipFill>
+        <p:spPr bwMode="auto">
+          <a:xfrm>
+            <a:off x="9023169" y="378822"/>
+            <a:ext cx="2001883" cy="524910"/>
+          </a:xfrm>
+          <a:prstGeom prst="rect">
+            <a:avLst/>
+          </a:prstGeom>
+          <a:noFill/>
+          <a:extLst>
+            <a:ext uri="{909E8E84-426E-40DD-AFC4-6F175D3DCCD1}">
+              <a14:hiddenFill xmlns:a14="http://schemas.microsoft.com/office/drawing/2010/main">
+                <a:solidFill>
+                  <a:srgbClr val="FFFFFF"/>
+                </a:solidFill>
+              </a14:hiddenFill>
+            </a:ext>
+          </a:extLst>
+        </p:spPr>
+      </p:pic>
+    </p:spTree>
+    <p:extLst>
+      <p:ext uri="{BB962C8B-B14F-4D97-AF65-F5344CB8AC3E}">
+        <p14:creationId xmlns:p14="http://schemas.microsoft.com/office/powerpoint/2010/main" val="1962095231"/>
+      </p:ext>
+    </p:extLst>
+  </p:cSld>
+  <p:clrMapOvr>
+    <a:masterClrMapping/>
+  </p:clrMapOvr>
+  <mc:AlternateContent xmlns:mc="http://schemas.openxmlformats.org/markup-compatibility/2006" xmlns:p14="http://schemas.microsoft.com/office/powerpoint/2010/main">
+    <mc:Choice Requires="p14">
+      <p:transition p14:dur="150">
+        <p:fade/>
+      </p:transition>
+    </mc:Choice>
+    <mc:Fallback xmlns="">
+      <p:transition>
+        <p:fade/>
+      </p:transition>
+    </mc:Fallback>
+  </mc:AlternateContent>
+  <p:timing>
+    <p:tnLst>
+      <p:par>
+        <p:cTn id="1" dur="indefinite" restart="never" nodeType="tmRoot"/>
+      </p:par>
+    </p:tnLst>
+  </p:timing>
+</p:sld>
+</file>
+
+<file path=ppt/slides/slide6.xml><?xml version="1.0" encoding="utf-8"?>
+<p:sld xmlns:a="http://schemas.openxmlformats.org/drawingml/2006/main" xmlns:r="http://schemas.openxmlformats.org/officeDocument/2006/relationships" xmlns:p="http://schemas.openxmlformats.org/presentationml/2006/main">
+  <p:cSld>
+    <p:spTree>
+      <p:nvGrpSpPr>
+        <p:cNvPr id="1" name=""/>
+        <p:cNvGrpSpPr/>
+        <p:nvPr/>
+      </p:nvGrpSpPr>
+      <p:grpSpPr>
+        <a:xfrm>
+          <a:off x="0" y="0"/>
+          <a:ext cx="0" cy="0"/>
+          <a:chOff x="0" y="0"/>
+          <a:chExt cx="0" cy="0"/>
+        </a:xfrm>
+      </p:grpSpPr>
+      <p:sp>
+        <p:nvSpPr>
+          <p:cNvPr id="2" name="Title 1"/>
+          <p:cNvSpPr>
+            <a:spLocks noGrp="1"/>
+          </p:cNvSpPr>
+          <p:nvPr>
+            <p:ph type="title"/>
+          </p:nvPr>
+        </p:nvSpPr>
+        <p:spPr/>
+        <p:txBody>
+          <a:bodyPr/>
+          <a:lstStyle/>
+          <a:p>
+            <a:r>
+              <a:rPr lang="es-CL" dirty="0" smtClean="0"/>
+              <a:t>Objetivos específicos</a:t>
+            </a:r>
+            <a:endParaRPr lang="en-US" dirty="0"/>
+          </a:p>
+        </p:txBody>
+      </p:sp>
+      <p:sp>
+        <p:nvSpPr>
+          <p:cNvPr id="3" name="Content Placeholder 2"/>
+          <p:cNvSpPr>
+            <a:spLocks noGrp="1"/>
+          </p:cNvSpPr>
+          <p:nvPr>
+            <p:ph idx="1"/>
+          </p:nvPr>
+        </p:nvSpPr>
+        <p:spPr>
+          <a:xfrm>
+            <a:off x="1261872" y="1828801"/>
+            <a:ext cx="8595360" cy="4343400"/>
+          </a:xfrm>
+        </p:spPr>
+        <p:txBody>
+          <a:bodyPr>
+            <a:normAutofit fontScale="92500" lnSpcReduction="20000"/>
+          </a:bodyPr>
+          <a:lstStyle/>
+          <a:p>
+            <a:pPr marL="342900" marR="211455" lvl="0" indent="-342900" algn="just">
+              <a:spcAft>
+                <a:spcPts val="0"/>
+              </a:spcAft>
+              <a:buFont typeface="+mj-lt"/>
+              <a:buAutoNum type="arabicPeriod"/>
+            </a:pPr>
+            <a:r>
+              <a:rPr lang="es-ES_tradnl" sz="3200" dirty="0">
+                <a:latin typeface="Calibri" panose="020F0502020204030204" pitchFamily="34" charset="0"/>
+                <a:ea typeface="Calibri" panose="020F0502020204030204" pitchFamily="34" charset="0"/>
+                <a:cs typeface="Calibri" panose="020F0502020204030204" pitchFamily="34" charset="0"/>
+              </a:rPr>
+              <a:t>Reducir el tiempo empleado en el pago de honorarios en al menos un 50% del tiempo de ejecución.</a:t>
+            </a:r>
+            <a:endParaRPr lang="es-CL" sz="3200" dirty="0">
+              <a:latin typeface="Calibri" panose="020F0502020204030204" pitchFamily="34" charset="0"/>
+              <a:ea typeface="Calibri" panose="020F0502020204030204" pitchFamily="34" charset="0"/>
+              <a:cs typeface="Times New Roman" panose="02020603050405020304" pitchFamily="18" charset="0"/>
+            </a:endParaRPr>
+          </a:p>
+          <a:p>
+            <a:pPr marL="342900" marR="211455" lvl="0" indent="-342900" algn="just">
+              <a:spcAft>
+                <a:spcPts val="0"/>
+              </a:spcAft>
+              <a:buFont typeface="+mj-lt"/>
+              <a:buAutoNum type="arabicPeriod"/>
+            </a:pPr>
+            <a:r>
+              <a:rPr lang="es-ES_tradnl" sz="3200" dirty="0">
+                <a:latin typeface="Calibri" panose="020F0502020204030204" pitchFamily="34" charset="0"/>
+                <a:ea typeface="Calibri" panose="020F0502020204030204" pitchFamily="34" charset="0"/>
+                <a:cs typeface="Calibri" panose="020F0502020204030204" pitchFamily="34" charset="0"/>
+              </a:rPr>
+              <a:t>Reducir la incertidumbre de pacientes frente a sus atenciones y sus resultados al menos a un 2%.</a:t>
+            </a:r>
+            <a:endParaRPr lang="es-CL" sz="3200" dirty="0">
+              <a:latin typeface="Calibri" panose="020F0502020204030204" pitchFamily="34" charset="0"/>
+              <a:ea typeface="Calibri" panose="020F0502020204030204" pitchFamily="34" charset="0"/>
+              <a:cs typeface="Times New Roman" panose="02020603050405020304" pitchFamily="18" charset="0"/>
+            </a:endParaRPr>
+          </a:p>
+          <a:p>
+            <a:pPr marL="342900" marR="211455" lvl="0" indent="-342900" algn="just">
+              <a:spcAft>
+                <a:spcPts val="0"/>
+              </a:spcAft>
+              <a:buFont typeface="+mj-lt"/>
+              <a:buAutoNum type="arabicPeriod"/>
+            </a:pPr>
+            <a:r>
+              <a:rPr lang="es-ES_tradnl" sz="3200" dirty="0">
+                <a:latin typeface="Calibri" panose="020F0502020204030204" pitchFamily="34" charset="0"/>
+                <a:ea typeface="Calibri" panose="020F0502020204030204" pitchFamily="34" charset="0"/>
+                <a:cs typeface="Calibri" panose="020F0502020204030204" pitchFamily="34" charset="0"/>
+              </a:rPr>
+              <a:t>Asegurar la confiabilidad de la información de las cajas de pago en al menos un 99%.</a:t>
+            </a:r>
+            <a:endParaRPr lang="es-CL" sz="3200" dirty="0">
+              <a:latin typeface="Calibri" panose="020F0502020204030204" pitchFamily="34" charset="0"/>
+              <a:ea typeface="Calibri" panose="020F0502020204030204" pitchFamily="34" charset="0"/>
+              <a:cs typeface="Times New Roman" panose="02020603050405020304" pitchFamily="18" charset="0"/>
+            </a:endParaRPr>
+          </a:p>
+          <a:p>
+            <a:pPr marL="342900" marR="211455" lvl="0" indent="-342900" algn="just">
+              <a:spcAft>
+                <a:spcPts val="0"/>
+              </a:spcAft>
+              <a:buFont typeface="+mj-lt"/>
+              <a:buAutoNum type="arabicPeriod"/>
+            </a:pPr>
+            <a:r>
+              <a:rPr lang="es-ES_tradnl" sz="3200" dirty="0">
+                <a:latin typeface="Calibri" panose="020F0502020204030204" pitchFamily="34" charset="0"/>
+                <a:ea typeface="Calibri" panose="020F0502020204030204" pitchFamily="34" charset="0"/>
+                <a:cs typeface="Calibri" panose="020F0502020204030204" pitchFamily="34" charset="0"/>
+              </a:rPr>
+              <a:t>Incrementar información de detalle de procedimientos de médicos, enfermeros y/o tecnólogos en al menos un 99% de las ocasiones. </a:t>
+            </a:r>
+            <a:endParaRPr lang="es-CL" sz="3200" dirty="0">
+              <a:latin typeface="Calibri" panose="020F0502020204030204" pitchFamily="34" charset="0"/>
+              <a:ea typeface="Calibri" panose="020F0502020204030204" pitchFamily="34" charset="0"/>
+              <a:cs typeface="Times New Roman" panose="02020603050405020304" pitchFamily="18" charset="0"/>
+            </a:endParaRPr>
+          </a:p>
+        </p:txBody>
+      </p:sp>
+      <p:sp>
+        <p:nvSpPr>
+          <p:cNvPr id="4" name="Slide Number Placeholder 3"/>
+          <p:cNvSpPr>
+            <a:spLocks noGrp="1"/>
+          </p:cNvSpPr>
+          <p:nvPr>
+            <p:ph type="sldNum" sz="quarter" idx="12"/>
+          </p:nvPr>
+        </p:nvSpPr>
+        <p:spPr/>
+        <p:txBody>
+          <a:bodyPr>
+            <a:normAutofit lnSpcReduction="10000"/>
+          </a:bodyPr>
+          <a:lstStyle/>
+          <a:p>
+            <a:fld id="{66B77C49-310C-4D67-A641-7D2CCF3E3B8A}" type="slidenum">
+              <a:rPr lang="es-CL" smtClean="0"/>
+              <a:t>5</a:t>
+            </a:fld>
+            <a:endParaRPr lang="es-CL"/>
+          </a:p>
+        </p:txBody>
+      </p:sp>
+      <p:pic>
+        <p:nvPicPr>
+          <p:cNvPr id="5" name="Picture 2" descr="Resultado de imagen para duoc"/>
+          <p:cNvPicPr>
+            <a:picLocks noChangeAspect="1" noChangeArrowheads="1"/>
+          </p:cNvPicPr>
+          <p:nvPr/>
+        </p:nvPicPr>
+        <p:blipFill rotWithShape="1">
+          <a:blip r:embed="rId3">
+            <a:extLst>
+              <a:ext uri="{28A0092B-C50C-407E-A947-70E740481C1C}">
+                <a14:useLocalDpi xmlns:a14="http://schemas.microsoft.com/office/drawing/2010/main" val="0"/>
+              </a:ext>
+            </a:extLst>
+          </a:blip>
+          <a:srcRect t="13892" r="19022"/>
+          <a:stretch/>
+        </p:blipFill>
+        <p:spPr bwMode="auto">
+          <a:xfrm>
+            <a:off x="9023169" y="378822"/>
+            <a:ext cx="2001883" cy="524910"/>
+          </a:xfrm>
+          <a:prstGeom prst="rect">
+            <a:avLst/>
+          </a:prstGeom>
+          <a:noFill/>
+          <a:extLst>
+            <a:ext uri="{909E8E84-426E-40DD-AFC4-6F175D3DCCD1}">
+              <a14:hiddenFill xmlns:a14="http://schemas.microsoft.com/office/drawing/2010/main">
+                <a:solidFill>
+                  <a:srgbClr val="FFFFFF"/>
+                </a:solidFill>
+              </a14:hiddenFill>
+            </a:ext>
+          </a:extLst>
+        </p:spPr>
+      </p:pic>
+    </p:spTree>
+    <p:extLst>
+      <p:ext uri="{BB962C8B-B14F-4D97-AF65-F5344CB8AC3E}">
+        <p14:creationId xmlns:p14="http://schemas.microsoft.com/office/powerpoint/2010/main" val="2355102668"/>
+      </p:ext>
+    </p:extLst>
+  </p:cSld>
+  <p:clrMapOvr>
+    <a:masterClrMapping/>
+  </p:clrMapOvr>
+  <mc:AlternateContent xmlns:mc="http://schemas.openxmlformats.org/markup-compatibility/2006" xmlns:p14="http://schemas.microsoft.com/office/powerpoint/2010/main">
+    <mc:Choice Requires="p14">
+      <p:transition p14:dur="150">
+        <p:fade/>
+      </p:transition>
+    </mc:Choice>
+    <mc:Fallback xmlns="">
+      <p:transition>
+        <p:fade/>
+      </p:transition>
+    </mc:Fallback>
+  </mc:AlternateContent>
+  <p:timing>
+    <p:tnLst>
+      <p:par>
+        <p:cTn id="1" dur="indefinite" restart="never" nodeType="tmRoot"/>
+      </p:par>
+    </p:tnLst>
+  </p:timing>
+</p:sld>
+</file>
+
+<file path=ppt/slides/slide7.xml><?xml version="1.0" encoding="utf-8"?>
+<p:sld xmlns:a="http://schemas.openxmlformats.org/drawingml/2006/main" xmlns:r="http://schemas.openxmlformats.org/officeDocument/2006/relationships" xmlns:p="http://schemas.openxmlformats.org/presentationml/2006/main">
+  <p:cSld>
+    <p:spTree>
+      <p:nvGrpSpPr>
+        <p:cNvPr id="1" name=""/>
+        <p:cNvGrpSpPr/>
+        <p:nvPr/>
+      </p:nvGrpSpPr>
+      <p:grpSpPr>
+        <a:xfrm>
+          <a:off x="0" y="0"/>
+          <a:ext cx="0" cy="0"/>
+          <a:chOff x="0" y="0"/>
+          <a:chExt cx="0" cy="0"/>
+        </a:xfrm>
+      </p:grpSpPr>
+      <p:sp>
+        <p:nvSpPr>
+          <p:cNvPr id="4" name="Slide Number Placeholder 3"/>
+          <p:cNvSpPr>
+            <a:spLocks noGrp="1"/>
+          </p:cNvSpPr>
+          <p:nvPr>
+            <p:ph type="sldNum" sz="quarter" idx="12"/>
+          </p:nvPr>
+        </p:nvSpPr>
+        <p:spPr/>
+        <p:txBody>
+          <a:bodyPr>
+            <a:normAutofit lnSpcReduction="10000"/>
+          </a:bodyPr>
+          <a:lstStyle/>
+          <a:p>
+            <a:fld id="{66B77C49-310C-4D67-A641-7D2CCF3E3B8A}" type="slidenum">
+              <a:rPr lang="es-ES_tradnl" smtClean="0"/>
+              <a:t>6</a:t>
+            </a:fld>
+            <a:endParaRPr lang="es-ES_tradnl" dirty="0"/>
+          </a:p>
+        </p:txBody>
+      </p:sp>
+      <p:sp>
+        <p:nvSpPr>
+          <p:cNvPr id="7" name="Title 6"/>
+          <p:cNvSpPr>
+            <a:spLocks noGrp="1"/>
+          </p:cNvSpPr>
+          <p:nvPr>
+            <p:ph type="title"/>
+          </p:nvPr>
+        </p:nvSpPr>
+        <p:spPr/>
+        <p:txBody>
+          <a:bodyPr/>
+          <a:lstStyle/>
+          <a:p>
+            <a:r>
+              <a:rPr lang="es-ES_tradnl" dirty="0" smtClean="0"/>
+              <a:t>Carta Gantt</a:t>
+            </a:r>
+            <a:endParaRPr lang="es-ES_tradnl" dirty="0"/>
+          </a:p>
+        </p:txBody>
+      </p:sp>
+      <p:sp>
+        <p:nvSpPr>
+          <p:cNvPr id="2" name="TextBox 1"/>
+          <p:cNvSpPr txBox="1"/>
+          <p:nvPr/>
+        </p:nvSpPr>
+        <p:spPr>
+          <a:xfrm>
+            <a:off x="3119120" y="6099730"/>
+            <a:ext cx="5307992" cy="369332"/>
+          </a:xfrm>
+          <a:prstGeom prst="rect">
+            <a:avLst/>
+          </a:prstGeom>
+          <a:noFill/>
+        </p:spPr>
+        <p:txBody>
+          <a:bodyPr wrap="none" rtlCol="0">
+            <a:spAutoFit/>
+          </a:bodyPr>
+          <a:lstStyle/>
+          <a:p>
+            <a:r>
+              <a:rPr lang="es-ES_tradnl" dirty="0" smtClean="0"/>
+              <a:t>Fig. 1: Tareas de la iteración 2 basada en Gantt.</a:t>
+            </a:r>
+            <a:endParaRPr lang="es-ES_tradnl" dirty="0"/>
+          </a:p>
+        </p:txBody>
+      </p:sp>
+      <p:pic>
+        <p:nvPicPr>
+          <p:cNvPr id="6" name="Picture 2" descr="Resultado de imagen para duoc"/>
+          <p:cNvPicPr>
+            <a:picLocks noChangeAspect="1" noChangeArrowheads="1"/>
+          </p:cNvPicPr>
+          <p:nvPr/>
+        </p:nvPicPr>
+        <p:blipFill rotWithShape="1">
+          <a:blip r:embed="rId2">
+            <a:extLst>
+              <a:ext uri="{28A0092B-C50C-407E-A947-70E740481C1C}">
+                <a14:useLocalDpi xmlns:a14="http://schemas.microsoft.com/office/drawing/2010/main" val="0"/>
+              </a:ext>
+            </a:extLst>
+          </a:blip>
+          <a:srcRect t="13892" r="19022"/>
+          <a:stretch/>
+        </p:blipFill>
+        <p:spPr bwMode="auto">
+          <a:xfrm>
+            <a:off x="9023169" y="378822"/>
+            <a:ext cx="2001883" cy="524910"/>
+          </a:xfrm>
+          <a:prstGeom prst="rect">
+            <a:avLst/>
+          </a:prstGeom>
+          <a:noFill/>
+          <a:extLst>
+            <a:ext uri="{909E8E84-426E-40DD-AFC4-6F175D3DCCD1}">
+              <a14:hiddenFill xmlns:a14="http://schemas.microsoft.com/office/drawing/2010/main">
+                <a:solidFill>
+                  <a:srgbClr val="FFFFFF"/>
+                </a:solidFill>
+              </a14:hiddenFill>
+            </a:ext>
+          </a:extLst>
+        </p:spPr>
+      </p:pic>
+      <p:pic>
+        <p:nvPicPr>
+          <p:cNvPr id="5" name="Imagen 4"/>
+          <p:cNvPicPr>
+            <a:picLocks noChangeAspect="1"/>
+          </p:cNvPicPr>
+          <p:nvPr/>
+        </p:nvPicPr>
+        <p:blipFill rotWithShape="1">
+          <a:blip r:embed="rId3"/>
+          <a:srcRect t="7301"/>
+          <a:stretch/>
+        </p:blipFill>
+        <p:spPr>
+          <a:xfrm>
+            <a:off x="2321169" y="1927274"/>
+            <a:ext cx="6513342" cy="4058761"/>
+          </a:xfrm>
+          <a:prstGeom prst="rect">
+            <a:avLst/>
+          </a:prstGeom>
+          <a:ln>
+            <a:solidFill>
+              <a:schemeClr val="tx1"/>
+            </a:solidFill>
+          </a:ln>
+        </p:spPr>
+      </p:pic>
+    </p:spTree>
+    <p:extLst>
+      <p:ext uri="{BB962C8B-B14F-4D97-AF65-F5344CB8AC3E}">
+        <p14:creationId xmlns:p14="http://schemas.microsoft.com/office/powerpoint/2010/main" val="1779633948"/>
+      </p:ext>
+    </p:extLst>
+  </p:cSld>
+  <p:clrMapOvr>
+    <a:masterClrMapping/>
+  </p:clrMapOvr>
+  <mc:AlternateContent xmlns:mc="http://schemas.openxmlformats.org/markup-compatibility/2006" xmlns:p14="http://schemas.microsoft.com/office/powerpoint/2010/main">
+    <mc:Choice Requires="p14">
+      <p:transition p14:dur="150">
+        <p:fade/>
+      </p:transition>
+    </mc:Choice>
+    <mc:Fallback xmlns="">
+      <p:transition>
+        <p:fade/>
+      </p:transition>
+    </mc:Fallback>
+  </mc:AlternateContent>
+  <p:timing>
+    <p:tnLst>
+      <p:par>
+        <p:cTn id="1" dur="indefinite" restart="never" nodeType="tmRoot"/>
+      </p:par>
+    </p:tnLst>
+  </p:timing>
+</p:sld>
+</file>
+
+<file path=ppt/slides/slide8.xml><?xml version="1.0" encoding="utf-8"?>
+<p:sld xmlns:a="http://schemas.openxmlformats.org/drawingml/2006/main" xmlns:r="http://schemas.openxmlformats.org/officeDocument/2006/relationships" xmlns:p="http://schemas.openxmlformats.org/presentationml/2006/main">
+  <p:cSld>
+    <p:spTree>
+      <p:nvGrpSpPr>
+        <p:cNvPr id="1" name=""/>
+        <p:cNvGrpSpPr/>
+        <p:nvPr/>
+      </p:nvGrpSpPr>
+      <p:grpSpPr>
+        <a:xfrm>
+          <a:off x="0" y="0"/>
+          <a:ext cx="0" cy="0"/>
+          <a:chOff x="0" y="0"/>
+          <a:chExt cx="0" cy="0"/>
+        </a:xfrm>
+      </p:grpSpPr>
+      <p:sp>
+        <p:nvSpPr>
+          <p:cNvPr id="2" name="Title 1"/>
+          <p:cNvSpPr>
+            <a:spLocks noGrp="1"/>
+          </p:cNvSpPr>
+          <p:nvPr>
+            <p:ph type="title"/>
+          </p:nvPr>
+        </p:nvSpPr>
+        <p:spPr/>
+        <p:txBody>
+          <a:bodyPr/>
+          <a:lstStyle/>
+          <a:p>
+            <a:r>
+              <a:rPr lang="es-ES_tradnl" dirty="0" smtClean="0"/>
+              <a:t>Arquitectura</a:t>
+            </a:r>
+            <a:endParaRPr lang="es-ES_tradnl" dirty="0"/>
+          </a:p>
+        </p:txBody>
+      </p:sp>
+      <p:pic>
+        <p:nvPicPr>
+          <p:cNvPr id="5" name="Content Placeholder 4"/>
+          <p:cNvPicPr>
+            <a:picLocks noGrp="1" noChangeAspect="1"/>
+          </p:cNvPicPr>
+          <p:nvPr>
+            <p:ph idx="1"/>
+          </p:nvPr>
+        </p:nvPicPr>
+        <p:blipFill>
+          <a:blip r:embed="rId2">
+            <a:extLst>
+              <a:ext uri="{28A0092B-C50C-407E-A947-70E740481C1C}">
+                <a14:useLocalDpi xmlns:a14="http://schemas.microsoft.com/office/drawing/2010/main" val="0"/>
+              </a:ext>
+            </a:extLst>
+          </a:blip>
+          <a:stretch>
+            <a:fillRect/>
+          </a:stretch>
+        </p:blipFill>
+        <p:spPr>
+          <a:xfrm>
+            <a:off x="2428875" y="2004219"/>
+            <a:ext cx="6261100" cy="4000500"/>
+          </a:xfrm>
+        </p:spPr>
+      </p:pic>
+      <p:sp>
+        <p:nvSpPr>
+          <p:cNvPr id="4" name="Slide Number Placeholder 3"/>
+          <p:cNvSpPr>
+            <a:spLocks noGrp="1"/>
+          </p:cNvSpPr>
+          <p:nvPr>
+            <p:ph type="sldNum" sz="quarter" idx="12"/>
+          </p:nvPr>
+        </p:nvSpPr>
+        <p:spPr/>
+        <p:txBody>
+          <a:bodyPr>
+            <a:normAutofit lnSpcReduction="10000"/>
+          </a:bodyPr>
+          <a:lstStyle/>
+          <a:p>
+            <a:fld id="{66B77C49-310C-4D67-A641-7D2CCF3E3B8A}" type="slidenum">
+              <a:rPr lang="es-ES_tradnl" smtClean="0"/>
+              <a:t>7</a:t>
+            </a:fld>
+            <a:endParaRPr lang="es-ES_tradnl" dirty="0"/>
+          </a:p>
+        </p:txBody>
+      </p:sp>
+      <p:sp>
+        <p:nvSpPr>
+          <p:cNvPr id="3" name="TextBox 2"/>
+          <p:cNvSpPr txBox="1"/>
+          <p:nvPr/>
+        </p:nvSpPr>
+        <p:spPr>
+          <a:xfrm>
+            <a:off x="2631440" y="6156960"/>
+            <a:ext cx="5128327" cy="369332"/>
+          </a:xfrm>
+          <a:prstGeom prst="rect">
+            <a:avLst/>
+          </a:prstGeom>
+          <a:noFill/>
+        </p:spPr>
+        <p:txBody>
+          <a:bodyPr wrap="none" rtlCol="0">
+            <a:spAutoFit/>
+          </a:bodyPr>
+          <a:lstStyle/>
+          <a:p>
+            <a:r>
+              <a:rPr lang="es-ES_tradnl" dirty="0" smtClean="0"/>
+              <a:t>Fig. 2: Diagrama de despliegue de la solución.</a:t>
+            </a:r>
+            <a:endParaRPr lang="es-ES_tradnl" dirty="0"/>
+          </a:p>
+        </p:txBody>
+      </p:sp>
+      <p:pic>
+        <p:nvPicPr>
+          <p:cNvPr id="6" name="Picture 2" descr="Resultado de imagen para duoc"/>
+          <p:cNvPicPr>
+            <a:picLocks noChangeAspect="1" noChangeArrowheads="1"/>
+          </p:cNvPicPr>
+          <p:nvPr/>
+        </p:nvPicPr>
+        <p:blipFill rotWithShape="1">
+          <a:blip r:embed="rId3">
+            <a:extLst>
+              <a:ext uri="{28A0092B-C50C-407E-A947-70E740481C1C}">
+                <a14:useLocalDpi xmlns:a14="http://schemas.microsoft.com/office/drawing/2010/main" val="0"/>
+              </a:ext>
+            </a:extLst>
+          </a:blip>
+          <a:srcRect t="13892" r="19022"/>
+          <a:stretch/>
+        </p:blipFill>
+        <p:spPr bwMode="auto">
+          <a:xfrm>
+            <a:off x="9023169" y="378822"/>
+            <a:ext cx="2001883" cy="524910"/>
+          </a:xfrm>
+          <a:prstGeom prst="rect">
+            <a:avLst/>
+          </a:prstGeom>
+          <a:noFill/>
+          <a:extLst>
+            <a:ext uri="{909E8E84-426E-40DD-AFC4-6F175D3DCCD1}">
+              <a14:hiddenFill xmlns:a14="http://schemas.microsoft.com/office/drawing/2010/main">
+                <a:solidFill>
+                  <a:srgbClr val="FFFFFF"/>
+                </a:solidFill>
+              </a14:hiddenFill>
+            </a:ext>
+          </a:extLst>
+        </p:spPr>
+      </p:pic>
+    </p:spTree>
+    <p:extLst>
+      <p:ext uri="{BB962C8B-B14F-4D97-AF65-F5344CB8AC3E}">
+        <p14:creationId xmlns:p14="http://schemas.microsoft.com/office/powerpoint/2010/main" val="1927018322"/>
+      </p:ext>
+    </p:extLst>
+  </p:cSld>
+  <p:clrMapOvr>
+    <a:masterClrMapping/>
+  </p:clrMapOvr>
+  <mc:AlternateContent xmlns:mc="http://schemas.openxmlformats.org/markup-compatibility/2006" xmlns:p14="http://schemas.microsoft.com/office/powerpoint/2010/main">
+    <mc:Choice Requires="p14">
+      <p:transition p14:dur="150">
+        <p:fade/>
+      </p:transition>
+    </mc:Choice>
+    <mc:Fallback xmlns="">
+      <p:transition>
+        <p:fade/>
+      </p:transition>
+    </mc:Fallback>
+  </mc:AlternateContent>
+  <p:timing>
+    <p:tnLst>
+      <p:par>
+        <p:cTn id="1" dur="indefinite" restart="never" nodeType="tmRoot"/>
+      </p:par>
+    </p:tnLst>
+  </p:timing>
+</p:sld>
+</file>
+
+<file path=ppt/slides/slide9.xml><?xml version="1.0" encoding="utf-8"?>
+<p:sld xmlns:a="http://schemas.openxmlformats.org/drawingml/2006/main" xmlns:r="http://schemas.openxmlformats.org/officeDocument/2006/relationships" xmlns:p="http://schemas.openxmlformats.org/presentationml/2006/main">
+  <p:cSld>
+    <p:spTree>
+      <p:nvGrpSpPr>
+        <p:cNvPr id="1" name=""/>
+        <p:cNvGrpSpPr/>
+        <p:nvPr/>
+      </p:nvGrpSpPr>
+      <p:grpSpPr>
+        <a:xfrm>
+          <a:off x="0" y="0"/>
+          <a:ext cx="0" cy="0"/>
+          <a:chOff x="0" y="0"/>
+          <a:chExt cx="0" cy="0"/>
+        </a:xfrm>
+      </p:grpSpPr>
+      <p:sp>
+        <p:nvSpPr>
+          <p:cNvPr id="2" name="Title 1"/>
+          <p:cNvSpPr>
+            <a:spLocks noGrp="1"/>
+          </p:cNvSpPr>
+          <p:nvPr>
+            <p:ph type="title"/>
+          </p:nvPr>
+        </p:nvSpPr>
+        <p:spPr/>
+        <p:txBody>
+          <a:bodyPr/>
+          <a:lstStyle/>
+          <a:p>
+            <a:r>
+              <a:rPr lang="es-ES_tradnl" dirty="0" smtClean="0"/>
+              <a:t>Modelo de datos</a:t>
+            </a:r>
+            <a:endParaRPr lang="es-ES_tradnl" dirty="0"/>
+          </a:p>
+        </p:txBody>
+      </p:sp>
+      <p:sp>
+        <p:nvSpPr>
+          <p:cNvPr id="3" name="Content Placeholder 2"/>
+          <p:cNvSpPr>
+            <a:spLocks noGrp="1"/>
+          </p:cNvSpPr>
+          <p:nvPr>
+            <p:ph idx="1"/>
+          </p:nvPr>
+        </p:nvSpPr>
+        <p:spPr/>
+        <p:txBody>
+          <a:bodyPr>
+            <a:normAutofit/>
+          </a:bodyPr>
+          <a:lstStyle/>
+          <a:p>
+            <a:pPr>
+              <a:lnSpc>
+                <a:spcPct val="100000"/>
+              </a:lnSpc>
+              <a:spcBef>
+                <a:spcPts val="0"/>
+              </a:spcBef>
+              <a:spcAft>
+                <a:spcPts val="0"/>
+              </a:spcAft>
+              <a:buClrTx/>
+              <a:buSzTx/>
+            </a:pPr>
+            <a:r>
+              <a:rPr lang="es-ES_tradnl" sz="4800" dirty="0" smtClean="0"/>
+              <a:t>2 bases de datos:</a:t>
+            </a:r>
+          </a:p>
+          <a:p>
+            <a:pPr lvl="1">
+              <a:lnSpc>
+                <a:spcPct val="100000"/>
+              </a:lnSpc>
+              <a:spcBef>
+                <a:spcPts val="0"/>
+              </a:spcBef>
+              <a:spcAft>
+                <a:spcPts val="0"/>
+              </a:spcAft>
+              <a:buClrTx/>
+            </a:pPr>
+            <a:r>
+              <a:rPr lang="es-ES_tradnl" sz="4400" dirty="0" smtClean="0"/>
+              <a:t>CMH – 27 tablas.</a:t>
+            </a:r>
+          </a:p>
+          <a:p>
+            <a:pPr lvl="1">
+              <a:lnSpc>
+                <a:spcPct val="100000"/>
+              </a:lnSpc>
+              <a:spcBef>
+                <a:spcPts val="0"/>
+              </a:spcBef>
+              <a:spcAft>
+                <a:spcPts val="0"/>
+              </a:spcAft>
+              <a:buClrTx/>
+            </a:pPr>
+            <a:r>
+              <a:rPr lang="es-ES_tradnl" sz="4400" dirty="0" smtClean="0"/>
+              <a:t>Seguros – 6 tablas.</a:t>
+            </a:r>
+          </a:p>
+          <a:p>
+            <a:pPr>
+              <a:lnSpc>
+                <a:spcPct val="100000"/>
+              </a:lnSpc>
+              <a:spcBef>
+                <a:spcPts val="0"/>
+              </a:spcBef>
+              <a:spcAft>
+                <a:spcPts val="0"/>
+              </a:spcAft>
+              <a:buClrTx/>
+            </a:pPr>
+            <a:endParaRPr lang="es-ES_tradnl" sz="4400" dirty="0" smtClean="0"/>
+          </a:p>
+          <a:p>
+            <a:pPr>
+              <a:lnSpc>
+                <a:spcPct val="100000"/>
+              </a:lnSpc>
+              <a:spcBef>
+                <a:spcPts val="0"/>
+              </a:spcBef>
+              <a:spcAft>
+                <a:spcPts val="0"/>
+              </a:spcAft>
+              <a:buClrTx/>
+            </a:pPr>
+            <a:r>
+              <a:rPr lang="es-ES_tradnl" sz="4400" dirty="0" smtClean="0"/>
+              <a:t>Cubren 100% de los casos de uso.</a:t>
+            </a:r>
+            <a:endParaRPr lang="es-ES_tradnl" sz="4400" dirty="0"/>
+          </a:p>
+        </p:txBody>
+      </p:sp>
+      <p:sp>
+        <p:nvSpPr>
+          <p:cNvPr id="4" name="Slide Number Placeholder 3"/>
+          <p:cNvSpPr>
+            <a:spLocks noGrp="1"/>
+          </p:cNvSpPr>
+          <p:nvPr>
+            <p:ph type="sldNum" sz="quarter" idx="12"/>
+          </p:nvPr>
+        </p:nvSpPr>
+        <p:spPr/>
+        <p:txBody>
+          <a:bodyPr>
+            <a:normAutofit lnSpcReduction="10000"/>
+          </a:bodyPr>
+          <a:lstStyle/>
+          <a:p>
+            <a:fld id="{66B77C49-310C-4D67-A641-7D2CCF3E3B8A}" type="slidenum">
+              <a:rPr lang="es-CL" smtClean="0"/>
+              <a:t>8</a:t>
+            </a:fld>
+            <a:endParaRPr lang="es-CL"/>
+          </a:p>
+        </p:txBody>
+      </p:sp>
+      <p:pic>
+        <p:nvPicPr>
+          <p:cNvPr id="5" name="Picture 2" descr="Resultado de imagen para duoc"/>
+          <p:cNvPicPr>
+            <a:picLocks noChangeAspect="1" noChangeArrowheads="1"/>
+          </p:cNvPicPr>
+          <p:nvPr/>
+        </p:nvPicPr>
+        <p:blipFill rotWithShape="1">
+          <a:blip r:embed="rId2">
+            <a:extLst>
+              <a:ext uri="{28A0092B-C50C-407E-A947-70E740481C1C}">
+                <a14:useLocalDpi xmlns:a14="http://schemas.microsoft.com/office/drawing/2010/main" val="0"/>
+              </a:ext>
+            </a:extLst>
+          </a:blip>
+          <a:srcRect t="13892" r="19022"/>
+          <a:stretch/>
+        </p:blipFill>
+        <p:spPr bwMode="auto">
+          <a:xfrm>
+            <a:off x="9023169" y="378822"/>
+            <a:ext cx="2001883" cy="524910"/>
+          </a:xfrm>
+          <a:prstGeom prst="rect">
+            <a:avLst/>
+          </a:prstGeom>
+          <a:noFill/>
+          <a:extLst>
+            <a:ext uri="{909E8E84-426E-40DD-AFC4-6F175D3DCCD1}">
+              <a14:hiddenFill xmlns:a14="http://schemas.microsoft.com/office/drawing/2010/main">
+                <a:solidFill>
+                  <a:srgbClr val="FFFFFF"/>
+                </a:solidFill>
+              </a14:hiddenFill>
+            </a:ext>
+          </a:extLst>
+        </p:spPr>
+      </p:pic>
+    </p:spTree>
+    <p:extLst>
+      <p:ext uri="{BB962C8B-B14F-4D97-AF65-F5344CB8AC3E}">
+        <p14:creationId xmlns:p14="http://schemas.microsoft.com/office/powerpoint/2010/main" val="489582192"/>
       </p:ext>
     </p:extLst>
   </p:cSld>

--- a/presentación lunes 24 octubre 2016.pptx
+++ b/presentación lunes 24 octubre 2016.pptx
@@ -212,7 +212,7 @@
           <a:p>
             <a:fld id="{5F5A3C90-08A7-4C4F-9765-25EF2ADA2C26}" type="datetimeFigureOut">
               <a:rPr lang="es-CL" smtClean="0"/>
-              <a:t>03-11-2016</a:t>
+              <a:t>05-11-16</a:t>
             </a:fld>
             <a:endParaRPr lang="es-CL"/>
           </a:p>
@@ -371,7 +371,7 @@
           <a:p>
             <a:fld id="{DF2599EA-3C95-46C0-99A8-B5EBCBCDB69B}" type="slidenum">
               <a:rPr lang="es-CL" smtClean="0"/>
-              <a:t>‹Nº›</a:t>
+              <a:t>‹#›</a:t>
             </a:fld>
             <a:endParaRPr lang="es-CL"/>
           </a:p>
@@ -659,11 +659,7 @@
             </a:r>
             <a:r>
               <a:rPr lang="es-ES_tradnl" sz="1200" baseline="0" dirty="0" smtClean="0"/>
-              <a:t> </a:t>
-            </a:r>
-            <a:r>
-              <a:rPr lang="es-ES_tradnl" sz="1200" baseline="0" dirty="0" smtClean="0"/>
-              <a:t>López</a:t>
+              <a:t> López</a:t>
             </a:r>
             <a:endParaRPr lang="es-CL" dirty="0"/>
           </a:p>
@@ -1285,7 +1281,7 @@
           <a:p>
             <a:fld id="{89E5C9D5-1059-417C-933B-079D684B6386}" type="datetime1">
               <a:rPr lang="es-CL" smtClean="0"/>
-              <a:t>03-11-2016</a:t>
+              <a:t>05-11-16</a:t>
             </a:fld>
             <a:endParaRPr lang="es-CL"/>
           </a:p>
@@ -1327,7 +1323,7 @@
           <a:p>
             <a:fld id="{66B77C49-310C-4D67-A641-7D2CCF3E3B8A}" type="slidenum">
               <a:rPr lang="es-CL" smtClean="0"/>
-              <a:t>‹Nº›</a:t>
+              <a:t>‹#›</a:t>
             </a:fld>
             <a:endParaRPr lang="es-CL"/>
           </a:p>
@@ -1467,7 +1463,7 @@
           <a:p>
             <a:fld id="{A8720E4C-398C-460E-BAB2-2CA54AE1728D}" type="datetime1">
               <a:rPr lang="es-CL" smtClean="0"/>
-              <a:t>03-11-2016</a:t>
+              <a:t>05-11-16</a:t>
             </a:fld>
             <a:endParaRPr lang="es-CL"/>
           </a:p>
@@ -1509,7 +1505,7 @@
           <a:p>
             <a:fld id="{66B77C49-310C-4D67-A641-7D2CCF3E3B8A}" type="slidenum">
               <a:rPr lang="es-CL" smtClean="0"/>
-              <a:t>‹Nº›</a:t>
+              <a:t>‹#›</a:t>
             </a:fld>
             <a:endParaRPr lang="es-CL"/>
           </a:p>
@@ -1700,7 +1696,7 @@
           <a:p>
             <a:fld id="{43E203C6-1909-4781-971E-116AFD440A10}" type="datetime1">
               <a:rPr lang="es-CL" smtClean="0"/>
-              <a:t>03-11-2016</a:t>
+              <a:t>05-11-16</a:t>
             </a:fld>
             <a:endParaRPr lang="es-CL"/>
           </a:p>
@@ -1742,7 +1738,7 @@
           <a:p>
             <a:fld id="{66B77C49-310C-4D67-A641-7D2CCF3E3B8A}" type="slidenum">
               <a:rPr lang="es-CL" smtClean="0"/>
-              <a:t>‹Nº›</a:t>
+              <a:t>‹#›</a:t>
             </a:fld>
             <a:endParaRPr lang="es-CL"/>
           </a:p>
@@ -1923,7 +1919,7 @@
           <a:p>
             <a:fld id="{154DED30-8343-49F5-A66D-C88BB0DF3F98}" type="datetime1">
               <a:rPr lang="es-CL" smtClean="0"/>
-              <a:t>03-11-2016</a:t>
+              <a:t>05-11-16</a:t>
             </a:fld>
             <a:endParaRPr lang="es-CL"/>
           </a:p>
@@ -1965,7 +1961,7 @@
           <a:p>
             <a:fld id="{66B77C49-310C-4D67-A641-7D2CCF3E3B8A}" type="slidenum">
               <a:rPr lang="es-CL" smtClean="0"/>
-              <a:t>‹Nº›</a:t>
+              <a:t>‹#›</a:t>
             </a:fld>
             <a:endParaRPr lang="es-CL"/>
           </a:p>
@@ -2230,7 +2226,7 @@
           <a:p>
             <a:fld id="{008ECD7B-FFF3-4FF8-AAE9-DF516B8429F0}" type="datetime1">
               <a:rPr lang="es-CL" smtClean="0"/>
-              <a:t>03-11-2016</a:t>
+              <a:t>05-11-16</a:t>
             </a:fld>
             <a:endParaRPr lang="es-CL"/>
           </a:p>
@@ -2272,7 +2268,7 @@
           <a:p>
             <a:fld id="{66B77C49-310C-4D67-A641-7D2CCF3E3B8A}" type="slidenum">
               <a:rPr lang="es-CL" smtClean="0"/>
-              <a:t>‹Nº›</a:t>
+              <a:t>‹#›</a:t>
             </a:fld>
             <a:endParaRPr lang="es-CL"/>
           </a:p>
@@ -2571,7 +2567,7 @@
           <a:p>
             <a:fld id="{BE1B6FD1-7923-4D70-9EDC-F33CED2E88B0}" type="datetime1">
               <a:rPr lang="es-CL" smtClean="0"/>
-              <a:t>03-11-2016</a:t>
+              <a:t>05-11-16</a:t>
             </a:fld>
             <a:endParaRPr lang="es-CL"/>
           </a:p>
@@ -2613,7 +2609,7 @@
           <a:p>
             <a:fld id="{66B77C49-310C-4D67-A641-7D2CCF3E3B8A}" type="slidenum">
               <a:rPr lang="es-CL" smtClean="0"/>
-              <a:t>‹Nº›</a:t>
+              <a:t>‹#›</a:t>
             </a:fld>
             <a:endParaRPr lang="es-CL"/>
           </a:p>
@@ -3075,7 +3071,7 @@
           <a:p>
             <a:fld id="{A0456DFA-3945-4E01-A82F-05D34E7C69EF}" type="datetime1">
               <a:rPr lang="es-CL" smtClean="0"/>
-              <a:t>03-11-2016</a:t>
+              <a:t>05-11-16</a:t>
             </a:fld>
             <a:endParaRPr lang="es-CL"/>
           </a:p>
@@ -3117,7 +3113,7 @@
           <a:p>
             <a:fld id="{66B77C49-310C-4D67-A641-7D2CCF3E3B8A}" type="slidenum">
               <a:rPr lang="es-CL" smtClean="0"/>
-              <a:t>‹Nº›</a:t>
+              <a:t>‹#›</a:t>
             </a:fld>
             <a:endParaRPr lang="es-CL"/>
           </a:p>
@@ -3246,7 +3242,7 @@
           <a:p>
             <a:fld id="{557C4F69-2838-42FA-8DBD-EC78C746AC4D}" type="datetime1">
               <a:rPr lang="es-CL" smtClean="0"/>
-              <a:t>03-11-2016</a:t>
+              <a:t>05-11-16</a:t>
             </a:fld>
             <a:endParaRPr lang="es-CL"/>
           </a:p>
@@ -3288,7 +3284,7 @@
           <a:p>
             <a:fld id="{66B77C49-310C-4D67-A641-7D2CCF3E3B8A}" type="slidenum">
               <a:rPr lang="es-CL" smtClean="0"/>
-              <a:t>‹Nº›</a:t>
+              <a:t>‹#›</a:t>
             </a:fld>
             <a:endParaRPr lang="es-CL"/>
           </a:p>
@@ -3394,7 +3390,7 @@
           <a:p>
             <a:fld id="{07EEB1EE-80D2-40B9-84CD-27545A9BFEA4}" type="datetime1">
               <a:rPr lang="es-CL" smtClean="0"/>
-              <a:t>03-11-2016</a:t>
+              <a:t>05-11-16</a:t>
             </a:fld>
             <a:endParaRPr lang="es-CL"/>
           </a:p>
@@ -3436,7 +3432,7 @@
           <a:p>
             <a:fld id="{66B77C49-310C-4D67-A641-7D2CCF3E3B8A}" type="slidenum">
               <a:rPr lang="es-CL" smtClean="0"/>
-              <a:t>‹Nº›</a:t>
+              <a:t>‹#›</a:t>
             </a:fld>
             <a:endParaRPr lang="es-CL"/>
           </a:p>
@@ -3734,7 +3730,7 @@
           <a:p>
             <a:fld id="{D8391AB1-5E7F-4428-BF74-71643B6F22AD}" type="datetime1">
               <a:rPr lang="es-CL" smtClean="0"/>
-              <a:t>03-11-2016</a:t>
+              <a:t>05-11-16</a:t>
             </a:fld>
             <a:endParaRPr lang="es-CL"/>
           </a:p>
@@ -3776,7 +3772,7 @@
           <a:p>
             <a:fld id="{66B77C49-310C-4D67-A641-7D2CCF3E3B8A}" type="slidenum">
               <a:rPr lang="es-CL" smtClean="0"/>
-              <a:t>‹Nº›</a:t>
+              <a:t>‹#›</a:t>
             </a:fld>
             <a:endParaRPr lang="es-CL"/>
           </a:p>
@@ -4061,7 +4057,7 @@
           <a:p>
             <a:fld id="{8E766E1C-99D9-459A-8191-EBC25BE06DF5}" type="datetime1">
               <a:rPr lang="es-CL" smtClean="0"/>
-              <a:t>03-11-2016</a:t>
+              <a:t>05-11-16</a:t>
             </a:fld>
             <a:endParaRPr lang="es-CL"/>
           </a:p>
@@ -4103,7 +4099,7 @@
           <a:p>
             <a:fld id="{66B77C49-310C-4D67-A641-7D2CCF3E3B8A}" type="slidenum">
               <a:rPr lang="es-CL" smtClean="0"/>
-              <a:t>‹Nº›</a:t>
+              <a:t>‹#›</a:t>
             </a:fld>
             <a:endParaRPr lang="es-CL"/>
           </a:p>
@@ -4325,7 +4321,7 @@
           <a:p>
             <a:fld id="{9FB8A2EC-9F2E-49B3-BC1D-41B8951AFF83}" type="datetime1">
               <a:rPr lang="es-CL" smtClean="0"/>
-              <a:t>03-11-2016</a:t>
+              <a:t>05-11-16</a:t>
             </a:fld>
             <a:endParaRPr lang="es-CL"/>
           </a:p>
@@ -4408,7 +4404,7 @@
           <a:p>
             <a:fld id="{66B77C49-310C-4D67-A641-7D2CCF3E3B8A}" type="slidenum">
               <a:rPr lang="es-CL" smtClean="0"/>
-              <a:t>‹Nº›</a:t>
+              <a:t>‹#›</a:t>
             </a:fld>
             <a:endParaRPr lang="es-CL"/>
           </a:p>
@@ -6342,14 +6338,12 @@
               <a:rPr lang="es-ES_tradnl" sz="3200" dirty="0" smtClean="0"/>
               <a:t>Alcance</a:t>
             </a:r>
-            <a:endParaRPr lang="es-ES_tradnl" sz="3200" dirty="0" smtClean="0"/>
           </a:p>
           <a:p>
             <a:r>
               <a:rPr lang="es-ES_tradnl" sz="3200" dirty="0" smtClean="0"/>
               <a:t>Planificación</a:t>
             </a:r>
-            <a:endParaRPr lang="es-ES_tradnl" sz="3200" dirty="0" smtClean="0"/>
           </a:p>
           <a:p>
             <a:r>
@@ -6367,13 +6361,8 @@
           <a:p>
             <a:r>
               <a:rPr lang="es-ES_tradnl" sz="3200" dirty="0" smtClean="0"/>
-              <a:t>Modelo de </a:t>
-            </a:r>
-            <a:r>
-              <a:rPr lang="es-ES_tradnl" sz="3200" dirty="0" smtClean="0"/>
-              <a:t>clases</a:t>
-            </a:r>
-            <a:endParaRPr lang="es-ES_tradnl" sz="3200" dirty="0" smtClean="0"/>
+              <a:t>Modelo de clases</a:t>
+            </a:r>
           </a:p>
         </p:txBody>
       </p:sp>
@@ -6801,19 +6790,7 @@
           <a:p>
             <a:r>
               <a:rPr lang="es-ES_tradnl" dirty="0" smtClean="0"/>
-              <a:t>Fig. </a:t>
-            </a:r>
-            <a:r>
-              <a:rPr lang="es-ES_tradnl" dirty="0" smtClean="0"/>
-              <a:t>1: </a:t>
-            </a:r>
-            <a:r>
-              <a:rPr lang="es-ES_tradnl" dirty="0" smtClean="0"/>
-              <a:t>Diagrama de </a:t>
-            </a:r>
-            <a:r>
-              <a:rPr lang="es-ES_tradnl" dirty="0" smtClean="0"/>
-              <a:t>Ishikawa</a:t>
+              <a:t>Fig. 1: Diagrama de Ishikawa</a:t>
             </a:r>
             <a:endParaRPr lang="es-ES_tradnl" dirty="0"/>
           </a:p>
@@ -6821,7 +6798,7 @@
       </p:sp>
       <p:pic>
         <p:nvPicPr>
-          <p:cNvPr id="39" name="Imagen 38"/>
+          <p:cNvPr id="6" name="Picture 5"/>
           <p:cNvPicPr>
             <a:picLocks noChangeAspect="1"/>
           </p:cNvPicPr>
@@ -6841,8 +6818,8 @@
         </p:blipFill>
         <p:spPr>
           <a:xfrm>
-            <a:off x="1763309" y="1588446"/>
-            <a:ext cx="7592485" cy="4591691"/>
+            <a:off x="1869879" y="1691322"/>
+            <a:ext cx="7379346" cy="4463399"/>
           </a:xfrm>
           <a:prstGeom prst="rect">
             <a:avLst/>
